--- a/Presentation/Database Assignment.pptx
+++ b/Presentation/Database Assignment.pptx
@@ -1,19 +1,23 @@
 
 <file path=ppt/presentation.xml><?xml version="1.0" encoding="utf-8"?>
-<p:presentation xmlns:a="http://schemas.openxmlformats.org/drawingml/2006/main" xmlns:r="http://schemas.openxmlformats.org/officeDocument/2006/relationships" xmlns:p="http://schemas.openxmlformats.org/presentationml/2006/main" saveSubsetFonts="1">
+<p:presentation xmlns:a="http://schemas.openxmlformats.org/drawingml/2006/main" xmlns:r="http://schemas.openxmlformats.org/officeDocument/2006/relationships" xmlns:p="http://schemas.openxmlformats.org/presentationml/2006/main">
   <p:sldMasterIdLst>
-    <p:sldMasterId id="2147483684" r:id="rId1"/>
+    <p:sldMasterId id="2147483648" r:id="rId1"/>
   </p:sldMasterIdLst>
   <p:notesMasterIdLst>
-    <p:notesMasterId r:id="rId5"/>
+    <p:notesMasterId r:id="rId10"/>
   </p:notesMasterIdLst>
   <p:handoutMasterIdLst>
-    <p:handoutMasterId r:id="rId6"/>
+    <p:handoutMasterId r:id="rId11"/>
   </p:handoutMasterIdLst>
   <p:sldIdLst>
-    <p:sldId id="280" r:id="rId2"/>
-    <p:sldId id="269" r:id="rId3"/>
-    <p:sldId id="309" r:id="rId4"/>
+    <p:sldId id="280" r:id="rId3"/>
+    <p:sldId id="312" r:id="rId4"/>
+    <p:sldId id="311" r:id="rId5"/>
+    <p:sldId id="310" r:id="rId6"/>
+    <p:sldId id="313" r:id="rId7"/>
+    <p:sldId id="269" r:id="rId8"/>
+    <p:sldId id="309" r:id="rId9"/>
   </p:sldIdLst>
   <p:sldSz cx="12192000" cy="6858000"/>
   <p:notesSz cx="6858000" cy="9144000"/>
@@ -112,25 +116,6 @@
       </a:defRPr>
     </a:lvl9pPr>
   </p:defaultTextStyle>
-  <p:extLst>
-    <p:ext uri="{EFAFB233-063F-42B5-8137-9DF3F51BA10A}">
-      <p15:sldGuideLst xmlns:p15="http://schemas.microsoft.com/office/powerpoint/2012/main">
-        <p15:guide id="1" orient="horz" pos="2160" userDrawn="1">
-          <p15:clr>
-            <a:srgbClr val="A4A3A4"/>
-          </p15:clr>
-        </p15:guide>
-        <p15:guide id="2" pos="3840" userDrawn="1">
-          <p15:clr>
-            <a:srgbClr val="A4A3A4"/>
-          </p15:clr>
-        </p15:guide>
-      </p15:sldGuideLst>
-    </p:ext>
-    <p:ext uri="{2D200454-40CA-4A62-9FC3-DE9A4176ACB9}">
-      <p15:notesGuideLst xmlns:p15="http://schemas.microsoft.com/office/powerpoint/2012/main"/>
-    </p:ext>
-  </p:extLst>
 </p:presentation>
 </file>
 
@@ -216,7 +201,6 @@
           <a:p>
             <a:fld id="{E5CB2E47-6F41-409B-AD22-834AE1EFF186}" type="datetimeFigureOut">
               <a:rPr lang="en-US" smtClean="0"/>
-              <a:t>24-Aug-19</a:t>
             </a:fld>
             <a:endParaRPr lang="en-US" dirty="0"/>
           </a:p>
@@ -282,18 +266,12 @@
           <a:p>
             <a:fld id="{0180BE5A-9D85-4716-9443-9D9E66ACB5E5}" type="slidenum">
               <a:rPr lang="en-US" smtClean="0"/>
-              <a:t>‹#›</a:t>
             </a:fld>
             <a:endParaRPr lang="en-US" dirty="0"/>
           </a:p>
         </p:txBody>
       </p:sp>
     </p:spTree>
-    <p:extLst>
-      <p:ext uri="{BB962C8B-B14F-4D97-AF65-F5344CB8AC3E}">
-        <p14:creationId xmlns:p14="http://schemas.microsoft.com/office/powerpoint/2010/main" val="3788782669"/>
-      </p:ext>
-    </p:extLst>
   </p:cSld>
   <p:clrMap bg1="lt1" tx1="dk1" bg2="lt2" tx2="dk2" accent1="accent1" accent2="accent2" accent3="accent3" accent4="accent4" accent5="accent5" accent6="accent6" hlink="hlink" folHlink="folHlink"/>
 </p:handoutMaster>
@@ -381,7 +359,6 @@
           <a:p>
             <a:fld id="{FAD6744A-403D-42A1-BFE7-61DA46EE7C6C}" type="datetimeFigureOut">
               <a:rPr lang="en-US" smtClean="0"/>
-              <a:t>24-Aug-19</a:t>
             </a:fld>
             <a:endParaRPr lang="en-US" dirty="0"/>
           </a:p>
@@ -448,6 +425,7 @@
               <a:rPr lang="en-US"/>
               <a:t>Click to edit Master text styles</a:t>
             </a:r>
+            <a:endParaRPr lang="en-US"/>
           </a:p>
           <a:p>
             <a:pPr lvl="1"/>
@@ -455,6 +433,7 @@
               <a:rPr lang="en-US"/>
               <a:t>Second level</a:t>
             </a:r>
+            <a:endParaRPr lang="en-US"/>
           </a:p>
           <a:p>
             <a:pPr lvl="2"/>
@@ -462,6 +441,7 @@
               <a:rPr lang="en-US"/>
               <a:t>Third level</a:t>
             </a:r>
+            <a:endParaRPr lang="en-US"/>
           </a:p>
           <a:p>
             <a:pPr lvl="3"/>
@@ -469,6 +449,7 @@
               <a:rPr lang="en-US"/>
               <a:t>Fourth level</a:t>
             </a:r>
+            <a:endParaRPr lang="en-US"/>
           </a:p>
           <a:p>
             <a:pPr lvl="4"/>
@@ -476,6 +457,7 @@
               <a:rPr lang="en-US"/>
               <a:t>Fifth level</a:t>
             </a:r>
+            <a:endParaRPr lang="en-US"/>
           </a:p>
         </p:txBody>
       </p:sp>
@@ -539,18 +521,12 @@
           <a:p>
             <a:fld id="{F1E05635-4EFD-4447-A451-86C57984FA89}" type="slidenum">
               <a:rPr lang="en-US" smtClean="0"/>
-              <a:t>‹#›</a:t>
             </a:fld>
             <a:endParaRPr lang="en-US" dirty="0"/>
           </a:p>
         </p:txBody>
       </p:sp>
     </p:spTree>
-    <p:extLst>
-      <p:ext uri="{BB962C8B-B14F-4D97-AF65-F5344CB8AC3E}">
-        <p14:creationId xmlns:p14="http://schemas.microsoft.com/office/powerpoint/2010/main" val="1206602361"/>
-      </p:ext>
-    </p:extLst>
   </p:cSld>
   <p:clrMap bg1="lt1" tx1="dk1" bg2="lt2" tx2="dk2" accent1="accent1" accent2="accent2" accent3="accent3" accent4="accent4" accent5="accent5" accent6="accent6" hlink="hlink" folHlink="folHlink"/>
   <p:notesStyle>
@@ -649,7 +625,7 @@
 </file>
 
 <file path=ppt/slideLayouts/slideLayout1.xml><?xml version="1.0" encoding="utf-8"?>
-<p:sldLayout xmlns:a="http://schemas.openxmlformats.org/drawingml/2006/main" xmlns:r="http://schemas.openxmlformats.org/officeDocument/2006/relationships" xmlns:p="http://schemas.openxmlformats.org/presentationml/2006/main" showMasterSp="0" type="title" preserve="1">
+<p:sldLayout xmlns:a="http://schemas.openxmlformats.org/drawingml/2006/main" xmlns:r="http://schemas.openxmlformats.org/officeDocument/2006/relationships" xmlns:p="http://schemas.openxmlformats.org/presentationml/2006/main" type="title" preserve="1" showMasterSp="0">
   <p:cSld name="Title Slide">
     <p:spTree>
       <p:nvGrpSpPr>
@@ -1031,7 +1007,6 @@
           <a:p>
             <a:fld id="{401CF334-2D5C-4859-84A6-CA7E6E43FAEB}" type="slidenum">
               <a:rPr lang="en-US" smtClean="0"/>
-              <a:t>‹#›</a:t>
             </a:fld>
             <a:endParaRPr lang="en-US" dirty="0"/>
           </a:p>
@@ -1056,6 +1031,7 @@
               <a:rPr lang="en-US" dirty="0"/>
               <a:t>Add a footer</a:t>
             </a:r>
+            <a:endParaRPr lang="en-US" dirty="0"/>
           </a:p>
         </p:txBody>
       </p:sp>
@@ -1076,29 +1052,23 @@
           <a:p>
             <a:fld id="{349BF3EA-1A78-4F07-BDC0-C8A1BD461199}" type="datetimeFigureOut">
               <a:rPr lang="en-US" smtClean="0"/>
-              <a:t>24-Aug-19</a:t>
             </a:fld>
             <a:endParaRPr lang="en-US" dirty="0"/>
           </a:p>
         </p:txBody>
       </p:sp>
     </p:spTree>
-    <p:extLst>
-      <p:ext uri="{BB962C8B-B14F-4D97-AF65-F5344CB8AC3E}">
-        <p14:creationId xmlns:p14="http://schemas.microsoft.com/office/powerpoint/2010/main" val="2400697361"/>
-      </p:ext>
-    </p:extLst>
   </p:cSld>
   <p:clrMapOvr>
     <a:masterClrMapping/>
   </p:clrMapOvr>
-  <mc:AlternateContent xmlns:mc="http://schemas.openxmlformats.org/markup-compatibility/2006" xmlns:p14="http://schemas.microsoft.com/office/powerpoint/2010/main">
-    <mc:Choice Requires="p14">
+  <mc:AlternateContent xmlns:mc="http://schemas.openxmlformats.org/markup-compatibility/2006">
+    <mc:Choice xmlns:p14="http://schemas.microsoft.com/office/powerpoint/2010/main" Requires="p14">
       <p:transition spd="med" p14:dur="700">
         <p:fade/>
       </p:transition>
     </mc:Choice>
-    <mc:Fallback xmlns="">
+    <mc:Fallback>
       <p:transition spd="med">
         <p:fade/>
       </p:transition>
@@ -1143,6 +1113,7 @@
               <a:rPr kumimoji="0" lang="en-US"/>
               <a:t>Click to edit Master title style</a:t>
             </a:r>
+            <a:endParaRPr kumimoji="0" lang="en-US"/>
           </a:p>
         </p:txBody>
       </p:sp>
@@ -1166,6 +1137,7 @@
               <a:rPr lang="en-US"/>
               <a:t>Click to edit Master text styles</a:t>
             </a:r>
+            <a:endParaRPr lang="en-US"/>
           </a:p>
           <a:p>
             <a:pPr lvl="1" eaLnBrk="1" latinLnBrk="0" hangingPunct="1"/>
@@ -1173,6 +1145,7 @@
               <a:rPr lang="en-US"/>
               <a:t>Second level</a:t>
             </a:r>
+            <a:endParaRPr lang="en-US"/>
           </a:p>
           <a:p>
             <a:pPr lvl="2" eaLnBrk="1" latinLnBrk="0" hangingPunct="1"/>
@@ -1180,6 +1153,7 @@
               <a:rPr lang="en-US"/>
               <a:t>Third level</a:t>
             </a:r>
+            <a:endParaRPr lang="en-US"/>
           </a:p>
           <a:p>
             <a:pPr lvl="3" eaLnBrk="1" latinLnBrk="0" hangingPunct="1"/>
@@ -1187,6 +1161,7 @@
               <a:rPr lang="en-US"/>
               <a:t>Fourth level</a:t>
             </a:r>
+            <a:endParaRPr lang="en-US"/>
           </a:p>
           <a:p>
             <a:pPr lvl="4" eaLnBrk="1" latinLnBrk="0" hangingPunct="1"/>
@@ -1215,7 +1190,6 @@
           <a:p>
             <a:fld id="{401CF334-2D5C-4859-84A6-CA7E6E43FAEB}" type="slidenum">
               <a:rPr lang="en-US" smtClean="0"/>
-              <a:t>‹#›</a:t>
             </a:fld>
             <a:endParaRPr lang="en-US" dirty="0"/>
           </a:p>
@@ -1240,6 +1214,7 @@
               <a:rPr lang="en-US" dirty="0"/>
               <a:t>Add a footer</a:t>
             </a:r>
+            <a:endParaRPr lang="en-US" dirty="0"/>
           </a:p>
         </p:txBody>
       </p:sp>
@@ -1260,29 +1235,23 @@
           <a:p>
             <a:fld id="{349BF3EA-1A78-4F07-BDC0-C8A1BD461199}" type="datetimeFigureOut">
               <a:rPr lang="en-US" smtClean="0"/>
-              <a:t>24-Aug-19</a:t>
             </a:fld>
             <a:endParaRPr lang="en-US" dirty="0"/>
           </a:p>
         </p:txBody>
       </p:sp>
     </p:spTree>
-    <p:extLst>
-      <p:ext uri="{BB962C8B-B14F-4D97-AF65-F5344CB8AC3E}">
-        <p14:creationId xmlns:p14="http://schemas.microsoft.com/office/powerpoint/2010/main" val="3207736462"/>
-      </p:ext>
-    </p:extLst>
   </p:cSld>
   <p:clrMapOvr>
     <a:masterClrMapping/>
   </p:clrMapOvr>
-  <mc:AlternateContent xmlns:mc="http://schemas.openxmlformats.org/markup-compatibility/2006" xmlns:p14="http://schemas.microsoft.com/office/powerpoint/2010/main">
-    <mc:Choice Requires="p14">
+  <mc:AlternateContent xmlns:mc="http://schemas.openxmlformats.org/markup-compatibility/2006">
+    <mc:Choice xmlns:p14="http://schemas.microsoft.com/office/powerpoint/2010/main" Requires="p14">
       <p:transition spd="med" p14:dur="700">
         <p:fade/>
       </p:transition>
     </mc:Choice>
-    <mc:Fallback xmlns="">
+    <mc:Fallback>
       <p:transition spd="med">
         <p:fade/>
       </p:transition>
@@ -1332,6 +1301,7 @@
               <a:rPr kumimoji="0" lang="en-US"/>
               <a:t>Click to edit Master title style</a:t>
             </a:r>
+            <a:endParaRPr kumimoji="0" lang="en-US"/>
           </a:p>
         </p:txBody>
       </p:sp>
@@ -1360,6 +1330,7 @@
               <a:rPr lang="en-US"/>
               <a:t>Click to edit Master text styles</a:t>
             </a:r>
+            <a:endParaRPr lang="en-US"/>
           </a:p>
           <a:p>
             <a:pPr lvl="1" eaLnBrk="1" latinLnBrk="0" hangingPunct="1"/>
@@ -1367,6 +1338,7 @@
               <a:rPr lang="en-US"/>
               <a:t>Second level</a:t>
             </a:r>
+            <a:endParaRPr lang="en-US"/>
           </a:p>
           <a:p>
             <a:pPr lvl="2" eaLnBrk="1" latinLnBrk="0" hangingPunct="1"/>
@@ -1374,6 +1346,7 @@
               <a:rPr lang="en-US"/>
               <a:t>Third level</a:t>
             </a:r>
+            <a:endParaRPr lang="en-US"/>
           </a:p>
           <a:p>
             <a:pPr lvl="3" eaLnBrk="1" latinLnBrk="0" hangingPunct="1"/>
@@ -1381,6 +1354,7 @@
               <a:rPr lang="en-US"/>
               <a:t>Fourth level</a:t>
             </a:r>
+            <a:endParaRPr lang="en-US"/>
           </a:p>
           <a:p>
             <a:pPr lvl="4" eaLnBrk="1" latinLnBrk="0" hangingPunct="1"/>
@@ -1409,7 +1383,6 @@
           <a:p>
             <a:fld id="{401CF334-2D5C-4859-84A6-CA7E6E43FAEB}" type="slidenum">
               <a:rPr lang="en-US" smtClean="0"/>
-              <a:t>‹#›</a:t>
             </a:fld>
             <a:endParaRPr lang="en-US" dirty="0"/>
           </a:p>
@@ -1434,6 +1407,7 @@
               <a:rPr lang="en-US" dirty="0"/>
               <a:t>Add a footer</a:t>
             </a:r>
+            <a:endParaRPr lang="en-US" dirty="0"/>
           </a:p>
         </p:txBody>
       </p:sp>
@@ -1454,29 +1428,23 @@
           <a:p>
             <a:fld id="{349BF3EA-1A78-4F07-BDC0-C8A1BD461199}" type="datetimeFigureOut">
               <a:rPr lang="en-US" smtClean="0"/>
-              <a:t>24-Aug-19</a:t>
             </a:fld>
             <a:endParaRPr lang="en-US" dirty="0"/>
           </a:p>
         </p:txBody>
       </p:sp>
     </p:spTree>
-    <p:extLst>
-      <p:ext uri="{BB962C8B-B14F-4D97-AF65-F5344CB8AC3E}">
-        <p14:creationId xmlns:p14="http://schemas.microsoft.com/office/powerpoint/2010/main" val="3923587181"/>
-      </p:ext>
-    </p:extLst>
   </p:cSld>
   <p:clrMapOvr>
     <a:masterClrMapping/>
   </p:clrMapOvr>
-  <mc:AlternateContent xmlns:mc="http://schemas.openxmlformats.org/markup-compatibility/2006" xmlns:p14="http://schemas.microsoft.com/office/powerpoint/2010/main">
-    <mc:Choice Requires="p14">
+  <mc:AlternateContent xmlns:mc="http://schemas.openxmlformats.org/markup-compatibility/2006">
+    <mc:Choice xmlns:p14="http://schemas.microsoft.com/office/powerpoint/2010/main" Requires="p14">
       <p:transition spd="med" p14:dur="700">
         <p:fade/>
       </p:transition>
     </mc:Choice>
-    <mc:Fallback xmlns="">
+    <mc:Fallback>
       <p:transition spd="med">
         <p:fade/>
       </p:transition>
@@ -1521,6 +1489,7 @@
               <a:rPr kumimoji="0" lang="en-US"/>
               <a:t>Click to edit Master title style</a:t>
             </a:r>
+            <a:endParaRPr kumimoji="0" lang="en-US"/>
           </a:p>
         </p:txBody>
       </p:sp>
@@ -1549,6 +1518,7 @@
               <a:rPr lang="en-US"/>
               <a:t>Click to edit Master text styles</a:t>
             </a:r>
+            <a:endParaRPr lang="en-US"/>
           </a:p>
           <a:p>
             <a:pPr lvl="1" eaLnBrk="1" latinLnBrk="0" hangingPunct="1"/>
@@ -1556,6 +1526,7 @@
               <a:rPr lang="en-US"/>
               <a:t>Second level</a:t>
             </a:r>
+            <a:endParaRPr lang="en-US"/>
           </a:p>
           <a:p>
             <a:pPr lvl="2" eaLnBrk="1" latinLnBrk="0" hangingPunct="1"/>
@@ -1563,6 +1534,7 @@
               <a:rPr lang="en-US"/>
               <a:t>Third level</a:t>
             </a:r>
+            <a:endParaRPr lang="en-US"/>
           </a:p>
           <a:p>
             <a:pPr lvl="3" eaLnBrk="1" latinLnBrk="0" hangingPunct="1"/>
@@ -1570,6 +1542,7 @@
               <a:rPr lang="en-US"/>
               <a:t>Fourth level</a:t>
             </a:r>
+            <a:endParaRPr lang="en-US"/>
           </a:p>
           <a:p>
             <a:pPr lvl="4" eaLnBrk="1" latinLnBrk="0" hangingPunct="1"/>
@@ -1598,7 +1571,6 @@
           <a:p>
             <a:fld id="{401CF334-2D5C-4859-84A6-CA7E6E43FAEB}" type="slidenum">
               <a:rPr lang="en-US" smtClean="0"/>
-              <a:t>‹#›</a:t>
             </a:fld>
             <a:endParaRPr lang="en-US" dirty="0"/>
           </a:p>
@@ -1623,6 +1595,7 @@
               <a:rPr lang="en-US" dirty="0"/>
               <a:t>Add a footer</a:t>
             </a:r>
+            <a:endParaRPr lang="en-US" dirty="0"/>
           </a:p>
         </p:txBody>
       </p:sp>
@@ -1643,29 +1616,23 @@
           <a:p>
             <a:fld id="{349BF3EA-1A78-4F07-BDC0-C8A1BD461199}" type="datetimeFigureOut">
               <a:rPr lang="en-US" smtClean="0"/>
-              <a:t>24-Aug-19</a:t>
             </a:fld>
             <a:endParaRPr lang="en-US" dirty="0"/>
           </a:p>
         </p:txBody>
       </p:sp>
     </p:spTree>
-    <p:extLst>
-      <p:ext uri="{BB962C8B-B14F-4D97-AF65-F5344CB8AC3E}">
-        <p14:creationId xmlns:p14="http://schemas.microsoft.com/office/powerpoint/2010/main" val="1316439447"/>
-      </p:ext>
-    </p:extLst>
   </p:cSld>
   <p:clrMapOvr>
     <a:masterClrMapping/>
   </p:clrMapOvr>
-  <mc:AlternateContent xmlns:mc="http://schemas.openxmlformats.org/markup-compatibility/2006" xmlns:p14="http://schemas.microsoft.com/office/powerpoint/2010/main">
-    <mc:Choice Requires="p14">
+  <mc:AlternateContent xmlns:mc="http://schemas.openxmlformats.org/markup-compatibility/2006">
+    <mc:Choice xmlns:p14="http://schemas.microsoft.com/office/powerpoint/2010/main" Requires="p14">
       <p:transition spd="med" p14:dur="700">
         <p:fade/>
       </p:transition>
     </mc:Choice>
-    <mc:Fallback xmlns="">
+    <mc:Fallback>
       <p:transition spd="med">
         <p:fade/>
       </p:transition>
@@ -1675,7 +1642,7 @@
 </file>
 
 <file path=ppt/slideLayouts/slideLayout3.xml><?xml version="1.0" encoding="utf-8"?>
-<p:sldLayout xmlns:a="http://schemas.openxmlformats.org/drawingml/2006/main" xmlns:r="http://schemas.openxmlformats.org/officeDocument/2006/relationships" xmlns:p="http://schemas.openxmlformats.org/presentationml/2006/main" showMasterSp="0" type="secHead" preserve="1">
+<p:sldLayout xmlns:a="http://schemas.openxmlformats.org/drawingml/2006/main" xmlns:r="http://schemas.openxmlformats.org/officeDocument/2006/relationships" xmlns:p="http://schemas.openxmlformats.org/presentationml/2006/main" type="secHead" preserve="1" showMasterSp="0">
   <p:cSld name="Section Header">
     <p:spTree>
       <p:nvGrpSpPr>
@@ -2034,6 +2001,7 @@
               <a:rPr kumimoji="0" lang="en-US"/>
               <a:t>Click to edit Master text styles</a:t>
             </a:r>
+            <a:endParaRPr kumimoji="0" lang="en-US"/>
           </a:p>
         </p:txBody>
       </p:sp>
@@ -2059,7 +2027,6 @@
           <a:p>
             <a:fld id="{401CF334-2D5C-4859-84A6-CA7E6E43FAEB}" type="slidenum">
               <a:rPr lang="en-US" smtClean="0"/>
-              <a:t>‹#›</a:t>
             </a:fld>
             <a:endParaRPr lang="en-US" dirty="0"/>
           </a:p>
@@ -2089,6 +2056,7 @@
               <a:rPr lang="en-US" dirty="0"/>
               <a:t>Add a footer</a:t>
             </a:r>
+            <a:endParaRPr lang="en-US" dirty="0"/>
           </a:p>
         </p:txBody>
       </p:sp>
@@ -2109,29 +2077,23 @@
           <a:p>
             <a:fld id="{349BF3EA-1A78-4F07-BDC0-C8A1BD461199}" type="datetimeFigureOut">
               <a:rPr lang="en-US" smtClean="0"/>
-              <a:t>24-Aug-19</a:t>
             </a:fld>
             <a:endParaRPr lang="en-US" dirty="0"/>
           </a:p>
         </p:txBody>
       </p:sp>
     </p:spTree>
-    <p:extLst>
-      <p:ext uri="{BB962C8B-B14F-4D97-AF65-F5344CB8AC3E}">
-        <p14:creationId xmlns:p14="http://schemas.microsoft.com/office/powerpoint/2010/main" val="2908226720"/>
-      </p:ext>
-    </p:extLst>
   </p:cSld>
   <p:clrMapOvr>
     <a:masterClrMapping/>
   </p:clrMapOvr>
-  <mc:AlternateContent xmlns:mc="http://schemas.openxmlformats.org/markup-compatibility/2006" xmlns:p14="http://schemas.microsoft.com/office/powerpoint/2010/main">
-    <mc:Choice Requires="p14">
+  <mc:AlternateContent xmlns:mc="http://schemas.openxmlformats.org/markup-compatibility/2006">
+    <mc:Choice xmlns:p14="http://schemas.microsoft.com/office/powerpoint/2010/main" Requires="p14">
       <p:transition spd="med" p14:dur="700">
         <p:fade/>
       </p:transition>
     </mc:Choice>
-    <mc:Fallback xmlns="">
+    <mc:Fallback>
       <p:transition spd="med">
         <p:fade/>
       </p:transition>
@@ -2176,6 +2138,7 @@
               <a:rPr kumimoji="0" lang="en-US"/>
               <a:t>Click to edit Master title style</a:t>
             </a:r>
+            <a:endParaRPr kumimoji="0" lang="en-US"/>
           </a:p>
         </p:txBody>
       </p:sp>
@@ -2204,6 +2167,7 @@
               <a:rPr lang="en-US"/>
               <a:t>Click to edit Master text styles</a:t>
             </a:r>
+            <a:endParaRPr lang="en-US"/>
           </a:p>
           <a:p>
             <a:pPr lvl="1" eaLnBrk="1" latinLnBrk="0" hangingPunct="1"/>
@@ -2211,6 +2175,7 @@
               <a:rPr lang="en-US"/>
               <a:t>Second level</a:t>
             </a:r>
+            <a:endParaRPr lang="en-US"/>
           </a:p>
           <a:p>
             <a:pPr lvl="2" eaLnBrk="1" latinLnBrk="0" hangingPunct="1"/>
@@ -2218,6 +2183,7 @@
               <a:rPr lang="en-US"/>
               <a:t>Third level</a:t>
             </a:r>
+            <a:endParaRPr lang="en-US"/>
           </a:p>
           <a:p>
             <a:pPr lvl="3" eaLnBrk="1" latinLnBrk="0" hangingPunct="1"/>
@@ -2225,6 +2191,7 @@
               <a:rPr lang="en-US"/>
               <a:t>Fourth level</a:t>
             </a:r>
+            <a:endParaRPr lang="en-US"/>
           </a:p>
           <a:p>
             <a:pPr lvl="4" eaLnBrk="1" latinLnBrk="0" hangingPunct="1"/>
@@ -2261,6 +2228,7 @@
               <a:rPr lang="en-US"/>
               <a:t>Click to edit Master text styles</a:t>
             </a:r>
+            <a:endParaRPr lang="en-US"/>
           </a:p>
           <a:p>
             <a:pPr lvl="1" eaLnBrk="1" latinLnBrk="0" hangingPunct="1"/>
@@ -2268,6 +2236,7 @@
               <a:rPr lang="en-US"/>
               <a:t>Second level</a:t>
             </a:r>
+            <a:endParaRPr lang="en-US"/>
           </a:p>
           <a:p>
             <a:pPr lvl="2" eaLnBrk="1" latinLnBrk="0" hangingPunct="1"/>
@@ -2275,6 +2244,7 @@
               <a:rPr lang="en-US"/>
               <a:t>Third level</a:t>
             </a:r>
+            <a:endParaRPr lang="en-US"/>
           </a:p>
           <a:p>
             <a:pPr lvl="3" eaLnBrk="1" latinLnBrk="0" hangingPunct="1"/>
@@ -2282,6 +2252,7 @@
               <a:rPr lang="en-US"/>
               <a:t>Fourth level</a:t>
             </a:r>
+            <a:endParaRPr lang="en-US"/>
           </a:p>
           <a:p>
             <a:pPr lvl="4" eaLnBrk="1" latinLnBrk="0" hangingPunct="1"/>
@@ -2310,7 +2281,6 @@
           <a:p>
             <a:fld id="{401CF334-2D5C-4859-84A6-CA7E6E43FAEB}" type="slidenum">
               <a:rPr lang="en-US" smtClean="0"/>
-              <a:t>‹#›</a:t>
             </a:fld>
             <a:endParaRPr lang="en-US" dirty="0"/>
           </a:p>
@@ -2335,6 +2305,7 @@
               <a:rPr lang="en-US" dirty="0"/>
               <a:t>Add a footer</a:t>
             </a:r>
+            <a:endParaRPr lang="en-US" dirty="0"/>
           </a:p>
         </p:txBody>
       </p:sp>
@@ -2355,29 +2326,23 @@
           <a:p>
             <a:fld id="{349BF3EA-1A78-4F07-BDC0-C8A1BD461199}" type="datetimeFigureOut">
               <a:rPr lang="en-US" smtClean="0"/>
-              <a:t>24-Aug-19</a:t>
             </a:fld>
             <a:endParaRPr lang="en-US" dirty="0"/>
           </a:p>
         </p:txBody>
       </p:sp>
     </p:spTree>
-    <p:extLst>
-      <p:ext uri="{BB962C8B-B14F-4D97-AF65-F5344CB8AC3E}">
-        <p14:creationId xmlns:p14="http://schemas.microsoft.com/office/powerpoint/2010/main" val="365849381"/>
-      </p:ext>
-    </p:extLst>
   </p:cSld>
   <p:clrMapOvr>
     <a:masterClrMapping/>
   </p:clrMapOvr>
-  <mc:AlternateContent xmlns:mc="http://schemas.openxmlformats.org/markup-compatibility/2006" xmlns:p14="http://schemas.microsoft.com/office/powerpoint/2010/main">
-    <mc:Choice Requires="p14">
+  <mc:AlternateContent xmlns:mc="http://schemas.openxmlformats.org/markup-compatibility/2006">
+    <mc:Choice xmlns:p14="http://schemas.microsoft.com/office/powerpoint/2010/main" Requires="p14">
       <p:transition spd="med" p14:dur="700">
         <p:fade/>
       </p:transition>
     </mc:Choice>
-    <mc:Fallback xmlns="">
+    <mc:Fallback>
       <p:transition spd="med">
         <p:fade/>
       </p:transition>
@@ -2431,6 +2396,7 @@
               <a:rPr kumimoji="0" lang="en-US"/>
               <a:t>Click to edit Master title style</a:t>
             </a:r>
+            <a:endParaRPr kumimoji="0" lang="en-US"/>
           </a:p>
         </p:txBody>
       </p:sp>
@@ -2496,6 +2462,7 @@
               <a:rPr kumimoji="0" lang="en-US"/>
               <a:t>Click to edit Master text styles</a:t>
             </a:r>
+            <a:endParaRPr kumimoji="0" lang="en-US"/>
           </a:p>
         </p:txBody>
       </p:sp>
@@ -2524,6 +2491,7 @@
               <a:rPr lang="en-US"/>
               <a:t>Click to edit Master text styles</a:t>
             </a:r>
+            <a:endParaRPr lang="en-US"/>
           </a:p>
           <a:p>
             <a:pPr lvl="1" eaLnBrk="1" latinLnBrk="0" hangingPunct="1"/>
@@ -2531,6 +2499,7 @@
               <a:rPr lang="en-US"/>
               <a:t>Second level</a:t>
             </a:r>
+            <a:endParaRPr lang="en-US"/>
           </a:p>
           <a:p>
             <a:pPr lvl="2" eaLnBrk="1" latinLnBrk="0" hangingPunct="1"/>
@@ -2538,6 +2507,7 @@
               <a:rPr lang="en-US"/>
               <a:t>Third level</a:t>
             </a:r>
+            <a:endParaRPr lang="en-US"/>
           </a:p>
           <a:p>
             <a:pPr lvl="3" eaLnBrk="1" latinLnBrk="0" hangingPunct="1"/>
@@ -2545,6 +2515,7 @@
               <a:rPr lang="en-US"/>
               <a:t>Fourth level</a:t>
             </a:r>
+            <a:endParaRPr lang="en-US"/>
           </a:p>
           <a:p>
             <a:pPr lvl="4" eaLnBrk="1" latinLnBrk="0" hangingPunct="1"/>
@@ -2618,6 +2589,7 @@
               <a:rPr kumimoji="0" lang="en-US"/>
               <a:t>Click to edit Master text styles</a:t>
             </a:r>
+            <a:endParaRPr kumimoji="0" lang="en-US"/>
           </a:p>
         </p:txBody>
       </p:sp>
@@ -2646,6 +2618,7 @@
               <a:rPr lang="en-US"/>
               <a:t>Click to edit Master text styles</a:t>
             </a:r>
+            <a:endParaRPr lang="en-US"/>
           </a:p>
           <a:p>
             <a:pPr lvl="1" eaLnBrk="1" latinLnBrk="0" hangingPunct="1"/>
@@ -2653,6 +2626,7 @@
               <a:rPr lang="en-US"/>
               <a:t>Second level</a:t>
             </a:r>
+            <a:endParaRPr lang="en-US"/>
           </a:p>
           <a:p>
             <a:pPr lvl="2" eaLnBrk="1" latinLnBrk="0" hangingPunct="1"/>
@@ -2660,6 +2634,7 @@
               <a:rPr lang="en-US"/>
               <a:t>Third level</a:t>
             </a:r>
+            <a:endParaRPr lang="en-US"/>
           </a:p>
           <a:p>
             <a:pPr lvl="3" eaLnBrk="1" latinLnBrk="0" hangingPunct="1"/>
@@ -2667,6 +2642,7 @@
               <a:rPr lang="en-US"/>
               <a:t>Fourth level</a:t>
             </a:r>
+            <a:endParaRPr lang="en-US"/>
           </a:p>
           <a:p>
             <a:pPr lvl="4" eaLnBrk="1" latinLnBrk="0" hangingPunct="1"/>
@@ -2695,7 +2671,6 @@
           <a:p>
             <a:fld id="{401CF334-2D5C-4859-84A6-CA7E6E43FAEB}" type="slidenum">
               <a:rPr lang="en-US" smtClean="0"/>
-              <a:t>‹#›</a:t>
             </a:fld>
             <a:endParaRPr lang="en-US" dirty="0"/>
           </a:p>
@@ -2720,6 +2695,7 @@
               <a:rPr lang="en-US" dirty="0"/>
               <a:t>Add a footer</a:t>
             </a:r>
+            <a:endParaRPr lang="en-US" dirty="0"/>
           </a:p>
         </p:txBody>
       </p:sp>
@@ -2740,29 +2716,23 @@
           <a:p>
             <a:fld id="{349BF3EA-1A78-4F07-BDC0-C8A1BD461199}" type="datetimeFigureOut">
               <a:rPr lang="en-US" smtClean="0"/>
-              <a:t>24-Aug-19</a:t>
             </a:fld>
             <a:endParaRPr lang="en-US" dirty="0"/>
           </a:p>
         </p:txBody>
       </p:sp>
     </p:spTree>
-    <p:extLst>
-      <p:ext uri="{BB962C8B-B14F-4D97-AF65-F5344CB8AC3E}">
-        <p14:creationId xmlns:p14="http://schemas.microsoft.com/office/powerpoint/2010/main" val="911274356"/>
-      </p:ext>
-    </p:extLst>
   </p:cSld>
   <p:clrMapOvr>
     <a:masterClrMapping/>
   </p:clrMapOvr>
-  <mc:AlternateContent xmlns:mc="http://schemas.openxmlformats.org/markup-compatibility/2006" xmlns:p14="http://schemas.microsoft.com/office/powerpoint/2010/main">
-    <mc:Choice Requires="p14">
+  <mc:AlternateContent xmlns:mc="http://schemas.openxmlformats.org/markup-compatibility/2006">
+    <mc:Choice xmlns:p14="http://schemas.microsoft.com/office/powerpoint/2010/main" Requires="p14">
       <p:transition spd="med" p14:dur="700">
         <p:fade/>
       </p:transition>
     </mc:Choice>
-    <mc:Fallback xmlns="">
+    <mc:Fallback>
       <p:transition spd="med">
         <p:fade/>
       </p:transition>
@@ -2807,6 +2777,7 @@
               <a:rPr kumimoji="0" lang="en-US"/>
               <a:t>Click to edit Master title style</a:t>
             </a:r>
+            <a:endParaRPr kumimoji="0" lang="en-US"/>
           </a:p>
         </p:txBody>
       </p:sp>
@@ -2827,7 +2798,6 @@
           <a:p>
             <a:fld id="{401CF334-2D5C-4859-84A6-CA7E6E43FAEB}" type="slidenum">
               <a:rPr lang="en-US" smtClean="0"/>
-              <a:t>‹#›</a:t>
             </a:fld>
             <a:endParaRPr lang="en-US" dirty="0"/>
           </a:p>
@@ -2852,6 +2822,7 @@
               <a:rPr lang="en-US" dirty="0"/>
               <a:t>Add a footer</a:t>
             </a:r>
+            <a:endParaRPr lang="en-US" dirty="0"/>
           </a:p>
         </p:txBody>
       </p:sp>
@@ -2872,29 +2843,23 @@
           <a:p>
             <a:fld id="{349BF3EA-1A78-4F07-BDC0-C8A1BD461199}" type="datetimeFigureOut">
               <a:rPr lang="en-US" smtClean="0"/>
-              <a:t>24-Aug-19</a:t>
             </a:fld>
             <a:endParaRPr lang="en-US" dirty="0"/>
           </a:p>
         </p:txBody>
       </p:sp>
     </p:spTree>
-    <p:extLst>
-      <p:ext uri="{BB962C8B-B14F-4D97-AF65-F5344CB8AC3E}">
-        <p14:creationId xmlns:p14="http://schemas.microsoft.com/office/powerpoint/2010/main" val="161307479"/>
-      </p:ext>
-    </p:extLst>
   </p:cSld>
   <p:clrMapOvr>
     <a:masterClrMapping/>
   </p:clrMapOvr>
-  <mc:AlternateContent xmlns:mc="http://schemas.openxmlformats.org/markup-compatibility/2006" xmlns:p14="http://schemas.microsoft.com/office/powerpoint/2010/main">
-    <mc:Choice Requires="p14">
+  <mc:AlternateContent xmlns:mc="http://schemas.openxmlformats.org/markup-compatibility/2006">
+    <mc:Choice xmlns:p14="http://schemas.microsoft.com/office/powerpoint/2010/main" Requires="p14">
       <p:transition spd="med" p14:dur="700">
         <p:fade/>
       </p:transition>
     </mc:Choice>
-    <mc:Fallback xmlns="">
+    <mc:Fallback>
       <p:transition spd="med">
         <p:fade/>
       </p:transition>
@@ -2937,7 +2902,6 @@
           <a:p>
             <a:fld id="{401CF334-2D5C-4859-84A6-CA7E6E43FAEB}" type="slidenum">
               <a:rPr lang="en-US" smtClean="0"/>
-              <a:t>‹#›</a:t>
             </a:fld>
             <a:endParaRPr lang="en-US" dirty="0"/>
           </a:p>
@@ -2962,6 +2926,7 @@
               <a:rPr lang="en-US" dirty="0"/>
               <a:t>Add a footer</a:t>
             </a:r>
+            <a:endParaRPr lang="en-US" dirty="0"/>
           </a:p>
         </p:txBody>
       </p:sp>
@@ -2982,29 +2947,23 @@
           <a:p>
             <a:fld id="{349BF3EA-1A78-4F07-BDC0-C8A1BD461199}" type="datetimeFigureOut">
               <a:rPr lang="en-US" smtClean="0"/>
-              <a:t>24-Aug-19</a:t>
             </a:fld>
             <a:endParaRPr lang="en-US" dirty="0"/>
           </a:p>
         </p:txBody>
       </p:sp>
     </p:spTree>
-    <p:extLst>
-      <p:ext uri="{BB962C8B-B14F-4D97-AF65-F5344CB8AC3E}">
-        <p14:creationId xmlns:p14="http://schemas.microsoft.com/office/powerpoint/2010/main" val="711557609"/>
-      </p:ext>
-    </p:extLst>
   </p:cSld>
   <p:clrMapOvr>
     <a:masterClrMapping/>
   </p:clrMapOvr>
-  <mc:AlternateContent xmlns:mc="http://schemas.openxmlformats.org/markup-compatibility/2006" xmlns:p14="http://schemas.microsoft.com/office/powerpoint/2010/main">
-    <mc:Choice Requires="p14">
+  <mc:AlternateContent xmlns:mc="http://schemas.openxmlformats.org/markup-compatibility/2006">
+    <mc:Choice xmlns:p14="http://schemas.microsoft.com/office/powerpoint/2010/main" Requires="p14">
       <p:transition spd="med" p14:dur="700">
         <p:fade/>
       </p:transition>
     </mc:Choice>
-    <mc:Fallback xmlns="">
+    <mc:Fallback>
       <p:transition spd="med">
         <p:fade/>
       </p:transition>
@@ -3183,6 +3142,7 @@
               <a:rPr lang="en-US"/>
               <a:t>Click to edit Master text styles</a:t>
             </a:r>
+            <a:endParaRPr lang="en-US"/>
           </a:p>
           <a:p>
             <a:pPr lvl="1" eaLnBrk="1" latinLnBrk="0" hangingPunct="1"/>
@@ -3190,6 +3150,7 @@
               <a:rPr lang="en-US"/>
               <a:t>Second level</a:t>
             </a:r>
+            <a:endParaRPr lang="en-US"/>
           </a:p>
           <a:p>
             <a:pPr lvl="2" eaLnBrk="1" latinLnBrk="0" hangingPunct="1"/>
@@ -3197,6 +3158,7 @@
               <a:rPr lang="en-US"/>
               <a:t>Third level</a:t>
             </a:r>
+            <a:endParaRPr lang="en-US"/>
           </a:p>
           <a:p>
             <a:pPr lvl="3" eaLnBrk="1" latinLnBrk="0" hangingPunct="1"/>
@@ -3204,6 +3166,7 @@
               <a:rPr lang="en-US"/>
               <a:t>Fourth level</a:t>
             </a:r>
+            <a:endParaRPr lang="en-US"/>
           </a:p>
           <a:p>
             <a:pPr lvl="4" eaLnBrk="1" latinLnBrk="0" hangingPunct="1"/>
@@ -3261,6 +3224,7 @@
               <a:rPr kumimoji="0" lang="en-US"/>
               <a:t>Click to edit Master text styles</a:t>
             </a:r>
+            <a:endParaRPr kumimoji="0" lang="en-US"/>
           </a:p>
         </p:txBody>
       </p:sp>
@@ -3281,7 +3245,6 @@
           <a:p>
             <a:fld id="{401CF334-2D5C-4859-84A6-CA7E6E43FAEB}" type="slidenum">
               <a:rPr lang="en-US" smtClean="0"/>
-              <a:t>‹#›</a:t>
             </a:fld>
             <a:endParaRPr lang="en-US" dirty="0"/>
           </a:p>
@@ -3306,6 +3269,7 @@
               <a:rPr lang="en-US" dirty="0"/>
               <a:t>Add a footer</a:t>
             </a:r>
+            <a:endParaRPr lang="en-US" dirty="0"/>
           </a:p>
         </p:txBody>
       </p:sp>
@@ -3326,29 +3290,23 @@
           <a:p>
             <a:fld id="{349BF3EA-1A78-4F07-BDC0-C8A1BD461199}" type="datetimeFigureOut">
               <a:rPr lang="en-US" smtClean="0"/>
-              <a:t>24-Aug-19</a:t>
             </a:fld>
             <a:endParaRPr lang="en-US" dirty="0"/>
           </a:p>
         </p:txBody>
       </p:sp>
     </p:spTree>
-    <p:extLst>
-      <p:ext uri="{BB962C8B-B14F-4D97-AF65-F5344CB8AC3E}">
-        <p14:creationId xmlns:p14="http://schemas.microsoft.com/office/powerpoint/2010/main" val="3566269560"/>
-      </p:ext>
-    </p:extLst>
   </p:cSld>
   <p:clrMapOvr>
     <a:masterClrMapping/>
   </p:clrMapOvr>
-  <mc:AlternateContent xmlns:mc="http://schemas.openxmlformats.org/markup-compatibility/2006" xmlns:p14="http://schemas.microsoft.com/office/powerpoint/2010/main">
-    <mc:Choice Requires="p14">
+  <mc:AlternateContent xmlns:mc="http://schemas.openxmlformats.org/markup-compatibility/2006">
+    <mc:Choice xmlns:p14="http://schemas.microsoft.com/office/powerpoint/2010/main" Requires="p14">
       <p:transition spd="med" p14:dur="700">
         <p:fade/>
       </p:transition>
     </mc:Choice>
-    <mc:Fallback xmlns="">
+    <mc:Fallback>
       <p:transition spd="med">
         <p:fade/>
       </p:transition>
@@ -3594,6 +3552,7 @@
               <a:rPr kumimoji="0" lang="en-US" dirty="0"/>
               <a:t>Click icon to add picture</a:t>
             </a:r>
+            <a:endParaRPr kumimoji="0" lang="en-US" dirty="0"/>
           </a:p>
         </p:txBody>
       </p:sp>
@@ -3640,6 +3599,7 @@
               <a:rPr kumimoji="0" lang="en-US"/>
               <a:t>Click to edit Master text styles</a:t>
             </a:r>
+            <a:endParaRPr kumimoji="0" lang="en-US"/>
           </a:p>
         </p:txBody>
       </p:sp>
@@ -3665,7 +3625,6 @@
           <a:p>
             <a:fld id="{401CF334-2D5C-4859-84A6-CA7E6E43FAEB}" type="slidenum">
               <a:rPr lang="en-US" smtClean="0"/>
-              <a:t>‹#›</a:t>
             </a:fld>
             <a:endParaRPr lang="en-US" dirty="0"/>
           </a:p>
@@ -3695,6 +3654,7 @@
               <a:rPr lang="en-US" dirty="0"/>
               <a:t>Add a footer</a:t>
             </a:r>
+            <a:endParaRPr lang="en-US" dirty="0"/>
           </a:p>
         </p:txBody>
       </p:sp>
@@ -3715,29 +3675,23 @@
           <a:p>
             <a:fld id="{349BF3EA-1A78-4F07-BDC0-C8A1BD461199}" type="datetimeFigureOut">
               <a:rPr lang="en-US" smtClean="0"/>
-              <a:t>24-Aug-19</a:t>
             </a:fld>
             <a:endParaRPr lang="en-US" dirty="0"/>
           </a:p>
         </p:txBody>
       </p:sp>
     </p:spTree>
-    <p:extLst>
-      <p:ext uri="{BB962C8B-B14F-4D97-AF65-F5344CB8AC3E}">
-        <p14:creationId xmlns:p14="http://schemas.microsoft.com/office/powerpoint/2010/main" val="3726577453"/>
-      </p:ext>
-    </p:extLst>
   </p:cSld>
   <p:clrMapOvr>
     <a:masterClrMapping/>
   </p:clrMapOvr>
-  <mc:AlternateContent xmlns:mc="http://schemas.openxmlformats.org/markup-compatibility/2006" xmlns:p14="http://schemas.microsoft.com/office/powerpoint/2010/main">
-    <mc:Choice Requires="p14">
+  <mc:AlternateContent xmlns:mc="http://schemas.openxmlformats.org/markup-compatibility/2006">
+    <mc:Choice xmlns:p14="http://schemas.microsoft.com/office/powerpoint/2010/main" Requires="p14">
       <p:transition spd="med" p14:dur="700">
         <p:fade/>
       </p:transition>
     </mc:Choice>
-    <mc:Fallback xmlns="">
+    <mc:Fallback>
       <p:transition spd="med">
         <p:fade/>
       </p:transition>
@@ -3925,6 +3879,7 @@
               <a:rPr kumimoji="0" lang="en-US"/>
               <a:t>Click to edit Master text styles</a:t>
             </a:r>
+            <a:endParaRPr kumimoji="0" lang="en-US"/>
           </a:p>
           <a:p>
             <a:pPr lvl="1" eaLnBrk="1" latinLnBrk="0" hangingPunct="1"/>
@@ -3932,6 +3887,7 @@
               <a:rPr kumimoji="0" lang="en-US"/>
               <a:t>Second level</a:t>
             </a:r>
+            <a:endParaRPr kumimoji="0" lang="en-US"/>
           </a:p>
           <a:p>
             <a:pPr lvl="2" eaLnBrk="1" latinLnBrk="0" hangingPunct="1"/>
@@ -3939,6 +3895,7 @@
               <a:rPr kumimoji="0" lang="en-US"/>
               <a:t>Third level</a:t>
             </a:r>
+            <a:endParaRPr kumimoji="0" lang="en-US"/>
           </a:p>
           <a:p>
             <a:pPr lvl="3" eaLnBrk="1" latinLnBrk="0" hangingPunct="1"/>
@@ -3946,6 +3903,7 @@
               <a:rPr kumimoji="0" lang="en-US"/>
               <a:t>Fourth level</a:t>
             </a:r>
+            <a:endParaRPr kumimoji="0" lang="en-US"/>
           </a:p>
           <a:p>
             <a:pPr lvl="4" eaLnBrk="1" latinLnBrk="0" hangingPunct="1"/>
@@ -4000,7 +3958,6 @@
           <a:p>
             <a:fld id="{401CF334-2D5C-4859-84A6-CA7E6E43FAEB}" type="slidenum">
               <a:rPr lang="en-US" smtClean="0"/>
-              <a:t>‹#›</a:t>
             </a:fld>
             <a:endParaRPr lang="en-US" dirty="0"/>
           </a:p>
@@ -4041,6 +3998,7 @@
               <a:rPr lang="en-US" dirty="0"/>
               <a:t>Add a footer</a:t>
             </a:r>
+            <a:endParaRPr lang="en-US" dirty="0"/>
           </a:p>
         </p:txBody>
       </p:sp>
@@ -4077,40 +4035,34 @@
           <a:p>
             <a:fld id="{349BF3EA-1A78-4F07-BDC0-C8A1BD461199}" type="datetimeFigureOut">
               <a:rPr lang="en-US" smtClean="0"/>
-              <a:t>24-Aug-19</a:t>
             </a:fld>
             <a:endParaRPr lang="en-US" dirty="0"/>
           </a:p>
         </p:txBody>
       </p:sp>
     </p:spTree>
-    <p:extLst>
-      <p:ext uri="{BB962C8B-B14F-4D97-AF65-F5344CB8AC3E}">
-        <p14:creationId xmlns:p14="http://schemas.microsoft.com/office/powerpoint/2010/main" val="3930970780"/>
-      </p:ext>
-    </p:extLst>
   </p:cSld>
   <p:clrMap bg1="lt1" tx1="dk1" bg2="lt2" tx2="dk2" accent1="accent1" accent2="accent2" accent3="accent3" accent4="accent4" accent5="accent5" accent6="accent6" hlink="hlink" folHlink="folHlink"/>
   <p:sldLayoutIdLst>
-    <p:sldLayoutId id="2147483685" r:id="rId1"/>
-    <p:sldLayoutId id="2147483686" r:id="rId2"/>
-    <p:sldLayoutId id="2147483687" r:id="rId3"/>
-    <p:sldLayoutId id="2147483688" r:id="rId4"/>
-    <p:sldLayoutId id="2147483689" r:id="rId5"/>
-    <p:sldLayoutId id="2147483690" r:id="rId6"/>
-    <p:sldLayoutId id="2147483691" r:id="rId7"/>
-    <p:sldLayoutId id="2147483692" r:id="rId8"/>
-    <p:sldLayoutId id="2147483693" r:id="rId9"/>
-    <p:sldLayoutId id="2147483694" r:id="rId10"/>
-    <p:sldLayoutId id="2147483695" r:id="rId11"/>
+    <p:sldLayoutId id="2147483649" r:id="rId1"/>
+    <p:sldLayoutId id="2147483650" r:id="rId2"/>
+    <p:sldLayoutId id="2147483651" r:id="rId3"/>
+    <p:sldLayoutId id="2147483652" r:id="rId4"/>
+    <p:sldLayoutId id="2147483653" r:id="rId5"/>
+    <p:sldLayoutId id="2147483654" r:id="rId6"/>
+    <p:sldLayoutId id="2147483655" r:id="rId7"/>
+    <p:sldLayoutId id="2147483656" r:id="rId8"/>
+    <p:sldLayoutId id="2147483657" r:id="rId9"/>
+    <p:sldLayoutId id="2147483658" r:id="rId10"/>
+    <p:sldLayoutId id="2147483659" r:id="rId11"/>
   </p:sldLayoutIdLst>
-  <mc:AlternateContent xmlns:mc="http://schemas.openxmlformats.org/markup-compatibility/2006" xmlns:p14="http://schemas.microsoft.com/office/powerpoint/2010/main">
-    <mc:Choice Requires="p14">
+  <mc:AlternateContent xmlns:mc="http://schemas.openxmlformats.org/markup-compatibility/2006">
+    <mc:Choice xmlns:p14="http://schemas.microsoft.com/office/powerpoint/2010/main" Requires="p14">
       <p:transition spd="med" p14:dur="700">
         <p:fade/>
       </p:transition>
     </mc:Choice>
-    <mc:Fallback xmlns="">
+    <mc:Fallback>
       <p:transition spd="med">
         <p:fade/>
       </p:transition>
@@ -4448,6 +4400,7 @@
               <a:rPr lang="en-US" dirty="0"/>
               <a:t>Db present</a:t>
             </a:r>
+            <a:endParaRPr lang="en-US" dirty="0"/>
           </a:p>
         </p:txBody>
       </p:sp>
@@ -4471,22 +4424,17 @@
         </p:txBody>
       </p:sp>
     </p:spTree>
-    <p:extLst>
-      <p:ext uri="{BB962C8B-B14F-4D97-AF65-F5344CB8AC3E}">
-        <p14:creationId xmlns:p14="http://schemas.microsoft.com/office/powerpoint/2010/main" val="1566073541"/>
-      </p:ext>
-    </p:extLst>
   </p:cSld>
   <p:clrMapOvr>
     <a:masterClrMapping/>
   </p:clrMapOvr>
-  <mc:AlternateContent xmlns:mc="http://schemas.openxmlformats.org/markup-compatibility/2006" xmlns:p14="http://schemas.microsoft.com/office/powerpoint/2010/main">
-    <mc:Choice Requires="p14">
+  <mc:AlternateContent xmlns:mc="http://schemas.openxmlformats.org/markup-compatibility/2006">
+    <mc:Choice xmlns:p14="http://schemas.microsoft.com/office/powerpoint/2010/main" Requires="p14">
       <p:transition spd="med" p14:dur="700">
         <p:fade/>
       </p:transition>
     </mc:Choice>
-    <mc:Fallback xmlns="">
+    <mc:Fallback>
       <p:transition spd="med">
         <p:fade/>
       </p:transition>
@@ -4504,6 +4452,251 @@
         <p:cNvGrpSpPr/>
         <p:nvPr/>
       </p:nvGrpSpPr>
+      <p:grpSpPr/>
+      <p:sp>
+        <p:nvSpPr>
+          <p:cNvPr id="2" name="Title 1"/>
+          <p:cNvSpPr>
+            <a:spLocks noGrp="1"/>
+          </p:cNvSpPr>
+          <p:nvPr>
+            <p:ph type="title"/>
+          </p:nvPr>
+        </p:nvSpPr>
+        <p:spPr>
+          <a:xfrm>
+            <a:off x="914400" y="2088833"/>
+            <a:ext cx="10363200" cy="1143000"/>
+          </a:xfrm>
+        </p:spPr>
+        <p:txBody>
+          <a:bodyPr/>
+          <a:p>
+            <a:pPr algn="ctr"/>
+            <a:r>
+              <a:rPr lang="en-US">
+                <a:latin typeface="Times New Roman" panose="02020603050405020304" charset="0"/>
+                <a:cs typeface="Times New Roman" panose="02020603050405020304" charset="0"/>
+              </a:rPr>
+              <a:t>Organization Structure</a:t>
+            </a:r>
+            <a:endParaRPr lang="en-US">
+              <a:latin typeface="Times New Roman" panose="02020603050405020304" charset="0"/>
+              <a:cs typeface="Times New Roman" panose="02020603050405020304" charset="0"/>
+            </a:endParaRPr>
+          </a:p>
+        </p:txBody>
+      </p:sp>
+    </p:spTree>
+  </p:cSld>
+  <p:clrMapOvr>
+    <a:masterClrMapping/>
+  </p:clrMapOvr>
+  <mc:AlternateContent xmlns:mc="http://schemas.openxmlformats.org/markup-compatibility/2006">
+    <mc:Choice xmlns:p14="http://schemas.microsoft.com/office/powerpoint/2010/main" Requires="p14">
+      <p:transition spd="med" p14:dur="700">
+        <p:fade/>
+      </p:transition>
+    </mc:Choice>
+    <mc:Fallback>
+      <p:transition spd="med">
+        <p:fade/>
+      </p:transition>
+    </mc:Fallback>
+  </mc:AlternateContent>
+</p:sld>
+</file>
+
+<file path=ppt/slides/slide3.xml><?xml version="1.0" encoding="utf-8"?>
+<p:sld xmlns:a="http://schemas.openxmlformats.org/drawingml/2006/main" xmlns:r="http://schemas.openxmlformats.org/officeDocument/2006/relationships" xmlns:p="http://schemas.openxmlformats.org/presentationml/2006/main">
+  <p:cSld>
+    <p:spTree>
+      <p:nvGrpSpPr>
+        <p:cNvPr id="1" name=""/>
+        <p:cNvGrpSpPr/>
+        <p:nvPr/>
+      </p:nvGrpSpPr>
+      <p:grpSpPr/>
+      <p:pic>
+        <p:nvPicPr>
+          <p:cNvPr id="4" name="Picture 1"/>
+          <p:cNvPicPr>
+            <a:picLocks noChangeAspect="1" noChangeArrowheads="1"/>
+          </p:cNvPicPr>
+          <p:nvPr>
+            <p:ph sz="quarter" idx="1"/>
+          </p:nvPr>
+        </p:nvPicPr>
+        <p:blipFill>
+          <a:blip r:embed="rId1">
+            <a:extLst>
+              <a:ext uri="{28A0092B-C50C-407E-A947-70E740481C1C}">
+                <a14:useLocalDpi xmlns:a14="http://schemas.microsoft.com/office/drawing/2010/main" val="0"/>
+              </a:ext>
+            </a:extLst>
+          </a:blip>
+          <a:srcRect/>
+          <a:stretch>
+            <a:fillRect/>
+          </a:stretch>
+        </p:blipFill>
+        <p:spPr>
+          <a:xfrm>
+            <a:off x="-52705" y="95250"/>
+            <a:ext cx="12124055" cy="6523990"/>
+          </a:xfrm>
+          <a:prstGeom prst="rect">
+            <a:avLst/>
+          </a:prstGeom>
+          <a:noFill/>
+          <a:ln>
+            <a:noFill/>
+          </a:ln>
+        </p:spPr>
+      </p:pic>
+    </p:spTree>
+  </p:cSld>
+  <p:clrMapOvr>
+    <a:masterClrMapping/>
+  </p:clrMapOvr>
+  <mc:AlternateContent xmlns:mc="http://schemas.openxmlformats.org/markup-compatibility/2006">
+    <mc:Choice xmlns:p14="http://schemas.microsoft.com/office/powerpoint/2010/main" Requires="p14">
+      <p:transition spd="med" p14:dur="700">
+        <p:fade/>
+      </p:transition>
+    </mc:Choice>
+    <mc:Fallback>
+      <p:transition spd="med">
+        <p:fade/>
+      </p:transition>
+    </mc:Fallback>
+  </mc:AlternateContent>
+</p:sld>
+</file>
+
+<file path=ppt/slides/slide4.xml><?xml version="1.0" encoding="utf-8"?>
+<p:sld xmlns:a="http://schemas.openxmlformats.org/drawingml/2006/main" xmlns:r="http://schemas.openxmlformats.org/officeDocument/2006/relationships" xmlns:p="http://schemas.openxmlformats.org/presentationml/2006/main">
+  <p:cSld>
+    <p:spTree>
+      <p:nvGrpSpPr>
+        <p:cNvPr id="1" name=""/>
+        <p:cNvGrpSpPr/>
+        <p:nvPr/>
+      </p:nvGrpSpPr>
+      <p:grpSpPr/>
+      <p:sp>
+        <p:nvSpPr>
+          <p:cNvPr id="2" name="Title 1"/>
+          <p:cNvSpPr>
+            <a:spLocks noGrp="1"/>
+          </p:cNvSpPr>
+          <p:nvPr>
+            <p:ph type="title"/>
+          </p:nvPr>
+        </p:nvSpPr>
+        <p:spPr>
+          <a:xfrm>
+            <a:off x="914400" y="2429828"/>
+            <a:ext cx="10363200" cy="1143000"/>
+          </a:xfrm>
+        </p:spPr>
+        <p:txBody>
+          <a:bodyPr/>
+          <a:p>
+            <a:pPr algn="ctr"/>
+            <a:r>
+              <a:rPr lang="en-US"/>
+              <a:t>Functional Diagram</a:t>
+            </a:r>
+            <a:endParaRPr lang="en-US"/>
+          </a:p>
+        </p:txBody>
+      </p:sp>
+    </p:spTree>
+  </p:cSld>
+  <p:clrMapOvr>
+    <a:masterClrMapping/>
+  </p:clrMapOvr>
+  <mc:AlternateContent xmlns:mc="http://schemas.openxmlformats.org/markup-compatibility/2006">
+    <mc:Choice xmlns:p14="http://schemas.microsoft.com/office/powerpoint/2010/main" Requires="p14">
+      <p:transition spd="med" p14:dur="700">
+        <p:fade/>
+      </p:transition>
+    </mc:Choice>
+    <mc:Fallback>
+      <p:transition spd="med">
+        <p:fade/>
+      </p:transition>
+    </mc:Fallback>
+  </mc:AlternateContent>
+</p:sld>
+</file>
+
+<file path=ppt/slides/slide5.xml><?xml version="1.0" encoding="utf-8"?>
+<p:sld xmlns:a="http://schemas.openxmlformats.org/drawingml/2006/main" xmlns:r="http://schemas.openxmlformats.org/officeDocument/2006/relationships" xmlns:p="http://schemas.openxmlformats.org/presentationml/2006/main">
+  <p:cSld>
+    <p:spTree>
+      <p:nvGrpSpPr>
+        <p:cNvPr id="1" name=""/>
+        <p:cNvGrpSpPr/>
+        <p:nvPr/>
+      </p:nvGrpSpPr>
+      <p:grpSpPr/>
+      <p:pic>
+        <p:nvPicPr>
+          <p:cNvPr id="4" name="Content Placeholder 3" descr="FunctionalDiagram"/>
+          <p:cNvPicPr>
+            <a:picLocks noChangeAspect="1"/>
+          </p:cNvPicPr>
+          <p:nvPr>
+            <p:ph sz="quarter" idx="1"/>
+          </p:nvPr>
+        </p:nvPicPr>
+        <p:blipFill>
+          <a:blip r:embed="rId1"/>
+          <a:stretch>
+            <a:fillRect/>
+          </a:stretch>
+        </p:blipFill>
+        <p:spPr>
+          <a:xfrm>
+            <a:off x="44450" y="103505"/>
+            <a:ext cx="11913870" cy="6604635"/>
+          </a:xfrm>
+          <a:prstGeom prst="rect">
+            <a:avLst/>
+          </a:prstGeom>
+        </p:spPr>
+      </p:pic>
+    </p:spTree>
+  </p:cSld>
+  <p:clrMapOvr>
+    <a:masterClrMapping/>
+  </p:clrMapOvr>
+  <mc:AlternateContent xmlns:mc="http://schemas.openxmlformats.org/markup-compatibility/2006">
+    <mc:Choice xmlns:p14="http://schemas.microsoft.com/office/powerpoint/2010/main" Requires="p14">
+      <p:transition spd="med" p14:dur="700">
+        <p:fade/>
+      </p:transition>
+    </mc:Choice>
+    <mc:Fallback>
+      <p:transition spd="med">
+        <p:fade/>
+      </p:transition>
+    </mc:Fallback>
+  </mc:AlternateContent>
+</p:sld>
+</file>
+
+<file path=ppt/slides/slide6.xml><?xml version="1.0" encoding="utf-8"?>
+<p:sld xmlns:a="http://schemas.openxmlformats.org/drawingml/2006/main" xmlns:r="http://schemas.openxmlformats.org/officeDocument/2006/relationships" xmlns:p="http://schemas.openxmlformats.org/presentationml/2006/main">
+  <p:cSld>
+    <p:spTree>
+      <p:nvGrpSpPr>
+        <p:cNvPr id="1" name=""/>
+        <p:cNvGrpSpPr/>
+        <p:nvPr/>
+      </p:nvGrpSpPr>
       <p:grpSpPr>
         <a:xfrm>
           <a:off x="0" y="0"/>
@@ -4514,13 +4707,7 @@
       </p:grpSpPr>
       <p:sp>
         <p:nvSpPr>
-          <p:cNvPr id="7" name="Title 2">
-            <a:extLst>
-              <a:ext uri="{FF2B5EF4-FFF2-40B4-BE49-F238E27FC236}">
-                <a16:creationId xmlns:a16="http://schemas.microsoft.com/office/drawing/2014/main" id="{CEB93D17-057B-4DCE-B820-BBE8D858D698}"/>
-              </a:ext>
-            </a:extLst>
-          </p:cNvPr>
+          <p:cNvPr id="7" name="Title 2"/>
           <p:cNvSpPr>
             <a:spLocks noGrp="1"/>
           </p:cNvSpPr>
@@ -4550,13 +4737,7 @@
       </p:sp>
       <p:pic>
         <p:nvPicPr>
-          <p:cNvPr id="8" name="Content Placeholder 7">
-            <a:extLst>
-              <a:ext uri="{FF2B5EF4-FFF2-40B4-BE49-F238E27FC236}">
-                <a16:creationId xmlns:a16="http://schemas.microsoft.com/office/drawing/2014/main" id="{C8B4D336-EA4E-4E82-90C5-60DD148F391A}"/>
-              </a:ext>
-            </a:extLst>
-          </p:cNvPr>
+          <p:cNvPr id="8" name="Content Placeholder 7"/>
           <p:cNvPicPr>
             <a:picLocks noGrp="1"/>
           </p:cNvPicPr>
@@ -4565,9 +4746,11 @@
           </p:nvPr>
         </p:nvPicPr>
         <p:blipFill rotWithShape="1">
-          <a:blip r:embed="rId2"/>
+          <a:blip r:embed="rId1"/>
           <a:srcRect t="67297" r="72639" b="18519"/>
-          <a:stretch/>
+          <a:stretch>
+            <a:fillRect/>
+          </a:stretch>
         </p:blipFill>
         <p:spPr bwMode="auto">
           <a:xfrm>
@@ -4580,29 +4763,20 @@
           <a:ln>
             <a:noFill/>
           </a:ln>
-          <a:extLst>
-            <a:ext uri="{53640926-AAD7-44D8-BBD7-CCE9431645EC}">
-              <a14:shadowObscured xmlns:a14="http://schemas.microsoft.com/office/drawing/2010/main"/>
-            </a:ext>
-          </a:extLst>
         </p:spPr>
       </p:pic>
       <p:pic>
         <p:nvPicPr>
-          <p:cNvPr id="9" name="Picture 8">
-            <a:extLst>
-              <a:ext uri="{FF2B5EF4-FFF2-40B4-BE49-F238E27FC236}">
-                <a16:creationId xmlns:a16="http://schemas.microsoft.com/office/drawing/2014/main" id="{6299C48B-20EC-4412-BE89-4925F226B7FB}"/>
-              </a:ext>
-            </a:extLst>
-          </p:cNvPr>
+          <p:cNvPr id="9" name="Picture 8"/>
           <p:cNvPicPr/>
           <p:nvPr/>
         </p:nvPicPr>
         <p:blipFill rotWithShape="1">
-          <a:blip r:embed="rId2"/>
+          <a:blip r:embed="rId1"/>
           <a:srcRect t="81234" r="79306" b="6667"/>
-          <a:stretch/>
+          <a:stretch>
+            <a:fillRect/>
+          </a:stretch>
         </p:blipFill>
         <p:spPr bwMode="auto">
           <a:xfrm>
@@ -4615,25 +4789,12 @@
           <a:ln>
             <a:noFill/>
           </a:ln>
-          <a:extLst>
-            <a:ext uri="{53640926-AAD7-44D8-BBD7-CCE9431645EC}">
-              <a14:shadowObscured xmlns:a14="http://schemas.microsoft.com/office/drawing/2010/main"/>
-            </a:ext>
-          </a:extLst>
         </p:spPr>
       </p:pic>
       <p:sp>
         <p:nvSpPr>
-          <p:cNvPr id="10" name="Title 2">
-            <a:extLst>
-              <a:ext uri="{FF2B5EF4-FFF2-40B4-BE49-F238E27FC236}">
-                <a16:creationId xmlns:a16="http://schemas.microsoft.com/office/drawing/2014/main" id="{79FF4D2B-84DF-44D0-AE4A-09E8BFE7CE5B}"/>
-              </a:ext>
-            </a:extLst>
-          </p:cNvPr>
-          <p:cNvSpPr txBox="1">
-            <a:spLocks/>
-          </p:cNvSpPr>
+          <p:cNvPr id="10" name="Title 2"/>
+          <p:cNvSpPr txBox="1"/>
           <p:nvPr/>
         </p:nvSpPr>
         <p:spPr>
@@ -4680,16 +4841,8 @@
       </p:sp>
       <p:sp>
         <p:nvSpPr>
-          <p:cNvPr id="11" name="Content Placeholder 1">
-            <a:extLst>
-              <a:ext uri="{FF2B5EF4-FFF2-40B4-BE49-F238E27FC236}">
-                <a16:creationId xmlns:a16="http://schemas.microsoft.com/office/drawing/2014/main" id="{2F789A14-C29D-41E7-AA7B-AE2AE2ABC940}"/>
-              </a:ext>
-            </a:extLst>
-          </p:cNvPr>
-          <p:cNvSpPr txBox="1">
-            <a:spLocks/>
-          </p:cNvSpPr>
+          <p:cNvPr id="11" name="Content Placeholder 1"/>
+          <p:cNvSpPr txBox="1"/>
           <p:nvPr/>
         </p:nvSpPr>
         <p:spPr>
@@ -4889,6 +5042,7 @@
               <a:rPr lang="en-US" dirty="0"/>
               <a:t>To make the user easier to search for fine amount paid by certain accounts. This function can be used to increase the efficiency of the staff to perform their work.</a:t>
             </a:r>
+            <a:endParaRPr lang="en-US" dirty="0"/>
           </a:p>
           <a:p>
             <a:pPr lvl="1"/>
@@ -4897,22 +5051,17 @@
         </p:txBody>
       </p:sp>
     </p:spTree>
-    <p:extLst>
-      <p:ext uri="{BB962C8B-B14F-4D97-AF65-F5344CB8AC3E}">
-        <p14:creationId xmlns:p14="http://schemas.microsoft.com/office/powerpoint/2010/main" val="1727852844"/>
-      </p:ext>
-    </p:extLst>
   </p:cSld>
   <p:clrMapOvr>
     <a:masterClrMapping/>
   </p:clrMapOvr>
-  <mc:AlternateContent xmlns:mc="http://schemas.openxmlformats.org/markup-compatibility/2006" xmlns:p14="http://schemas.microsoft.com/office/powerpoint/2010/main">
-    <mc:Choice Requires="p14">
+  <mc:AlternateContent xmlns:mc="http://schemas.openxmlformats.org/markup-compatibility/2006">
+    <mc:Choice xmlns:p14="http://schemas.microsoft.com/office/powerpoint/2010/main" Requires="p14">
       <p:transition spd="med" p14:dur="700">
         <p:fade/>
       </p:transition>
     </mc:Choice>
-    <mc:Fallback xmlns="">
+    <mc:Fallback>
       <p:transition spd="med">
         <p:fade/>
       </p:transition>
@@ -4921,7 +5070,7 @@
 </p:sld>
 </file>
 
-<file path=ppt/slides/slide3.xml><?xml version="1.0" encoding="utf-8"?>
+<file path=ppt/slides/slide7.xml><?xml version="1.0" encoding="utf-8"?>
 <p:sld xmlns:a="http://schemas.openxmlformats.org/drawingml/2006/main" xmlns:r="http://schemas.openxmlformats.org/officeDocument/2006/relationships" xmlns:p="http://schemas.openxmlformats.org/presentationml/2006/main">
   <p:cSld>
     <p:spTree>
@@ -4940,13 +5089,7 @@
       </p:grpSpPr>
       <p:sp>
         <p:nvSpPr>
-          <p:cNvPr id="7" name="Title 2">
-            <a:extLst>
-              <a:ext uri="{FF2B5EF4-FFF2-40B4-BE49-F238E27FC236}">
-                <a16:creationId xmlns:a16="http://schemas.microsoft.com/office/drawing/2014/main" id="{CEB93D17-057B-4DCE-B820-BBE8D858D698}"/>
-              </a:ext>
-            </a:extLst>
-          </p:cNvPr>
+          <p:cNvPr id="7" name="Title 2"/>
           <p:cNvSpPr>
             <a:spLocks noGrp="1"/>
           </p:cNvSpPr>
@@ -4976,16 +5119,8 @@
       </p:sp>
       <p:sp>
         <p:nvSpPr>
-          <p:cNvPr id="10" name="Title 2">
-            <a:extLst>
-              <a:ext uri="{FF2B5EF4-FFF2-40B4-BE49-F238E27FC236}">
-                <a16:creationId xmlns:a16="http://schemas.microsoft.com/office/drawing/2014/main" id="{79FF4D2B-84DF-44D0-AE4A-09E8BFE7CE5B}"/>
-              </a:ext>
-            </a:extLst>
-          </p:cNvPr>
-          <p:cNvSpPr txBox="1">
-            <a:spLocks/>
-          </p:cNvSpPr>
+          <p:cNvPr id="10" name="Title 2"/>
+          <p:cNvSpPr txBox="1"/>
           <p:nvPr/>
         </p:nvSpPr>
         <p:spPr>
@@ -5032,16 +5167,8 @@
       </p:sp>
       <p:sp>
         <p:nvSpPr>
-          <p:cNvPr id="11" name="Content Placeholder 1">
-            <a:extLst>
-              <a:ext uri="{FF2B5EF4-FFF2-40B4-BE49-F238E27FC236}">
-                <a16:creationId xmlns:a16="http://schemas.microsoft.com/office/drawing/2014/main" id="{2F789A14-C29D-41E7-AA7B-AE2AE2ABC940}"/>
-              </a:ext>
-            </a:extLst>
-          </p:cNvPr>
-          <p:cNvSpPr txBox="1">
-            <a:spLocks/>
-          </p:cNvSpPr>
+          <p:cNvPr id="11" name="Content Placeholder 1"/>
+          <p:cNvSpPr txBox="1"/>
           <p:nvPr/>
         </p:nvSpPr>
         <p:spPr>
@@ -5255,13 +5382,7 @@
       </p:sp>
       <p:pic>
         <p:nvPicPr>
-          <p:cNvPr id="13" name="Content Placeholder 12">
-            <a:extLst>
-              <a:ext uri="{FF2B5EF4-FFF2-40B4-BE49-F238E27FC236}">
-                <a16:creationId xmlns:a16="http://schemas.microsoft.com/office/drawing/2014/main" id="{F1130B5E-6B3F-44C7-A659-635BC2334CD2}"/>
-              </a:ext>
-            </a:extLst>
-          </p:cNvPr>
+          <p:cNvPr id="13" name="Content Placeholder 12"/>
           <p:cNvPicPr>
             <a:picLocks noGrp="1"/>
           </p:cNvPicPr>
@@ -5270,9 +5391,11 @@
           </p:nvPr>
         </p:nvPicPr>
         <p:blipFill rotWithShape="1">
-          <a:blip r:embed="rId2"/>
+          <a:blip r:embed="rId1"/>
           <a:srcRect l="1" t="22716" r="64975" b="64938"/>
-          <a:stretch/>
+          <a:stretch>
+            <a:fillRect/>
+          </a:stretch>
         </p:blipFill>
         <p:spPr bwMode="auto">
           <a:xfrm>
@@ -5285,29 +5408,20 @@
           <a:ln>
             <a:noFill/>
           </a:ln>
-          <a:extLst>
-            <a:ext uri="{53640926-AAD7-44D8-BBD7-CCE9431645EC}">
-              <a14:shadowObscured xmlns:a14="http://schemas.microsoft.com/office/drawing/2010/main"/>
-            </a:ext>
-          </a:extLst>
         </p:spPr>
       </p:pic>
       <p:pic>
         <p:nvPicPr>
-          <p:cNvPr id="14" name="Picture 13">
-            <a:extLst>
-              <a:ext uri="{FF2B5EF4-FFF2-40B4-BE49-F238E27FC236}">
-                <a16:creationId xmlns:a16="http://schemas.microsoft.com/office/drawing/2014/main" id="{F9B1F484-C372-4FC5-A949-943DBE038EDB}"/>
-              </a:ext>
-            </a:extLst>
-          </p:cNvPr>
+          <p:cNvPr id="14" name="Picture 13"/>
           <p:cNvPicPr/>
           <p:nvPr/>
         </p:nvPicPr>
         <p:blipFill rotWithShape="1">
-          <a:blip r:embed="rId2"/>
+          <a:blip r:embed="rId1"/>
           <a:srcRect t="35309" r="75972" b="29630"/>
-          <a:stretch/>
+          <a:stretch>
+            <a:fillRect/>
+          </a:stretch>
         </p:blipFill>
         <p:spPr bwMode="auto">
           <a:xfrm>
@@ -5320,30 +5434,20 @@
           <a:ln>
             <a:noFill/>
           </a:ln>
-          <a:extLst>
-            <a:ext uri="{53640926-AAD7-44D8-BBD7-CCE9431645EC}">
-              <a14:shadowObscured xmlns:a14="http://schemas.microsoft.com/office/drawing/2010/main"/>
-            </a:ext>
-          </a:extLst>
         </p:spPr>
       </p:pic>
     </p:spTree>
-    <p:extLst>
-      <p:ext uri="{BB962C8B-B14F-4D97-AF65-F5344CB8AC3E}">
-        <p14:creationId xmlns:p14="http://schemas.microsoft.com/office/powerpoint/2010/main" val="2364823844"/>
-      </p:ext>
-    </p:extLst>
   </p:cSld>
   <p:clrMapOvr>
     <a:masterClrMapping/>
   </p:clrMapOvr>
-  <mc:AlternateContent xmlns:mc="http://schemas.openxmlformats.org/markup-compatibility/2006" xmlns:p14="http://schemas.microsoft.com/office/powerpoint/2010/main">
-    <mc:Choice Requires="p14">
+  <mc:AlternateContent xmlns:mc="http://schemas.openxmlformats.org/markup-compatibility/2006">
+    <mc:Choice xmlns:p14="http://schemas.microsoft.com/office/powerpoint/2010/main" Requires="p14">
       <p:transition spd="med" p14:dur="700">
         <p:fade/>
       </p:transition>
     </mc:Choice>
-    <mc:Fallback xmlns="">
+    <mc:Fallback>
       <p:transition spd="med">
         <p:fade/>
       </p:transition>
@@ -5395,7 +5499,7 @@
     </a:clrScheme>
     <a:fontScheme name="Cambria-Calibri">
       <a:majorFont>
-        <a:latin typeface="Cambria" panose="02040503050406030204"/>
+        <a:latin typeface="Cambria"/>
         <a:ea typeface=""/>
         <a:cs typeface=""/>
         <a:font script="Jpan" typeface="ＭＳ ゴシック"/>
@@ -5430,7 +5534,7 @@
         <a:font script="Geor" typeface="Sylfaen"/>
       </a:majorFont>
       <a:minorFont>
-        <a:latin typeface="Calibri" panose="020F0502020204030204"/>
+        <a:latin typeface="Calibri"/>
         <a:ea typeface=""/>
         <a:cs typeface=""/>
         <a:font script="Jpan" typeface="ＭＳ ゴシック"/>
@@ -5670,10 +5774,9 @@
       </a:lstStyle>
     </a:txDef>
   </a:objectDefaults>
-  <a:extraClrSchemeLst/>
   <a:extLst>
     <a:ext uri="{05A4C25C-085E-4340-85A3-A5531E510DB2}">
-      <thm15:themeFamily xmlns:thm15="http://schemas.microsoft.com/office/thememl/2012/main" name="Business plan presentation.potx" id="{B0CF94B3-F59B-427A-A620-6B86E9154593}" vid="{92489599-94E0-42FA-BFD7-90FE9B56DF12}"/>
+      <thm15:themeFamily xmlns:thm15="http://schemas.microsoft.com/office/thememl/2012/main" name="Office Theme" id="{62F939B6-93AF-4DB8-9C6B-D6C7DFDC589F}" vid="{4A3C46E8-61CC-4603-A589-7422A47A8E4A}"/>
     </a:ext>
   </a:extLst>
 </a:theme>
@@ -5722,7 +5825,7 @@
     </a:clrScheme>
     <a:fontScheme name="Office">
       <a:majorFont>
-        <a:latin typeface="Calibri Light" panose="020F0302020204030204"/>
+        <a:latin typeface="Calibri Light"/>
         <a:ea typeface=""/>
         <a:cs typeface=""/>
         <a:font script="Jpan" typeface="ＭＳ ゴシック"/>
@@ -5757,7 +5860,7 @@
         <a:font script="Geor" typeface="Sylfaen"/>
       </a:majorFont>
       <a:minorFont>
-        <a:latin typeface="Calibri" panose="020F0502020204030204"/>
+        <a:latin typeface="Calibri"/>
         <a:ea typeface=""/>
         <a:cs typeface=""/>
         <a:font script="Jpan" typeface="ＭＳ ゴシック"/>
@@ -5930,8 +6033,6 @@
       </a:bgFillStyleLst>
     </a:fmtScheme>
   </a:themeElements>
-  <a:objectDefaults/>
-  <a:extraClrSchemeLst/>
   <a:extLst>
     <a:ext uri="{05A4C25C-085E-4340-85A3-A5531E510DB2}">
       <thm15:themeFamily xmlns:thm15="http://schemas.microsoft.com/office/thememl/2012/main" name="Office Theme" id="{62F939B6-93AF-4DB8-9C6B-D6C7DFDC589F}" vid="{4A3C46E8-61CC-4603-A589-7422A47A8E4A}"/>
@@ -5983,7 +6084,7 @@
     </a:clrScheme>
     <a:fontScheme name="Cambria-Calibri">
       <a:majorFont>
-        <a:latin typeface="Cambria" panose="02040503050406030204"/>
+        <a:latin typeface="Cambria"/>
         <a:ea typeface=""/>
         <a:cs typeface=""/>
         <a:font script="Jpan" typeface="ＭＳ ゴシック"/>
@@ -6018,7 +6119,7 @@
         <a:font script="Geor" typeface="Sylfaen"/>
       </a:majorFont>
       <a:minorFont>
-        <a:latin typeface="Calibri" panose="020F0502020204030204"/>
+        <a:latin typeface="Calibri"/>
         <a:ea typeface=""/>
         <a:cs typeface=""/>
         <a:font script="Jpan" typeface="ＭＳ ゴシック"/>
@@ -6191,8 +6292,6 @@
       </a:bgFillStyleLst>
     </a:fmtScheme>
   </a:themeElements>
-  <a:objectDefaults/>
-  <a:extraClrSchemeLst/>
   <a:extLst>
     <a:ext uri="{05A4C25C-085E-4340-85A3-A5531E510DB2}">
       <thm15:themeFamily xmlns:thm15="http://schemas.microsoft.com/office/thememl/2012/main" name="Office Theme" id="{62F939B6-93AF-4DB8-9C6B-D6C7DFDC589F}" vid="{4A3C46E8-61CC-4603-A589-7422A47A8E4A}"/>

--- a/Presentation/Database Assignment.pptx
+++ b/Presentation/Database Assignment.pptx
@@ -5,19 +5,21 @@
     <p:sldMasterId id="2147483648" r:id="rId1"/>
   </p:sldMasterIdLst>
   <p:notesMasterIdLst>
-    <p:notesMasterId r:id="rId10"/>
+    <p:notesMasterId r:id="rId12"/>
   </p:notesMasterIdLst>
   <p:handoutMasterIdLst>
-    <p:handoutMasterId r:id="rId11"/>
+    <p:handoutMasterId r:id="rId13"/>
   </p:handoutMasterIdLst>
   <p:sldIdLst>
     <p:sldId id="280" r:id="rId3"/>
-    <p:sldId id="312" r:id="rId4"/>
-    <p:sldId id="311" r:id="rId5"/>
-    <p:sldId id="310" r:id="rId6"/>
-    <p:sldId id="313" r:id="rId7"/>
-    <p:sldId id="269" r:id="rId8"/>
-    <p:sldId id="309" r:id="rId9"/>
+    <p:sldId id="318" r:id="rId4"/>
+    <p:sldId id="321" r:id="rId5"/>
+    <p:sldId id="312" r:id="rId6"/>
+    <p:sldId id="311" r:id="rId7"/>
+    <p:sldId id="310" r:id="rId8"/>
+    <p:sldId id="313" r:id="rId9"/>
+    <p:sldId id="269" r:id="rId10"/>
+    <p:sldId id="309" r:id="rId11"/>
   </p:sldIdLst>
   <p:sldSz cx="12192000" cy="6858000"/>
   <p:notesSz cx="6858000" cy="9144000"/>
@@ -4096,7 +4098,7 @@
           </a:schemeClr>
         </a:buClr>
         <a:buSzPct val="85000"/>
-        <a:buFont typeface="Wingdings 2"/>
+        <a:buFont typeface="Wingdings 2" panose="05020102010507070707"/>
         <a:buChar char=""/>
         <a:defRPr kumimoji="0" sz="2600" kern="1200">
           <a:solidFill>
@@ -4117,7 +4119,7 @@
           </a:schemeClr>
         </a:buClr>
         <a:buSzPct val="85000"/>
-        <a:buFont typeface="Wingdings 2"/>
+        <a:buFont typeface="Wingdings 2" panose="05020102010507070707"/>
         <a:buChar char=""/>
         <a:defRPr kumimoji="0" sz="2400" kern="1200">
           <a:solidFill>
@@ -4139,7 +4141,7 @@
           </a:schemeClr>
         </a:buClr>
         <a:buSzPct val="85000"/>
-        <a:buFont typeface="Wingdings 2"/>
+        <a:buFont typeface="Wingdings 2" panose="05020102010507070707"/>
         <a:buChar char=""/>
         <a:defRPr kumimoji="0" sz="2000" kern="1200">
           <a:solidFill>
@@ -4158,7 +4160,7 @@
           <a:schemeClr val="accent3"/>
         </a:buClr>
         <a:buSzPct val="80000"/>
-        <a:buFont typeface="Wingdings 2"/>
+        <a:buFont typeface="Wingdings 2" panose="05020102010507070707"/>
         <a:buChar char=""/>
         <a:defRPr kumimoji="0" sz="2000" kern="1200">
           <a:solidFill>
@@ -4455,7 +4457,7 @@
       <p:grpSpPr/>
       <p:sp>
         <p:nvSpPr>
-          <p:cNvPr id="2" name="Title 1"/>
+          <p:cNvPr id="5" name="Title 4"/>
           <p:cNvSpPr>
             <a:spLocks noGrp="1"/>
           </p:cNvSpPr>
@@ -4465,8 +4467,8 @@
         </p:nvSpPr>
         <p:spPr>
           <a:xfrm>
-            <a:off x="914400" y="2088833"/>
-            <a:ext cx="10363200" cy="1143000"/>
+            <a:off x="4284980" y="356870"/>
+            <a:ext cx="3622675" cy="725805"/>
           </a:xfrm>
         </p:spPr>
         <p:txBody>
@@ -4474,15 +4476,208 @@
           <a:p>
             <a:pPr algn="ctr"/>
             <a:r>
-              <a:rPr lang="en-US">
+              <a:rPr lang="en-MY" altLang="en-US" sz="3200" b="1">
                 <a:latin typeface="Times New Roman" panose="02020603050405020304" charset="0"/>
                 <a:cs typeface="Times New Roman" panose="02020603050405020304" charset="0"/>
               </a:rPr>
-              <a:t>Organization Structure</a:t>
-            </a:r>
-            <a:endParaRPr lang="en-US">
+              <a:t>Business Rules</a:t>
+            </a:r>
+            <a:endParaRPr lang="en-MY" altLang="en-US" sz="3200" b="1">
               <a:latin typeface="Times New Roman" panose="02020603050405020304" charset="0"/>
               <a:cs typeface="Times New Roman" panose="02020603050405020304" charset="0"/>
+            </a:endParaRPr>
+          </a:p>
+        </p:txBody>
+      </p:sp>
+      <p:sp>
+        <p:nvSpPr>
+          <p:cNvPr id="7" name="Text Box 6"/>
+          <p:cNvSpPr txBox="1"/>
+          <p:nvPr/>
+        </p:nvSpPr>
+        <p:spPr>
+          <a:xfrm>
+            <a:off x="1165225" y="1082358"/>
+            <a:ext cx="9860915" cy="3322955"/>
+          </a:xfrm>
+          <a:prstGeom prst="rect">
+            <a:avLst/>
+          </a:prstGeom>
+          <a:noFill/>
+          <a:ln>
+            <a:noFill/>
+          </a:ln>
+        </p:spPr>
+        <p:txBody>
+          <a:bodyPr wrap="square" rtlCol="0" anchor="ctr" anchorCtr="1">
+            <a:spAutoFit/>
+          </a:bodyPr>
+          <a:p>
+            <a:pPr marL="342900" indent="-342900">
+              <a:lnSpc>
+                <a:spcPct val="175000"/>
+              </a:lnSpc>
+              <a:spcBef>
+                <a:spcPts val="0"/>
+              </a:spcBef>
+              <a:spcAft>
+                <a:spcPts val="0"/>
+              </a:spcAft>
+              <a:buFont typeface="Arial" panose="020B0604020202020204" pitchFamily="34" charset="0"/>
+              <a:buChar char="•"/>
+            </a:pPr>
+            <a:r>
+              <a:rPr lang="en-MY" altLang="en-US" sz="2000">
+                <a:latin typeface="Times New Roman" panose="02020603050405020304" charset="0"/>
+                <a:cs typeface="Times New Roman" panose="02020603050405020304" charset="0"/>
+                <a:sym typeface="+mn-ea"/>
+              </a:rPr>
+              <a:t>An account can reserve many books. A book reservation belongs to only one account.</a:t>
+            </a:r>
+            <a:endParaRPr lang="en-MY" altLang="en-US" sz="2000">
+              <a:latin typeface="Times New Roman" panose="02020603050405020304" charset="0"/>
+              <a:cs typeface="Times New Roman" panose="02020603050405020304" charset="0"/>
+              <a:sym typeface="+mn-ea"/>
+            </a:endParaRPr>
+          </a:p>
+          <a:p>
+            <a:pPr marL="342900" indent="-342900">
+              <a:lnSpc>
+                <a:spcPct val="175000"/>
+              </a:lnSpc>
+              <a:spcBef>
+                <a:spcPts val="0"/>
+              </a:spcBef>
+              <a:spcAft>
+                <a:spcPts val="0"/>
+              </a:spcAft>
+              <a:buFont typeface="Arial" panose="020B0604020202020204" pitchFamily="34" charset="0"/>
+              <a:buChar char="•"/>
+            </a:pPr>
+            <a:r>
+              <a:rPr lang="en-MY" altLang="en-US" sz="2000">
+                <a:latin typeface="Times New Roman" panose="02020603050405020304" charset="0"/>
+                <a:cs typeface="Times New Roman" panose="02020603050405020304" charset="0"/>
+                <a:sym typeface="+mn-ea"/>
+              </a:rPr>
+              <a:t>An account can make payment on many fine. A fine can only be paid by one account.</a:t>
+            </a:r>
+            <a:endParaRPr lang="en-MY" altLang="en-US" sz="2000">
+              <a:latin typeface="Times New Roman" panose="02020603050405020304" charset="0"/>
+              <a:cs typeface="Times New Roman" panose="02020603050405020304" charset="0"/>
+              <a:sym typeface="+mn-ea"/>
+            </a:endParaRPr>
+          </a:p>
+          <a:p>
+            <a:pPr marL="342900" indent="-342900">
+              <a:lnSpc>
+                <a:spcPct val="175000"/>
+              </a:lnSpc>
+              <a:spcBef>
+                <a:spcPts val="0"/>
+              </a:spcBef>
+              <a:spcAft>
+                <a:spcPts val="0"/>
+              </a:spcAft>
+              <a:buFont typeface="Arial" panose="020B0604020202020204" pitchFamily="34" charset="0"/>
+              <a:buChar char="•"/>
+            </a:pPr>
+            <a:r>
+              <a:rPr lang="en-MY" altLang="en-US" sz="2000">
+                <a:latin typeface="Times New Roman" panose="02020603050405020304" charset="0"/>
+                <a:cs typeface="Times New Roman" panose="02020603050405020304" charset="0"/>
+                <a:sym typeface="+mn-ea"/>
+              </a:rPr>
+              <a:t>A book reservation can reserve many books. A book can be reserved by many books.</a:t>
+            </a:r>
+            <a:endParaRPr lang="en-MY" altLang="en-US" sz="2000">
+              <a:latin typeface="Times New Roman" panose="02020603050405020304" charset="0"/>
+              <a:cs typeface="Times New Roman" panose="02020603050405020304" charset="0"/>
+              <a:sym typeface="+mn-ea"/>
+            </a:endParaRPr>
+          </a:p>
+          <a:p>
+            <a:pPr marL="342900" indent="-342900">
+              <a:lnSpc>
+                <a:spcPct val="175000"/>
+              </a:lnSpc>
+              <a:spcBef>
+                <a:spcPts val="0"/>
+              </a:spcBef>
+              <a:spcAft>
+                <a:spcPts val="0"/>
+              </a:spcAft>
+              <a:buFont typeface="Arial" panose="020B0604020202020204" pitchFamily="34" charset="0"/>
+              <a:buChar char="•"/>
+            </a:pPr>
+            <a:r>
+              <a:rPr lang="en-MY" altLang="en-US" sz="2000">
+                <a:latin typeface="Times New Roman" panose="02020603050405020304" charset="0"/>
+                <a:cs typeface="Times New Roman" panose="02020603050405020304" charset="0"/>
+                <a:sym typeface="+mn-ea"/>
+              </a:rPr>
+              <a:t>A book reservation can have one or no fine. A fine only belongs to a book reservation.</a:t>
+            </a:r>
+            <a:endParaRPr lang="en-MY" altLang="en-US" sz="2000">
+              <a:latin typeface="Times New Roman" panose="02020603050405020304" charset="0"/>
+              <a:cs typeface="Times New Roman" panose="02020603050405020304" charset="0"/>
+              <a:sym typeface="+mn-ea"/>
+            </a:endParaRPr>
+          </a:p>
+          <a:p>
+            <a:pPr marL="342900" indent="-342900">
+              <a:lnSpc>
+                <a:spcPct val="175000"/>
+              </a:lnSpc>
+              <a:spcBef>
+                <a:spcPts val="0"/>
+              </a:spcBef>
+              <a:spcAft>
+                <a:spcPts val="0"/>
+              </a:spcAft>
+              <a:buFont typeface="Arial" panose="020B0604020202020204" pitchFamily="34" charset="0"/>
+              <a:buChar char="•"/>
+            </a:pPr>
+            <a:r>
+              <a:rPr lang="en-MY" altLang="en-US" sz="2000">
+                <a:latin typeface="Times New Roman" panose="02020603050405020304" charset="0"/>
+                <a:cs typeface="Times New Roman" panose="02020603050405020304" charset="0"/>
+                <a:sym typeface="+mn-ea"/>
+              </a:rPr>
+              <a:t>A report obtains all information from payment record.</a:t>
+            </a:r>
+            <a:endParaRPr lang="en-MY" altLang="en-US" sz="2000">
+              <a:latin typeface="Times New Roman" panose="02020603050405020304" charset="0"/>
+              <a:cs typeface="Times New Roman" panose="02020603050405020304" charset="0"/>
+              <a:sym typeface="+mn-ea"/>
+            </a:endParaRPr>
+          </a:p>
+          <a:p>
+            <a:pPr marL="342900" indent="-342900">
+              <a:lnSpc>
+                <a:spcPct val="175000"/>
+              </a:lnSpc>
+              <a:spcBef>
+                <a:spcPts val="0"/>
+              </a:spcBef>
+              <a:spcAft>
+                <a:spcPts val="0"/>
+              </a:spcAft>
+              <a:buFont typeface="Arial" panose="020B0604020202020204" pitchFamily="34" charset="0"/>
+              <a:buChar char="•"/>
+            </a:pPr>
+            <a:r>
+              <a:rPr lang="en-MY" altLang="en-US" sz="2000">
+                <a:latin typeface="Times New Roman" panose="02020603050405020304" charset="0"/>
+                <a:cs typeface="Times New Roman" panose="02020603050405020304" charset="0"/>
+                <a:sym typeface="+mn-ea"/>
+              </a:rPr>
+              <a:t>A report obtains all information from book reservation record.</a:t>
+            </a:r>
+            <a:endParaRPr lang="en-MY" altLang="en-US" sz="2000">
+              <a:latin typeface="Times New Roman" panose="02020603050405020304" charset="0"/>
+              <a:cs typeface="Times New Roman" panose="02020603050405020304" charset="0"/>
+              <a:sym typeface="+mn-ea"/>
             </a:endParaRPr>
           </a:p>
         </p:txBody>
@@ -4519,39 +4714,28 @@
       <p:grpSpPr/>
       <p:pic>
         <p:nvPicPr>
-          <p:cNvPr id="4" name="Picture 1"/>
+          <p:cNvPr id="4" name="Content Placeholder 3" descr="task 3"/>
           <p:cNvPicPr>
-            <a:picLocks noChangeAspect="1" noChangeArrowheads="1"/>
+            <a:picLocks noChangeAspect="1"/>
           </p:cNvPicPr>
           <p:nvPr>
             <p:ph sz="quarter" idx="1"/>
           </p:nvPr>
         </p:nvPicPr>
         <p:blipFill>
-          <a:blip r:embed="rId1">
-            <a:extLst>
-              <a:ext uri="{28A0092B-C50C-407E-A947-70E740481C1C}">
-                <a14:useLocalDpi xmlns:a14="http://schemas.microsoft.com/office/drawing/2010/main" val="0"/>
-              </a:ext>
-            </a:extLst>
-          </a:blip>
-          <a:srcRect/>
+          <a:blip r:embed="rId1"/>
           <a:stretch>
             <a:fillRect/>
           </a:stretch>
         </p:blipFill>
         <p:spPr>
           <a:xfrm>
-            <a:off x="-52705" y="95250"/>
-            <a:ext cx="12124055" cy="6523990"/>
+            <a:off x="876935" y="160655"/>
+            <a:ext cx="10438130" cy="6536055"/>
           </a:xfrm>
           <a:prstGeom prst="rect">
             <a:avLst/>
           </a:prstGeom>
-          <a:noFill/>
-          <a:ln>
-            <a:noFill/>
-          </a:ln>
         </p:spPr>
       </p:pic>
     </p:spTree>
@@ -4596,7 +4780,7 @@
         </p:nvSpPr>
         <p:spPr>
           <a:xfrm>
-            <a:off x="914400" y="2429828"/>
+            <a:off x="914400" y="2088833"/>
             <a:ext cx="10363200" cy="1143000"/>
           </a:xfrm>
         </p:spPr>
@@ -4605,10 +4789,16 @@
           <a:p>
             <a:pPr algn="ctr"/>
             <a:r>
-              <a:rPr lang="en-US"/>
-              <a:t>Functional Diagram</a:t>
-            </a:r>
-            <a:endParaRPr lang="en-US"/>
+              <a:rPr lang="en-US">
+                <a:latin typeface="Times New Roman" panose="02020603050405020304" charset="0"/>
+                <a:cs typeface="Times New Roman" panose="02020603050405020304" charset="0"/>
+              </a:rPr>
+              <a:t>Organization Structure</a:t>
+            </a:r>
+            <a:endParaRPr lang="en-US">
+              <a:latin typeface="Times New Roman" panose="02020603050405020304" charset="0"/>
+              <a:cs typeface="Times New Roman" panose="02020603050405020304" charset="0"/>
+            </a:endParaRPr>
           </a:p>
         </p:txBody>
       </p:sp>
@@ -4644,28 +4834,39 @@
       <p:grpSpPr/>
       <p:pic>
         <p:nvPicPr>
-          <p:cNvPr id="4" name="Content Placeholder 3" descr="FunctionalDiagram"/>
+          <p:cNvPr id="4" name="Picture 1"/>
           <p:cNvPicPr>
-            <a:picLocks noChangeAspect="1"/>
+            <a:picLocks noChangeAspect="1" noChangeArrowheads="1"/>
           </p:cNvPicPr>
           <p:nvPr>
             <p:ph sz="quarter" idx="1"/>
           </p:nvPr>
         </p:nvPicPr>
         <p:blipFill>
-          <a:blip r:embed="rId1"/>
+          <a:blip r:embed="rId1">
+            <a:extLst>
+              <a:ext uri="{28A0092B-C50C-407E-A947-70E740481C1C}">
+                <a14:useLocalDpi xmlns:a14="http://schemas.microsoft.com/office/drawing/2010/main" val="0"/>
+              </a:ext>
+            </a:extLst>
+          </a:blip>
+          <a:srcRect/>
           <a:stretch>
             <a:fillRect/>
           </a:stretch>
         </p:blipFill>
         <p:spPr>
           <a:xfrm>
-            <a:off x="44450" y="103505"/>
-            <a:ext cx="11913870" cy="6604635"/>
+            <a:off x="-52705" y="95250"/>
+            <a:ext cx="12124055" cy="6523990"/>
           </a:xfrm>
           <a:prstGeom prst="rect">
             <a:avLst/>
           </a:prstGeom>
+          <a:noFill/>
+          <a:ln>
+            <a:noFill/>
+          </a:ln>
         </p:spPr>
       </p:pic>
     </p:spTree>
@@ -4697,6 +4898,120 @@
         <p:cNvGrpSpPr/>
         <p:nvPr/>
       </p:nvGrpSpPr>
+      <p:grpSpPr/>
+      <p:sp>
+        <p:nvSpPr>
+          <p:cNvPr id="2" name="Title 1"/>
+          <p:cNvSpPr>
+            <a:spLocks noGrp="1"/>
+          </p:cNvSpPr>
+          <p:nvPr>
+            <p:ph type="title"/>
+          </p:nvPr>
+        </p:nvSpPr>
+        <p:spPr>
+          <a:xfrm>
+            <a:off x="914400" y="2429828"/>
+            <a:ext cx="10363200" cy="1143000"/>
+          </a:xfrm>
+        </p:spPr>
+        <p:txBody>
+          <a:bodyPr/>
+          <a:p>
+            <a:pPr algn="ctr"/>
+            <a:r>
+              <a:rPr lang="en-US"/>
+              <a:t>Functional Diagram</a:t>
+            </a:r>
+            <a:endParaRPr lang="en-US"/>
+          </a:p>
+        </p:txBody>
+      </p:sp>
+    </p:spTree>
+  </p:cSld>
+  <p:clrMapOvr>
+    <a:masterClrMapping/>
+  </p:clrMapOvr>
+  <mc:AlternateContent xmlns:mc="http://schemas.openxmlformats.org/markup-compatibility/2006">
+    <mc:Choice xmlns:p14="http://schemas.microsoft.com/office/powerpoint/2010/main" Requires="p14">
+      <p:transition spd="med" p14:dur="700">
+        <p:fade/>
+      </p:transition>
+    </mc:Choice>
+    <mc:Fallback>
+      <p:transition spd="med">
+        <p:fade/>
+      </p:transition>
+    </mc:Fallback>
+  </mc:AlternateContent>
+</p:sld>
+</file>
+
+<file path=ppt/slides/slide7.xml><?xml version="1.0" encoding="utf-8"?>
+<p:sld xmlns:a="http://schemas.openxmlformats.org/drawingml/2006/main" xmlns:r="http://schemas.openxmlformats.org/officeDocument/2006/relationships" xmlns:p="http://schemas.openxmlformats.org/presentationml/2006/main">
+  <p:cSld>
+    <p:spTree>
+      <p:nvGrpSpPr>
+        <p:cNvPr id="1" name=""/>
+        <p:cNvGrpSpPr/>
+        <p:nvPr/>
+      </p:nvGrpSpPr>
+      <p:grpSpPr/>
+      <p:pic>
+        <p:nvPicPr>
+          <p:cNvPr id="4" name="Content Placeholder 3" descr="FunctionalDiagram"/>
+          <p:cNvPicPr>
+            <a:picLocks noChangeAspect="1"/>
+          </p:cNvPicPr>
+          <p:nvPr>
+            <p:ph sz="quarter" idx="1"/>
+          </p:nvPr>
+        </p:nvPicPr>
+        <p:blipFill>
+          <a:blip r:embed="rId1"/>
+          <a:stretch>
+            <a:fillRect/>
+          </a:stretch>
+        </p:blipFill>
+        <p:spPr>
+          <a:xfrm>
+            <a:off x="44450" y="103505"/>
+            <a:ext cx="11913870" cy="6604635"/>
+          </a:xfrm>
+          <a:prstGeom prst="rect">
+            <a:avLst/>
+          </a:prstGeom>
+        </p:spPr>
+      </p:pic>
+    </p:spTree>
+  </p:cSld>
+  <p:clrMapOvr>
+    <a:masterClrMapping/>
+  </p:clrMapOvr>
+  <mc:AlternateContent xmlns:mc="http://schemas.openxmlformats.org/markup-compatibility/2006">
+    <mc:Choice xmlns:p14="http://schemas.microsoft.com/office/powerpoint/2010/main" Requires="p14">
+      <p:transition spd="med" p14:dur="700">
+        <p:fade/>
+      </p:transition>
+    </mc:Choice>
+    <mc:Fallback>
+      <p:transition spd="med">
+        <p:fade/>
+      </p:transition>
+    </mc:Fallback>
+  </mc:AlternateContent>
+</p:sld>
+</file>
+
+<file path=ppt/slides/slide8.xml><?xml version="1.0" encoding="utf-8"?>
+<p:sld xmlns:a="http://schemas.openxmlformats.org/drawingml/2006/main" xmlns:r="http://schemas.openxmlformats.org/officeDocument/2006/relationships" xmlns:p="http://schemas.openxmlformats.org/presentationml/2006/main">
+  <p:cSld>
+    <p:spTree>
+      <p:nvGrpSpPr>
+        <p:cNvPr id="1" name=""/>
+        <p:cNvGrpSpPr/>
+        <p:nvPr/>
+      </p:nvGrpSpPr>
       <p:grpSpPr>
         <a:xfrm>
           <a:off x="0" y="0"/>
@@ -4869,7 +5184,7 @@
                 </a:schemeClr>
               </a:buClr>
               <a:buSzPct val="85000"/>
-              <a:buFont typeface="Wingdings 2"/>
+              <a:buFont typeface="Wingdings 2" panose="05020102010507070707"/>
               <a:buChar char=""/>
               <a:defRPr kumimoji="0" sz="2600" kern="1200">
                 <a:solidFill>
@@ -4890,7 +5205,7 @@
                 </a:schemeClr>
               </a:buClr>
               <a:buSzPct val="85000"/>
-              <a:buFont typeface="Wingdings 2"/>
+              <a:buFont typeface="Wingdings 2" panose="05020102010507070707"/>
               <a:buChar char=""/>
               <a:defRPr kumimoji="0" sz="2400" kern="1200">
                 <a:solidFill>
@@ -4912,7 +5227,7 @@
                 </a:schemeClr>
               </a:buClr>
               <a:buSzPct val="85000"/>
-              <a:buFont typeface="Wingdings 2"/>
+              <a:buFont typeface="Wingdings 2" panose="05020102010507070707"/>
               <a:buChar char=""/>
               <a:defRPr kumimoji="0" sz="2000" kern="1200">
                 <a:solidFill>
@@ -4931,7 +5246,7 @@
                 <a:schemeClr val="accent3"/>
               </a:buClr>
               <a:buSzPct val="80000"/>
-              <a:buFont typeface="Wingdings 2"/>
+              <a:buFont typeface="Wingdings 2" panose="05020102010507070707"/>
               <a:buChar char=""/>
               <a:defRPr kumimoji="0" sz="2000" kern="1200">
                 <a:solidFill>
@@ -5070,7 +5385,7 @@
 </p:sld>
 </file>
 
-<file path=ppt/slides/slide7.xml><?xml version="1.0" encoding="utf-8"?>
+<file path=ppt/slides/slide9.xml><?xml version="1.0" encoding="utf-8"?>
 <p:sld xmlns:a="http://schemas.openxmlformats.org/drawingml/2006/main" xmlns:r="http://schemas.openxmlformats.org/officeDocument/2006/relationships" xmlns:p="http://schemas.openxmlformats.org/presentationml/2006/main">
   <p:cSld>
     <p:spTree>
@@ -5195,7 +5510,7 @@
                 </a:schemeClr>
               </a:buClr>
               <a:buSzPct val="85000"/>
-              <a:buFont typeface="Wingdings 2"/>
+              <a:buFont typeface="Wingdings 2" panose="05020102010507070707"/>
               <a:buChar char=""/>
               <a:defRPr kumimoji="0" sz="2600" kern="1200">
                 <a:solidFill>
@@ -5216,7 +5531,7 @@
                 </a:schemeClr>
               </a:buClr>
               <a:buSzPct val="85000"/>
-              <a:buFont typeface="Wingdings 2"/>
+              <a:buFont typeface="Wingdings 2" panose="05020102010507070707"/>
               <a:buChar char=""/>
               <a:defRPr kumimoji="0" sz="2400" kern="1200">
                 <a:solidFill>
@@ -5238,7 +5553,7 @@
                 </a:schemeClr>
               </a:buClr>
               <a:buSzPct val="85000"/>
-              <a:buFont typeface="Wingdings 2"/>
+              <a:buFont typeface="Wingdings 2" panose="05020102010507070707"/>
               <a:buChar char=""/>
               <a:defRPr kumimoji="0" sz="2000" kern="1200">
                 <a:solidFill>
@@ -5257,7 +5572,7 @@
                 <a:schemeClr val="accent3"/>
               </a:buClr>
               <a:buSzPct val="80000"/>
-              <a:buFont typeface="Wingdings 2"/>
+              <a:buFont typeface="Wingdings 2" panose="05020102010507070707"/>
               <a:buChar char=""/>
               <a:defRPr kumimoji="0" sz="2000" kern="1200">
                 <a:solidFill>

--- a/Presentation/Database Assignment.pptx
+++ b/Presentation/Database Assignment.pptx
@@ -5,21 +5,21 @@
     <p:sldMasterId id="2147483648" r:id="rId1"/>
   </p:sldMasterIdLst>
   <p:notesMasterIdLst>
-    <p:notesMasterId r:id="rId12"/>
+    <p:notesMasterId r:id="rId11"/>
   </p:notesMasterIdLst>
   <p:handoutMasterIdLst>
-    <p:handoutMasterId r:id="rId13"/>
+    <p:handoutMasterId r:id="rId12"/>
   </p:handoutMasterIdLst>
   <p:sldIdLst>
-    <p:sldId id="280" r:id="rId3"/>
-    <p:sldId id="318" r:id="rId4"/>
-    <p:sldId id="321" r:id="rId5"/>
-    <p:sldId id="312" r:id="rId6"/>
-    <p:sldId id="311" r:id="rId7"/>
-    <p:sldId id="310" r:id="rId8"/>
-    <p:sldId id="313" r:id="rId9"/>
-    <p:sldId id="269" r:id="rId10"/>
-    <p:sldId id="309" r:id="rId11"/>
+    <p:sldId id="280" r:id="rId2"/>
+    <p:sldId id="318" r:id="rId3"/>
+    <p:sldId id="321" r:id="rId4"/>
+    <p:sldId id="312" r:id="rId5"/>
+    <p:sldId id="311" r:id="rId6"/>
+    <p:sldId id="310" r:id="rId7"/>
+    <p:sldId id="313" r:id="rId8"/>
+    <p:sldId id="269" r:id="rId9"/>
+    <p:sldId id="309" r:id="rId10"/>
   </p:sldIdLst>
   <p:sldSz cx="12192000" cy="6858000"/>
   <p:notesSz cx="6858000" cy="9144000"/>
@@ -118,6 +118,25 @@
       </a:defRPr>
     </a:lvl9pPr>
   </p:defaultTextStyle>
+  <p:extLst>
+    <p:ext uri="{EFAFB233-063F-42B5-8137-9DF3F51BA10A}">
+      <p15:sldGuideLst xmlns:p15="http://schemas.microsoft.com/office/powerpoint/2012/main">
+        <p15:guide id="1" orient="horz" pos="2160">
+          <p15:clr>
+            <a:srgbClr val="A4A3A4"/>
+          </p15:clr>
+        </p15:guide>
+        <p15:guide id="2" pos="3839">
+          <p15:clr>
+            <a:srgbClr val="A4A3A4"/>
+          </p15:clr>
+        </p15:guide>
+      </p15:sldGuideLst>
+    </p:ext>
+    <p:ext uri="{2D200454-40CA-4A62-9FC3-DE9A4176ACB9}">
+      <p15:notesGuideLst xmlns:p15="http://schemas.microsoft.com/office/powerpoint/2012/main"/>
+    </p:ext>
+  </p:extLst>
 </p:presentation>
 </file>
 
@@ -203,6 +222,7 @@
           <a:p>
             <a:fld id="{E5CB2E47-6F41-409B-AD22-834AE1EFF186}" type="datetimeFigureOut">
               <a:rPr lang="en-US" smtClean="0"/>
+              <a:t>25-Aug-19</a:t>
             </a:fld>
             <a:endParaRPr lang="en-US" dirty="0"/>
           </a:p>
@@ -268,6 +288,7 @@
           <a:p>
             <a:fld id="{0180BE5A-9D85-4716-9443-9D9E66ACB5E5}" type="slidenum">
               <a:rPr lang="en-US" smtClean="0"/>
+              <a:t>‹#›</a:t>
             </a:fld>
             <a:endParaRPr lang="en-US" dirty="0"/>
           </a:p>
@@ -361,6 +382,7 @@
           <a:p>
             <a:fld id="{FAD6744A-403D-42A1-BFE7-61DA46EE7C6C}" type="datetimeFigureOut">
               <a:rPr lang="en-US" smtClean="0"/>
+              <a:t>25-Aug-19</a:t>
             </a:fld>
             <a:endParaRPr lang="en-US" dirty="0"/>
           </a:p>
@@ -427,7 +449,6 @@
               <a:rPr lang="en-US"/>
               <a:t>Click to edit Master text styles</a:t>
             </a:r>
-            <a:endParaRPr lang="en-US"/>
           </a:p>
           <a:p>
             <a:pPr lvl="1"/>
@@ -435,7 +456,6 @@
               <a:rPr lang="en-US"/>
               <a:t>Second level</a:t>
             </a:r>
-            <a:endParaRPr lang="en-US"/>
           </a:p>
           <a:p>
             <a:pPr lvl="2"/>
@@ -443,7 +463,6 @@
               <a:rPr lang="en-US"/>
               <a:t>Third level</a:t>
             </a:r>
-            <a:endParaRPr lang="en-US"/>
           </a:p>
           <a:p>
             <a:pPr lvl="3"/>
@@ -451,7 +470,6 @@
               <a:rPr lang="en-US"/>
               <a:t>Fourth level</a:t>
             </a:r>
-            <a:endParaRPr lang="en-US"/>
           </a:p>
           <a:p>
             <a:pPr lvl="4"/>
@@ -459,7 +477,6 @@
               <a:rPr lang="en-US"/>
               <a:t>Fifth level</a:t>
             </a:r>
-            <a:endParaRPr lang="en-US"/>
           </a:p>
         </p:txBody>
       </p:sp>
@@ -523,6 +540,7 @@
           <a:p>
             <a:fld id="{F1E05635-4EFD-4447-A451-86C57984FA89}" type="slidenum">
               <a:rPr lang="en-US" smtClean="0"/>
+              <a:t>‹#›</a:t>
             </a:fld>
             <a:endParaRPr lang="en-US" dirty="0"/>
           </a:p>
@@ -627,7 +645,7 @@
 </file>
 
 <file path=ppt/slideLayouts/slideLayout1.xml><?xml version="1.0" encoding="utf-8"?>
-<p:sldLayout xmlns:a="http://schemas.openxmlformats.org/drawingml/2006/main" xmlns:r="http://schemas.openxmlformats.org/officeDocument/2006/relationships" xmlns:p="http://schemas.openxmlformats.org/presentationml/2006/main" type="title" preserve="1" showMasterSp="0">
+<p:sldLayout xmlns:a="http://schemas.openxmlformats.org/drawingml/2006/main" xmlns:r="http://schemas.openxmlformats.org/officeDocument/2006/relationships" xmlns:p="http://schemas.openxmlformats.org/presentationml/2006/main" showMasterSp="0" type="title" preserve="1">
   <p:cSld name="Title Slide">
     <p:spTree>
       <p:nvGrpSpPr>
@@ -1009,6 +1027,7 @@
           <a:p>
             <a:fld id="{401CF334-2D5C-4859-84A6-CA7E6E43FAEB}" type="slidenum">
               <a:rPr lang="en-US" smtClean="0"/>
+              <a:t>‹#›</a:t>
             </a:fld>
             <a:endParaRPr lang="en-US" dirty="0"/>
           </a:p>
@@ -1033,7 +1052,6 @@
               <a:rPr lang="en-US" dirty="0"/>
               <a:t>Add a footer</a:t>
             </a:r>
-            <a:endParaRPr lang="en-US" dirty="0"/>
           </a:p>
         </p:txBody>
       </p:sp>
@@ -1054,6 +1072,7 @@
           <a:p>
             <a:fld id="{349BF3EA-1A78-4F07-BDC0-C8A1BD461199}" type="datetimeFigureOut">
               <a:rPr lang="en-US" smtClean="0"/>
+              <a:t>25-Aug-19</a:t>
             </a:fld>
             <a:endParaRPr lang="en-US" dirty="0"/>
           </a:p>
@@ -1064,13 +1083,13 @@
   <p:clrMapOvr>
     <a:masterClrMapping/>
   </p:clrMapOvr>
-  <mc:AlternateContent xmlns:mc="http://schemas.openxmlformats.org/markup-compatibility/2006">
-    <mc:Choice xmlns:p14="http://schemas.microsoft.com/office/powerpoint/2010/main" Requires="p14">
+  <mc:AlternateContent xmlns:mc="http://schemas.openxmlformats.org/markup-compatibility/2006" xmlns:p14="http://schemas.microsoft.com/office/powerpoint/2010/main">
+    <mc:Choice Requires="p14">
       <p:transition spd="med" p14:dur="700">
         <p:fade/>
       </p:transition>
     </mc:Choice>
-    <mc:Fallback>
+    <mc:Fallback xmlns="">
       <p:transition spd="med">
         <p:fade/>
       </p:transition>
@@ -1115,7 +1134,6 @@
               <a:rPr kumimoji="0" lang="en-US"/>
               <a:t>Click to edit Master title style</a:t>
             </a:r>
-            <a:endParaRPr kumimoji="0" lang="en-US"/>
           </a:p>
         </p:txBody>
       </p:sp>
@@ -1139,7 +1157,6 @@
               <a:rPr lang="en-US"/>
               <a:t>Click to edit Master text styles</a:t>
             </a:r>
-            <a:endParaRPr lang="en-US"/>
           </a:p>
           <a:p>
             <a:pPr lvl="1" eaLnBrk="1" latinLnBrk="0" hangingPunct="1"/>
@@ -1147,7 +1164,6 @@
               <a:rPr lang="en-US"/>
               <a:t>Second level</a:t>
             </a:r>
-            <a:endParaRPr lang="en-US"/>
           </a:p>
           <a:p>
             <a:pPr lvl="2" eaLnBrk="1" latinLnBrk="0" hangingPunct="1"/>
@@ -1155,7 +1171,6 @@
               <a:rPr lang="en-US"/>
               <a:t>Third level</a:t>
             </a:r>
-            <a:endParaRPr lang="en-US"/>
           </a:p>
           <a:p>
             <a:pPr lvl="3" eaLnBrk="1" latinLnBrk="0" hangingPunct="1"/>
@@ -1163,7 +1178,6 @@
               <a:rPr lang="en-US"/>
               <a:t>Fourth level</a:t>
             </a:r>
-            <a:endParaRPr lang="en-US"/>
           </a:p>
           <a:p>
             <a:pPr lvl="4" eaLnBrk="1" latinLnBrk="0" hangingPunct="1"/>
@@ -1192,6 +1206,7 @@
           <a:p>
             <a:fld id="{401CF334-2D5C-4859-84A6-CA7E6E43FAEB}" type="slidenum">
               <a:rPr lang="en-US" smtClean="0"/>
+              <a:t>‹#›</a:t>
             </a:fld>
             <a:endParaRPr lang="en-US" dirty="0"/>
           </a:p>
@@ -1216,7 +1231,6 @@
               <a:rPr lang="en-US" dirty="0"/>
               <a:t>Add a footer</a:t>
             </a:r>
-            <a:endParaRPr lang="en-US" dirty="0"/>
           </a:p>
         </p:txBody>
       </p:sp>
@@ -1237,6 +1251,7 @@
           <a:p>
             <a:fld id="{349BF3EA-1A78-4F07-BDC0-C8A1BD461199}" type="datetimeFigureOut">
               <a:rPr lang="en-US" smtClean="0"/>
+              <a:t>25-Aug-19</a:t>
             </a:fld>
             <a:endParaRPr lang="en-US" dirty="0"/>
           </a:p>
@@ -1247,13 +1262,13 @@
   <p:clrMapOvr>
     <a:masterClrMapping/>
   </p:clrMapOvr>
-  <mc:AlternateContent xmlns:mc="http://schemas.openxmlformats.org/markup-compatibility/2006">
-    <mc:Choice xmlns:p14="http://schemas.microsoft.com/office/powerpoint/2010/main" Requires="p14">
+  <mc:AlternateContent xmlns:mc="http://schemas.openxmlformats.org/markup-compatibility/2006" xmlns:p14="http://schemas.microsoft.com/office/powerpoint/2010/main">
+    <mc:Choice Requires="p14">
       <p:transition spd="med" p14:dur="700">
         <p:fade/>
       </p:transition>
     </mc:Choice>
-    <mc:Fallback>
+    <mc:Fallback xmlns="">
       <p:transition spd="med">
         <p:fade/>
       </p:transition>
@@ -1303,7 +1318,6 @@
               <a:rPr kumimoji="0" lang="en-US"/>
               <a:t>Click to edit Master title style</a:t>
             </a:r>
-            <a:endParaRPr kumimoji="0" lang="en-US"/>
           </a:p>
         </p:txBody>
       </p:sp>
@@ -1332,7 +1346,6 @@
               <a:rPr lang="en-US"/>
               <a:t>Click to edit Master text styles</a:t>
             </a:r>
-            <a:endParaRPr lang="en-US"/>
           </a:p>
           <a:p>
             <a:pPr lvl="1" eaLnBrk="1" latinLnBrk="0" hangingPunct="1"/>
@@ -1340,7 +1353,6 @@
               <a:rPr lang="en-US"/>
               <a:t>Second level</a:t>
             </a:r>
-            <a:endParaRPr lang="en-US"/>
           </a:p>
           <a:p>
             <a:pPr lvl="2" eaLnBrk="1" latinLnBrk="0" hangingPunct="1"/>
@@ -1348,7 +1360,6 @@
               <a:rPr lang="en-US"/>
               <a:t>Third level</a:t>
             </a:r>
-            <a:endParaRPr lang="en-US"/>
           </a:p>
           <a:p>
             <a:pPr lvl="3" eaLnBrk="1" latinLnBrk="0" hangingPunct="1"/>
@@ -1356,7 +1367,6 @@
               <a:rPr lang="en-US"/>
               <a:t>Fourth level</a:t>
             </a:r>
-            <a:endParaRPr lang="en-US"/>
           </a:p>
           <a:p>
             <a:pPr lvl="4" eaLnBrk="1" latinLnBrk="0" hangingPunct="1"/>
@@ -1385,6 +1395,7 @@
           <a:p>
             <a:fld id="{401CF334-2D5C-4859-84A6-CA7E6E43FAEB}" type="slidenum">
               <a:rPr lang="en-US" smtClean="0"/>
+              <a:t>‹#›</a:t>
             </a:fld>
             <a:endParaRPr lang="en-US" dirty="0"/>
           </a:p>
@@ -1409,7 +1420,6 @@
               <a:rPr lang="en-US" dirty="0"/>
               <a:t>Add a footer</a:t>
             </a:r>
-            <a:endParaRPr lang="en-US" dirty="0"/>
           </a:p>
         </p:txBody>
       </p:sp>
@@ -1430,6 +1440,7 @@
           <a:p>
             <a:fld id="{349BF3EA-1A78-4F07-BDC0-C8A1BD461199}" type="datetimeFigureOut">
               <a:rPr lang="en-US" smtClean="0"/>
+              <a:t>25-Aug-19</a:t>
             </a:fld>
             <a:endParaRPr lang="en-US" dirty="0"/>
           </a:p>
@@ -1440,13 +1451,13 @@
   <p:clrMapOvr>
     <a:masterClrMapping/>
   </p:clrMapOvr>
-  <mc:AlternateContent xmlns:mc="http://schemas.openxmlformats.org/markup-compatibility/2006">
-    <mc:Choice xmlns:p14="http://schemas.microsoft.com/office/powerpoint/2010/main" Requires="p14">
+  <mc:AlternateContent xmlns:mc="http://schemas.openxmlformats.org/markup-compatibility/2006" xmlns:p14="http://schemas.microsoft.com/office/powerpoint/2010/main">
+    <mc:Choice Requires="p14">
       <p:transition spd="med" p14:dur="700">
         <p:fade/>
       </p:transition>
     </mc:Choice>
-    <mc:Fallback>
+    <mc:Fallback xmlns="">
       <p:transition spd="med">
         <p:fade/>
       </p:transition>
@@ -1491,7 +1502,6 @@
               <a:rPr kumimoji="0" lang="en-US"/>
               <a:t>Click to edit Master title style</a:t>
             </a:r>
-            <a:endParaRPr kumimoji="0" lang="en-US"/>
           </a:p>
         </p:txBody>
       </p:sp>
@@ -1520,7 +1530,6 @@
               <a:rPr lang="en-US"/>
               <a:t>Click to edit Master text styles</a:t>
             </a:r>
-            <a:endParaRPr lang="en-US"/>
           </a:p>
           <a:p>
             <a:pPr lvl="1" eaLnBrk="1" latinLnBrk="0" hangingPunct="1"/>
@@ -1528,7 +1537,6 @@
               <a:rPr lang="en-US"/>
               <a:t>Second level</a:t>
             </a:r>
-            <a:endParaRPr lang="en-US"/>
           </a:p>
           <a:p>
             <a:pPr lvl="2" eaLnBrk="1" latinLnBrk="0" hangingPunct="1"/>
@@ -1536,7 +1544,6 @@
               <a:rPr lang="en-US"/>
               <a:t>Third level</a:t>
             </a:r>
-            <a:endParaRPr lang="en-US"/>
           </a:p>
           <a:p>
             <a:pPr lvl="3" eaLnBrk="1" latinLnBrk="0" hangingPunct="1"/>
@@ -1544,7 +1551,6 @@
               <a:rPr lang="en-US"/>
               <a:t>Fourth level</a:t>
             </a:r>
-            <a:endParaRPr lang="en-US"/>
           </a:p>
           <a:p>
             <a:pPr lvl="4" eaLnBrk="1" latinLnBrk="0" hangingPunct="1"/>
@@ -1573,6 +1579,7 @@
           <a:p>
             <a:fld id="{401CF334-2D5C-4859-84A6-CA7E6E43FAEB}" type="slidenum">
               <a:rPr lang="en-US" smtClean="0"/>
+              <a:t>‹#›</a:t>
             </a:fld>
             <a:endParaRPr lang="en-US" dirty="0"/>
           </a:p>
@@ -1597,7 +1604,6 @@
               <a:rPr lang="en-US" dirty="0"/>
               <a:t>Add a footer</a:t>
             </a:r>
-            <a:endParaRPr lang="en-US" dirty="0"/>
           </a:p>
         </p:txBody>
       </p:sp>
@@ -1618,6 +1624,7 @@
           <a:p>
             <a:fld id="{349BF3EA-1A78-4F07-BDC0-C8A1BD461199}" type="datetimeFigureOut">
               <a:rPr lang="en-US" smtClean="0"/>
+              <a:t>25-Aug-19</a:t>
             </a:fld>
             <a:endParaRPr lang="en-US" dirty="0"/>
           </a:p>
@@ -1628,13 +1635,13 @@
   <p:clrMapOvr>
     <a:masterClrMapping/>
   </p:clrMapOvr>
-  <mc:AlternateContent xmlns:mc="http://schemas.openxmlformats.org/markup-compatibility/2006">
-    <mc:Choice xmlns:p14="http://schemas.microsoft.com/office/powerpoint/2010/main" Requires="p14">
+  <mc:AlternateContent xmlns:mc="http://schemas.openxmlformats.org/markup-compatibility/2006" xmlns:p14="http://schemas.microsoft.com/office/powerpoint/2010/main">
+    <mc:Choice Requires="p14">
       <p:transition spd="med" p14:dur="700">
         <p:fade/>
       </p:transition>
     </mc:Choice>
-    <mc:Fallback>
+    <mc:Fallback xmlns="">
       <p:transition spd="med">
         <p:fade/>
       </p:transition>
@@ -1644,7 +1651,7 @@
 </file>
 
 <file path=ppt/slideLayouts/slideLayout3.xml><?xml version="1.0" encoding="utf-8"?>
-<p:sldLayout xmlns:a="http://schemas.openxmlformats.org/drawingml/2006/main" xmlns:r="http://schemas.openxmlformats.org/officeDocument/2006/relationships" xmlns:p="http://schemas.openxmlformats.org/presentationml/2006/main" type="secHead" preserve="1" showMasterSp="0">
+<p:sldLayout xmlns:a="http://schemas.openxmlformats.org/drawingml/2006/main" xmlns:r="http://schemas.openxmlformats.org/officeDocument/2006/relationships" xmlns:p="http://schemas.openxmlformats.org/presentationml/2006/main" showMasterSp="0" type="secHead" preserve="1">
   <p:cSld name="Section Header">
     <p:spTree>
       <p:nvGrpSpPr>
@@ -2003,7 +2010,6 @@
               <a:rPr kumimoji="0" lang="en-US"/>
               <a:t>Click to edit Master text styles</a:t>
             </a:r>
-            <a:endParaRPr kumimoji="0" lang="en-US"/>
           </a:p>
         </p:txBody>
       </p:sp>
@@ -2029,6 +2035,7 @@
           <a:p>
             <a:fld id="{401CF334-2D5C-4859-84A6-CA7E6E43FAEB}" type="slidenum">
               <a:rPr lang="en-US" smtClean="0"/>
+              <a:t>‹#›</a:t>
             </a:fld>
             <a:endParaRPr lang="en-US" dirty="0"/>
           </a:p>
@@ -2058,7 +2065,6 @@
               <a:rPr lang="en-US" dirty="0"/>
               <a:t>Add a footer</a:t>
             </a:r>
-            <a:endParaRPr lang="en-US" dirty="0"/>
           </a:p>
         </p:txBody>
       </p:sp>
@@ -2079,6 +2085,7 @@
           <a:p>
             <a:fld id="{349BF3EA-1A78-4F07-BDC0-C8A1BD461199}" type="datetimeFigureOut">
               <a:rPr lang="en-US" smtClean="0"/>
+              <a:t>25-Aug-19</a:t>
             </a:fld>
             <a:endParaRPr lang="en-US" dirty="0"/>
           </a:p>
@@ -2089,13 +2096,13 @@
   <p:clrMapOvr>
     <a:masterClrMapping/>
   </p:clrMapOvr>
-  <mc:AlternateContent xmlns:mc="http://schemas.openxmlformats.org/markup-compatibility/2006">
-    <mc:Choice xmlns:p14="http://schemas.microsoft.com/office/powerpoint/2010/main" Requires="p14">
+  <mc:AlternateContent xmlns:mc="http://schemas.openxmlformats.org/markup-compatibility/2006" xmlns:p14="http://schemas.microsoft.com/office/powerpoint/2010/main">
+    <mc:Choice Requires="p14">
       <p:transition spd="med" p14:dur="700">
         <p:fade/>
       </p:transition>
     </mc:Choice>
-    <mc:Fallback>
+    <mc:Fallback xmlns="">
       <p:transition spd="med">
         <p:fade/>
       </p:transition>
@@ -2140,7 +2147,6 @@
               <a:rPr kumimoji="0" lang="en-US"/>
               <a:t>Click to edit Master title style</a:t>
             </a:r>
-            <a:endParaRPr kumimoji="0" lang="en-US"/>
           </a:p>
         </p:txBody>
       </p:sp>
@@ -2169,7 +2175,6 @@
               <a:rPr lang="en-US"/>
               <a:t>Click to edit Master text styles</a:t>
             </a:r>
-            <a:endParaRPr lang="en-US"/>
           </a:p>
           <a:p>
             <a:pPr lvl="1" eaLnBrk="1" latinLnBrk="0" hangingPunct="1"/>
@@ -2177,7 +2182,6 @@
               <a:rPr lang="en-US"/>
               <a:t>Second level</a:t>
             </a:r>
-            <a:endParaRPr lang="en-US"/>
           </a:p>
           <a:p>
             <a:pPr lvl="2" eaLnBrk="1" latinLnBrk="0" hangingPunct="1"/>
@@ -2185,7 +2189,6 @@
               <a:rPr lang="en-US"/>
               <a:t>Third level</a:t>
             </a:r>
-            <a:endParaRPr lang="en-US"/>
           </a:p>
           <a:p>
             <a:pPr lvl="3" eaLnBrk="1" latinLnBrk="0" hangingPunct="1"/>
@@ -2193,7 +2196,6 @@
               <a:rPr lang="en-US"/>
               <a:t>Fourth level</a:t>
             </a:r>
-            <a:endParaRPr lang="en-US"/>
           </a:p>
           <a:p>
             <a:pPr lvl="4" eaLnBrk="1" latinLnBrk="0" hangingPunct="1"/>
@@ -2230,7 +2232,6 @@
               <a:rPr lang="en-US"/>
               <a:t>Click to edit Master text styles</a:t>
             </a:r>
-            <a:endParaRPr lang="en-US"/>
           </a:p>
           <a:p>
             <a:pPr lvl="1" eaLnBrk="1" latinLnBrk="0" hangingPunct="1"/>
@@ -2238,7 +2239,6 @@
               <a:rPr lang="en-US"/>
               <a:t>Second level</a:t>
             </a:r>
-            <a:endParaRPr lang="en-US"/>
           </a:p>
           <a:p>
             <a:pPr lvl="2" eaLnBrk="1" latinLnBrk="0" hangingPunct="1"/>
@@ -2246,7 +2246,6 @@
               <a:rPr lang="en-US"/>
               <a:t>Third level</a:t>
             </a:r>
-            <a:endParaRPr lang="en-US"/>
           </a:p>
           <a:p>
             <a:pPr lvl="3" eaLnBrk="1" latinLnBrk="0" hangingPunct="1"/>
@@ -2254,7 +2253,6 @@
               <a:rPr lang="en-US"/>
               <a:t>Fourth level</a:t>
             </a:r>
-            <a:endParaRPr lang="en-US"/>
           </a:p>
           <a:p>
             <a:pPr lvl="4" eaLnBrk="1" latinLnBrk="0" hangingPunct="1"/>
@@ -2283,6 +2281,7 @@
           <a:p>
             <a:fld id="{401CF334-2D5C-4859-84A6-CA7E6E43FAEB}" type="slidenum">
               <a:rPr lang="en-US" smtClean="0"/>
+              <a:t>‹#›</a:t>
             </a:fld>
             <a:endParaRPr lang="en-US" dirty="0"/>
           </a:p>
@@ -2307,7 +2306,6 @@
               <a:rPr lang="en-US" dirty="0"/>
               <a:t>Add a footer</a:t>
             </a:r>
-            <a:endParaRPr lang="en-US" dirty="0"/>
           </a:p>
         </p:txBody>
       </p:sp>
@@ -2328,6 +2326,7 @@
           <a:p>
             <a:fld id="{349BF3EA-1A78-4F07-BDC0-C8A1BD461199}" type="datetimeFigureOut">
               <a:rPr lang="en-US" smtClean="0"/>
+              <a:t>25-Aug-19</a:t>
             </a:fld>
             <a:endParaRPr lang="en-US" dirty="0"/>
           </a:p>
@@ -2338,13 +2337,13 @@
   <p:clrMapOvr>
     <a:masterClrMapping/>
   </p:clrMapOvr>
-  <mc:AlternateContent xmlns:mc="http://schemas.openxmlformats.org/markup-compatibility/2006">
-    <mc:Choice xmlns:p14="http://schemas.microsoft.com/office/powerpoint/2010/main" Requires="p14">
+  <mc:AlternateContent xmlns:mc="http://schemas.openxmlformats.org/markup-compatibility/2006" xmlns:p14="http://schemas.microsoft.com/office/powerpoint/2010/main">
+    <mc:Choice Requires="p14">
       <p:transition spd="med" p14:dur="700">
         <p:fade/>
       </p:transition>
     </mc:Choice>
-    <mc:Fallback>
+    <mc:Fallback xmlns="">
       <p:transition spd="med">
         <p:fade/>
       </p:transition>
@@ -2398,7 +2397,6 @@
               <a:rPr kumimoji="0" lang="en-US"/>
               <a:t>Click to edit Master title style</a:t>
             </a:r>
-            <a:endParaRPr kumimoji="0" lang="en-US"/>
           </a:p>
         </p:txBody>
       </p:sp>
@@ -2464,7 +2462,6 @@
               <a:rPr kumimoji="0" lang="en-US"/>
               <a:t>Click to edit Master text styles</a:t>
             </a:r>
-            <a:endParaRPr kumimoji="0" lang="en-US"/>
           </a:p>
         </p:txBody>
       </p:sp>
@@ -2493,7 +2490,6 @@
               <a:rPr lang="en-US"/>
               <a:t>Click to edit Master text styles</a:t>
             </a:r>
-            <a:endParaRPr lang="en-US"/>
           </a:p>
           <a:p>
             <a:pPr lvl="1" eaLnBrk="1" latinLnBrk="0" hangingPunct="1"/>
@@ -2501,7 +2497,6 @@
               <a:rPr lang="en-US"/>
               <a:t>Second level</a:t>
             </a:r>
-            <a:endParaRPr lang="en-US"/>
           </a:p>
           <a:p>
             <a:pPr lvl="2" eaLnBrk="1" latinLnBrk="0" hangingPunct="1"/>
@@ -2509,7 +2504,6 @@
               <a:rPr lang="en-US"/>
               <a:t>Third level</a:t>
             </a:r>
-            <a:endParaRPr lang="en-US"/>
           </a:p>
           <a:p>
             <a:pPr lvl="3" eaLnBrk="1" latinLnBrk="0" hangingPunct="1"/>
@@ -2517,7 +2511,6 @@
               <a:rPr lang="en-US"/>
               <a:t>Fourth level</a:t>
             </a:r>
-            <a:endParaRPr lang="en-US"/>
           </a:p>
           <a:p>
             <a:pPr lvl="4" eaLnBrk="1" latinLnBrk="0" hangingPunct="1"/>
@@ -2591,7 +2584,6 @@
               <a:rPr kumimoji="0" lang="en-US"/>
               <a:t>Click to edit Master text styles</a:t>
             </a:r>
-            <a:endParaRPr kumimoji="0" lang="en-US"/>
           </a:p>
         </p:txBody>
       </p:sp>
@@ -2620,7 +2612,6 @@
               <a:rPr lang="en-US"/>
               <a:t>Click to edit Master text styles</a:t>
             </a:r>
-            <a:endParaRPr lang="en-US"/>
           </a:p>
           <a:p>
             <a:pPr lvl="1" eaLnBrk="1" latinLnBrk="0" hangingPunct="1"/>
@@ -2628,7 +2619,6 @@
               <a:rPr lang="en-US"/>
               <a:t>Second level</a:t>
             </a:r>
-            <a:endParaRPr lang="en-US"/>
           </a:p>
           <a:p>
             <a:pPr lvl="2" eaLnBrk="1" latinLnBrk="0" hangingPunct="1"/>
@@ -2636,7 +2626,6 @@
               <a:rPr lang="en-US"/>
               <a:t>Third level</a:t>
             </a:r>
-            <a:endParaRPr lang="en-US"/>
           </a:p>
           <a:p>
             <a:pPr lvl="3" eaLnBrk="1" latinLnBrk="0" hangingPunct="1"/>
@@ -2644,7 +2633,6 @@
               <a:rPr lang="en-US"/>
               <a:t>Fourth level</a:t>
             </a:r>
-            <a:endParaRPr lang="en-US"/>
           </a:p>
           <a:p>
             <a:pPr lvl="4" eaLnBrk="1" latinLnBrk="0" hangingPunct="1"/>
@@ -2673,6 +2661,7 @@
           <a:p>
             <a:fld id="{401CF334-2D5C-4859-84A6-CA7E6E43FAEB}" type="slidenum">
               <a:rPr lang="en-US" smtClean="0"/>
+              <a:t>‹#›</a:t>
             </a:fld>
             <a:endParaRPr lang="en-US" dirty="0"/>
           </a:p>
@@ -2697,7 +2686,6 @@
               <a:rPr lang="en-US" dirty="0"/>
               <a:t>Add a footer</a:t>
             </a:r>
-            <a:endParaRPr lang="en-US" dirty="0"/>
           </a:p>
         </p:txBody>
       </p:sp>
@@ -2718,6 +2706,7 @@
           <a:p>
             <a:fld id="{349BF3EA-1A78-4F07-BDC0-C8A1BD461199}" type="datetimeFigureOut">
               <a:rPr lang="en-US" smtClean="0"/>
+              <a:t>25-Aug-19</a:t>
             </a:fld>
             <a:endParaRPr lang="en-US" dirty="0"/>
           </a:p>
@@ -2728,13 +2717,13 @@
   <p:clrMapOvr>
     <a:masterClrMapping/>
   </p:clrMapOvr>
-  <mc:AlternateContent xmlns:mc="http://schemas.openxmlformats.org/markup-compatibility/2006">
-    <mc:Choice xmlns:p14="http://schemas.microsoft.com/office/powerpoint/2010/main" Requires="p14">
+  <mc:AlternateContent xmlns:mc="http://schemas.openxmlformats.org/markup-compatibility/2006" xmlns:p14="http://schemas.microsoft.com/office/powerpoint/2010/main">
+    <mc:Choice Requires="p14">
       <p:transition spd="med" p14:dur="700">
         <p:fade/>
       </p:transition>
     </mc:Choice>
-    <mc:Fallback>
+    <mc:Fallback xmlns="">
       <p:transition spd="med">
         <p:fade/>
       </p:transition>
@@ -2779,7 +2768,6 @@
               <a:rPr kumimoji="0" lang="en-US"/>
               <a:t>Click to edit Master title style</a:t>
             </a:r>
-            <a:endParaRPr kumimoji="0" lang="en-US"/>
           </a:p>
         </p:txBody>
       </p:sp>
@@ -2800,6 +2788,7 @@
           <a:p>
             <a:fld id="{401CF334-2D5C-4859-84A6-CA7E6E43FAEB}" type="slidenum">
               <a:rPr lang="en-US" smtClean="0"/>
+              <a:t>‹#›</a:t>
             </a:fld>
             <a:endParaRPr lang="en-US" dirty="0"/>
           </a:p>
@@ -2824,7 +2813,6 @@
               <a:rPr lang="en-US" dirty="0"/>
               <a:t>Add a footer</a:t>
             </a:r>
-            <a:endParaRPr lang="en-US" dirty="0"/>
           </a:p>
         </p:txBody>
       </p:sp>
@@ -2845,6 +2833,7 @@
           <a:p>
             <a:fld id="{349BF3EA-1A78-4F07-BDC0-C8A1BD461199}" type="datetimeFigureOut">
               <a:rPr lang="en-US" smtClean="0"/>
+              <a:t>25-Aug-19</a:t>
             </a:fld>
             <a:endParaRPr lang="en-US" dirty="0"/>
           </a:p>
@@ -2855,13 +2844,13 @@
   <p:clrMapOvr>
     <a:masterClrMapping/>
   </p:clrMapOvr>
-  <mc:AlternateContent xmlns:mc="http://schemas.openxmlformats.org/markup-compatibility/2006">
-    <mc:Choice xmlns:p14="http://schemas.microsoft.com/office/powerpoint/2010/main" Requires="p14">
+  <mc:AlternateContent xmlns:mc="http://schemas.openxmlformats.org/markup-compatibility/2006" xmlns:p14="http://schemas.microsoft.com/office/powerpoint/2010/main">
+    <mc:Choice Requires="p14">
       <p:transition spd="med" p14:dur="700">
         <p:fade/>
       </p:transition>
     </mc:Choice>
-    <mc:Fallback>
+    <mc:Fallback xmlns="">
       <p:transition spd="med">
         <p:fade/>
       </p:transition>
@@ -2904,6 +2893,7 @@
           <a:p>
             <a:fld id="{401CF334-2D5C-4859-84A6-CA7E6E43FAEB}" type="slidenum">
               <a:rPr lang="en-US" smtClean="0"/>
+              <a:t>‹#›</a:t>
             </a:fld>
             <a:endParaRPr lang="en-US" dirty="0"/>
           </a:p>
@@ -2928,7 +2918,6 @@
               <a:rPr lang="en-US" dirty="0"/>
               <a:t>Add a footer</a:t>
             </a:r>
-            <a:endParaRPr lang="en-US" dirty="0"/>
           </a:p>
         </p:txBody>
       </p:sp>
@@ -2949,6 +2938,7 @@
           <a:p>
             <a:fld id="{349BF3EA-1A78-4F07-BDC0-C8A1BD461199}" type="datetimeFigureOut">
               <a:rPr lang="en-US" smtClean="0"/>
+              <a:t>25-Aug-19</a:t>
             </a:fld>
             <a:endParaRPr lang="en-US" dirty="0"/>
           </a:p>
@@ -2959,13 +2949,13 @@
   <p:clrMapOvr>
     <a:masterClrMapping/>
   </p:clrMapOvr>
-  <mc:AlternateContent xmlns:mc="http://schemas.openxmlformats.org/markup-compatibility/2006">
-    <mc:Choice xmlns:p14="http://schemas.microsoft.com/office/powerpoint/2010/main" Requires="p14">
+  <mc:AlternateContent xmlns:mc="http://schemas.openxmlformats.org/markup-compatibility/2006" xmlns:p14="http://schemas.microsoft.com/office/powerpoint/2010/main">
+    <mc:Choice Requires="p14">
       <p:transition spd="med" p14:dur="700">
         <p:fade/>
       </p:transition>
     </mc:Choice>
-    <mc:Fallback>
+    <mc:Fallback xmlns="">
       <p:transition spd="med">
         <p:fade/>
       </p:transition>
@@ -3144,7 +3134,6 @@
               <a:rPr lang="en-US"/>
               <a:t>Click to edit Master text styles</a:t>
             </a:r>
-            <a:endParaRPr lang="en-US"/>
           </a:p>
           <a:p>
             <a:pPr lvl="1" eaLnBrk="1" latinLnBrk="0" hangingPunct="1"/>
@@ -3152,7 +3141,6 @@
               <a:rPr lang="en-US"/>
               <a:t>Second level</a:t>
             </a:r>
-            <a:endParaRPr lang="en-US"/>
           </a:p>
           <a:p>
             <a:pPr lvl="2" eaLnBrk="1" latinLnBrk="0" hangingPunct="1"/>
@@ -3160,7 +3148,6 @@
               <a:rPr lang="en-US"/>
               <a:t>Third level</a:t>
             </a:r>
-            <a:endParaRPr lang="en-US"/>
           </a:p>
           <a:p>
             <a:pPr lvl="3" eaLnBrk="1" latinLnBrk="0" hangingPunct="1"/>
@@ -3168,7 +3155,6 @@
               <a:rPr lang="en-US"/>
               <a:t>Fourth level</a:t>
             </a:r>
-            <a:endParaRPr lang="en-US"/>
           </a:p>
           <a:p>
             <a:pPr lvl="4" eaLnBrk="1" latinLnBrk="0" hangingPunct="1"/>
@@ -3226,7 +3212,6 @@
               <a:rPr kumimoji="0" lang="en-US"/>
               <a:t>Click to edit Master text styles</a:t>
             </a:r>
-            <a:endParaRPr kumimoji="0" lang="en-US"/>
           </a:p>
         </p:txBody>
       </p:sp>
@@ -3247,6 +3232,7 @@
           <a:p>
             <a:fld id="{401CF334-2D5C-4859-84A6-CA7E6E43FAEB}" type="slidenum">
               <a:rPr lang="en-US" smtClean="0"/>
+              <a:t>‹#›</a:t>
             </a:fld>
             <a:endParaRPr lang="en-US" dirty="0"/>
           </a:p>
@@ -3271,7 +3257,6 @@
               <a:rPr lang="en-US" dirty="0"/>
               <a:t>Add a footer</a:t>
             </a:r>
-            <a:endParaRPr lang="en-US" dirty="0"/>
           </a:p>
         </p:txBody>
       </p:sp>
@@ -3292,6 +3277,7 @@
           <a:p>
             <a:fld id="{349BF3EA-1A78-4F07-BDC0-C8A1BD461199}" type="datetimeFigureOut">
               <a:rPr lang="en-US" smtClean="0"/>
+              <a:t>25-Aug-19</a:t>
             </a:fld>
             <a:endParaRPr lang="en-US" dirty="0"/>
           </a:p>
@@ -3302,13 +3288,13 @@
   <p:clrMapOvr>
     <a:masterClrMapping/>
   </p:clrMapOvr>
-  <mc:AlternateContent xmlns:mc="http://schemas.openxmlformats.org/markup-compatibility/2006">
-    <mc:Choice xmlns:p14="http://schemas.microsoft.com/office/powerpoint/2010/main" Requires="p14">
+  <mc:AlternateContent xmlns:mc="http://schemas.openxmlformats.org/markup-compatibility/2006" xmlns:p14="http://schemas.microsoft.com/office/powerpoint/2010/main">
+    <mc:Choice Requires="p14">
       <p:transition spd="med" p14:dur="700">
         <p:fade/>
       </p:transition>
     </mc:Choice>
-    <mc:Fallback>
+    <mc:Fallback xmlns="">
       <p:transition spd="med">
         <p:fade/>
       </p:transition>
@@ -3554,7 +3540,6 @@
               <a:rPr kumimoji="0" lang="en-US" dirty="0"/>
               <a:t>Click icon to add picture</a:t>
             </a:r>
-            <a:endParaRPr kumimoji="0" lang="en-US" dirty="0"/>
           </a:p>
         </p:txBody>
       </p:sp>
@@ -3601,7 +3586,6 @@
               <a:rPr kumimoji="0" lang="en-US"/>
               <a:t>Click to edit Master text styles</a:t>
             </a:r>
-            <a:endParaRPr kumimoji="0" lang="en-US"/>
           </a:p>
         </p:txBody>
       </p:sp>
@@ -3627,6 +3611,7 @@
           <a:p>
             <a:fld id="{401CF334-2D5C-4859-84A6-CA7E6E43FAEB}" type="slidenum">
               <a:rPr lang="en-US" smtClean="0"/>
+              <a:t>‹#›</a:t>
             </a:fld>
             <a:endParaRPr lang="en-US" dirty="0"/>
           </a:p>
@@ -3656,7 +3641,6 @@
               <a:rPr lang="en-US" dirty="0"/>
               <a:t>Add a footer</a:t>
             </a:r>
-            <a:endParaRPr lang="en-US" dirty="0"/>
           </a:p>
         </p:txBody>
       </p:sp>
@@ -3677,6 +3661,7 @@
           <a:p>
             <a:fld id="{349BF3EA-1A78-4F07-BDC0-C8A1BD461199}" type="datetimeFigureOut">
               <a:rPr lang="en-US" smtClean="0"/>
+              <a:t>25-Aug-19</a:t>
             </a:fld>
             <a:endParaRPr lang="en-US" dirty="0"/>
           </a:p>
@@ -3687,13 +3672,13 @@
   <p:clrMapOvr>
     <a:masterClrMapping/>
   </p:clrMapOvr>
-  <mc:AlternateContent xmlns:mc="http://schemas.openxmlformats.org/markup-compatibility/2006">
-    <mc:Choice xmlns:p14="http://schemas.microsoft.com/office/powerpoint/2010/main" Requires="p14">
+  <mc:AlternateContent xmlns:mc="http://schemas.openxmlformats.org/markup-compatibility/2006" xmlns:p14="http://schemas.microsoft.com/office/powerpoint/2010/main">
+    <mc:Choice Requires="p14">
       <p:transition spd="med" p14:dur="700">
         <p:fade/>
       </p:transition>
     </mc:Choice>
-    <mc:Fallback>
+    <mc:Fallback xmlns="">
       <p:transition spd="med">
         <p:fade/>
       </p:transition>
@@ -3881,7 +3866,6 @@
               <a:rPr kumimoji="0" lang="en-US"/>
               <a:t>Click to edit Master text styles</a:t>
             </a:r>
-            <a:endParaRPr kumimoji="0" lang="en-US"/>
           </a:p>
           <a:p>
             <a:pPr lvl="1" eaLnBrk="1" latinLnBrk="0" hangingPunct="1"/>
@@ -3889,7 +3873,6 @@
               <a:rPr kumimoji="0" lang="en-US"/>
               <a:t>Second level</a:t>
             </a:r>
-            <a:endParaRPr kumimoji="0" lang="en-US"/>
           </a:p>
           <a:p>
             <a:pPr lvl="2" eaLnBrk="1" latinLnBrk="0" hangingPunct="1"/>
@@ -3897,7 +3880,6 @@
               <a:rPr kumimoji="0" lang="en-US"/>
               <a:t>Third level</a:t>
             </a:r>
-            <a:endParaRPr kumimoji="0" lang="en-US"/>
           </a:p>
           <a:p>
             <a:pPr lvl="3" eaLnBrk="1" latinLnBrk="0" hangingPunct="1"/>
@@ -3905,7 +3887,6 @@
               <a:rPr kumimoji="0" lang="en-US"/>
               <a:t>Fourth level</a:t>
             </a:r>
-            <a:endParaRPr kumimoji="0" lang="en-US"/>
           </a:p>
           <a:p>
             <a:pPr lvl="4" eaLnBrk="1" latinLnBrk="0" hangingPunct="1"/>
@@ -3960,6 +3941,7 @@
           <a:p>
             <a:fld id="{401CF334-2D5C-4859-84A6-CA7E6E43FAEB}" type="slidenum">
               <a:rPr lang="en-US" smtClean="0"/>
+              <a:t>‹#›</a:t>
             </a:fld>
             <a:endParaRPr lang="en-US" dirty="0"/>
           </a:p>
@@ -4000,7 +3982,6 @@
               <a:rPr lang="en-US" dirty="0"/>
               <a:t>Add a footer</a:t>
             </a:r>
-            <a:endParaRPr lang="en-US" dirty="0"/>
           </a:p>
         </p:txBody>
       </p:sp>
@@ -4037,6 +4018,7 @@
           <a:p>
             <a:fld id="{349BF3EA-1A78-4F07-BDC0-C8A1BD461199}" type="datetimeFigureOut">
               <a:rPr lang="en-US" smtClean="0"/>
+              <a:t>25-Aug-19</a:t>
             </a:fld>
             <a:endParaRPr lang="en-US" dirty="0"/>
           </a:p>
@@ -4058,13 +4040,13 @@
     <p:sldLayoutId id="2147483658" r:id="rId10"/>
     <p:sldLayoutId id="2147483659" r:id="rId11"/>
   </p:sldLayoutIdLst>
-  <mc:AlternateContent xmlns:mc="http://schemas.openxmlformats.org/markup-compatibility/2006">
-    <mc:Choice xmlns:p14="http://schemas.microsoft.com/office/powerpoint/2010/main" Requires="p14">
+  <mc:AlternateContent xmlns:mc="http://schemas.openxmlformats.org/markup-compatibility/2006" xmlns:p14="http://schemas.microsoft.com/office/powerpoint/2010/main">
+    <mc:Choice Requires="p14">
       <p:transition spd="med" p14:dur="700">
         <p:fade/>
       </p:transition>
     </mc:Choice>
-    <mc:Fallback>
+    <mc:Fallback xmlns="">
       <p:transition spd="med">
         <p:fade/>
       </p:transition>
@@ -4402,7 +4384,6 @@
               <a:rPr lang="en-US" dirty="0"/>
               <a:t>Db present</a:t>
             </a:r>
-            <a:endParaRPr lang="en-US" dirty="0"/>
           </a:p>
         </p:txBody>
       </p:sp>
@@ -4430,13 +4411,13 @@
   <p:clrMapOvr>
     <a:masterClrMapping/>
   </p:clrMapOvr>
-  <mc:AlternateContent xmlns:mc="http://schemas.openxmlformats.org/markup-compatibility/2006">
-    <mc:Choice xmlns:p14="http://schemas.microsoft.com/office/powerpoint/2010/main" Requires="p14">
+  <mc:AlternateContent xmlns:mc="http://schemas.openxmlformats.org/markup-compatibility/2006" xmlns:p14="http://schemas.microsoft.com/office/powerpoint/2010/main">
+    <mc:Choice Requires="p14">
       <p:transition spd="med" p14:dur="700">
         <p:fade/>
       </p:transition>
     </mc:Choice>
-    <mc:Fallback>
+    <mc:Fallback xmlns="">
       <p:transition spd="med">
         <p:fade/>
       </p:transition>
@@ -4454,7 +4435,14 @@
         <p:cNvGrpSpPr/>
         <p:nvPr/>
       </p:nvGrpSpPr>
-      <p:grpSpPr/>
+      <p:grpSpPr>
+        <a:xfrm>
+          <a:off x="0" y="0"/>
+          <a:ext cx="0" cy="0"/>
+          <a:chOff x="0" y="0"/>
+          <a:chExt cx="0" cy="0"/>
+        </a:xfrm>
+      </p:grpSpPr>
       <p:sp>
         <p:nvSpPr>
           <p:cNvPr id="5" name="Title 4"/>
@@ -4473,6 +4461,7 @@
         </p:spPr>
         <p:txBody>
           <a:bodyPr/>
+          <a:lstStyle/>
           <a:p>
             <a:pPr algn="ctr"/>
             <a:r>
@@ -4482,10 +4471,6 @@
               </a:rPr>
               <a:t>Business Rules</a:t>
             </a:r>
-            <a:endParaRPr lang="en-MY" altLang="en-US" sz="3200" b="1">
-              <a:latin typeface="Times New Roman" panose="02020603050405020304" charset="0"/>
-              <a:cs typeface="Times New Roman" panose="02020603050405020304" charset="0"/>
-            </a:endParaRPr>
           </a:p>
         </p:txBody>
       </p:sp>
@@ -4512,6 +4497,7 @@
           <a:bodyPr wrap="square" rtlCol="0" anchor="ctr" anchorCtr="1">
             <a:spAutoFit/>
           </a:bodyPr>
+          <a:lstStyle/>
           <a:p>
             <a:pPr marL="342900" indent="-342900">
               <a:lnSpc>
@@ -4534,11 +4520,6 @@
               </a:rPr>
               <a:t>An account can reserve many books. A book reservation belongs to only one account.</a:t>
             </a:r>
-            <a:endParaRPr lang="en-MY" altLang="en-US" sz="2000">
-              <a:latin typeface="Times New Roman" panose="02020603050405020304" charset="0"/>
-              <a:cs typeface="Times New Roman" panose="02020603050405020304" charset="0"/>
-              <a:sym typeface="+mn-ea"/>
-            </a:endParaRPr>
           </a:p>
           <a:p>
             <a:pPr marL="342900" indent="-342900">
@@ -4562,11 +4543,6 @@
               </a:rPr>
               <a:t>An account can make payment on many fine. A fine can only be paid by one account.</a:t>
             </a:r>
-            <a:endParaRPr lang="en-MY" altLang="en-US" sz="2000">
-              <a:latin typeface="Times New Roman" panose="02020603050405020304" charset="0"/>
-              <a:cs typeface="Times New Roman" panose="02020603050405020304" charset="0"/>
-              <a:sym typeface="+mn-ea"/>
-            </a:endParaRPr>
           </a:p>
           <a:p>
             <a:pPr marL="342900" indent="-342900">
@@ -4590,11 +4566,6 @@
               </a:rPr>
               <a:t>A book reservation can reserve many books. A book can be reserved by many books.</a:t>
             </a:r>
-            <a:endParaRPr lang="en-MY" altLang="en-US" sz="2000">
-              <a:latin typeface="Times New Roman" panose="02020603050405020304" charset="0"/>
-              <a:cs typeface="Times New Roman" panose="02020603050405020304" charset="0"/>
-              <a:sym typeface="+mn-ea"/>
-            </a:endParaRPr>
           </a:p>
           <a:p>
             <a:pPr marL="342900" indent="-342900">
@@ -4618,11 +4589,6 @@
               </a:rPr>
               <a:t>A book reservation can have one or no fine. A fine only belongs to a book reservation.</a:t>
             </a:r>
-            <a:endParaRPr lang="en-MY" altLang="en-US" sz="2000">
-              <a:latin typeface="Times New Roman" panose="02020603050405020304" charset="0"/>
-              <a:cs typeface="Times New Roman" panose="02020603050405020304" charset="0"/>
-              <a:sym typeface="+mn-ea"/>
-            </a:endParaRPr>
           </a:p>
           <a:p>
             <a:pPr marL="342900" indent="-342900">
@@ -4646,11 +4612,6 @@
               </a:rPr>
               <a:t>A report obtains all information from payment record.</a:t>
             </a:r>
-            <a:endParaRPr lang="en-MY" altLang="en-US" sz="2000">
-              <a:latin typeface="Times New Roman" panose="02020603050405020304" charset="0"/>
-              <a:cs typeface="Times New Roman" panose="02020603050405020304" charset="0"/>
-              <a:sym typeface="+mn-ea"/>
-            </a:endParaRPr>
           </a:p>
           <a:p>
             <a:pPr marL="342900" indent="-342900">
@@ -4674,11 +4635,6 @@
               </a:rPr>
               <a:t>A report obtains all information from book reservation record.</a:t>
             </a:r>
-            <a:endParaRPr lang="en-MY" altLang="en-US" sz="2000">
-              <a:latin typeface="Times New Roman" panose="02020603050405020304" charset="0"/>
-              <a:cs typeface="Times New Roman" panose="02020603050405020304" charset="0"/>
-              <a:sym typeface="+mn-ea"/>
-            </a:endParaRPr>
           </a:p>
         </p:txBody>
       </p:sp>
@@ -4687,13 +4643,13 @@
   <p:clrMapOvr>
     <a:masterClrMapping/>
   </p:clrMapOvr>
-  <mc:AlternateContent xmlns:mc="http://schemas.openxmlformats.org/markup-compatibility/2006">
-    <mc:Choice xmlns:p14="http://schemas.microsoft.com/office/powerpoint/2010/main" Requires="p14">
+  <mc:AlternateContent xmlns:mc="http://schemas.openxmlformats.org/markup-compatibility/2006" xmlns:p14="http://schemas.microsoft.com/office/powerpoint/2010/main">
+    <mc:Choice Requires="p14">
       <p:transition spd="med" p14:dur="700">
         <p:fade/>
       </p:transition>
     </mc:Choice>
-    <mc:Fallback>
+    <mc:Fallback xmlns="">
       <p:transition spd="med">
         <p:fade/>
       </p:transition>
@@ -4711,27 +4667,34 @@
         <p:cNvGrpSpPr/>
         <p:nvPr/>
       </p:nvGrpSpPr>
-      <p:grpSpPr/>
+      <p:grpSpPr>
+        <a:xfrm>
+          <a:off x="0" y="0"/>
+          <a:ext cx="0" cy="0"/>
+          <a:chOff x="0" y="0"/>
+          <a:chExt cx="0" cy="0"/>
+        </a:xfrm>
+      </p:grpSpPr>
       <p:pic>
         <p:nvPicPr>
           <p:cNvPr id="4" name="Content Placeholder 3" descr="task 3"/>
           <p:cNvPicPr>
-            <a:picLocks noChangeAspect="1"/>
+            <a:picLocks noGrp="1" noChangeAspect="1"/>
           </p:cNvPicPr>
           <p:nvPr>
             <p:ph sz="quarter" idx="1"/>
           </p:nvPr>
         </p:nvPicPr>
         <p:blipFill>
-          <a:blip r:embed="rId1"/>
+          <a:blip r:embed="rId2"/>
           <a:stretch>
             <a:fillRect/>
           </a:stretch>
         </p:blipFill>
         <p:spPr>
           <a:xfrm>
-            <a:off x="876935" y="160655"/>
-            <a:ext cx="10438130" cy="6536055"/>
+            <a:off x="2303434" y="176029"/>
+            <a:ext cx="7585132" cy="6505941"/>
           </a:xfrm>
           <a:prstGeom prst="rect">
             <a:avLst/>
@@ -4743,13 +4706,13 @@
   <p:clrMapOvr>
     <a:masterClrMapping/>
   </p:clrMapOvr>
-  <mc:AlternateContent xmlns:mc="http://schemas.openxmlformats.org/markup-compatibility/2006">
-    <mc:Choice xmlns:p14="http://schemas.microsoft.com/office/powerpoint/2010/main" Requires="p14">
+  <mc:AlternateContent xmlns:mc="http://schemas.openxmlformats.org/markup-compatibility/2006" xmlns:p14="http://schemas.microsoft.com/office/powerpoint/2010/main">
+    <mc:Choice Requires="p14">
       <p:transition spd="med" p14:dur="700">
         <p:fade/>
       </p:transition>
     </mc:Choice>
-    <mc:Fallback>
+    <mc:Fallback xmlns="">
       <p:transition spd="med">
         <p:fade/>
       </p:transition>
@@ -4767,7 +4730,14 @@
         <p:cNvGrpSpPr/>
         <p:nvPr/>
       </p:nvGrpSpPr>
-      <p:grpSpPr/>
+      <p:grpSpPr>
+        <a:xfrm>
+          <a:off x="0" y="0"/>
+          <a:ext cx="0" cy="0"/>
+          <a:chOff x="0" y="0"/>
+          <a:chExt cx="0" cy="0"/>
+        </a:xfrm>
+      </p:grpSpPr>
       <p:sp>
         <p:nvSpPr>
           <p:cNvPr id="2" name="Title 1"/>
@@ -4786,6 +4756,7 @@
         </p:spPr>
         <p:txBody>
           <a:bodyPr/>
+          <a:lstStyle/>
           <a:p>
             <a:pPr algn="ctr"/>
             <a:r>
@@ -4795,10 +4766,6 @@
               </a:rPr>
               <a:t>Organization Structure</a:t>
             </a:r>
-            <a:endParaRPr lang="en-US">
-              <a:latin typeface="Times New Roman" panose="02020603050405020304" charset="0"/>
-              <a:cs typeface="Times New Roman" panose="02020603050405020304" charset="0"/>
-            </a:endParaRPr>
           </a:p>
         </p:txBody>
       </p:sp>
@@ -4807,13 +4774,13 @@
   <p:clrMapOvr>
     <a:masterClrMapping/>
   </p:clrMapOvr>
-  <mc:AlternateContent xmlns:mc="http://schemas.openxmlformats.org/markup-compatibility/2006">
-    <mc:Choice xmlns:p14="http://schemas.microsoft.com/office/powerpoint/2010/main" Requires="p14">
+  <mc:AlternateContent xmlns:mc="http://schemas.openxmlformats.org/markup-compatibility/2006" xmlns:p14="http://schemas.microsoft.com/office/powerpoint/2010/main">
+    <mc:Choice Requires="p14">
       <p:transition spd="med" p14:dur="700">
         <p:fade/>
       </p:transition>
     </mc:Choice>
-    <mc:Fallback>
+    <mc:Fallback xmlns="">
       <p:transition spd="med">
         <p:fade/>
       </p:transition>
@@ -4831,19 +4798,26 @@
         <p:cNvGrpSpPr/>
         <p:nvPr/>
       </p:nvGrpSpPr>
-      <p:grpSpPr/>
+      <p:grpSpPr>
+        <a:xfrm>
+          <a:off x="0" y="0"/>
+          <a:ext cx="0" cy="0"/>
+          <a:chOff x="0" y="0"/>
+          <a:chExt cx="0" cy="0"/>
+        </a:xfrm>
+      </p:grpSpPr>
       <p:pic>
         <p:nvPicPr>
           <p:cNvPr id="4" name="Picture 1"/>
           <p:cNvPicPr>
-            <a:picLocks noChangeAspect="1" noChangeArrowheads="1"/>
+            <a:picLocks noGrp="1" noChangeAspect="1" noChangeArrowheads="1"/>
           </p:cNvPicPr>
           <p:nvPr>
             <p:ph sz="quarter" idx="1"/>
           </p:nvPr>
         </p:nvPicPr>
         <p:blipFill>
-          <a:blip r:embed="rId1">
+          <a:blip r:embed="rId2">
             <a:extLst>
               <a:ext uri="{28A0092B-C50C-407E-A947-70E740481C1C}">
                 <a14:useLocalDpi xmlns:a14="http://schemas.microsoft.com/office/drawing/2010/main" val="0"/>
@@ -4874,13 +4848,13 @@
   <p:clrMapOvr>
     <a:masterClrMapping/>
   </p:clrMapOvr>
-  <mc:AlternateContent xmlns:mc="http://schemas.openxmlformats.org/markup-compatibility/2006">
-    <mc:Choice xmlns:p14="http://schemas.microsoft.com/office/powerpoint/2010/main" Requires="p14">
+  <mc:AlternateContent xmlns:mc="http://schemas.openxmlformats.org/markup-compatibility/2006" xmlns:p14="http://schemas.microsoft.com/office/powerpoint/2010/main">
+    <mc:Choice Requires="p14">
       <p:transition spd="med" p14:dur="700">
         <p:fade/>
       </p:transition>
     </mc:Choice>
-    <mc:Fallback>
+    <mc:Fallback xmlns="">
       <p:transition spd="med">
         <p:fade/>
       </p:transition>
@@ -4898,7 +4872,14 @@
         <p:cNvGrpSpPr/>
         <p:nvPr/>
       </p:nvGrpSpPr>
-      <p:grpSpPr/>
+      <p:grpSpPr>
+        <a:xfrm>
+          <a:off x="0" y="0"/>
+          <a:ext cx="0" cy="0"/>
+          <a:chOff x="0" y="0"/>
+          <a:chExt cx="0" cy="0"/>
+        </a:xfrm>
+      </p:grpSpPr>
       <p:sp>
         <p:nvSpPr>
           <p:cNvPr id="2" name="Title 1"/>
@@ -4917,13 +4898,13 @@
         </p:spPr>
         <p:txBody>
           <a:bodyPr/>
+          <a:lstStyle/>
           <a:p>
             <a:pPr algn="ctr"/>
             <a:r>
               <a:rPr lang="en-US"/>
               <a:t>Functional Diagram</a:t>
             </a:r>
-            <a:endParaRPr lang="en-US"/>
           </a:p>
         </p:txBody>
       </p:sp>
@@ -4932,13 +4913,13 @@
   <p:clrMapOvr>
     <a:masterClrMapping/>
   </p:clrMapOvr>
-  <mc:AlternateContent xmlns:mc="http://schemas.openxmlformats.org/markup-compatibility/2006">
-    <mc:Choice xmlns:p14="http://schemas.microsoft.com/office/powerpoint/2010/main" Requires="p14">
+  <mc:AlternateContent xmlns:mc="http://schemas.openxmlformats.org/markup-compatibility/2006" xmlns:p14="http://schemas.microsoft.com/office/powerpoint/2010/main">
+    <mc:Choice Requires="p14">
       <p:transition spd="med" p14:dur="700">
         <p:fade/>
       </p:transition>
     </mc:Choice>
-    <mc:Fallback>
+    <mc:Fallback xmlns="">
       <p:transition spd="med">
         <p:fade/>
       </p:transition>
@@ -4956,19 +4937,26 @@
         <p:cNvGrpSpPr/>
         <p:nvPr/>
       </p:nvGrpSpPr>
-      <p:grpSpPr/>
+      <p:grpSpPr>
+        <a:xfrm>
+          <a:off x="0" y="0"/>
+          <a:ext cx="0" cy="0"/>
+          <a:chOff x="0" y="0"/>
+          <a:chExt cx="0" cy="0"/>
+        </a:xfrm>
+      </p:grpSpPr>
       <p:pic>
         <p:nvPicPr>
           <p:cNvPr id="4" name="Content Placeholder 3" descr="FunctionalDiagram"/>
           <p:cNvPicPr>
-            <a:picLocks noChangeAspect="1"/>
+            <a:picLocks noGrp="1" noChangeAspect="1"/>
           </p:cNvPicPr>
           <p:nvPr>
             <p:ph sz="quarter" idx="1"/>
           </p:nvPr>
         </p:nvPicPr>
         <p:blipFill>
-          <a:blip r:embed="rId1"/>
+          <a:blip r:embed="rId2"/>
           <a:stretch>
             <a:fillRect/>
           </a:stretch>
@@ -4988,13 +4976,13 @@
   <p:clrMapOvr>
     <a:masterClrMapping/>
   </p:clrMapOvr>
-  <mc:AlternateContent xmlns:mc="http://schemas.openxmlformats.org/markup-compatibility/2006">
-    <mc:Choice xmlns:p14="http://schemas.microsoft.com/office/powerpoint/2010/main" Requires="p14">
+  <mc:AlternateContent xmlns:mc="http://schemas.openxmlformats.org/markup-compatibility/2006" xmlns:p14="http://schemas.microsoft.com/office/powerpoint/2010/main">
+    <mc:Choice Requires="p14">
       <p:transition spd="med" p14:dur="700">
         <p:fade/>
       </p:transition>
     </mc:Choice>
-    <mc:Fallback>
+    <mc:Fallback xmlns="">
       <p:transition spd="med">
         <p:fade/>
       </p:transition>
@@ -5061,7 +5049,7 @@
           </p:nvPr>
         </p:nvPicPr>
         <p:blipFill rotWithShape="1">
-          <a:blip r:embed="rId1"/>
+          <a:blip r:embed="rId2"/>
           <a:srcRect t="67297" r="72639" b="18519"/>
           <a:stretch>
             <a:fillRect/>
@@ -5087,7 +5075,7 @@
           <p:nvPr/>
         </p:nvPicPr>
         <p:blipFill rotWithShape="1">
-          <a:blip r:embed="rId1"/>
+          <a:blip r:embed="rId2"/>
           <a:srcRect t="81234" r="79306" b="6667"/>
           <a:stretch>
             <a:fillRect/>
@@ -5357,7 +5345,6 @@
               <a:rPr lang="en-US" dirty="0"/>
               <a:t>To make the user easier to search for fine amount paid by certain accounts. This function can be used to increase the efficiency of the staff to perform their work.</a:t>
             </a:r>
-            <a:endParaRPr lang="en-US" dirty="0"/>
           </a:p>
           <a:p>
             <a:pPr lvl="1"/>
@@ -5370,13 +5357,13 @@
   <p:clrMapOvr>
     <a:masterClrMapping/>
   </p:clrMapOvr>
-  <mc:AlternateContent xmlns:mc="http://schemas.openxmlformats.org/markup-compatibility/2006">
-    <mc:Choice xmlns:p14="http://schemas.microsoft.com/office/powerpoint/2010/main" Requires="p14">
+  <mc:AlternateContent xmlns:mc="http://schemas.openxmlformats.org/markup-compatibility/2006" xmlns:p14="http://schemas.microsoft.com/office/powerpoint/2010/main">
+    <mc:Choice Requires="p14">
       <p:transition spd="med" p14:dur="700">
         <p:fade/>
       </p:transition>
     </mc:Choice>
-    <mc:Fallback>
+    <mc:Fallback xmlns="">
       <p:transition spd="med">
         <p:fade/>
       </p:transition>
@@ -5681,13 +5668,8 @@
             <a:pPr lvl="1"/>
             <a:r>
               <a:rPr lang="en-US" dirty="0"/>
-              <a:t>To make the user easier to search for collection date and return date by certain accounts. This is to increase the efficiency of the staff to perform the searching of the accounts</a:t>
-            </a:r>
-            <a:r>
-              <a:rPr lang="en-US"/>
-              <a:t>’ details.</a:t>
-            </a:r>
-            <a:endParaRPr lang="en-US" dirty="0"/>
+              <a:t>To make the user easier to search for collection date and return date by certain accounts. This is to increase the efficiency of the staff to perform the searching of the accounts’ details.</a:t>
+            </a:r>
           </a:p>
           <a:p>
             <a:pPr lvl="1"/>
@@ -5706,7 +5688,7 @@
           </p:nvPr>
         </p:nvPicPr>
         <p:blipFill rotWithShape="1">
-          <a:blip r:embed="rId1"/>
+          <a:blip r:embed="rId2"/>
           <a:srcRect l="1" t="22716" r="64975" b="64938"/>
           <a:stretch>
             <a:fillRect/>
@@ -5732,7 +5714,7 @@
           <p:nvPr/>
         </p:nvPicPr>
         <p:blipFill rotWithShape="1">
-          <a:blip r:embed="rId1"/>
+          <a:blip r:embed="rId2"/>
           <a:srcRect t="35309" r="75972" b="29630"/>
           <a:stretch>
             <a:fillRect/>
@@ -5756,13 +5738,13 @@
   <p:clrMapOvr>
     <a:masterClrMapping/>
   </p:clrMapOvr>
-  <mc:AlternateContent xmlns:mc="http://schemas.openxmlformats.org/markup-compatibility/2006">
-    <mc:Choice xmlns:p14="http://schemas.microsoft.com/office/powerpoint/2010/main" Requires="p14">
+  <mc:AlternateContent xmlns:mc="http://schemas.openxmlformats.org/markup-compatibility/2006" xmlns:p14="http://schemas.microsoft.com/office/powerpoint/2010/main">
+    <mc:Choice Requires="p14">
       <p:transition spd="med" p14:dur="700">
         <p:fade/>
       </p:transition>
     </mc:Choice>
-    <mc:Fallback>
+    <mc:Fallback xmlns="">
       <p:transition spd="med">
         <p:fade/>
       </p:transition>
@@ -6089,6 +6071,7 @@
       </a:lstStyle>
     </a:txDef>
   </a:objectDefaults>
+  <a:extraClrSchemeLst/>
   <a:extLst>
     <a:ext uri="{05A4C25C-085E-4340-85A3-A5531E510DB2}">
       <thm15:themeFamily xmlns:thm15="http://schemas.microsoft.com/office/thememl/2012/main" name="Office Theme" id="{62F939B6-93AF-4DB8-9C6B-D6C7DFDC589F}" vid="{4A3C46E8-61CC-4603-A589-7422A47A8E4A}"/>
@@ -6348,6 +6331,8 @@
       </a:bgFillStyleLst>
     </a:fmtScheme>
   </a:themeElements>
+  <a:objectDefaults/>
+  <a:extraClrSchemeLst/>
   <a:extLst>
     <a:ext uri="{05A4C25C-085E-4340-85A3-A5531E510DB2}">
       <thm15:themeFamily xmlns:thm15="http://schemas.microsoft.com/office/thememl/2012/main" name="Office Theme" id="{62F939B6-93AF-4DB8-9C6B-D6C7DFDC589F}" vid="{4A3C46E8-61CC-4603-A589-7422A47A8E4A}"/>
@@ -6607,6 +6592,8 @@
       </a:bgFillStyleLst>
     </a:fmtScheme>
   </a:themeElements>
+  <a:objectDefaults/>
+  <a:extraClrSchemeLst/>
   <a:extLst>
     <a:ext uri="{05A4C25C-085E-4340-85A3-A5531E510DB2}">
       <thm15:themeFamily xmlns:thm15="http://schemas.microsoft.com/office/thememl/2012/main" name="Office Theme" id="{62F939B6-93AF-4DB8-9C6B-D6C7DFDC589F}" vid="{4A3C46E8-61CC-4603-A589-7422A47A8E4A}"/>

--- a/Presentation/Database Assignment.pptx
+++ b/Presentation/Database Assignment.pptx
@@ -5,21 +5,26 @@
     <p:sldMasterId id="2147483648" r:id="rId1"/>
   </p:sldMasterIdLst>
   <p:notesMasterIdLst>
-    <p:notesMasterId r:id="rId11"/>
+    <p:notesMasterId r:id="rId16"/>
   </p:notesMasterIdLst>
   <p:handoutMasterIdLst>
-    <p:handoutMasterId r:id="rId12"/>
+    <p:handoutMasterId r:id="rId17"/>
   </p:handoutMasterIdLst>
   <p:sldIdLst>
     <p:sldId id="280" r:id="rId2"/>
-    <p:sldId id="318" r:id="rId3"/>
-    <p:sldId id="321" r:id="rId4"/>
-    <p:sldId id="312" r:id="rId5"/>
-    <p:sldId id="311" r:id="rId6"/>
-    <p:sldId id="310" r:id="rId7"/>
-    <p:sldId id="313" r:id="rId8"/>
-    <p:sldId id="269" r:id="rId9"/>
-    <p:sldId id="309" r:id="rId10"/>
+    <p:sldId id="312" r:id="rId3"/>
+    <p:sldId id="311" r:id="rId4"/>
+    <p:sldId id="310" r:id="rId5"/>
+    <p:sldId id="313" r:id="rId6"/>
+    <p:sldId id="318" r:id="rId7"/>
+    <p:sldId id="326" r:id="rId8"/>
+    <p:sldId id="321" r:id="rId9"/>
+    <p:sldId id="269" r:id="rId10"/>
+    <p:sldId id="309" r:id="rId11"/>
+    <p:sldId id="323" r:id="rId12"/>
+    <p:sldId id="322" r:id="rId13"/>
+    <p:sldId id="327" r:id="rId14"/>
+    <p:sldId id="328" r:id="rId15"/>
   </p:sldIdLst>
   <p:sldSz cx="12192000" cy="6858000"/>
   <p:notesSz cx="6858000" cy="9144000"/>
@@ -222,7 +227,7 @@
           <a:p>
             <a:fld id="{E5CB2E47-6F41-409B-AD22-834AE1EFF186}" type="datetimeFigureOut">
               <a:rPr lang="en-US" smtClean="0"/>
-              <a:t>25-Aug-19</a:t>
+              <a:t>8/25/2019</a:t>
             </a:fld>
             <a:endParaRPr lang="en-US" dirty="0"/>
           </a:p>
@@ -382,7 +387,7 @@
           <a:p>
             <a:fld id="{FAD6744A-403D-42A1-BFE7-61DA46EE7C6C}" type="datetimeFigureOut">
               <a:rPr lang="en-US" smtClean="0"/>
-              <a:t>25-Aug-19</a:t>
+              <a:t>8/25/2019</a:t>
             </a:fld>
             <a:endParaRPr lang="en-US" dirty="0"/>
           </a:p>
@@ -1072,7 +1077,7 @@
           <a:p>
             <a:fld id="{349BF3EA-1A78-4F07-BDC0-C8A1BD461199}" type="datetimeFigureOut">
               <a:rPr lang="en-US" smtClean="0"/>
-              <a:t>25-Aug-19</a:t>
+              <a:t>8/25/2019</a:t>
             </a:fld>
             <a:endParaRPr lang="en-US" dirty="0"/>
           </a:p>
@@ -1251,7 +1256,7 @@
           <a:p>
             <a:fld id="{349BF3EA-1A78-4F07-BDC0-C8A1BD461199}" type="datetimeFigureOut">
               <a:rPr lang="en-US" smtClean="0"/>
-              <a:t>25-Aug-19</a:t>
+              <a:t>8/25/2019</a:t>
             </a:fld>
             <a:endParaRPr lang="en-US" dirty="0"/>
           </a:p>
@@ -1440,7 +1445,7 @@
           <a:p>
             <a:fld id="{349BF3EA-1A78-4F07-BDC0-C8A1BD461199}" type="datetimeFigureOut">
               <a:rPr lang="en-US" smtClean="0"/>
-              <a:t>25-Aug-19</a:t>
+              <a:t>8/25/2019</a:t>
             </a:fld>
             <a:endParaRPr lang="en-US" dirty="0"/>
           </a:p>
@@ -1624,7 +1629,7 @@
           <a:p>
             <a:fld id="{349BF3EA-1A78-4F07-BDC0-C8A1BD461199}" type="datetimeFigureOut">
               <a:rPr lang="en-US" smtClean="0"/>
-              <a:t>25-Aug-19</a:t>
+              <a:t>8/25/2019</a:t>
             </a:fld>
             <a:endParaRPr lang="en-US" dirty="0"/>
           </a:p>
@@ -2085,7 +2090,7 @@
           <a:p>
             <a:fld id="{349BF3EA-1A78-4F07-BDC0-C8A1BD461199}" type="datetimeFigureOut">
               <a:rPr lang="en-US" smtClean="0"/>
-              <a:t>25-Aug-19</a:t>
+              <a:t>8/25/2019</a:t>
             </a:fld>
             <a:endParaRPr lang="en-US" dirty="0"/>
           </a:p>
@@ -2326,7 +2331,7 @@
           <a:p>
             <a:fld id="{349BF3EA-1A78-4F07-BDC0-C8A1BD461199}" type="datetimeFigureOut">
               <a:rPr lang="en-US" smtClean="0"/>
-              <a:t>25-Aug-19</a:t>
+              <a:t>8/25/2019</a:t>
             </a:fld>
             <a:endParaRPr lang="en-US" dirty="0"/>
           </a:p>
@@ -2706,7 +2711,7 @@
           <a:p>
             <a:fld id="{349BF3EA-1A78-4F07-BDC0-C8A1BD461199}" type="datetimeFigureOut">
               <a:rPr lang="en-US" smtClean="0"/>
-              <a:t>25-Aug-19</a:t>
+              <a:t>8/25/2019</a:t>
             </a:fld>
             <a:endParaRPr lang="en-US" dirty="0"/>
           </a:p>
@@ -2833,7 +2838,7 @@
           <a:p>
             <a:fld id="{349BF3EA-1A78-4F07-BDC0-C8A1BD461199}" type="datetimeFigureOut">
               <a:rPr lang="en-US" smtClean="0"/>
-              <a:t>25-Aug-19</a:t>
+              <a:t>8/25/2019</a:t>
             </a:fld>
             <a:endParaRPr lang="en-US" dirty="0"/>
           </a:p>
@@ -2938,7 +2943,7 @@
           <a:p>
             <a:fld id="{349BF3EA-1A78-4F07-BDC0-C8A1BD461199}" type="datetimeFigureOut">
               <a:rPr lang="en-US" smtClean="0"/>
-              <a:t>25-Aug-19</a:t>
+              <a:t>8/25/2019</a:t>
             </a:fld>
             <a:endParaRPr lang="en-US" dirty="0"/>
           </a:p>
@@ -3277,7 +3282,7 @@
           <a:p>
             <a:fld id="{349BF3EA-1A78-4F07-BDC0-C8A1BD461199}" type="datetimeFigureOut">
               <a:rPr lang="en-US" smtClean="0"/>
-              <a:t>25-Aug-19</a:t>
+              <a:t>8/25/2019</a:t>
             </a:fld>
             <a:endParaRPr lang="en-US" dirty="0"/>
           </a:p>
@@ -3661,7 +3666,7 @@
           <a:p>
             <a:fld id="{349BF3EA-1A78-4F07-BDC0-C8A1BD461199}" type="datetimeFigureOut">
               <a:rPr lang="en-US" smtClean="0"/>
-              <a:t>25-Aug-19</a:t>
+              <a:t>8/25/2019</a:t>
             </a:fld>
             <a:endParaRPr lang="en-US" dirty="0"/>
           </a:p>
@@ -4018,7 +4023,7 @@
           <a:p>
             <a:fld id="{349BF3EA-1A78-4F07-BDC0-C8A1BD461199}" type="datetimeFigureOut">
               <a:rPr lang="en-US" smtClean="0"/>
-              <a:t>25-Aug-19</a:t>
+              <a:t>8/25/2019</a:t>
             </a:fld>
             <a:endParaRPr lang="en-US" dirty="0"/>
           </a:p>
@@ -4377,13 +4382,32 @@
           </a:xfrm>
         </p:spPr>
         <p:txBody>
-          <a:bodyPr/>
-          <a:lstStyle/>
-          <a:p>
-            <a:r>
-              <a:rPr lang="en-US" dirty="0"/>
-              <a:t>Db present</a:t>
-            </a:r>
+          <a:bodyPr>
+            <a:normAutofit/>
+          </a:bodyPr>
+          <a:lstStyle/>
+          <a:p>
+            <a:r>
+              <a:rPr lang="en-US">
+                <a:ea typeface="+mj-lt"/>
+                <a:cs typeface="+mj-lt"/>
+              </a:rPr>
+              <a:t>AACS3013 </a:t>
+            </a:r>
+            <a:br>
+              <a:rPr lang="en-US">
+                <a:ea typeface="+mj-lt"/>
+                <a:cs typeface="+mj-lt"/>
+              </a:rPr>
+            </a:br>
+            <a:r>
+              <a:rPr lang="en-US">
+                <a:ea typeface="+mj-lt"/>
+                <a:cs typeface="+mj-lt"/>
+              </a:rPr>
+              <a:t>Database Development and Application</a:t>
+            </a:r>
+            <a:endParaRPr lang="en-US"/>
           </a:p>
         </p:txBody>
       </p:sp>
@@ -4399,9 +4423,18 @@
         </p:nvSpPr>
         <p:spPr/>
         <p:txBody>
-          <a:bodyPr/>
-          <a:lstStyle/>
-          <a:p>
+          <a:bodyPr anchor="t">
+            <a:normAutofit/>
+          </a:bodyPr>
+          <a:lstStyle/>
+          <a:p>
+            <a:r>
+              <a:rPr lang="en-US" dirty="0">
+                <a:ea typeface="+mn-lt"/>
+                <a:cs typeface="+mn-lt"/>
+              </a:rPr>
+              <a:t>Database presentation</a:t>
+            </a:r>
             <a:endParaRPr lang="en-US" dirty="0"/>
           </a:p>
         </p:txBody>
@@ -4426,7 +4459,7 @@
 </p:sld>
 </file>
 
-<file path=ppt/slides/slide2.xml><?xml version="1.0" encoding="utf-8"?>
+<file path=ppt/slides/slide10.xml><?xml version="1.0" encoding="utf-8"?>
 <p:sld xmlns:a="http://schemas.openxmlformats.org/drawingml/2006/main" xmlns:r="http://schemas.openxmlformats.org/officeDocument/2006/relationships" xmlns:p="http://schemas.openxmlformats.org/presentationml/2006/main">
   <p:cSld>
     <p:spTree>
@@ -4445,571 +4478,6 @@
       </p:grpSpPr>
       <p:sp>
         <p:nvSpPr>
-          <p:cNvPr id="5" name="Title 4"/>
-          <p:cNvSpPr>
-            <a:spLocks noGrp="1"/>
-          </p:cNvSpPr>
-          <p:nvPr>
-            <p:ph type="title"/>
-          </p:nvPr>
-        </p:nvSpPr>
-        <p:spPr>
-          <a:xfrm>
-            <a:off x="4284980" y="356870"/>
-            <a:ext cx="3622675" cy="725805"/>
-          </a:xfrm>
-        </p:spPr>
-        <p:txBody>
-          <a:bodyPr/>
-          <a:lstStyle/>
-          <a:p>
-            <a:pPr algn="ctr"/>
-            <a:r>
-              <a:rPr lang="en-MY" altLang="en-US" sz="3200" b="1">
-                <a:latin typeface="Times New Roman" panose="02020603050405020304" charset="0"/>
-                <a:cs typeface="Times New Roman" panose="02020603050405020304" charset="0"/>
-              </a:rPr>
-              <a:t>Business Rules</a:t>
-            </a:r>
-          </a:p>
-        </p:txBody>
-      </p:sp>
-      <p:sp>
-        <p:nvSpPr>
-          <p:cNvPr id="7" name="Text Box 6"/>
-          <p:cNvSpPr txBox="1"/>
-          <p:nvPr/>
-        </p:nvSpPr>
-        <p:spPr>
-          <a:xfrm>
-            <a:off x="1165225" y="1082358"/>
-            <a:ext cx="9860915" cy="3322955"/>
-          </a:xfrm>
-          <a:prstGeom prst="rect">
-            <a:avLst/>
-          </a:prstGeom>
-          <a:noFill/>
-          <a:ln>
-            <a:noFill/>
-          </a:ln>
-        </p:spPr>
-        <p:txBody>
-          <a:bodyPr wrap="square" rtlCol="0" anchor="ctr" anchorCtr="1">
-            <a:spAutoFit/>
-          </a:bodyPr>
-          <a:lstStyle/>
-          <a:p>
-            <a:pPr marL="342900" indent="-342900">
-              <a:lnSpc>
-                <a:spcPct val="175000"/>
-              </a:lnSpc>
-              <a:spcBef>
-                <a:spcPts val="0"/>
-              </a:spcBef>
-              <a:spcAft>
-                <a:spcPts val="0"/>
-              </a:spcAft>
-              <a:buFont typeface="Arial" panose="020B0604020202020204" pitchFamily="34" charset="0"/>
-              <a:buChar char="•"/>
-            </a:pPr>
-            <a:r>
-              <a:rPr lang="en-MY" altLang="en-US" sz="2000">
-                <a:latin typeface="Times New Roman" panose="02020603050405020304" charset="0"/>
-                <a:cs typeface="Times New Roman" panose="02020603050405020304" charset="0"/>
-                <a:sym typeface="+mn-ea"/>
-              </a:rPr>
-              <a:t>An account can reserve many books. A book reservation belongs to only one account.</a:t>
-            </a:r>
-          </a:p>
-          <a:p>
-            <a:pPr marL="342900" indent="-342900">
-              <a:lnSpc>
-                <a:spcPct val="175000"/>
-              </a:lnSpc>
-              <a:spcBef>
-                <a:spcPts val="0"/>
-              </a:spcBef>
-              <a:spcAft>
-                <a:spcPts val="0"/>
-              </a:spcAft>
-              <a:buFont typeface="Arial" panose="020B0604020202020204" pitchFamily="34" charset="0"/>
-              <a:buChar char="•"/>
-            </a:pPr>
-            <a:r>
-              <a:rPr lang="en-MY" altLang="en-US" sz="2000">
-                <a:latin typeface="Times New Roman" panose="02020603050405020304" charset="0"/>
-                <a:cs typeface="Times New Roman" panose="02020603050405020304" charset="0"/>
-                <a:sym typeface="+mn-ea"/>
-              </a:rPr>
-              <a:t>An account can make payment on many fine. A fine can only be paid by one account.</a:t>
-            </a:r>
-          </a:p>
-          <a:p>
-            <a:pPr marL="342900" indent="-342900">
-              <a:lnSpc>
-                <a:spcPct val="175000"/>
-              </a:lnSpc>
-              <a:spcBef>
-                <a:spcPts val="0"/>
-              </a:spcBef>
-              <a:spcAft>
-                <a:spcPts val="0"/>
-              </a:spcAft>
-              <a:buFont typeface="Arial" panose="020B0604020202020204" pitchFamily="34" charset="0"/>
-              <a:buChar char="•"/>
-            </a:pPr>
-            <a:r>
-              <a:rPr lang="en-MY" altLang="en-US" sz="2000">
-                <a:latin typeface="Times New Roman" panose="02020603050405020304" charset="0"/>
-                <a:cs typeface="Times New Roman" panose="02020603050405020304" charset="0"/>
-                <a:sym typeface="+mn-ea"/>
-              </a:rPr>
-              <a:t>A book reservation can reserve many books. A book can be reserved by many books.</a:t>
-            </a:r>
-          </a:p>
-          <a:p>
-            <a:pPr marL="342900" indent="-342900">
-              <a:lnSpc>
-                <a:spcPct val="175000"/>
-              </a:lnSpc>
-              <a:spcBef>
-                <a:spcPts val="0"/>
-              </a:spcBef>
-              <a:spcAft>
-                <a:spcPts val="0"/>
-              </a:spcAft>
-              <a:buFont typeface="Arial" panose="020B0604020202020204" pitchFamily="34" charset="0"/>
-              <a:buChar char="•"/>
-            </a:pPr>
-            <a:r>
-              <a:rPr lang="en-MY" altLang="en-US" sz="2000">
-                <a:latin typeface="Times New Roman" panose="02020603050405020304" charset="0"/>
-                <a:cs typeface="Times New Roman" panose="02020603050405020304" charset="0"/>
-                <a:sym typeface="+mn-ea"/>
-              </a:rPr>
-              <a:t>A book reservation can have one or no fine. A fine only belongs to a book reservation.</a:t>
-            </a:r>
-          </a:p>
-          <a:p>
-            <a:pPr marL="342900" indent="-342900">
-              <a:lnSpc>
-                <a:spcPct val="175000"/>
-              </a:lnSpc>
-              <a:spcBef>
-                <a:spcPts val="0"/>
-              </a:spcBef>
-              <a:spcAft>
-                <a:spcPts val="0"/>
-              </a:spcAft>
-              <a:buFont typeface="Arial" panose="020B0604020202020204" pitchFamily="34" charset="0"/>
-              <a:buChar char="•"/>
-            </a:pPr>
-            <a:r>
-              <a:rPr lang="en-MY" altLang="en-US" sz="2000">
-                <a:latin typeface="Times New Roman" panose="02020603050405020304" charset="0"/>
-                <a:cs typeface="Times New Roman" panose="02020603050405020304" charset="0"/>
-                <a:sym typeface="+mn-ea"/>
-              </a:rPr>
-              <a:t>A report obtains all information from payment record.</a:t>
-            </a:r>
-          </a:p>
-          <a:p>
-            <a:pPr marL="342900" indent="-342900">
-              <a:lnSpc>
-                <a:spcPct val="175000"/>
-              </a:lnSpc>
-              <a:spcBef>
-                <a:spcPts val="0"/>
-              </a:spcBef>
-              <a:spcAft>
-                <a:spcPts val="0"/>
-              </a:spcAft>
-              <a:buFont typeface="Arial" panose="020B0604020202020204" pitchFamily="34" charset="0"/>
-              <a:buChar char="•"/>
-            </a:pPr>
-            <a:r>
-              <a:rPr lang="en-MY" altLang="en-US" sz="2000">
-                <a:latin typeface="Times New Roman" panose="02020603050405020304" charset="0"/>
-                <a:cs typeface="Times New Roman" panose="02020603050405020304" charset="0"/>
-                <a:sym typeface="+mn-ea"/>
-              </a:rPr>
-              <a:t>A report obtains all information from book reservation record.</a:t>
-            </a:r>
-          </a:p>
-        </p:txBody>
-      </p:sp>
-    </p:spTree>
-  </p:cSld>
-  <p:clrMapOvr>
-    <a:masterClrMapping/>
-  </p:clrMapOvr>
-  <mc:AlternateContent xmlns:mc="http://schemas.openxmlformats.org/markup-compatibility/2006" xmlns:p14="http://schemas.microsoft.com/office/powerpoint/2010/main">
-    <mc:Choice Requires="p14">
-      <p:transition spd="med" p14:dur="700">
-        <p:fade/>
-      </p:transition>
-    </mc:Choice>
-    <mc:Fallback xmlns="">
-      <p:transition spd="med">
-        <p:fade/>
-      </p:transition>
-    </mc:Fallback>
-  </mc:AlternateContent>
-</p:sld>
-</file>
-
-<file path=ppt/slides/slide3.xml><?xml version="1.0" encoding="utf-8"?>
-<p:sld xmlns:a="http://schemas.openxmlformats.org/drawingml/2006/main" xmlns:r="http://schemas.openxmlformats.org/officeDocument/2006/relationships" xmlns:p="http://schemas.openxmlformats.org/presentationml/2006/main">
-  <p:cSld>
-    <p:spTree>
-      <p:nvGrpSpPr>
-        <p:cNvPr id="1" name=""/>
-        <p:cNvGrpSpPr/>
-        <p:nvPr/>
-      </p:nvGrpSpPr>
-      <p:grpSpPr>
-        <a:xfrm>
-          <a:off x="0" y="0"/>
-          <a:ext cx="0" cy="0"/>
-          <a:chOff x="0" y="0"/>
-          <a:chExt cx="0" cy="0"/>
-        </a:xfrm>
-      </p:grpSpPr>
-      <p:pic>
-        <p:nvPicPr>
-          <p:cNvPr id="4" name="Content Placeholder 3" descr="task 3"/>
-          <p:cNvPicPr>
-            <a:picLocks noGrp="1" noChangeAspect="1"/>
-          </p:cNvPicPr>
-          <p:nvPr>
-            <p:ph sz="quarter" idx="1"/>
-          </p:nvPr>
-        </p:nvPicPr>
-        <p:blipFill>
-          <a:blip r:embed="rId2"/>
-          <a:stretch>
-            <a:fillRect/>
-          </a:stretch>
-        </p:blipFill>
-        <p:spPr>
-          <a:xfrm>
-            <a:off x="2303434" y="176029"/>
-            <a:ext cx="7585132" cy="6505941"/>
-          </a:xfrm>
-          <a:prstGeom prst="rect">
-            <a:avLst/>
-          </a:prstGeom>
-        </p:spPr>
-      </p:pic>
-    </p:spTree>
-  </p:cSld>
-  <p:clrMapOvr>
-    <a:masterClrMapping/>
-  </p:clrMapOvr>
-  <mc:AlternateContent xmlns:mc="http://schemas.openxmlformats.org/markup-compatibility/2006" xmlns:p14="http://schemas.microsoft.com/office/powerpoint/2010/main">
-    <mc:Choice Requires="p14">
-      <p:transition spd="med" p14:dur="700">
-        <p:fade/>
-      </p:transition>
-    </mc:Choice>
-    <mc:Fallback xmlns="">
-      <p:transition spd="med">
-        <p:fade/>
-      </p:transition>
-    </mc:Fallback>
-  </mc:AlternateContent>
-</p:sld>
-</file>
-
-<file path=ppt/slides/slide4.xml><?xml version="1.0" encoding="utf-8"?>
-<p:sld xmlns:a="http://schemas.openxmlformats.org/drawingml/2006/main" xmlns:r="http://schemas.openxmlformats.org/officeDocument/2006/relationships" xmlns:p="http://schemas.openxmlformats.org/presentationml/2006/main">
-  <p:cSld>
-    <p:spTree>
-      <p:nvGrpSpPr>
-        <p:cNvPr id="1" name=""/>
-        <p:cNvGrpSpPr/>
-        <p:nvPr/>
-      </p:nvGrpSpPr>
-      <p:grpSpPr>
-        <a:xfrm>
-          <a:off x="0" y="0"/>
-          <a:ext cx="0" cy="0"/>
-          <a:chOff x="0" y="0"/>
-          <a:chExt cx="0" cy="0"/>
-        </a:xfrm>
-      </p:grpSpPr>
-      <p:sp>
-        <p:nvSpPr>
-          <p:cNvPr id="2" name="Title 1"/>
-          <p:cNvSpPr>
-            <a:spLocks noGrp="1"/>
-          </p:cNvSpPr>
-          <p:nvPr>
-            <p:ph type="title"/>
-          </p:nvPr>
-        </p:nvSpPr>
-        <p:spPr>
-          <a:xfrm>
-            <a:off x="914400" y="2088833"/>
-            <a:ext cx="10363200" cy="1143000"/>
-          </a:xfrm>
-        </p:spPr>
-        <p:txBody>
-          <a:bodyPr/>
-          <a:lstStyle/>
-          <a:p>
-            <a:pPr algn="ctr"/>
-            <a:r>
-              <a:rPr lang="en-US">
-                <a:latin typeface="Times New Roman" panose="02020603050405020304" charset="0"/>
-                <a:cs typeface="Times New Roman" panose="02020603050405020304" charset="0"/>
-              </a:rPr>
-              <a:t>Organization Structure</a:t>
-            </a:r>
-          </a:p>
-        </p:txBody>
-      </p:sp>
-    </p:spTree>
-  </p:cSld>
-  <p:clrMapOvr>
-    <a:masterClrMapping/>
-  </p:clrMapOvr>
-  <mc:AlternateContent xmlns:mc="http://schemas.openxmlformats.org/markup-compatibility/2006" xmlns:p14="http://schemas.microsoft.com/office/powerpoint/2010/main">
-    <mc:Choice Requires="p14">
-      <p:transition spd="med" p14:dur="700">
-        <p:fade/>
-      </p:transition>
-    </mc:Choice>
-    <mc:Fallback xmlns="">
-      <p:transition spd="med">
-        <p:fade/>
-      </p:transition>
-    </mc:Fallback>
-  </mc:AlternateContent>
-</p:sld>
-</file>
-
-<file path=ppt/slides/slide5.xml><?xml version="1.0" encoding="utf-8"?>
-<p:sld xmlns:a="http://schemas.openxmlformats.org/drawingml/2006/main" xmlns:r="http://schemas.openxmlformats.org/officeDocument/2006/relationships" xmlns:p="http://schemas.openxmlformats.org/presentationml/2006/main">
-  <p:cSld>
-    <p:spTree>
-      <p:nvGrpSpPr>
-        <p:cNvPr id="1" name=""/>
-        <p:cNvGrpSpPr/>
-        <p:nvPr/>
-      </p:nvGrpSpPr>
-      <p:grpSpPr>
-        <a:xfrm>
-          <a:off x="0" y="0"/>
-          <a:ext cx="0" cy="0"/>
-          <a:chOff x="0" y="0"/>
-          <a:chExt cx="0" cy="0"/>
-        </a:xfrm>
-      </p:grpSpPr>
-      <p:pic>
-        <p:nvPicPr>
-          <p:cNvPr id="4" name="Picture 1"/>
-          <p:cNvPicPr>
-            <a:picLocks noGrp="1" noChangeAspect="1" noChangeArrowheads="1"/>
-          </p:cNvPicPr>
-          <p:nvPr>
-            <p:ph sz="quarter" idx="1"/>
-          </p:nvPr>
-        </p:nvPicPr>
-        <p:blipFill>
-          <a:blip r:embed="rId2">
-            <a:extLst>
-              <a:ext uri="{28A0092B-C50C-407E-A947-70E740481C1C}">
-                <a14:useLocalDpi xmlns:a14="http://schemas.microsoft.com/office/drawing/2010/main" val="0"/>
-              </a:ext>
-            </a:extLst>
-          </a:blip>
-          <a:srcRect/>
-          <a:stretch>
-            <a:fillRect/>
-          </a:stretch>
-        </p:blipFill>
-        <p:spPr>
-          <a:xfrm>
-            <a:off x="-52705" y="95250"/>
-            <a:ext cx="12124055" cy="6523990"/>
-          </a:xfrm>
-          <a:prstGeom prst="rect">
-            <a:avLst/>
-          </a:prstGeom>
-          <a:noFill/>
-          <a:ln>
-            <a:noFill/>
-          </a:ln>
-        </p:spPr>
-      </p:pic>
-    </p:spTree>
-  </p:cSld>
-  <p:clrMapOvr>
-    <a:masterClrMapping/>
-  </p:clrMapOvr>
-  <mc:AlternateContent xmlns:mc="http://schemas.openxmlformats.org/markup-compatibility/2006" xmlns:p14="http://schemas.microsoft.com/office/powerpoint/2010/main">
-    <mc:Choice Requires="p14">
-      <p:transition spd="med" p14:dur="700">
-        <p:fade/>
-      </p:transition>
-    </mc:Choice>
-    <mc:Fallback xmlns="">
-      <p:transition spd="med">
-        <p:fade/>
-      </p:transition>
-    </mc:Fallback>
-  </mc:AlternateContent>
-</p:sld>
-</file>
-
-<file path=ppt/slides/slide6.xml><?xml version="1.0" encoding="utf-8"?>
-<p:sld xmlns:a="http://schemas.openxmlformats.org/drawingml/2006/main" xmlns:r="http://schemas.openxmlformats.org/officeDocument/2006/relationships" xmlns:p="http://schemas.openxmlformats.org/presentationml/2006/main">
-  <p:cSld>
-    <p:spTree>
-      <p:nvGrpSpPr>
-        <p:cNvPr id="1" name=""/>
-        <p:cNvGrpSpPr/>
-        <p:nvPr/>
-      </p:nvGrpSpPr>
-      <p:grpSpPr>
-        <a:xfrm>
-          <a:off x="0" y="0"/>
-          <a:ext cx="0" cy="0"/>
-          <a:chOff x="0" y="0"/>
-          <a:chExt cx="0" cy="0"/>
-        </a:xfrm>
-      </p:grpSpPr>
-      <p:sp>
-        <p:nvSpPr>
-          <p:cNvPr id="2" name="Title 1"/>
-          <p:cNvSpPr>
-            <a:spLocks noGrp="1"/>
-          </p:cNvSpPr>
-          <p:nvPr>
-            <p:ph type="title"/>
-          </p:nvPr>
-        </p:nvSpPr>
-        <p:spPr>
-          <a:xfrm>
-            <a:off x="914400" y="2429828"/>
-            <a:ext cx="10363200" cy="1143000"/>
-          </a:xfrm>
-        </p:spPr>
-        <p:txBody>
-          <a:bodyPr/>
-          <a:lstStyle/>
-          <a:p>
-            <a:pPr algn="ctr"/>
-            <a:r>
-              <a:rPr lang="en-US"/>
-              <a:t>Functional Diagram</a:t>
-            </a:r>
-          </a:p>
-        </p:txBody>
-      </p:sp>
-    </p:spTree>
-  </p:cSld>
-  <p:clrMapOvr>
-    <a:masterClrMapping/>
-  </p:clrMapOvr>
-  <mc:AlternateContent xmlns:mc="http://schemas.openxmlformats.org/markup-compatibility/2006" xmlns:p14="http://schemas.microsoft.com/office/powerpoint/2010/main">
-    <mc:Choice Requires="p14">
-      <p:transition spd="med" p14:dur="700">
-        <p:fade/>
-      </p:transition>
-    </mc:Choice>
-    <mc:Fallback xmlns="">
-      <p:transition spd="med">
-        <p:fade/>
-      </p:transition>
-    </mc:Fallback>
-  </mc:AlternateContent>
-</p:sld>
-</file>
-
-<file path=ppt/slides/slide7.xml><?xml version="1.0" encoding="utf-8"?>
-<p:sld xmlns:a="http://schemas.openxmlformats.org/drawingml/2006/main" xmlns:r="http://schemas.openxmlformats.org/officeDocument/2006/relationships" xmlns:p="http://schemas.openxmlformats.org/presentationml/2006/main">
-  <p:cSld>
-    <p:spTree>
-      <p:nvGrpSpPr>
-        <p:cNvPr id="1" name=""/>
-        <p:cNvGrpSpPr/>
-        <p:nvPr/>
-      </p:nvGrpSpPr>
-      <p:grpSpPr>
-        <a:xfrm>
-          <a:off x="0" y="0"/>
-          <a:ext cx="0" cy="0"/>
-          <a:chOff x="0" y="0"/>
-          <a:chExt cx="0" cy="0"/>
-        </a:xfrm>
-      </p:grpSpPr>
-      <p:pic>
-        <p:nvPicPr>
-          <p:cNvPr id="4" name="Content Placeholder 3" descr="FunctionalDiagram"/>
-          <p:cNvPicPr>
-            <a:picLocks noGrp="1" noChangeAspect="1"/>
-          </p:cNvPicPr>
-          <p:nvPr>
-            <p:ph sz="quarter" idx="1"/>
-          </p:nvPr>
-        </p:nvPicPr>
-        <p:blipFill>
-          <a:blip r:embed="rId2"/>
-          <a:stretch>
-            <a:fillRect/>
-          </a:stretch>
-        </p:blipFill>
-        <p:spPr>
-          <a:xfrm>
-            <a:off x="44450" y="103505"/>
-            <a:ext cx="11913870" cy="6604635"/>
-          </a:xfrm>
-          <a:prstGeom prst="rect">
-            <a:avLst/>
-          </a:prstGeom>
-        </p:spPr>
-      </p:pic>
-    </p:spTree>
-  </p:cSld>
-  <p:clrMapOvr>
-    <a:masterClrMapping/>
-  </p:clrMapOvr>
-  <mc:AlternateContent xmlns:mc="http://schemas.openxmlformats.org/markup-compatibility/2006" xmlns:p14="http://schemas.microsoft.com/office/powerpoint/2010/main">
-    <mc:Choice Requires="p14">
-      <p:transition spd="med" p14:dur="700">
-        <p:fade/>
-      </p:transition>
-    </mc:Choice>
-    <mc:Fallback xmlns="">
-      <p:transition spd="med">
-        <p:fade/>
-      </p:transition>
-    </mc:Fallback>
-  </mc:AlternateContent>
-</p:sld>
-</file>
-
-<file path=ppt/slides/slide8.xml><?xml version="1.0" encoding="utf-8"?>
-<p:sld xmlns:a="http://schemas.openxmlformats.org/drawingml/2006/main" xmlns:r="http://schemas.openxmlformats.org/officeDocument/2006/relationships" xmlns:p="http://schemas.openxmlformats.org/presentationml/2006/main">
-  <p:cSld>
-    <p:spTree>
-      <p:nvGrpSpPr>
-        <p:cNvPr id="1" name=""/>
-        <p:cNvGrpSpPr/>
-        <p:nvPr/>
-      </p:nvGrpSpPr>
-      <p:grpSpPr>
-        <a:xfrm>
-          <a:off x="0" y="0"/>
-          <a:ext cx="0" cy="0"/>
-          <a:chOff x="0" y="0"/>
-          <a:chExt cx="0" cy="0"/>
-        </a:xfrm>
-      </p:grpSpPr>
-      <p:sp>
-        <p:nvSpPr>
           <p:cNvPr id="7" name="Title 2"/>
           <p:cNvSpPr>
             <a:spLocks noGrp="1"/>
@@ -5038,62 +4506,6 @@
           </a:p>
         </p:txBody>
       </p:sp>
-      <p:pic>
-        <p:nvPicPr>
-          <p:cNvPr id="8" name="Content Placeholder 7"/>
-          <p:cNvPicPr>
-            <a:picLocks noGrp="1"/>
-          </p:cNvPicPr>
-          <p:nvPr>
-            <p:ph sz="quarter" idx="1"/>
-          </p:nvPr>
-        </p:nvPicPr>
-        <p:blipFill rotWithShape="1">
-          <a:blip r:embed="rId2"/>
-          <a:srcRect t="67297" r="72639" b="18519"/>
-          <a:stretch>
-            <a:fillRect/>
-          </a:stretch>
-        </p:blipFill>
-        <p:spPr bwMode="auto">
-          <a:xfrm>
-            <a:off x="835327" y="1393884"/>
-            <a:ext cx="5260673" cy="1784938"/>
-          </a:xfrm>
-          <a:prstGeom prst="rect">
-            <a:avLst/>
-          </a:prstGeom>
-          <a:ln>
-            <a:noFill/>
-          </a:ln>
-        </p:spPr>
-      </p:pic>
-      <p:pic>
-        <p:nvPicPr>
-          <p:cNvPr id="9" name="Picture 8"/>
-          <p:cNvPicPr/>
-          <p:nvPr/>
-        </p:nvPicPr>
-        <p:blipFill rotWithShape="1">
-          <a:blip r:embed="rId2"/>
-          <a:srcRect t="81234" r="79306" b="6667"/>
-          <a:stretch>
-            <a:fillRect/>
-          </a:stretch>
-        </p:blipFill>
-        <p:spPr bwMode="auto">
-          <a:xfrm>
-            <a:off x="835326" y="3178822"/>
-            <a:ext cx="5260673" cy="1784938"/>
-          </a:xfrm>
-          <a:prstGeom prst="rect">
-            <a:avLst/>
-          </a:prstGeom>
-          <a:ln>
-            <a:noFill/>
-          </a:ln>
-        </p:spPr>
-      </p:pic>
       <p:sp>
         <p:nvSpPr>
           <p:cNvPr id="10" name="Title 2"/>
@@ -5343,8 +4755,13 @@
             <a:pPr lvl="1"/>
             <a:r>
               <a:rPr lang="en-US" dirty="0"/>
-              <a:t>To make the user easier to search for fine amount paid by certain accounts. This function can be used to increase the efficiency of the staff to perform their work.</a:t>
-            </a:r>
+              <a:t>To make the user easier to search for collection date and return date by certain accounts. This is to increase the efficiency of the staff to perform the searching of the accounts</a:t>
+            </a:r>
+            <a:r>
+              <a:rPr lang="en-US"/>
+              <a:t>’ details.</a:t>
+            </a:r>
+            <a:endParaRPr lang="en-US" dirty="0"/>
           </a:p>
           <a:p>
             <a:pPr lvl="1"/>
@@ -5352,6 +4769,1441 @@
           </a:p>
         </p:txBody>
       </p:sp>
+      <p:pic>
+        <p:nvPicPr>
+          <p:cNvPr id="13" name="Content Placeholder 12"/>
+          <p:cNvPicPr>
+            <a:picLocks noGrp="1"/>
+          </p:cNvPicPr>
+          <p:nvPr>
+            <p:ph sz="quarter" idx="1"/>
+          </p:nvPr>
+        </p:nvPicPr>
+        <p:blipFill rotWithShape="1">
+          <a:blip r:embed="rId2"/>
+          <a:srcRect l="1" t="22716" r="64975" b="64938"/>
+          <a:stretch>
+            <a:fillRect/>
+          </a:stretch>
+        </p:blipFill>
+        <p:spPr bwMode="auto">
+          <a:xfrm>
+            <a:off x="835326" y="1392756"/>
+            <a:ext cx="5548221" cy="1617863"/>
+          </a:xfrm>
+          <a:prstGeom prst="rect">
+            <a:avLst/>
+          </a:prstGeom>
+          <a:ln>
+            <a:noFill/>
+          </a:ln>
+        </p:spPr>
+      </p:pic>
+      <p:pic>
+        <p:nvPicPr>
+          <p:cNvPr id="14" name="Picture 13"/>
+          <p:cNvPicPr/>
+          <p:nvPr/>
+        </p:nvPicPr>
+        <p:blipFill rotWithShape="1">
+          <a:blip r:embed="rId2"/>
+          <a:srcRect t="35309" r="75972" b="29630"/>
+          <a:stretch>
+            <a:fillRect/>
+          </a:stretch>
+        </p:blipFill>
+        <p:spPr bwMode="auto">
+          <a:xfrm>
+            <a:off x="835326" y="3010619"/>
+            <a:ext cx="5548221" cy="3493698"/>
+          </a:xfrm>
+          <a:prstGeom prst="rect">
+            <a:avLst/>
+          </a:prstGeom>
+          <a:ln>
+            <a:noFill/>
+          </a:ln>
+        </p:spPr>
+      </p:pic>
+    </p:spTree>
+  </p:cSld>
+  <p:clrMapOvr>
+    <a:masterClrMapping/>
+  </p:clrMapOvr>
+  <mc:AlternateContent xmlns:mc="http://schemas.openxmlformats.org/markup-compatibility/2006" xmlns:p14="http://schemas.microsoft.com/office/powerpoint/2010/main">
+    <mc:Choice Requires="p14">
+      <p:transition spd="med" p14:dur="700">
+        <p:fade/>
+      </p:transition>
+    </mc:Choice>
+    <mc:Fallback xmlns="">
+      <p:transition spd="med">
+        <p:fade/>
+      </p:transition>
+    </mc:Fallback>
+  </mc:AlternateContent>
+</p:sld>
+</file>
+
+<file path=ppt/slides/slide11.xml><?xml version="1.0" encoding="utf-8"?>
+<p:sld xmlns:a="http://schemas.openxmlformats.org/drawingml/2006/main" xmlns:r="http://schemas.openxmlformats.org/officeDocument/2006/relationships" xmlns:p="http://schemas.openxmlformats.org/presentationml/2006/main">
+  <p:cSld>
+    <p:spTree>
+      <p:nvGrpSpPr>
+        <p:cNvPr id="1" name=""/>
+        <p:cNvGrpSpPr/>
+        <p:nvPr/>
+      </p:nvGrpSpPr>
+      <p:grpSpPr>
+        <a:xfrm>
+          <a:off x="0" y="0"/>
+          <a:ext cx="0" cy="0"/>
+          <a:chOff x="0" y="0"/>
+          <a:chExt cx="0" cy="0"/>
+        </a:xfrm>
+      </p:grpSpPr>
+      <p:sp>
+        <p:nvSpPr>
+          <p:cNvPr id="2" name="Title 1"/>
+          <p:cNvSpPr>
+            <a:spLocks noGrp="1"/>
+          </p:cNvSpPr>
+          <p:nvPr>
+            <p:ph type="title"/>
+          </p:nvPr>
+        </p:nvSpPr>
+        <p:spPr>
+          <a:xfrm>
+            <a:off x="914400" y="2429828"/>
+            <a:ext cx="10363200" cy="1143000"/>
+          </a:xfrm>
+        </p:spPr>
+        <p:txBody>
+          <a:bodyPr/>
+          <a:lstStyle/>
+          <a:p>
+            <a:pPr algn="ctr"/>
+            <a:r>
+              <a:rPr lang="en-US" dirty="0"/>
+              <a:t>Conclusion</a:t>
+            </a:r>
+          </a:p>
+        </p:txBody>
+      </p:sp>
+    </p:spTree>
+    <p:extLst>
+      <p:ext uri="{BB962C8B-B14F-4D97-AF65-F5344CB8AC3E}">
+        <p14:creationId xmlns:p14="http://schemas.microsoft.com/office/powerpoint/2010/main" val="2302005129"/>
+      </p:ext>
+    </p:extLst>
+  </p:cSld>
+  <p:clrMapOvr>
+    <a:masterClrMapping/>
+  </p:clrMapOvr>
+  <mc:AlternateContent xmlns:mc="http://schemas.openxmlformats.org/markup-compatibility/2006" xmlns:p14="http://schemas.microsoft.com/office/powerpoint/2010/main">
+    <mc:Choice Requires="p14">
+      <p:transition spd="med" p14:dur="700">
+        <p:fade/>
+      </p:transition>
+    </mc:Choice>
+    <mc:Fallback xmlns="">
+      <p:transition spd="med">
+        <p:fade/>
+      </p:transition>
+    </mc:Fallback>
+  </mc:AlternateContent>
+</p:sld>
+</file>
+
+<file path=ppt/slides/slide12.xml><?xml version="1.0" encoding="utf-8"?>
+<p:sld xmlns:a="http://schemas.openxmlformats.org/drawingml/2006/main" xmlns:r="http://schemas.openxmlformats.org/officeDocument/2006/relationships" xmlns:p="http://schemas.openxmlformats.org/presentationml/2006/main">
+  <p:cSld>
+    <p:spTree>
+      <p:nvGrpSpPr>
+        <p:cNvPr id="1" name=""/>
+        <p:cNvGrpSpPr/>
+        <p:nvPr/>
+      </p:nvGrpSpPr>
+      <p:grpSpPr>
+        <a:xfrm>
+          <a:off x="0" y="0"/>
+          <a:ext cx="0" cy="0"/>
+          <a:chOff x="0" y="0"/>
+          <a:chExt cx="0" cy="0"/>
+        </a:xfrm>
+      </p:grpSpPr>
+      <p:sp>
+        <p:nvSpPr>
+          <p:cNvPr id="2" name="Title 1">
+            <a:extLst>
+              <a:ext uri="{FF2B5EF4-FFF2-40B4-BE49-F238E27FC236}">
+                <a16:creationId xmlns:a16="http://schemas.microsoft.com/office/drawing/2014/main" id="{AA5A7BC2-CFDB-4215-A109-109C0B88A3CD}"/>
+              </a:ext>
+            </a:extLst>
+          </p:cNvPr>
+          <p:cNvSpPr>
+            <a:spLocks noGrp="1"/>
+          </p:cNvSpPr>
+          <p:nvPr>
+            <p:ph type="title"/>
+          </p:nvPr>
+        </p:nvSpPr>
+        <p:spPr/>
+        <p:txBody>
+          <a:bodyPr/>
+          <a:lstStyle/>
+          <a:p>
+            <a:r>
+              <a:rPr lang="en-GB" dirty="0"/>
+              <a:t>Limitation of our Database</a:t>
+            </a:r>
+          </a:p>
+        </p:txBody>
+      </p:sp>
+      <p:sp>
+        <p:nvSpPr>
+          <p:cNvPr id="3" name="Content Placeholder 2">
+            <a:extLst>
+              <a:ext uri="{FF2B5EF4-FFF2-40B4-BE49-F238E27FC236}">
+                <a16:creationId xmlns:a16="http://schemas.microsoft.com/office/drawing/2014/main" id="{8EB97F67-6676-44F1-B098-EDD1FFFFC5DC}"/>
+              </a:ext>
+            </a:extLst>
+          </p:cNvPr>
+          <p:cNvSpPr>
+            <a:spLocks noGrp="1"/>
+          </p:cNvSpPr>
+          <p:nvPr>
+            <p:ph sz="quarter" idx="1"/>
+          </p:nvPr>
+        </p:nvSpPr>
+        <p:spPr/>
+        <p:txBody>
+          <a:bodyPr vert="horz" anchor="t">
+            <a:normAutofit/>
+          </a:bodyPr>
+          <a:lstStyle/>
+          <a:p>
+            <a:r>
+              <a:rPr lang="en-GB">
+                <a:cs typeface="Calibri"/>
+              </a:rPr>
+              <a:t>Limited Reserve Number</a:t>
+            </a:r>
+            <a:endParaRPr lang="en-GB" dirty="0">
+              <a:cs typeface="Calibri"/>
+            </a:endParaRPr>
+          </a:p>
+          <a:p>
+            <a:r>
+              <a:rPr lang="en-GB">
+                <a:cs typeface="Calibri"/>
+              </a:rPr>
+              <a:t>Limited Report Number</a:t>
+            </a:r>
+          </a:p>
+          <a:p>
+            <a:r>
+              <a:rPr lang="en-GB">
+                <a:cs typeface="Calibri"/>
+              </a:rPr>
+              <a:t>Complex Queries</a:t>
+            </a:r>
+            <a:endParaRPr lang="en-GB" dirty="0">
+              <a:cs typeface="Calibri"/>
+            </a:endParaRPr>
+          </a:p>
+          <a:p>
+            <a:endParaRPr lang="en-GB" dirty="0">
+              <a:cs typeface="Calibri"/>
+            </a:endParaRPr>
+          </a:p>
+        </p:txBody>
+      </p:sp>
+      <p:sp>
+        <p:nvSpPr>
+          <p:cNvPr id="5" name="Title 1">
+            <a:extLst>
+              <a:ext uri="{FF2B5EF4-FFF2-40B4-BE49-F238E27FC236}">
+                <a16:creationId xmlns:a16="http://schemas.microsoft.com/office/drawing/2014/main" id="{DCCF9327-5961-4316-B3B9-F24B09DB2683}"/>
+              </a:ext>
+            </a:extLst>
+          </p:cNvPr>
+          <p:cNvSpPr txBox="1">
+            <a:spLocks/>
+          </p:cNvSpPr>
+          <p:nvPr/>
+        </p:nvSpPr>
+        <p:spPr>
+          <a:xfrm>
+            <a:off x="1172441" y="2669742"/>
+            <a:ext cx="10363200" cy="1143000"/>
+          </a:xfrm>
+          <a:prstGeom prst="rect">
+            <a:avLst/>
+          </a:prstGeom>
+        </p:spPr>
+        <p:txBody>
+          <a:bodyPr bIns="91440" anchor="b" anchorCtr="0">
+            <a:normAutofit/>
+          </a:bodyPr>
+          <a:lstStyle>
+            <a:lvl1pPr algn="l" rtl="0" eaLnBrk="1" latinLnBrk="0" hangingPunct="1">
+              <a:spcBef>
+                <a:spcPct val="0"/>
+              </a:spcBef>
+              <a:buNone/>
+              <a:defRPr kumimoji="0" sz="4000" kern="1200">
+                <a:solidFill>
+                  <a:schemeClr val="tx2"/>
+                </a:solidFill>
+                <a:latin typeface="+mj-lt"/>
+                <a:ea typeface="+mj-ea"/>
+                <a:cs typeface="+mj-cs"/>
+              </a:defRPr>
+            </a:lvl1pPr>
+          </a:lstStyle>
+          <a:p>
+            <a:r>
+              <a:rPr lang="en-GB" dirty="0"/>
+              <a:t>Future Works</a:t>
+            </a:r>
+          </a:p>
+        </p:txBody>
+      </p:sp>
+      <p:sp>
+        <p:nvSpPr>
+          <p:cNvPr id="7" name="Content Placeholder 2">
+            <a:extLst>
+              <a:ext uri="{FF2B5EF4-FFF2-40B4-BE49-F238E27FC236}">
+                <a16:creationId xmlns:a16="http://schemas.microsoft.com/office/drawing/2014/main" id="{8192CE82-055F-4B0A-A5DB-04AE0BA7F041}"/>
+              </a:ext>
+            </a:extLst>
+          </p:cNvPr>
+          <p:cNvSpPr txBox="1">
+            <a:spLocks/>
+          </p:cNvSpPr>
+          <p:nvPr/>
+        </p:nvSpPr>
+        <p:spPr>
+          <a:xfrm>
+            <a:off x="1172441" y="3842904"/>
+            <a:ext cx="10363200" cy="4572000"/>
+          </a:xfrm>
+          <a:prstGeom prst="rect">
+            <a:avLst/>
+          </a:prstGeom>
+        </p:spPr>
+        <p:txBody>
+          <a:bodyPr vert="horz" anchor="t">
+            <a:normAutofit/>
+          </a:bodyPr>
+          <a:lstStyle>
+            <a:lvl1pPr marL="274320" indent="-274320" algn="l" rtl="0" eaLnBrk="1" latinLnBrk="0" hangingPunct="1">
+              <a:spcBef>
+                <a:spcPts val="580"/>
+              </a:spcBef>
+              <a:buClr>
+                <a:schemeClr val="accent1">
+                  <a:lumMod val="75000"/>
+                </a:schemeClr>
+              </a:buClr>
+              <a:buSzPct val="85000"/>
+              <a:buFont typeface="Wingdings 2" panose="05020102010507070707"/>
+              <a:buChar char=""/>
+              <a:defRPr kumimoji="0" sz="2600" kern="1200">
+                <a:solidFill>
+                  <a:schemeClr val="tx1"/>
+                </a:solidFill>
+                <a:latin typeface="+mn-lt"/>
+                <a:ea typeface="+mn-ea"/>
+                <a:cs typeface="+mn-cs"/>
+              </a:defRPr>
+            </a:lvl1pPr>
+            <a:lvl2pPr marL="548640" indent="-228600" algn="l" rtl="0" eaLnBrk="1" latinLnBrk="0" hangingPunct="1">
+              <a:spcBef>
+                <a:spcPts val="370"/>
+              </a:spcBef>
+              <a:buClr>
+                <a:schemeClr val="accent2">
+                  <a:lumMod val="75000"/>
+                </a:schemeClr>
+              </a:buClr>
+              <a:buSzPct val="85000"/>
+              <a:buFont typeface="Wingdings 2" panose="05020102010507070707"/>
+              <a:buChar char=""/>
+              <a:defRPr kumimoji="0" sz="2400" kern="1200">
+                <a:solidFill>
+                  <a:schemeClr val="tx1"/>
+                </a:solidFill>
+                <a:latin typeface="+mn-lt"/>
+                <a:ea typeface="+mn-ea"/>
+                <a:cs typeface="+mn-cs"/>
+              </a:defRPr>
+            </a:lvl2pPr>
+            <a:lvl3pPr marL="822960" indent="-228600" algn="l" rtl="0" eaLnBrk="1" latinLnBrk="0" hangingPunct="1">
+              <a:spcBef>
+                <a:spcPts val="370"/>
+              </a:spcBef>
+              <a:buClr>
+                <a:schemeClr val="accent1">
+                  <a:lumMod val="60000"/>
+                  <a:lumOff val="40000"/>
+                </a:schemeClr>
+              </a:buClr>
+              <a:buSzPct val="85000"/>
+              <a:buFont typeface="Wingdings 2" panose="05020102010507070707"/>
+              <a:buChar char=""/>
+              <a:defRPr kumimoji="0" sz="2000" kern="1200">
+                <a:solidFill>
+                  <a:schemeClr val="tx1"/>
+                </a:solidFill>
+                <a:latin typeface="+mn-lt"/>
+                <a:ea typeface="+mn-ea"/>
+                <a:cs typeface="+mn-cs"/>
+              </a:defRPr>
+            </a:lvl3pPr>
+            <a:lvl4pPr marL="1097280" indent="-228600" algn="l" rtl="0" eaLnBrk="1" latinLnBrk="0" hangingPunct="1">
+              <a:spcBef>
+                <a:spcPts val="370"/>
+              </a:spcBef>
+              <a:buClr>
+                <a:schemeClr val="accent3"/>
+              </a:buClr>
+              <a:buSzPct val="80000"/>
+              <a:buFont typeface="Wingdings 2" panose="05020102010507070707"/>
+              <a:buChar char=""/>
+              <a:defRPr kumimoji="0" sz="2000" kern="1200">
+                <a:solidFill>
+                  <a:schemeClr val="tx1"/>
+                </a:solidFill>
+                <a:latin typeface="+mn-lt"/>
+                <a:ea typeface="+mn-ea"/>
+                <a:cs typeface="+mn-cs"/>
+              </a:defRPr>
+            </a:lvl4pPr>
+            <a:lvl5pPr marL="1371600" indent="-228600" algn="l" rtl="0" eaLnBrk="1" latinLnBrk="0" hangingPunct="1">
+              <a:spcBef>
+                <a:spcPts val="370"/>
+              </a:spcBef>
+              <a:buClr>
+                <a:schemeClr val="accent3">
+                  <a:lumMod val="75000"/>
+                </a:schemeClr>
+              </a:buClr>
+              <a:buFontTx/>
+              <a:buChar char="o"/>
+              <a:defRPr kumimoji="0" sz="2000" kern="1200">
+                <a:solidFill>
+                  <a:schemeClr val="tx1"/>
+                </a:solidFill>
+                <a:latin typeface="+mn-lt"/>
+                <a:ea typeface="+mn-ea"/>
+                <a:cs typeface="+mn-cs"/>
+              </a:defRPr>
+            </a:lvl5pPr>
+            <a:lvl6pPr marL="1645920" indent="-228600" algn="l" rtl="0" eaLnBrk="1" latinLnBrk="0" hangingPunct="1">
+              <a:spcBef>
+                <a:spcPts val="370"/>
+              </a:spcBef>
+              <a:buClr>
+                <a:schemeClr val="accent3"/>
+              </a:buClr>
+              <a:buChar char="•"/>
+              <a:defRPr kumimoji="0" sz="1800" kern="1200" baseline="0">
+                <a:solidFill>
+                  <a:schemeClr val="tx1"/>
+                </a:solidFill>
+                <a:latin typeface="+mn-lt"/>
+                <a:ea typeface="+mn-ea"/>
+                <a:cs typeface="+mn-cs"/>
+              </a:defRPr>
+            </a:lvl6pPr>
+            <a:lvl7pPr marL="1920240" indent="-228600" algn="l" rtl="0" eaLnBrk="1" latinLnBrk="0" hangingPunct="1">
+              <a:spcBef>
+                <a:spcPts val="370"/>
+              </a:spcBef>
+              <a:buClr>
+                <a:schemeClr val="accent2"/>
+              </a:buClr>
+              <a:buChar char="•"/>
+              <a:defRPr kumimoji="0" sz="1800" kern="1200">
+                <a:solidFill>
+                  <a:schemeClr val="tx1"/>
+                </a:solidFill>
+                <a:latin typeface="+mn-lt"/>
+                <a:ea typeface="+mn-ea"/>
+                <a:cs typeface="+mn-cs"/>
+              </a:defRPr>
+            </a:lvl7pPr>
+            <a:lvl8pPr marL="2194560" indent="-228600" algn="l" rtl="0" eaLnBrk="1" latinLnBrk="0" hangingPunct="1">
+              <a:spcBef>
+                <a:spcPts val="370"/>
+              </a:spcBef>
+              <a:buClr>
+                <a:schemeClr val="accent1">
+                  <a:lumMod val="75000"/>
+                </a:schemeClr>
+              </a:buClr>
+              <a:buChar char="•"/>
+              <a:defRPr kumimoji="0" sz="1800" kern="1200">
+                <a:solidFill>
+                  <a:schemeClr val="tx1"/>
+                </a:solidFill>
+                <a:latin typeface="+mn-lt"/>
+                <a:ea typeface="+mn-ea"/>
+                <a:cs typeface="+mn-cs"/>
+              </a:defRPr>
+            </a:lvl8pPr>
+            <a:lvl9pPr marL="2526030" indent="-285750" algn="l" rtl="0" eaLnBrk="1" latinLnBrk="0" hangingPunct="1">
+              <a:spcBef>
+                <a:spcPts val="370"/>
+              </a:spcBef>
+              <a:buClr>
+                <a:schemeClr val="accent3">
+                  <a:lumMod val="50000"/>
+                </a:schemeClr>
+              </a:buClr>
+              <a:buFont typeface="Arial" panose="020B0604020202020204" pitchFamily="34" charset="0"/>
+              <a:buChar char="•"/>
+              <a:defRPr kumimoji="0" sz="1800" kern="1200">
+                <a:solidFill>
+                  <a:schemeClr val="tx1"/>
+                </a:solidFill>
+                <a:latin typeface="+mn-lt"/>
+                <a:ea typeface="+mn-ea"/>
+                <a:cs typeface="+mn-cs"/>
+              </a:defRPr>
+            </a:lvl9pPr>
+          </a:lstStyle>
+          <a:p>
+            <a:r>
+              <a:rPr lang="en-GB">
+                <a:cs typeface="Calibri"/>
+              </a:rPr>
+              <a:t>Get used to the SQL commands</a:t>
+            </a:r>
+          </a:p>
+          <a:p>
+            <a:endParaRPr lang="en-GB" dirty="0">
+              <a:cs typeface="Calibri"/>
+            </a:endParaRPr>
+          </a:p>
+        </p:txBody>
+      </p:sp>
+    </p:spTree>
+    <p:extLst>
+      <p:ext uri="{BB962C8B-B14F-4D97-AF65-F5344CB8AC3E}">
+        <p14:creationId xmlns:p14="http://schemas.microsoft.com/office/powerpoint/2010/main" val="3239423673"/>
+      </p:ext>
+    </p:extLst>
+  </p:cSld>
+  <p:clrMapOvr>
+    <a:masterClrMapping/>
+  </p:clrMapOvr>
+  <mc:AlternateContent xmlns:mc="http://schemas.openxmlformats.org/markup-compatibility/2006" xmlns:p14="http://schemas.microsoft.com/office/powerpoint/2010/main">
+    <mc:Choice Requires="p14">
+      <p:transition spd="med" p14:dur="700">
+        <p:fade/>
+      </p:transition>
+    </mc:Choice>
+    <mc:Fallback xmlns="">
+      <p:transition spd="med">
+        <p:fade/>
+      </p:transition>
+    </mc:Fallback>
+  </mc:AlternateContent>
+  <p:timing>
+    <p:tnLst>
+      <p:par>
+        <p:cTn id="1" dur="indefinite" restart="never" nodeType="tmRoot">
+          <p:childTnLst>
+            <p:seq concurrent="1" nextAc="seek">
+              <p:cTn id="2" dur="indefinite" nodeType="mainSeq">
+                <p:childTnLst>
+                  <p:par>
+                    <p:cTn id="3" fill="hold">
+                      <p:stCondLst>
+                        <p:cond delay="indefinite"/>
+                      </p:stCondLst>
+                      <p:childTnLst>
+                        <p:par>
+                          <p:cTn id="4" fill="hold">
+                            <p:stCondLst>
+                              <p:cond delay="0"/>
+                            </p:stCondLst>
+                            <p:childTnLst>
+                              <p:par>
+                                <p:cTn id="5" presetID="1" presetClass="entr" presetSubtype="0" fill="hold" grpId="0" nodeType="clickEffect">
+                                  <p:stCondLst>
+                                    <p:cond delay="0"/>
+                                  </p:stCondLst>
+                                  <p:childTnLst>
+                                    <p:set>
+                                      <p:cBhvr>
+                                        <p:cTn id="6" dur="1" fill="hold">
+                                          <p:stCondLst>
+                                            <p:cond delay="0"/>
+                                          </p:stCondLst>
+                                        </p:cTn>
+                                        <p:tgtEl>
+                                          <p:spTgt spid="5">
+                                            <p:txEl>
+                                              <p:pRg st="0" end="0"/>
+                                            </p:txEl>
+                                          </p:spTgt>
+                                        </p:tgtEl>
+                                        <p:attrNameLst>
+                                          <p:attrName>style.visibility</p:attrName>
+                                        </p:attrNameLst>
+                                      </p:cBhvr>
+                                      <p:to>
+                                        <p:strVal val="visible"/>
+                                      </p:to>
+                                    </p:set>
+                                  </p:childTnLst>
+                                </p:cTn>
+                              </p:par>
+                            </p:childTnLst>
+                          </p:cTn>
+                        </p:par>
+                      </p:childTnLst>
+                    </p:cTn>
+                  </p:par>
+                  <p:par>
+                    <p:cTn id="7" fill="hold">
+                      <p:stCondLst>
+                        <p:cond delay="indefinite"/>
+                      </p:stCondLst>
+                      <p:childTnLst>
+                        <p:par>
+                          <p:cTn id="8" fill="hold">
+                            <p:stCondLst>
+                              <p:cond delay="0"/>
+                            </p:stCondLst>
+                            <p:childTnLst>
+                              <p:par>
+                                <p:cTn id="9" presetID="1" presetClass="entr" presetSubtype="0" fill="hold" grpId="0" nodeType="clickEffect">
+                                  <p:stCondLst>
+                                    <p:cond delay="0"/>
+                                  </p:stCondLst>
+                                  <p:childTnLst>
+                                    <p:set>
+                                      <p:cBhvr>
+                                        <p:cTn id="10" dur="1" fill="hold">
+                                          <p:stCondLst>
+                                            <p:cond delay="0"/>
+                                          </p:stCondLst>
+                                        </p:cTn>
+                                        <p:tgtEl>
+                                          <p:spTgt spid="7">
+                                            <p:txEl>
+                                              <p:pRg st="0" end="0"/>
+                                            </p:txEl>
+                                          </p:spTgt>
+                                        </p:tgtEl>
+                                        <p:attrNameLst>
+                                          <p:attrName>style.visibility</p:attrName>
+                                        </p:attrNameLst>
+                                      </p:cBhvr>
+                                      <p:to>
+                                        <p:strVal val="visible"/>
+                                      </p:to>
+                                    </p:set>
+                                  </p:childTnLst>
+                                </p:cTn>
+                              </p:par>
+                            </p:childTnLst>
+                          </p:cTn>
+                        </p:par>
+                      </p:childTnLst>
+                    </p:cTn>
+                  </p:par>
+                </p:childTnLst>
+              </p:cTn>
+              <p:prevCondLst>
+                <p:cond evt="onPrev" delay="0">
+                  <p:tgtEl>
+                    <p:sldTgt/>
+                  </p:tgtEl>
+                </p:cond>
+              </p:prevCondLst>
+              <p:nextCondLst>
+                <p:cond evt="onNext" delay="0">
+                  <p:tgtEl>
+                    <p:sldTgt/>
+                  </p:tgtEl>
+                </p:cond>
+              </p:nextCondLst>
+            </p:seq>
+          </p:childTnLst>
+        </p:cTn>
+      </p:par>
+    </p:tnLst>
+    <p:bldLst>
+      <p:bldP spid="5" grpId="0" build="allAtOnce"/>
+      <p:bldP spid="7" grpId="0" build="allAtOnce"/>
+    </p:bldLst>
+  </p:timing>
+</p:sld>
+</file>
+
+<file path=ppt/slides/slide13.xml><?xml version="1.0" encoding="utf-8"?>
+<p:sld xmlns:a="http://schemas.openxmlformats.org/drawingml/2006/main" xmlns:r="http://schemas.openxmlformats.org/officeDocument/2006/relationships" xmlns:p="http://schemas.openxmlformats.org/presentationml/2006/main">
+  <p:cSld>
+    <p:spTree>
+      <p:nvGrpSpPr>
+        <p:cNvPr id="1" name=""/>
+        <p:cNvGrpSpPr/>
+        <p:nvPr/>
+      </p:nvGrpSpPr>
+      <p:grpSpPr>
+        <a:xfrm>
+          <a:off x="0" y="0"/>
+          <a:ext cx="0" cy="0"/>
+          <a:chOff x="0" y="0"/>
+          <a:chExt cx="0" cy="0"/>
+        </a:xfrm>
+      </p:grpSpPr>
+      <p:sp>
+        <p:nvSpPr>
+          <p:cNvPr id="2" name="Title 1"/>
+          <p:cNvSpPr>
+            <a:spLocks noGrp="1"/>
+          </p:cNvSpPr>
+          <p:nvPr>
+            <p:ph type="title"/>
+          </p:nvPr>
+        </p:nvSpPr>
+        <p:spPr>
+          <a:xfrm>
+            <a:off x="914400" y="2429828"/>
+            <a:ext cx="10363200" cy="1143000"/>
+          </a:xfrm>
+        </p:spPr>
+        <p:txBody>
+          <a:bodyPr/>
+          <a:lstStyle/>
+          <a:p>
+            <a:pPr algn="ctr"/>
+            <a:r>
+              <a:rPr lang="en-US"/>
+              <a:t>Group Reflection</a:t>
+            </a:r>
+            <a:endParaRPr lang="en-US" dirty="0"/>
+          </a:p>
+        </p:txBody>
+      </p:sp>
+    </p:spTree>
+    <p:extLst>
+      <p:ext uri="{BB962C8B-B14F-4D97-AF65-F5344CB8AC3E}">
+        <p14:creationId xmlns:p14="http://schemas.microsoft.com/office/powerpoint/2010/main" val="2596119022"/>
+      </p:ext>
+    </p:extLst>
+  </p:cSld>
+  <p:clrMapOvr>
+    <a:masterClrMapping/>
+  </p:clrMapOvr>
+  <mc:AlternateContent xmlns:mc="http://schemas.openxmlformats.org/markup-compatibility/2006">
+    <mc:Choice xmlns:p14="http://schemas.microsoft.com/office/powerpoint/2010/main" Requires="p14">
+      <p:transition spd="med" p14:dur="700">
+        <p:fade/>
+      </p:transition>
+    </mc:Choice>
+    <mc:Fallback>
+      <p:transition spd="med">
+        <p:fade/>
+      </p:transition>
+    </mc:Fallback>
+  </mc:AlternateContent>
+</p:sld>
+</file>
+
+<file path=ppt/slides/slide14.xml><?xml version="1.0" encoding="utf-8"?>
+<p:sld xmlns:a="http://schemas.openxmlformats.org/drawingml/2006/main" xmlns:r="http://schemas.openxmlformats.org/officeDocument/2006/relationships" xmlns:p="http://schemas.openxmlformats.org/presentationml/2006/main">
+  <p:cSld>
+    <p:spTree>
+      <p:nvGrpSpPr>
+        <p:cNvPr id="1" name=""/>
+        <p:cNvGrpSpPr/>
+        <p:nvPr/>
+      </p:nvGrpSpPr>
+      <p:grpSpPr>
+        <a:xfrm>
+          <a:off x="0" y="0"/>
+          <a:ext cx="0" cy="0"/>
+          <a:chOff x="0" y="0"/>
+          <a:chExt cx="0" cy="0"/>
+        </a:xfrm>
+      </p:grpSpPr>
+      <p:sp>
+        <p:nvSpPr>
+          <p:cNvPr id="2" name="Title 1"/>
+          <p:cNvSpPr>
+            <a:spLocks noGrp="1"/>
+          </p:cNvSpPr>
+          <p:nvPr>
+            <p:ph type="title"/>
+          </p:nvPr>
+        </p:nvSpPr>
+        <p:spPr>
+          <a:xfrm>
+            <a:off x="914400" y="2429828"/>
+            <a:ext cx="10363200" cy="1143000"/>
+          </a:xfrm>
+        </p:spPr>
+        <p:txBody>
+          <a:bodyPr/>
+          <a:lstStyle/>
+          <a:p>
+            <a:pPr algn="ctr"/>
+            <a:r>
+              <a:rPr lang="en-US"/>
+              <a:t>The End</a:t>
+            </a:r>
+            <a:endParaRPr lang="en-US" dirty="0"/>
+          </a:p>
+        </p:txBody>
+      </p:sp>
+    </p:spTree>
+    <p:extLst>
+      <p:ext uri="{BB962C8B-B14F-4D97-AF65-F5344CB8AC3E}">
+        <p14:creationId xmlns:p14="http://schemas.microsoft.com/office/powerpoint/2010/main" val="2492778022"/>
+      </p:ext>
+    </p:extLst>
+  </p:cSld>
+  <p:clrMapOvr>
+    <a:masterClrMapping/>
+  </p:clrMapOvr>
+  <mc:AlternateContent xmlns:mc="http://schemas.openxmlformats.org/markup-compatibility/2006">
+    <mc:Choice xmlns:p14="http://schemas.microsoft.com/office/powerpoint/2010/main" Requires="p14">
+      <p:transition spd="med" p14:dur="700">
+        <p:fade/>
+      </p:transition>
+    </mc:Choice>
+    <mc:Fallback>
+      <p:transition spd="med">
+        <p:fade/>
+      </p:transition>
+    </mc:Fallback>
+  </mc:AlternateContent>
+</p:sld>
+</file>
+
+<file path=ppt/slides/slide2.xml><?xml version="1.0" encoding="utf-8"?>
+<p:sld xmlns:a="http://schemas.openxmlformats.org/drawingml/2006/main" xmlns:r="http://schemas.openxmlformats.org/officeDocument/2006/relationships" xmlns:p="http://schemas.openxmlformats.org/presentationml/2006/main">
+  <p:cSld>
+    <p:spTree>
+      <p:nvGrpSpPr>
+        <p:cNvPr id="1" name=""/>
+        <p:cNvGrpSpPr/>
+        <p:nvPr/>
+      </p:nvGrpSpPr>
+      <p:grpSpPr>
+        <a:xfrm>
+          <a:off x="0" y="0"/>
+          <a:ext cx="0" cy="0"/>
+          <a:chOff x="0" y="0"/>
+          <a:chExt cx="0" cy="0"/>
+        </a:xfrm>
+      </p:grpSpPr>
+      <p:sp>
+        <p:nvSpPr>
+          <p:cNvPr id="2" name="Title 1"/>
+          <p:cNvSpPr>
+            <a:spLocks noGrp="1"/>
+          </p:cNvSpPr>
+          <p:nvPr>
+            <p:ph type="title"/>
+          </p:nvPr>
+        </p:nvSpPr>
+        <p:spPr>
+          <a:xfrm>
+            <a:off x="914400" y="2088833"/>
+            <a:ext cx="10363200" cy="1143000"/>
+          </a:xfrm>
+        </p:spPr>
+        <p:txBody>
+          <a:bodyPr/>
+          <a:lstStyle/>
+          <a:p>
+            <a:pPr algn="ctr"/>
+            <a:r>
+              <a:rPr lang="en-US">
+                <a:latin typeface="Times New Roman" panose="02020603050405020304" charset="0"/>
+                <a:cs typeface="Times New Roman" panose="02020603050405020304" charset="0"/>
+              </a:rPr>
+              <a:t>Organization Structure</a:t>
+            </a:r>
+          </a:p>
+        </p:txBody>
+      </p:sp>
+    </p:spTree>
+  </p:cSld>
+  <p:clrMapOvr>
+    <a:masterClrMapping/>
+  </p:clrMapOvr>
+  <mc:AlternateContent xmlns:mc="http://schemas.openxmlformats.org/markup-compatibility/2006" xmlns:p14="http://schemas.microsoft.com/office/powerpoint/2010/main">
+    <mc:Choice Requires="p14">
+      <p:transition spd="med" p14:dur="700">
+        <p:fade/>
+      </p:transition>
+    </mc:Choice>
+    <mc:Fallback xmlns="">
+      <p:transition spd="med">
+        <p:fade/>
+      </p:transition>
+    </mc:Fallback>
+  </mc:AlternateContent>
+</p:sld>
+</file>
+
+<file path=ppt/slides/slide3.xml><?xml version="1.0" encoding="utf-8"?>
+<p:sld xmlns:a="http://schemas.openxmlformats.org/drawingml/2006/main" xmlns:r="http://schemas.openxmlformats.org/officeDocument/2006/relationships" xmlns:p="http://schemas.openxmlformats.org/presentationml/2006/main">
+  <p:cSld>
+    <p:spTree>
+      <p:nvGrpSpPr>
+        <p:cNvPr id="1" name=""/>
+        <p:cNvGrpSpPr/>
+        <p:nvPr/>
+      </p:nvGrpSpPr>
+      <p:grpSpPr>
+        <a:xfrm>
+          <a:off x="0" y="0"/>
+          <a:ext cx="0" cy="0"/>
+          <a:chOff x="0" y="0"/>
+          <a:chExt cx="0" cy="0"/>
+        </a:xfrm>
+      </p:grpSpPr>
+      <p:pic>
+        <p:nvPicPr>
+          <p:cNvPr id="4" name="Picture 1"/>
+          <p:cNvPicPr>
+            <a:picLocks noGrp="1" noChangeAspect="1" noChangeArrowheads="1"/>
+          </p:cNvPicPr>
+          <p:nvPr>
+            <p:ph sz="quarter" idx="1"/>
+          </p:nvPr>
+        </p:nvPicPr>
+        <p:blipFill>
+          <a:blip r:embed="rId2">
+            <a:extLst>
+              <a:ext uri="{28A0092B-C50C-407E-A947-70E740481C1C}">
+                <a14:useLocalDpi xmlns:a14="http://schemas.microsoft.com/office/drawing/2010/main" val="0"/>
+              </a:ext>
+            </a:extLst>
+          </a:blip>
+          <a:srcRect/>
+          <a:stretch>
+            <a:fillRect/>
+          </a:stretch>
+        </p:blipFill>
+        <p:spPr>
+          <a:xfrm>
+            <a:off x="-52705" y="95250"/>
+            <a:ext cx="12124055" cy="6523990"/>
+          </a:xfrm>
+          <a:prstGeom prst="rect">
+            <a:avLst/>
+          </a:prstGeom>
+          <a:noFill/>
+          <a:ln>
+            <a:noFill/>
+          </a:ln>
+        </p:spPr>
+      </p:pic>
+    </p:spTree>
+  </p:cSld>
+  <p:clrMapOvr>
+    <a:masterClrMapping/>
+  </p:clrMapOvr>
+  <mc:AlternateContent xmlns:mc="http://schemas.openxmlformats.org/markup-compatibility/2006" xmlns:p14="http://schemas.microsoft.com/office/powerpoint/2010/main">
+    <mc:Choice Requires="p14">
+      <p:transition spd="med" p14:dur="700">
+        <p:fade/>
+      </p:transition>
+    </mc:Choice>
+    <mc:Fallback xmlns="">
+      <p:transition spd="med">
+        <p:fade/>
+      </p:transition>
+    </mc:Fallback>
+  </mc:AlternateContent>
+</p:sld>
+</file>
+
+<file path=ppt/slides/slide4.xml><?xml version="1.0" encoding="utf-8"?>
+<p:sld xmlns:a="http://schemas.openxmlformats.org/drawingml/2006/main" xmlns:r="http://schemas.openxmlformats.org/officeDocument/2006/relationships" xmlns:p="http://schemas.openxmlformats.org/presentationml/2006/main">
+  <p:cSld>
+    <p:spTree>
+      <p:nvGrpSpPr>
+        <p:cNvPr id="1" name=""/>
+        <p:cNvGrpSpPr/>
+        <p:nvPr/>
+      </p:nvGrpSpPr>
+      <p:grpSpPr>
+        <a:xfrm>
+          <a:off x="0" y="0"/>
+          <a:ext cx="0" cy="0"/>
+          <a:chOff x="0" y="0"/>
+          <a:chExt cx="0" cy="0"/>
+        </a:xfrm>
+      </p:grpSpPr>
+      <p:sp>
+        <p:nvSpPr>
+          <p:cNvPr id="2" name="Title 1"/>
+          <p:cNvSpPr>
+            <a:spLocks noGrp="1"/>
+          </p:cNvSpPr>
+          <p:nvPr>
+            <p:ph type="title"/>
+          </p:nvPr>
+        </p:nvSpPr>
+        <p:spPr>
+          <a:xfrm>
+            <a:off x="914400" y="2429828"/>
+            <a:ext cx="10363200" cy="1143000"/>
+          </a:xfrm>
+        </p:spPr>
+        <p:txBody>
+          <a:bodyPr/>
+          <a:lstStyle/>
+          <a:p>
+            <a:pPr algn="ctr"/>
+            <a:r>
+              <a:rPr lang="en-US"/>
+              <a:t>Functional Diagram</a:t>
+            </a:r>
+          </a:p>
+        </p:txBody>
+      </p:sp>
+    </p:spTree>
+  </p:cSld>
+  <p:clrMapOvr>
+    <a:masterClrMapping/>
+  </p:clrMapOvr>
+  <mc:AlternateContent xmlns:mc="http://schemas.openxmlformats.org/markup-compatibility/2006" xmlns:p14="http://schemas.microsoft.com/office/powerpoint/2010/main">
+    <mc:Choice Requires="p14">
+      <p:transition spd="med" p14:dur="700">
+        <p:fade/>
+      </p:transition>
+    </mc:Choice>
+    <mc:Fallback xmlns="">
+      <p:transition spd="med">
+        <p:fade/>
+      </p:transition>
+    </mc:Fallback>
+  </mc:AlternateContent>
+</p:sld>
+</file>
+
+<file path=ppt/slides/slide5.xml><?xml version="1.0" encoding="utf-8"?>
+<p:sld xmlns:a="http://schemas.openxmlformats.org/drawingml/2006/main" xmlns:r="http://schemas.openxmlformats.org/officeDocument/2006/relationships" xmlns:p="http://schemas.openxmlformats.org/presentationml/2006/main">
+  <p:cSld>
+    <p:spTree>
+      <p:nvGrpSpPr>
+        <p:cNvPr id="1" name=""/>
+        <p:cNvGrpSpPr/>
+        <p:nvPr/>
+      </p:nvGrpSpPr>
+      <p:grpSpPr>
+        <a:xfrm>
+          <a:off x="0" y="0"/>
+          <a:ext cx="0" cy="0"/>
+          <a:chOff x="0" y="0"/>
+          <a:chExt cx="0" cy="0"/>
+        </a:xfrm>
+      </p:grpSpPr>
+      <p:pic>
+        <p:nvPicPr>
+          <p:cNvPr id="4" name="Content Placeholder 3" descr="FunctionalDiagram"/>
+          <p:cNvPicPr>
+            <a:picLocks noGrp="1" noChangeAspect="1"/>
+          </p:cNvPicPr>
+          <p:nvPr>
+            <p:ph sz="quarter" idx="1"/>
+          </p:nvPr>
+        </p:nvPicPr>
+        <p:blipFill>
+          <a:blip r:embed="rId2"/>
+          <a:stretch>
+            <a:fillRect/>
+          </a:stretch>
+        </p:blipFill>
+        <p:spPr>
+          <a:xfrm>
+            <a:off x="44450" y="103505"/>
+            <a:ext cx="11913870" cy="6604635"/>
+          </a:xfrm>
+          <a:prstGeom prst="rect">
+            <a:avLst/>
+          </a:prstGeom>
+        </p:spPr>
+      </p:pic>
+    </p:spTree>
+  </p:cSld>
+  <p:clrMapOvr>
+    <a:masterClrMapping/>
+  </p:clrMapOvr>
+  <mc:AlternateContent xmlns:mc="http://schemas.openxmlformats.org/markup-compatibility/2006" xmlns:p14="http://schemas.microsoft.com/office/powerpoint/2010/main">
+    <mc:Choice Requires="p14">
+      <p:transition spd="med" p14:dur="700">
+        <p:fade/>
+      </p:transition>
+    </mc:Choice>
+    <mc:Fallback xmlns="">
+      <p:transition spd="med">
+        <p:fade/>
+      </p:transition>
+    </mc:Fallback>
+  </mc:AlternateContent>
+</p:sld>
+</file>
+
+<file path=ppt/slides/slide6.xml><?xml version="1.0" encoding="utf-8"?>
+<p:sld xmlns:a="http://schemas.openxmlformats.org/drawingml/2006/main" xmlns:r="http://schemas.openxmlformats.org/officeDocument/2006/relationships" xmlns:p="http://schemas.openxmlformats.org/presentationml/2006/main">
+  <p:cSld>
+    <p:spTree>
+      <p:nvGrpSpPr>
+        <p:cNvPr id="1" name=""/>
+        <p:cNvGrpSpPr/>
+        <p:nvPr/>
+      </p:nvGrpSpPr>
+      <p:grpSpPr>
+        <a:xfrm>
+          <a:off x="0" y="0"/>
+          <a:ext cx="0" cy="0"/>
+          <a:chOff x="0" y="0"/>
+          <a:chExt cx="0" cy="0"/>
+        </a:xfrm>
+      </p:grpSpPr>
+      <p:sp>
+        <p:nvSpPr>
+          <p:cNvPr id="5" name="Title 4"/>
+          <p:cNvSpPr>
+            <a:spLocks noGrp="1"/>
+          </p:cNvSpPr>
+          <p:nvPr>
+            <p:ph type="title"/>
+          </p:nvPr>
+        </p:nvSpPr>
+        <p:spPr>
+          <a:xfrm>
+            <a:off x="4284980" y="356870"/>
+            <a:ext cx="3622675" cy="725805"/>
+          </a:xfrm>
+        </p:spPr>
+        <p:txBody>
+          <a:bodyPr/>
+          <a:lstStyle/>
+          <a:p>
+            <a:pPr algn="ctr"/>
+            <a:r>
+              <a:rPr lang="en-MY" altLang="en-US" sz="3200" b="1">
+                <a:latin typeface="Times New Roman" panose="02020603050405020304" charset="0"/>
+                <a:cs typeface="Times New Roman" panose="02020603050405020304" charset="0"/>
+              </a:rPr>
+              <a:t>Business Rules</a:t>
+            </a:r>
+          </a:p>
+        </p:txBody>
+      </p:sp>
+      <p:sp>
+        <p:nvSpPr>
+          <p:cNvPr id="7" name="Text Box 6"/>
+          <p:cNvSpPr txBox="1"/>
+          <p:nvPr/>
+        </p:nvSpPr>
+        <p:spPr>
+          <a:xfrm>
+            <a:off x="1165225" y="1082358"/>
+            <a:ext cx="9860915" cy="3322955"/>
+          </a:xfrm>
+          <a:prstGeom prst="rect">
+            <a:avLst/>
+          </a:prstGeom>
+          <a:noFill/>
+          <a:ln>
+            <a:noFill/>
+          </a:ln>
+        </p:spPr>
+        <p:txBody>
+          <a:bodyPr wrap="square" rtlCol="0" anchor="ctr" anchorCtr="1">
+            <a:spAutoFit/>
+          </a:bodyPr>
+          <a:lstStyle/>
+          <a:p>
+            <a:pPr marL="342900" indent="-342900">
+              <a:lnSpc>
+                <a:spcPct val="175000"/>
+              </a:lnSpc>
+              <a:spcBef>
+                <a:spcPts val="0"/>
+              </a:spcBef>
+              <a:spcAft>
+                <a:spcPts val="0"/>
+              </a:spcAft>
+              <a:buFont typeface="Arial" panose="020B0604020202020204" pitchFamily="34" charset="0"/>
+              <a:buChar char="•"/>
+            </a:pPr>
+            <a:r>
+              <a:rPr lang="en-MY" altLang="en-US" sz="2000">
+                <a:latin typeface="Times New Roman" panose="02020603050405020304" charset="0"/>
+                <a:cs typeface="Times New Roman" panose="02020603050405020304" charset="0"/>
+                <a:sym typeface="+mn-ea"/>
+              </a:rPr>
+              <a:t>An account can reserve many books. A book reservation belongs to only one account.</a:t>
+            </a:r>
+          </a:p>
+          <a:p>
+            <a:pPr marL="342900" indent="-342900">
+              <a:lnSpc>
+                <a:spcPct val="175000"/>
+              </a:lnSpc>
+              <a:spcBef>
+                <a:spcPts val="0"/>
+              </a:spcBef>
+              <a:spcAft>
+                <a:spcPts val="0"/>
+              </a:spcAft>
+              <a:buFont typeface="Arial" panose="020B0604020202020204" pitchFamily="34" charset="0"/>
+              <a:buChar char="•"/>
+            </a:pPr>
+            <a:r>
+              <a:rPr lang="en-MY" altLang="en-US" sz="2000">
+                <a:latin typeface="Times New Roman" panose="02020603050405020304" charset="0"/>
+                <a:cs typeface="Times New Roman" panose="02020603050405020304" charset="0"/>
+                <a:sym typeface="+mn-ea"/>
+              </a:rPr>
+              <a:t>An account can make payment on many fine. A fine can only be paid by one account.</a:t>
+            </a:r>
+          </a:p>
+          <a:p>
+            <a:pPr marL="342900" indent="-342900">
+              <a:lnSpc>
+                <a:spcPct val="175000"/>
+              </a:lnSpc>
+              <a:spcBef>
+                <a:spcPts val="0"/>
+              </a:spcBef>
+              <a:spcAft>
+                <a:spcPts val="0"/>
+              </a:spcAft>
+              <a:buFont typeface="Arial" panose="020B0604020202020204" pitchFamily="34" charset="0"/>
+              <a:buChar char="•"/>
+            </a:pPr>
+            <a:r>
+              <a:rPr lang="en-MY" altLang="en-US" sz="2000">
+                <a:latin typeface="Times New Roman" panose="02020603050405020304" charset="0"/>
+                <a:cs typeface="Times New Roman" panose="02020603050405020304" charset="0"/>
+                <a:sym typeface="+mn-ea"/>
+              </a:rPr>
+              <a:t>A book reservation can reserve many books. A book can be reserved by many books.</a:t>
+            </a:r>
+          </a:p>
+          <a:p>
+            <a:pPr marL="342900" indent="-342900">
+              <a:lnSpc>
+                <a:spcPct val="175000"/>
+              </a:lnSpc>
+              <a:spcBef>
+                <a:spcPts val="0"/>
+              </a:spcBef>
+              <a:spcAft>
+                <a:spcPts val="0"/>
+              </a:spcAft>
+              <a:buFont typeface="Arial" panose="020B0604020202020204" pitchFamily="34" charset="0"/>
+              <a:buChar char="•"/>
+            </a:pPr>
+            <a:r>
+              <a:rPr lang="en-MY" altLang="en-US" sz="2000">
+                <a:latin typeface="Times New Roman" panose="02020603050405020304" charset="0"/>
+                <a:cs typeface="Times New Roman" panose="02020603050405020304" charset="0"/>
+                <a:sym typeface="+mn-ea"/>
+              </a:rPr>
+              <a:t>A book reservation can have one or no fine. A fine only belongs to a book reservation.</a:t>
+            </a:r>
+          </a:p>
+          <a:p>
+            <a:pPr marL="342900" indent="-342900">
+              <a:lnSpc>
+                <a:spcPct val="175000"/>
+              </a:lnSpc>
+              <a:spcBef>
+                <a:spcPts val="0"/>
+              </a:spcBef>
+              <a:spcAft>
+                <a:spcPts val="0"/>
+              </a:spcAft>
+              <a:buFont typeface="Arial" panose="020B0604020202020204" pitchFamily="34" charset="0"/>
+              <a:buChar char="•"/>
+            </a:pPr>
+            <a:r>
+              <a:rPr lang="en-MY" altLang="en-US" sz="2000">
+                <a:latin typeface="Times New Roman" panose="02020603050405020304" charset="0"/>
+                <a:cs typeface="Times New Roman" panose="02020603050405020304" charset="0"/>
+                <a:sym typeface="+mn-ea"/>
+              </a:rPr>
+              <a:t>A report obtains all information from payment record.</a:t>
+            </a:r>
+          </a:p>
+          <a:p>
+            <a:pPr marL="342900" indent="-342900">
+              <a:lnSpc>
+                <a:spcPct val="175000"/>
+              </a:lnSpc>
+              <a:spcBef>
+                <a:spcPts val="0"/>
+              </a:spcBef>
+              <a:spcAft>
+                <a:spcPts val="0"/>
+              </a:spcAft>
+              <a:buFont typeface="Arial" panose="020B0604020202020204" pitchFamily="34" charset="0"/>
+              <a:buChar char="•"/>
+            </a:pPr>
+            <a:r>
+              <a:rPr lang="en-MY" altLang="en-US" sz="2000">
+                <a:latin typeface="Times New Roman" panose="02020603050405020304" charset="0"/>
+                <a:cs typeface="Times New Roman" panose="02020603050405020304" charset="0"/>
+                <a:sym typeface="+mn-ea"/>
+              </a:rPr>
+              <a:t>A report obtains all information from book reservation record.</a:t>
+            </a:r>
+          </a:p>
+        </p:txBody>
+      </p:sp>
+    </p:spTree>
+  </p:cSld>
+  <p:clrMapOvr>
+    <a:masterClrMapping/>
+  </p:clrMapOvr>
+  <mc:AlternateContent xmlns:mc="http://schemas.openxmlformats.org/markup-compatibility/2006" xmlns:p14="http://schemas.microsoft.com/office/powerpoint/2010/main">
+    <mc:Choice Requires="p14">
+      <p:transition spd="med" p14:dur="700">
+        <p:fade/>
+      </p:transition>
+    </mc:Choice>
+    <mc:Fallback xmlns="">
+      <p:transition spd="med">
+        <p:fade/>
+      </p:transition>
+    </mc:Fallback>
+  </mc:AlternateContent>
+</p:sld>
+</file>
+
+<file path=ppt/slides/slide7.xml><?xml version="1.0" encoding="utf-8"?>
+<p:sld xmlns:a="http://schemas.openxmlformats.org/drawingml/2006/main" xmlns:r="http://schemas.openxmlformats.org/officeDocument/2006/relationships" xmlns:p="http://schemas.openxmlformats.org/presentationml/2006/main">
+  <p:cSld>
+    <p:spTree>
+      <p:nvGrpSpPr>
+        <p:cNvPr id="1" name=""/>
+        <p:cNvGrpSpPr/>
+        <p:nvPr/>
+      </p:nvGrpSpPr>
+      <p:grpSpPr>
+        <a:xfrm>
+          <a:off x="0" y="0"/>
+          <a:ext cx="0" cy="0"/>
+          <a:chOff x="0" y="0"/>
+          <a:chExt cx="0" cy="0"/>
+        </a:xfrm>
+      </p:grpSpPr>
+      <p:sp>
+        <p:nvSpPr>
+          <p:cNvPr id="2" name="Title 1"/>
+          <p:cNvSpPr>
+            <a:spLocks noGrp="1"/>
+          </p:cNvSpPr>
+          <p:nvPr>
+            <p:ph type="title"/>
+          </p:nvPr>
+        </p:nvSpPr>
+        <p:spPr>
+          <a:xfrm>
+            <a:off x="914400" y="2429828"/>
+            <a:ext cx="10363200" cy="1143000"/>
+          </a:xfrm>
+        </p:spPr>
+        <p:txBody>
+          <a:bodyPr/>
+          <a:lstStyle/>
+          <a:p>
+            <a:pPr algn="ctr"/>
+            <a:r>
+              <a:rPr lang="en-US"/>
+              <a:t>ERD Diagram</a:t>
+            </a:r>
+          </a:p>
+        </p:txBody>
+      </p:sp>
+    </p:spTree>
+    <p:extLst>
+      <p:ext uri="{BB962C8B-B14F-4D97-AF65-F5344CB8AC3E}">
+        <p14:creationId xmlns:p14="http://schemas.microsoft.com/office/powerpoint/2010/main" val="2252502672"/>
+      </p:ext>
+    </p:extLst>
+  </p:cSld>
+  <p:clrMapOvr>
+    <a:masterClrMapping/>
+  </p:clrMapOvr>
+  <mc:AlternateContent xmlns:mc="http://schemas.openxmlformats.org/markup-compatibility/2006" xmlns:p14="http://schemas.microsoft.com/office/powerpoint/2010/main">
+    <mc:Choice Requires="p14">
+      <p:transition spd="med" p14:dur="700">
+        <p:fade/>
+      </p:transition>
+    </mc:Choice>
+    <mc:Fallback xmlns="">
+      <p:transition spd="med">
+        <p:fade/>
+      </p:transition>
+    </mc:Fallback>
+  </mc:AlternateContent>
+</p:sld>
+</file>
+
+<file path=ppt/slides/slide8.xml><?xml version="1.0" encoding="utf-8"?>
+<p:sld xmlns:a="http://schemas.openxmlformats.org/drawingml/2006/main" xmlns:r="http://schemas.openxmlformats.org/officeDocument/2006/relationships" xmlns:p="http://schemas.openxmlformats.org/presentationml/2006/main">
+  <p:cSld>
+    <p:spTree>
+      <p:nvGrpSpPr>
+        <p:cNvPr id="1" name=""/>
+        <p:cNvGrpSpPr/>
+        <p:nvPr/>
+      </p:nvGrpSpPr>
+      <p:grpSpPr>
+        <a:xfrm>
+          <a:off x="0" y="0"/>
+          <a:ext cx="0" cy="0"/>
+          <a:chOff x="0" y="0"/>
+          <a:chExt cx="0" cy="0"/>
+        </a:xfrm>
+      </p:grpSpPr>
+      <p:pic>
+        <p:nvPicPr>
+          <p:cNvPr id="4" name="Content Placeholder 3" descr="task 3"/>
+          <p:cNvPicPr>
+            <a:picLocks noGrp="1" noChangeAspect="1"/>
+          </p:cNvPicPr>
+          <p:nvPr>
+            <p:ph sz="quarter" idx="1"/>
+          </p:nvPr>
+        </p:nvPicPr>
+        <p:blipFill>
+          <a:blip r:embed="rId2"/>
+          <a:stretch>
+            <a:fillRect/>
+          </a:stretch>
+        </p:blipFill>
+        <p:spPr>
+          <a:xfrm>
+            <a:off x="876935" y="160655"/>
+            <a:ext cx="10438130" cy="6536055"/>
+          </a:xfrm>
+          <a:prstGeom prst="rect">
+            <a:avLst/>
+          </a:prstGeom>
+        </p:spPr>
+      </p:pic>
     </p:spTree>
   </p:cSld>
   <p:clrMapOvr>
@@ -5419,6 +6271,62 @@
           </a:p>
         </p:txBody>
       </p:sp>
+      <p:pic>
+        <p:nvPicPr>
+          <p:cNvPr id="8" name="Content Placeholder 7"/>
+          <p:cNvPicPr>
+            <a:picLocks noGrp="1"/>
+          </p:cNvPicPr>
+          <p:nvPr>
+            <p:ph sz="quarter" idx="1"/>
+          </p:nvPr>
+        </p:nvPicPr>
+        <p:blipFill rotWithShape="1">
+          <a:blip r:embed="rId2"/>
+          <a:srcRect t="67297" r="72639" b="18519"/>
+          <a:stretch>
+            <a:fillRect/>
+          </a:stretch>
+        </p:blipFill>
+        <p:spPr bwMode="auto">
+          <a:xfrm>
+            <a:off x="835327" y="1393884"/>
+            <a:ext cx="5260673" cy="1784938"/>
+          </a:xfrm>
+          <a:prstGeom prst="rect">
+            <a:avLst/>
+          </a:prstGeom>
+          <a:ln>
+            <a:noFill/>
+          </a:ln>
+        </p:spPr>
+      </p:pic>
+      <p:pic>
+        <p:nvPicPr>
+          <p:cNvPr id="9" name="Picture 8"/>
+          <p:cNvPicPr/>
+          <p:nvPr/>
+        </p:nvPicPr>
+        <p:blipFill rotWithShape="1">
+          <a:blip r:embed="rId2"/>
+          <a:srcRect t="81234" r="79306" b="6667"/>
+          <a:stretch>
+            <a:fillRect/>
+          </a:stretch>
+        </p:blipFill>
+        <p:spPr bwMode="auto">
+          <a:xfrm>
+            <a:off x="835326" y="3178822"/>
+            <a:ext cx="5260673" cy="1784938"/>
+          </a:xfrm>
+          <a:prstGeom prst="rect">
+            <a:avLst/>
+          </a:prstGeom>
+          <a:ln>
+            <a:noFill/>
+          </a:ln>
+        </p:spPr>
+      </p:pic>
       <p:sp>
         <p:nvSpPr>
           <p:cNvPr id="10" name="Title 2"/>
@@ -5668,7 +6576,7 @@
             <a:pPr lvl="1"/>
             <a:r>
               <a:rPr lang="en-US" dirty="0"/>
-              <a:t>To make the user easier to search for collection date and return date by certain accounts. This is to increase the efficiency of the staff to perform the searching of the accounts’ details.</a:t>
+              <a:t>To make the user easier to search for fine amount paid by certain accounts. This function can be used to increase the efficiency of the staff to perform their work.</a:t>
             </a:r>
           </a:p>
           <a:p>
@@ -5677,62 +6585,6 @@
           </a:p>
         </p:txBody>
       </p:sp>
-      <p:pic>
-        <p:nvPicPr>
-          <p:cNvPr id="13" name="Content Placeholder 12"/>
-          <p:cNvPicPr>
-            <a:picLocks noGrp="1"/>
-          </p:cNvPicPr>
-          <p:nvPr>
-            <p:ph sz="quarter" idx="1"/>
-          </p:nvPr>
-        </p:nvPicPr>
-        <p:blipFill rotWithShape="1">
-          <a:blip r:embed="rId2"/>
-          <a:srcRect l="1" t="22716" r="64975" b="64938"/>
-          <a:stretch>
-            <a:fillRect/>
-          </a:stretch>
-        </p:blipFill>
-        <p:spPr bwMode="auto">
-          <a:xfrm>
-            <a:off x="835326" y="1392756"/>
-            <a:ext cx="5548221" cy="1617863"/>
-          </a:xfrm>
-          <a:prstGeom prst="rect">
-            <a:avLst/>
-          </a:prstGeom>
-          <a:ln>
-            <a:noFill/>
-          </a:ln>
-        </p:spPr>
-      </p:pic>
-      <p:pic>
-        <p:nvPicPr>
-          <p:cNvPr id="14" name="Picture 13"/>
-          <p:cNvPicPr/>
-          <p:nvPr/>
-        </p:nvPicPr>
-        <p:blipFill rotWithShape="1">
-          <a:blip r:embed="rId2"/>
-          <a:srcRect t="35309" r="75972" b="29630"/>
-          <a:stretch>
-            <a:fillRect/>
-          </a:stretch>
-        </p:blipFill>
-        <p:spPr bwMode="auto">
-          <a:xfrm>
-            <a:off x="835326" y="3010619"/>
-            <a:ext cx="5548221" cy="3493698"/>
-          </a:xfrm>
-          <a:prstGeom prst="rect">
-            <a:avLst/>
-          </a:prstGeom>
-          <a:ln>
-            <a:noFill/>
-          </a:ln>
-        </p:spPr>
-      </p:pic>
     </p:spTree>
   </p:cSld>
   <p:clrMapOvr>

--- a/Presentation/Database Assignment.pptx
+++ b/Presentation/Database Assignment.pptx
@@ -5,26 +5,32 @@
     <p:sldMasterId id="2147483648" r:id="rId1"/>
   </p:sldMasterIdLst>
   <p:notesMasterIdLst>
-    <p:notesMasterId r:id="rId16"/>
+    <p:notesMasterId r:id="rId23"/>
   </p:notesMasterIdLst>
   <p:handoutMasterIdLst>
-    <p:handoutMasterId r:id="rId17"/>
+    <p:handoutMasterId r:id="rId24"/>
   </p:handoutMasterIdLst>
   <p:sldIdLst>
-    <p:sldId id="280" r:id="rId2"/>
-    <p:sldId id="312" r:id="rId3"/>
-    <p:sldId id="311" r:id="rId4"/>
-    <p:sldId id="310" r:id="rId5"/>
-    <p:sldId id="313" r:id="rId6"/>
-    <p:sldId id="318" r:id="rId7"/>
-    <p:sldId id="326" r:id="rId8"/>
-    <p:sldId id="321" r:id="rId9"/>
-    <p:sldId id="269" r:id="rId10"/>
-    <p:sldId id="309" r:id="rId11"/>
-    <p:sldId id="323" r:id="rId12"/>
-    <p:sldId id="322" r:id="rId13"/>
-    <p:sldId id="327" r:id="rId14"/>
-    <p:sldId id="328" r:id="rId15"/>
+    <p:sldId id="280" r:id="rId3"/>
+    <p:sldId id="312" r:id="rId4"/>
+    <p:sldId id="311" r:id="rId5"/>
+    <p:sldId id="310" r:id="rId6"/>
+    <p:sldId id="313" r:id="rId7"/>
+    <p:sldId id="334" r:id="rId8"/>
+    <p:sldId id="335" r:id="rId9"/>
+    <p:sldId id="336" r:id="rId10"/>
+    <p:sldId id="337" r:id="rId11"/>
+    <p:sldId id="338" r:id="rId12"/>
+    <p:sldId id="339" r:id="rId13"/>
+    <p:sldId id="340" r:id="rId14"/>
+    <p:sldId id="326" r:id="rId15"/>
+    <p:sldId id="321" r:id="rId16"/>
+    <p:sldId id="269" r:id="rId17"/>
+    <p:sldId id="309" r:id="rId18"/>
+    <p:sldId id="323" r:id="rId19"/>
+    <p:sldId id="322" r:id="rId20"/>
+    <p:sldId id="327" r:id="rId21"/>
+    <p:sldId id="328" r:id="rId22"/>
   </p:sldIdLst>
   <p:sldSz cx="12192000" cy="6858000"/>
   <p:notesSz cx="6858000" cy="9144000"/>
@@ -123,25 +129,6 @@
       </a:defRPr>
     </a:lvl9pPr>
   </p:defaultTextStyle>
-  <p:extLst>
-    <p:ext uri="{EFAFB233-063F-42B5-8137-9DF3F51BA10A}">
-      <p15:sldGuideLst xmlns:p15="http://schemas.microsoft.com/office/powerpoint/2012/main">
-        <p15:guide id="1" orient="horz" pos="2160">
-          <p15:clr>
-            <a:srgbClr val="A4A3A4"/>
-          </p15:clr>
-        </p15:guide>
-        <p15:guide id="2" pos="3839">
-          <p15:clr>
-            <a:srgbClr val="A4A3A4"/>
-          </p15:clr>
-        </p15:guide>
-      </p15:sldGuideLst>
-    </p:ext>
-    <p:ext uri="{2D200454-40CA-4A62-9FC3-DE9A4176ACB9}">
-      <p15:notesGuideLst xmlns:p15="http://schemas.microsoft.com/office/powerpoint/2012/main"/>
-    </p:ext>
-  </p:extLst>
 </p:presentation>
 </file>
 
@@ -227,7 +214,6 @@
           <a:p>
             <a:fld id="{E5CB2E47-6F41-409B-AD22-834AE1EFF186}" type="datetimeFigureOut">
               <a:rPr lang="en-US" smtClean="0"/>
-              <a:t>8/25/2019</a:t>
             </a:fld>
             <a:endParaRPr lang="en-US" dirty="0"/>
           </a:p>
@@ -293,7 +279,6 @@
           <a:p>
             <a:fld id="{0180BE5A-9D85-4716-9443-9D9E66ACB5E5}" type="slidenum">
               <a:rPr lang="en-US" smtClean="0"/>
-              <a:t>‹#›</a:t>
             </a:fld>
             <a:endParaRPr lang="en-US" dirty="0"/>
           </a:p>
@@ -387,7 +372,6 @@
           <a:p>
             <a:fld id="{FAD6744A-403D-42A1-BFE7-61DA46EE7C6C}" type="datetimeFigureOut">
               <a:rPr lang="en-US" smtClean="0"/>
-              <a:t>8/25/2019</a:t>
             </a:fld>
             <a:endParaRPr lang="en-US" dirty="0"/>
           </a:p>
@@ -454,6 +438,7 @@
               <a:rPr lang="en-US"/>
               <a:t>Click to edit Master text styles</a:t>
             </a:r>
+            <a:endParaRPr lang="en-US"/>
           </a:p>
           <a:p>
             <a:pPr lvl="1"/>
@@ -461,6 +446,7 @@
               <a:rPr lang="en-US"/>
               <a:t>Second level</a:t>
             </a:r>
+            <a:endParaRPr lang="en-US"/>
           </a:p>
           <a:p>
             <a:pPr lvl="2"/>
@@ -468,6 +454,7 @@
               <a:rPr lang="en-US"/>
               <a:t>Third level</a:t>
             </a:r>
+            <a:endParaRPr lang="en-US"/>
           </a:p>
           <a:p>
             <a:pPr lvl="3"/>
@@ -475,6 +462,7 @@
               <a:rPr lang="en-US"/>
               <a:t>Fourth level</a:t>
             </a:r>
+            <a:endParaRPr lang="en-US"/>
           </a:p>
           <a:p>
             <a:pPr lvl="4"/>
@@ -482,6 +470,7 @@
               <a:rPr lang="en-US"/>
               <a:t>Fifth level</a:t>
             </a:r>
+            <a:endParaRPr lang="en-US"/>
           </a:p>
         </p:txBody>
       </p:sp>
@@ -545,7 +534,6 @@
           <a:p>
             <a:fld id="{F1E05635-4EFD-4447-A451-86C57984FA89}" type="slidenum">
               <a:rPr lang="en-US" smtClean="0"/>
-              <a:t>‹#›</a:t>
             </a:fld>
             <a:endParaRPr lang="en-US" dirty="0"/>
           </a:p>
@@ -650,7 +638,7 @@
 </file>
 
 <file path=ppt/slideLayouts/slideLayout1.xml><?xml version="1.0" encoding="utf-8"?>
-<p:sldLayout xmlns:a="http://schemas.openxmlformats.org/drawingml/2006/main" xmlns:r="http://schemas.openxmlformats.org/officeDocument/2006/relationships" xmlns:p="http://schemas.openxmlformats.org/presentationml/2006/main" showMasterSp="0" type="title" preserve="1">
+<p:sldLayout xmlns:a="http://schemas.openxmlformats.org/drawingml/2006/main" xmlns:r="http://schemas.openxmlformats.org/officeDocument/2006/relationships" xmlns:p="http://schemas.openxmlformats.org/presentationml/2006/main" type="title" preserve="1" showMasterSp="0">
   <p:cSld name="Title Slide">
     <p:spTree>
       <p:nvGrpSpPr>
@@ -1032,7 +1020,6 @@
           <a:p>
             <a:fld id="{401CF334-2D5C-4859-84A6-CA7E6E43FAEB}" type="slidenum">
               <a:rPr lang="en-US" smtClean="0"/>
-              <a:t>‹#›</a:t>
             </a:fld>
             <a:endParaRPr lang="en-US" dirty="0"/>
           </a:p>
@@ -1057,6 +1044,7 @@
               <a:rPr lang="en-US" dirty="0"/>
               <a:t>Add a footer</a:t>
             </a:r>
+            <a:endParaRPr lang="en-US" dirty="0"/>
           </a:p>
         </p:txBody>
       </p:sp>
@@ -1077,7 +1065,6 @@
           <a:p>
             <a:fld id="{349BF3EA-1A78-4F07-BDC0-C8A1BD461199}" type="datetimeFigureOut">
               <a:rPr lang="en-US" smtClean="0"/>
-              <a:t>8/25/2019</a:t>
             </a:fld>
             <a:endParaRPr lang="en-US" dirty="0"/>
           </a:p>
@@ -1088,13 +1075,13 @@
   <p:clrMapOvr>
     <a:masterClrMapping/>
   </p:clrMapOvr>
-  <mc:AlternateContent xmlns:mc="http://schemas.openxmlformats.org/markup-compatibility/2006" xmlns:p14="http://schemas.microsoft.com/office/powerpoint/2010/main">
-    <mc:Choice Requires="p14">
+  <mc:AlternateContent xmlns:mc="http://schemas.openxmlformats.org/markup-compatibility/2006">
+    <mc:Choice xmlns:p14="http://schemas.microsoft.com/office/powerpoint/2010/main" Requires="p14">
       <p:transition spd="med" p14:dur="700">
         <p:fade/>
       </p:transition>
     </mc:Choice>
-    <mc:Fallback xmlns="">
+    <mc:Fallback>
       <p:transition spd="med">
         <p:fade/>
       </p:transition>
@@ -1139,6 +1126,7 @@
               <a:rPr kumimoji="0" lang="en-US"/>
               <a:t>Click to edit Master title style</a:t>
             </a:r>
+            <a:endParaRPr kumimoji="0" lang="en-US"/>
           </a:p>
         </p:txBody>
       </p:sp>
@@ -1162,6 +1150,7 @@
               <a:rPr lang="en-US"/>
               <a:t>Click to edit Master text styles</a:t>
             </a:r>
+            <a:endParaRPr lang="en-US"/>
           </a:p>
           <a:p>
             <a:pPr lvl="1" eaLnBrk="1" latinLnBrk="0" hangingPunct="1"/>
@@ -1169,6 +1158,7 @@
               <a:rPr lang="en-US"/>
               <a:t>Second level</a:t>
             </a:r>
+            <a:endParaRPr lang="en-US"/>
           </a:p>
           <a:p>
             <a:pPr lvl="2" eaLnBrk="1" latinLnBrk="0" hangingPunct="1"/>
@@ -1176,6 +1166,7 @@
               <a:rPr lang="en-US"/>
               <a:t>Third level</a:t>
             </a:r>
+            <a:endParaRPr lang="en-US"/>
           </a:p>
           <a:p>
             <a:pPr lvl="3" eaLnBrk="1" latinLnBrk="0" hangingPunct="1"/>
@@ -1183,6 +1174,7 @@
               <a:rPr lang="en-US"/>
               <a:t>Fourth level</a:t>
             </a:r>
+            <a:endParaRPr lang="en-US"/>
           </a:p>
           <a:p>
             <a:pPr lvl="4" eaLnBrk="1" latinLnBrk="0" hangingPunct="1"/>
@@ -1211,7 +1203,6 @@
           <a:p>
             <a:fld id="{401CF334-2D5C-4859-84A6-CA7E6E43FAEB}" type="slidenum">
               <a:rPr lang="en-US" smtClean="0"/>
-              <a:t>‹#›</a:t>
             </a:fld>
             <a:endParaRPr lang="en-US" dirty="0"/>
           </a:p>
@@ -1236,6 +1227,7 @@
               <a:rPr lang="en-US" dirty="0"/>
               <a:t>Add a footer</a:t>
             </a:r>
+            <a:endParaRPr lang="en-US" dirty="0"/>
           </a:p>
         </p:txBody>
       </p:sp>
@@ -1256,7 +1248,6 @@
           <a:p>
             <a:fld id="{349BF3EA-1A78-4F07-BDC0-C8A1BD461199}" type="datetimeFigureOut">
               <a:rPr lang="en-US" smtClean="0"/>
-              <a:t>8/25/2019</a:t>
             </a:fld>
             <a:endParaRPr lang="en-US" dirty="0"/>
           </a:p>
@@ -1267,13 +1258,13 @@
   <p:clrMapOvr>
     <a:masterClrMapping/>
   </p:clrMapOvr>
-  <mc:AlternateContent xmlns:mc="http://schemas.openxmlformats.org/markup-compatibility/2006" xmlns:p14="http://schemas.microsoft.com/office/powerpoint/2010/main">
-    <mc:Choice Requires="p14">
+  <mc:AlternateContent xmlns:mc="http://schemas.openxmlformats.org/markup-compatibility/2006">
+    <mc:Choice xmlns:p14="http://schemas.microsoft.com/office/powerpoint/2010/main" Requires="p14">
       <p:transition spd="med" p14:dur="700">
         <p:fade/>
       </p:transition>
     </mc:Choice>
-    <mc:Fallback xmlns="">
+    <mc:Fallback>
       <p:transition spd="med">
         <p:fade/>
       </p:transition>
@@ -1323,6 +1314,7 @@
               <a:rPr kumimoji="0" lang="en-US"/>
               <a:t>Click to edit Master title style</a:t>
             </a:r>
+            <a:endParaRPr kumimoji="0" lang="en-US"/>
           </a:p>
         </p:txBody>
       </p:sp>
@@ -1351,6 +1343,7 @@
               <a:rPr lang="en-US"/>
               <a:t>Click to edit Master text styles</a:t>
             </a:r>
+            <a:endParaRPr lang="en-US"/>
           </a:p>
           <a:p>
             <a:pPr lvl="1" eaLnBrk="1" latinLnBrk="0" hangingPunct="1"/>
@@ -1358,6 +1351,7 @@
               <a:rPr lang="en-US"/>
               <a:t>Second level</a:t>
             </a:r>
+            <a:endParaRPr lang="en-US"/>
           </a:p>
           <a:p>
             <a:pPr lvl="2" eaLnBrk="1" latinLnBrk="0" hangingPunct="1"/>
@@ -1365,6 +1359,7 @@
               <a:rPr lang="en-US"/>
               <a:t>Third level</a:t>
             </a:r>
+            <a:endParaRPr lang="en-US"/>
           </a:p>
           <a:p>
             <a:pPr lvl="3" eaLnBrk="1" latinLnBrk="0" hangingPunct="1"/>
@@ -1372,6 +1367,7 @@
               <a:rPr lang="en-US"/>
               <a:t>Fourth level</a:t>
             </a:r>
+            <a:endParaRPr lang="en-US"/>
           </a:p>
           <a:p>
             <a:pPr lvl="4" eaLnBrk="1" latinLnBrk="0" hangingPunct="1"/>
@@ -1400,7 +1396,6 @@
           <a:p>
             <a:fld id="{401CF334-2D5C-4859-84A6-CA7E6E43FAEB}" type="slidenum">
               <a:rPr lang="en-US" smtClean="0"/>
-              <a:t>‹#›</a:t>
             </a:fld>
             <a:endParaRPr lang="en-US" dirty="0"/>
           </a:p>
@@ -1425,6 +1420,7 @@
               <a:rPr lang="en-US" dirty="0"/>
               <a:t>Add a footer</a:t>
             </a:r>
+            <a:endParaRPr lang="en-US" dirty="0"/>
           </a:p>
         </p:txBody>
       </p:sp>
@@ -1445,7 +1441,6 @@
           <a:p>
             <a:fld id="{349BF3EA-1A78-4F07-BDC0-C8A1BD461199}" type="datetimeFigureOut">
               <a:rPr lang="en-US" smtClean="0"/>
-              <a:t>8/25/2019</a:t>
             </a:fld>
             <a:endParaRPr lang="en-US" dirty="0"/>
           </a:p>
@@ -1456,13 +1451,13 @@
   <p:clrMapOvr>
     <a:masterClrMapping/>
   </p:clrMapOvr>
-  <mc:AlternateContent xmlns:mc="http://schemas.openxmlformats.org/markup-compatibility/2006" xmlns:p14="http://schemas.microsoft.com/office/powerpoint/2010/main">
-    <mc:Choice Requires="p14">
+  <mc:AlternateContent xmlns:mc="http://schemas.openxmlformats.org/markup-compatibility/2006">
+    <mc:Choice xmlns:p14="http://schemas.microsoft.com/office/powerpoint/2010/main" Requires="p14">
       <p:transition spd="med" p14:dur="700">
         <p:fade/>
       </p:transition>
     </mc:Choice>
-    <mc:Fallback xmlns="">
+    <mc:Fallback>
       <p:transition spd="med">
         <p:fade/>
       </p:transition>
@@ -1507,6 +1502,7 @@
               <a:rPr kumimoji="0" lang="en-US"/>
               <a:t>Click to edit Master title style</a:t>
             </a:r>
+            <a:endParaRPr kumimoji="0" lang="en-US"/>
           </a:p>
         </p:txBody>
       </p:sp>
@@ -1535,6 +1531,7 @@
               <a:rPr lang="en-US"/>
               <a:t>Click to edit Master text styles</a:t>
             </a:r>
+            <a:endParaRPr lang="en-US"/>
           </a:p>
           <a:p>
             <a:pPr lvl="1" eaLnBrk="1" latinLnBrk="0" hangingPunct="1"/>
@@ -1542,6 +1539,7 @@
               <a:rPr lang="en-US"/>
               <a:t>Second level</a:t>
             </a:r>
+            <a:endParaRPr lang="en-US"/>
           </a:p>
           <a:p>
             <a:pPr lvl="2" eaLnBrk="1" latinLnBrk="0" hangingPunct="1"/>
@@ -1549,6 +1547,7 @@
               <a:rPr lang="en-US"/>
               <a:t>Third level</a:t>
             </a:r>
+            <a:endParaRPr lang="en-US"/>
           </a:p>
           <a:p>
             <a:pPr lvl="3" eaLnBrk="1" latinLnBrk="0" hangingPunct="1"/>
@@ -1556,6 +1555,7 @@
               <a:rPr lang="en-US"/>
               <a:t>Fourth level</a:t>
             </a:r>
+            <a:endParaRPr lang="en-US"/>
           </a:p>
           <a:p>
             <a:pPr lvl="4" eaLnBrk="1" latinLnBrk="0" hangingPunct="1"/>
@@ -1584,7 +1584,6 @@
           <a:p>
             <a:fld id="{401CF334-2D5C-4859-84A6-CA7E6E43FAEB}" type="slidenum">
               <a:rPr lang="en-US" smtClean="0"/>
-              <a:t>‹#›</a:t>
             </a:fld>
             <a:endParaRPr lang="en-US" dirty="0"/>
           </a:p>
@@ -1609,6 +1608,7 @@
               <a:rPr lang="en-US" dirty="0"/>
               <a:t>Add a footer</a:t>
             </a:r>
+            <a:endParaRPr lang="en-US" dirty="0"/>
           </a:p>
         </p:txBody>
       </p:sp>
@@ -1629,7 +1629,6 @@
           <a:p>
             <a:fld id="{349BF3EA-1A78-4F07-BDC0-C8A1BD461199}" type="datetimeFigureOut">
               <a:rPr lang="en-US" smtClean="0"/>
-              <a:t>8/25/2019</a:t>
             </a:fld>
             <a:endParaRPr lang="en-US" dirty="0"/>
           </a:p>
@@ -1640,13 +1639,13 @@
   <p:clrMapOvr>
     <a:masterClrMapping/>
   </p:clrMapOvr>
-  <mc:AlternateContent xmlns:mc="http://schemas.openxmlformats.org/markup-compatibility/2006" xmlns:p14="http://schemas.microsoft.com/office/powerpoint/2010/main">
-    <mc:Choice Requires="p14">
+  <mc:AlternateContent xmlns:mc="http://schemas.openxmlformats.org/markup-compatibility/2006">
+    <mc:Choice xmlns:p14="http://schemas.microsoft.com/office/powerpoint/2010/main" Requires="p14">
       <p:transition spd="med" p14:dur="700">
         <p:fade/>
       </p:transition>
     </mc:Choice>
-    <mc:Fallback xmlns="">
+    <mc:Fallback>
       <p:transition spd="med">
         <p:fade/>
       </p:transition>
@@ -1656,7 +1655,7 @@
 </file>
 
 <file path=ppt/slideLayouts/slideLayout3.xml><?xml version="1.0" encoding="utf-8"?>
-<p:sldLayout xmlns:a="http://schemas.openxmlformats.org/drawingml/2006/main" xmlns:r="http://schemas.openxmlformats.org/officeDocument/2006/relationships" xmlns:p="http://schemas.openxmlformats.org/presentationml/2006/main" showMasterSp="0" type="secHead" preserve="1">
+<p:sldLayout xmlns:a="http://schemas.openxmlformats.org/drawingml/2006/main" xmlns:r="http://schemas.openxmlformats.org/officeDocument/2006/relationships" xmlns:p="http://schemas.openxmlformats.org/presentationml/2006/main" type="secHead" preserve="1" showMasterSp="0">
   <p:cSld name="Section Header">
     <p:spTree>
       <p:nvGrpSpPr>
@@ -2015,6 +2014,7 @@
               <a:rPr kumimoji="0" lang="en-US"/>
               <a:t>Click to edit Master text styles</a:t>
             </a:r>
+            <a:endParaRPr kumimoji="0" lang="en-US"/>
           </a:p>
         </p:txBody>
       </p:sp>
@@ -2040,7 +2040,6 @@
           <a:p>
             <a:fld id="{401CF334-2D5C-4859-84A6-CA7E6E43FAEB}" type="slidenum">
               <a:rPr lang="en-US" smtClean="0"/>
-              <a:t>‹#›</a:t>
             </a:fld>
             <a:endParaRPr lang="en-US" dirty="0"/>
           </a:p>
@@ -2070,6 +2069,7 @@
               <a:rPr lang="en-US" dirty="0"/>
               <a:t>Add a footer</a:t>
             </a:r>
+            <a:endParaRPr lang="en-US" dirty="0"/>
           </a:p>
         </p:txBody>
       </p:sp>
@@ -2090,7 +2090,6 @@
           <a:p>
             <a:fld id="{349BF3EA-1A78-4F07-BDC0-C8A1BD461199}" type="datetimeFigureOut">
               <a:rPr lang="en-US" smtClean="0"/>
-              <a:t>8/25/2019</a:t>
             </a:fld>
             <a:endParaRPr lang="en-US" dirty="0"/>
           </a:p>
@@ -2101,13 +2100,13 @@
   <p:clrMapOvr>
     <a:masterClrMapping/>
   </p:clrMapOvr>
-  <mc:AlternateContent xmlns:mc="http://schemas.openxmlformats.org/markup-compatibility/2006" xmlns:p14="http://schemas.microsoft.com/office/powerpoint/2010/main">
-    <mc:Choice Requires="p14">
+  <mc:AlternateContent xmlns:mc="http://schemas.openxmlformats.org/markup-compatibility/2006">
+    <mc:Choice xmlns:p14="http://schemas.microsoft.com/office/powerpoint/2010/main" Requires="p14">
       <p:transition spd="med" p14:dur="700">
         <p:fade/>
       </p:transition>
     </mc:Choice>
-    <mc:Fallback xmlns="">
+    <mc:Fallback>
       <p:transition spd="med">
         <p:fade/>
       </p:transition>
@@ -2152,6 +2151,7 @@
               <a:rPr kumimoji="0" lang="en-US"/>
               <a:t>Click to edit Master title style</a:t>
             </a:r>
+            <a:endParaRPr kumimoji="0" lang="en-US"/>
           </a:p>
         </p:txBody>
       </p:sp>
@@ -2180,6 +2180,7 @@
               <a:rPr lang="en-US"/>
               <a:t>Click to edit Master text styles</a:t>
             </a:r>
+            <a:endParaRPr lang="en-US"/>
           </a:p>
           <a:p>
             <a:pPr lvl="1" eaLnBrk="1" latinLnBrk="0" hangingPunct="1"/>
@@ -2187,6 +2188,7 @@
               <a:rPr lang="en-US"/>
               <a:t>Second level</a:t>
             </a:r>
+            <a:endParaRPr lang="en-US"/>
           </a:p>
           <a:p>
             <a:pPr lvl="2" eaLnBrk="1" latinLnBrk="0" hangingPunct="1"/>
@@ -2194,6 +2196,7 @@
               <a:rPr lang="en-US"/>
               <a:t>Third level</a:t>
             </a:r>
+            <a:endParaRPr lang="en-US"/>
           </a:p>
           <a:p>
             <a:pPr lvl="3" eaLnBrk="1" latinLnBrk="0" hangingPunct="1"/>
@@ -2201,6 +2204,7 @@
               <a:rPr lang="en-US"/>
               <a:t>Fourth level</a:t>
             </a:r>
+            <a:endParaRPr lang="en-US"/>
           </a:p>
           <a:p>
             <a:pPr lvl="4" eaLnBrk="1" latinLnBrk="0" hangingPunct="1"/>
@@ -2237,6 +2241,7 @@
               <a:rPr lang="en-US"/>
               <a:t>Click to edit Master text styles</a:t>
             </a:r>
+            <a:endParaRPr lang="en-US"/>
           </a:p>
           <a:p>
             <a:pPr lvl="1" eaLnBrk="1" latinLnBrk="0" hangingPunct="1"/>
@@ -2244,6 +2249,7 @@
               <a:rPr lang="en-US"/>
               <a:t>Second level</a:t>
             </a:r>
+            <a:endParaRPr lang="en-US"/>
           </a:p>
           <a:p>
             <a:pPr lvl="2" eaLnBrk="1" latinLnBrk="0" hangingPunct="1"/>
@@ -2251,6 +2257,7 @@
               <a:rPr lang="en-US"/>
               <a:t>Third level</a:t>
             </a:r>
+            <a:endParaRPr lang="en-US"/>
           </a:p>
           <a:p>
             <a:pPr lvl="3" eaLnBrk="1" latinLnBrk="0" hangingPunct="1"/>
@@ -2258,6 +2265,7 @@
               <a:rPr lang="en-US"/>
               <a:t>Fourth level</a:t>
             </a:r>
+            <a:endParaRPr lang="en-US"/>
           </a:p>
           <a:p>
             <a:pPr lvl="4" eaLnBrk="1" latinLnBrk="0" hangingPunct="1"/>
@@ -2286,7 +2294,6 @@
           <a:p>
             <a:fld id="{401CF334-2D5C-4859-84A6-CA7E6E43FAEB}" type="slidenum">
               <a:rPr lang="en-US" smtClean="0"/>
-              <a:t>‹#›</a:t>
             </a:fld>
             <a:endParaRPr lang="en-US" dirty="0"/>
           </a:p>
@@ -2311,6 +2318,7 @@
               <a:rPr lang="en-US" dirty="0"/>
               <a:t>Add a footer</a:t>
             </a:r>
+            <a:endParaRPr lang="en-US" dirty="0"/>
           </a:p>
         </p:txBody>
       </p:sp>
@@ -2331,7 +2339,6 @@
           <a:p>
             <a:fld id="{349BF3EA-1A78-4F07-BDC0-C8A1BD461199}" type="datetimeFigureOut">
               <a:rPr lang="en-US" smtClean="0"/>
-              <a:t>8/25/2019</a:t>
             </a:fld>
             <a:endParaRPr lang="en-US" dirty="0"/>
           </a:p>
@@ -2342,13 +2349,13 @@
   <p:clrMapOvr>
     <a:masterClrMapping/>
   </p:clrMapOvr>
-  <mc:AlternateContent xmlns:mc="http://schemas.openxmlformats.org/markup-compatibility/2006" xmlns:p14="http://schemas.microsoft.com/office/powerpoint/2010/main">
-    <mc:Choice Requires="p14">
+  <mc:AlternateContent xmlns:mc="http://schemas.openxmlformats.org/markup-compatibility/2006">
+    <mc:Choice xmlns:p14="http://schemas.microsoft.com/office/powerpoint/2010/main" Requires="p14">
       <p:transition spd="med" p14:dur="700">
         <p:fade/>
       </p:transition>
     </mc:Choice>
-    <mc:Fallback xmlns="">
+    <mc:Fallback>
       <p:transition spd="med">
         <p:fade/>
       </p:transition>
@@ -2402,6 +2409,7 @@
               <a:rPr kumimoji="0" lang="en-US"/>
               <a:t>Click to edit Master title style</a:t>
             </a:r>
+            <a:endParaRPr kumimoji="0" lang="en-US"/>
           </a:p>
         </p:txBody>
       </p:sp>
@@ -2467,6 +2475,7 @@
               <a:rPr kumimoji="0" lang="en-US"/>
               <a:t>Click to edit Master text styles</a:t>
             </a:r>
+            <a:endParaRPr kumimoji="0" lang="en-US"/>
           </a:p>
         </p:txBody>
       </p:sp>
@@ -2495,6 +2504,7 @@
               <a:rPr lang="en-US"/>
               <a:t>Click to edit Master text styles</a:t>
             </a:r>
+            <a:endParaRPr lang="en-US"/>
           </a:p>
           <a:p>
             <a:pPr lvl="1" eaLnBrk="1" latinLnBrk="0" hangingPunct="1"/>
@@ -2502,6 +2512,7 @@
               <a:rPr lang="en-US"/>
               <a:t>Second level</a:t>
             </a:r>
+            <a:endParaRPr lang="en-US"/>
           </a:p>
           <a:p>
             <a:pPr lvl="2" eaLnBrk="1" latinLnBrk="0" hangingPunct="1"/>
@@ -2509,6 +2520,7 @@
               <a:rPr lang="en-US"/>
               <a:t>Third level</a:t>
             </a:r>
+            <a:endParaRPr lang="en-US"/>
           </a:p>
           <a:p>
             <a:pPr lvl="3" eaLnBrk="1" latinLnBrk="0" hangingPunct="1"/>
@@ -2516,6 +2528,7 @@
               <a:rPr lang="en-US"/>
               <a:t>Fourth level</a:t>
             </a:r>
+            <a:endParaRPr lang="en-US"/>
           </a:p>
           <a:p>
             <a:pPr lvl="4" eaLnBrk="1" latinLnBrk="0" hangingPunct="1"/>
@@ -2589,6 +2602,7 @@
               <a:rPr kumimoji="0" lang="en-US"/>
               <a:t>Click to edit Master text styles</a:t>
             </a:r>
+            <a:endParaRPr kumimoji="0" lang="en-US"/>
           </a:p>
         </p:txBody>
       </p:sp>
@@ -2617,6 +2631,7 @@
               <a:rPr lang="en-US"/>
               <a:t>Click to edit Master text styles</a:t>
             </a:r>
+            <a:endParaRPr lang="en-US"/>
           </a:p>
           <a:p>
             <a:pPr lvl="1" eaLnBrk="1" latinLnBrk="0" hangingPunct="1"/>
@@ -2624,6 +2639,7 @@
               <a:rPr lang="en-US"/>
               <a:t>Second level</a:t>
             </a:r>
+            <a:endParaRPr lang="en-US"/>
           </a:p>
           <a:p>
             <a:pPr lvl="2" eaLnBrk="1" latinLnBrk="0" hangingPunct="1"/>
@@ -2631,6 +2647,7 @@
               <a:rPr lang="en-US"/>
               <a:t>Third level</a:t>
             </a:r>
+            <a:endParaRPr lang="en-US"/>
           </a:p>
           <a:p>
             <a:pPr lvl="3" eaLnBrk="1" latinLnBrk="0" hangingPunct="1"/>
@@ -2638,6 +2655,7 @@
               <a:rPr lang="en-US"/>
               <a:t>Fourth level</a:t>
             </a:r>
+            <a:endParaRPr lang="en-US"/>
           </a:p>
           <a:p>
             <a:pPr lvl="4" eaLnBrk="1" latinLnBrk="0" hangingPunct="1"/>
@@ -2666,7 +2684,6 @@
           <a:p>
             <a:fld id="{401CF334-2D5C-4859-84A6-CA7E6E43FAEB}" type="slidenum">
               <a:rPr lang="en-US" smtClean="0"/>
-              <a:t>‹#›</a:t>
             </a:fld>
             <a:endParaRPr lang="en-US" dirty="0"/>
           </a:p>
@@ -2691,6 +2708,7 @@
               <a:rPr lang="en-US" dirty="0"/>
               <a:t>Add a footer</a:t>
             </a:r>
+            <a:endParaRPr lang="en-US" dirty="0"/>
           </a:p>
         </p:txBody>
       </p:sp>
@@ -2711,7 +2729,6 @@
           <a:p>
             <a:fld id="{349BF3EA-1A78-4F07-BDC0-C8A1BD461199}" type="datetimeFigureOut">
               <a:rPr lang="en-US" smtClean="0"/>
-              <a:t>8/25/2019</a:t>
             </a:fld>
             <a:endParaRPr lang="en-US" dirty="0"/>
           </a:p>
@@ -2722,13 +2739,13 @@
   <p:clrMapOvr>
     <a:masterClrMapping/>
   </p:clrMapOvr>
-  <mc:AlternateContent xmlns:mc="http://schemas.openxmlformats.org/markup-compatibility/2006" xmlns:p14="http://schemas.microsoft.com/office/powerpoint/2010/main">
-    <mc:Choice Requires="p14">
+  <mc:AlternateContent xmlns:mc="http://schemas.openxmlformats.org/markup-compatibility/2006">
+    <mc:Choice xmlns:p14="http://schemas.microsoft.com/office/powerpoint/2010/main" Requires="p14">
       <p:transition spd="med" p14:dur="700">
         <p:fade/>
       </p:transition>
     </mc:Choice>
-    <mc:Fallback xmlns="">
+    <mc:Fallback>
       <p:transition spd="med">
         <p:fade/>
       </p:transition>
@@ -2773,6 +2790,7 @@
               <a:rPr kumimoji="0" lang="en-US"/>
               <a:t>Click to edit Master title style</a:t>
             </a:r>
+            <a:endParaRPr kumimoji="0" lang="en-US"/>
           </a:p>
         </p:txBody>
       </p:sp>
@@ -2793,7 +2811,6 @@
           <a:p>
             <a:fld id="{401CF334-2D5C-4859-84A6-CA7E6E43FAEB}" type="slidenum">
               <a:rPr lang="en-US" smtClean="0"/>
-              <a:t>‹#›</a:t>
             </a:fld>
             <a:endParaRPr lang="en-US" dirty="0"/>
           </a:p>
@@ -2818,6 +2835,7 @@
               <a:rPr lang="en-US" dirty="0"/>
               <a:t>Add a footer</a:t>
             </a:r>
+            <a:endParaRPr lang="en-US" dirty="0"/>
           </a:p>
         </p:txBody>
       </p:sp>
@@ -2838,7 +2856,6 @@
           <a:p>
             <a:fld id="{349BF3EA-1A78-4F07-BDC0-C8A1BD461199}" type="datetimeFigureOut">
               <a:rPr lang="en-US" smtClean="0"/>
-              <a:t>8/25/2019</a:t>
             </a:fld>
             <a:endParaRPr lang="en-US" dirty="0"/>
           </a:p>
@@ -2849,13 +2866,13 @@
   <p:clrMapOvr>
     <a:masterClrMapping/>
   </p:clrMapOvr>
-  <mc:AlternateContent xmlns:mc="http://schemas.openxmlformats.org/markup-compatibility/2006" xmlns:p14="http://schemas.microsoft.com/office/powerpoint/2010/main">
-    <mc:Choice Requires="p14">
+  <mc:AlternateContent xmlns:mc="http://schemas.openxmlformats.org/markup-compatibility/2006">
+    <mc:Choice xmlns:p14="http://schemas.microsoft.com/office/powerpoint/2010/main" Requires="p14">
       <p:transition spd="med" p14:dur="700">
         <p:fade/>
       </p:transition>
     </mc:Choice>
-    <mc:Fallback xmlns="">
+    <mc:Fallback>
       <p:transition spd="med">
         <p:fade/>
       </p:transition>
@@ -2898,7 +2915,6 @@
           <a:p>
             <a:fld id="{401CF334-2D5C-4859-84A6-CA7E6E43FAEB}" type="slidenum">
               <a:rPr lang="en-US" smtClean="0"/>
-              <a:t>‹#›</a:t>
             </a:fld>
             <a:endParaRPr lang="en-US" dirty="0"/>
           </a:p>
@@ -2923,6 +2939,7 @@
               <a:rPr lang="en-US" dirty="0"/>
               <a:t>Add a footer</a:t>
             </a:r>
+            <a:endParaRPr lang="en-US" dirty="0"/>
           </a:p>
         </p:txBody>
       </p:sp>
@@ -2943,7 +2960,6 @@
           <a:p>
             <a:fld id="{349BF3EA-1A78-4F07-BDC0-C8A1BD461199}" type="datetimeFigureOut">
               <a:rPr lang="en-US" smtClean="0"/>
-              <a:t>8/25/2019</a:t>
             </a:fld>
             <a:endParaRPr lang="en-US" dirty="0"/>
           </a:p>
@@ -2954,13 +2970,13 @@
   <p:clrMapOvr>
     <a:masterClrMapping/>
   </p:clrMapOvr>
-  <mc:AlternateContent xmlns:mc="http://schemas.openxmlformats.org/markup-compatibility/2006" xmlns:p14="http://schemas.microsoft.com/office/powerpoint/2010/main">
-    <mc:Choice Requires="p14">
+  <mc:AlternateContent xmlns:mc="http://schemas.openxmlformats.org/markup-compatibility/2006">
+    <mc:Choice xmlns:p14="http://schemas.microsoft.com/office/powerpoint/2010/main" Requires="p14">
       <p:transition spd="med" p14:dur="700">
         <p:fade/>
       </p:transition>
     </mc:Choice>
-    <mc:Fallback xmlns="">
+    <mc:Fallback>
       <p:transition spd="med">
         <p:fade/>
       </p:transition>
@@ -3139,6 +3155,7 @@
               <a:rPr lang="en-US"/>
               <a:t>Click to edit Master text styles</a:t>
             </a:r>
+            <a:endParaRPr lang="en-US"/>
           </a:p>
           <a:p>
             <a:pPr lvl="1" eaLnBrk="1" latinLnBrk="0" hangingPunct="1"/>
@@ -3146,6 +3163,7 @@
               <a:rPr lang="en-US"/>
               <a:t>Second level</a:t>
             </a:r>
+            <a:endParaRPr lang="en-US"/>
           </a:p>
           <a:p>
             <a:pPr lvl="2" eaLnBrk="1" latinLnBrk="0" hangingPunct="1"/>
@@ -3153,6 +3171,7 @@
               <a:rPr lang="en-US"/>
               <a:t>Third level</a:t>
             </a:r>
+            <a:endParaRPr lang="en-US"/>
           </a:p>
           <a:p>
             <a:pPr lvl="3" eaLnBrk="1" latinLnBrk="0" hangingPunct="1"/>
@@ -3160,6 +3179,7 @@
               <a:rPr lang="en-US"/>
               <a:t>Fourth level</a:t>
             </a:r>
+            <a:endParaRPr lang="en-US"/>
           </a:p>
           <a:p>
             <a:pPr lvl="4" eaLnBrk="1" latinLnBrk="0" hangingPunct="1"/>
@@ -3217,6 +3237,7 @@
               <a:rPr kumimoji="0" lang="en-US"/>
               <a:t>Click to edit Master text styles</a:t>
             </a:r>
+            <a:endParaRPr kumimoji="0" lang="en-US"/>
           </a:p>
         </p:txBody>
       </p:sp>
@@ -3237,7 +3258,6 @@
           <a:p>
             <a:fld id="{401CF334-2D5C-4859-84A6-CA7E6E43FAEB}" type="slidenum">
               <a:rPr lang="en-US" smtClean="0"/>
-              <a:t>‹#›</a:t>
             </a:fld>
             <a:endParaRPr lang="en-US" dirty="0"/>
           </a:p>
@@ -3262,6 +3282,7 @@
               <a:rPr lang="en-US" dirty="0"/>
               <a:t>Add a footer</a:t>
             </a:r>
+            <a:endParaRPr lang="en-US" dirty="0"/>
           </a:p>
         </p:txBody>
       </p:sp>
@@ -3282,7 +3303,6 @@
           <a:p>
             <a:fld id="{349BF3EA-1A78-4F07-BDC0-C8A1BD461199}" type="datetimeFigureOut">
               <a:rPr lang="en-US" smtClean="0"/>
-              <a:t>8/25/2019</a:t>
             </a:fld>
             <a:endParaRPr lang="en-US" dirty="0"/>
           </a:p>
@@ -3293,13 +3313,13 @@
   <p:clrMapOvr>
     <a:masterClrMapping/>
   </p:clrMapOvr>
-  <mc:AlternateContent xmlns:mc="http://schemas.openxmlformats.org/markup-compatibility/2006" xmlns:p14="http://schemas.microsoft.com/office/powerpoint/2010/main">
-    <mc:Choice Requires="p14">
+  <mc:AlternateContent xmlns:mc="http://schemas.openxmlformats.org/markup-compatibility/2006">
+    <mc:Choice xmlns:p14="http://schemas.microsoft.com/office/powerpoint/2010/main" Requires="p14">
       <p:transition spd="med" p14:dur="700">
         <p:fade/>
       </p:transition>
     </mc:Choice>
-    <mc:Fallback xmlns="">
+    <mc:Fallback>
       <p:transition spd="med">
         <p:fade/>
       </p:transition>
@@ -3545,6 +3565,7 @@
               <a:rPr kumimoji="0" lang="en-US" dirty="0"/>
               <a:t>Click icon to add picture</a:t>
             </a:r>
+            <a:endParaRPr kumimoji="0" lang="en-US" dirty="0"/>
           </a:p>
         </p:txBody>
       </p:sp>
@@ -3591,6 +3612,7 @@
               <a:rPr kumimoji="0" lang="en-US"/>
               <a:t>Click to edit Master text styles</a:t>
             </a:r>
+            <a:endParaRPr kumimoji="0" lang="en-US"/>
           </a:p>
         </p:txBody>
       </p:sp>
@@ -3616,7 +3638,6 @@
           <a:p>
             <a:fld id="{401CF334-2D5C-4859-84A6-CA7E6E43FAEB}" type="slidenum">
               <a:rPr lang="en-US" smtClean="0"/>
-              <a:t>‹#›</a:t>
             </a:fld>
             <a:endParaRPr lang="en-US" dirty="0"/>
           </a:p>
@@ -3646,6 +3667,7 @@
               <a:rPr lang="en-US" dirty="0"/>
               <a:t>Add a footer</a:t>
             </a:r>
+            <a:endParaRPr lang="en-US" dirty="0"/>
           </a:p>
         </p:txBody>
       </p:sp>
@@ -3666,7 +3688,6 @@
           <a:p>
             <a:fld id="{349BF3EA-1A78-4F07-BDC0-C8A1BD461199}" type="datetimeFigureOut">
               <a:rPr lang="en-US" smtClean="0"/>
-              <a:t>8/25/2019</a:t>
             </a:fld>
             <a:endParaRPr lang="en-US" dirty="0"/>
           </a:p>
@@ -3677,13 +3698,13 @@
   <p:clrMapOvr>
     <a:masterClrMapping/>
   </p:clrMapOvr>
-  <mc:AlternateContent xmlns:mc="http://schemas.openxmlformats.org/markup-compatibility/2006" xmlns:p14="http://schemas.microsoft.com/office/powerpoint/2010/main">
-    <mc:Choice Requires="p14">
+  <mc:AlternateContent xmlns:mc="http://schemas.openxmlformats.org/markup-compatibility/2006">
+    <mc:Choice xmlns:p14="http://schemas.microsoft.com/office/powerpoint/2010/main" Requires="p14">
       <p:transition spd="med" p14:dur="700">
         <p:fade/>
       </p:transition>
     </mc:Choice>
-    <mc:Fallback xmlns="">
+    <mc:Fallback>
       <p:transition spd="med">
         <p:fade/>
       </p:transition>
@@ -3871,6 +3892,7 @@
               <a:rPr kumimoji="0" lang="en-US"/>
               <a:t>Click to edit Master text styles</a:t>
             </a:r>
+            <a:endParaRPr kumimoji="0" lang="en-US"/>
           </a:p>
           <a:p>
             <a:pPr lvl="1" eaLnBrk="1" latinLnBrk="0" hangingPunct="1"/>
@@ -3878,6 +3900,7 @@
               <a:rPr kumimoji="0" lang="en-US"/>
               <a:t>Second level</a:t>
             </a:r>
+            <a:endParaRPr kumimoji="0" lang="en-US"/>
           </a:p>
           <a:p>
             <a:pPr lvl="2" eaLnBrk="1" latinLnBrk="0" hangingPunct="1"/>
@@ -3885,6 +3908,7 @@
               <a:rPr kumimoji="0" lang="en-US"/>
               <a:t>Third level</a:t>
             </a:r>
+            <a:endParaRPr kumimoji="0" lang="en-US"/>
           </a:p>
           <a:p>
             <a:pPr lvl="3" eaLnBrk="1" latinLnBrk="0" hangingPunct="1"/>
@@ -3892,6 +3916,7 @@
               <a:rPr kumimoji="0" lang="en-US"/>
               <a:t>Fourth level</a:t>
             </a:r>
+            <a:endParaRPr kumimoji="0" lang="en-US"/>
           </a:p>
           <a:p>
             <a:pPr lvl="4" eaLnBrk="1" latinLnBrk="0" hangingPunct="1"/>
@@ -3946,7 +3971,6 @@
           <a:p>
             <a:fld id="{401CF334-2D5C-4859-84A6-CA7E6E43FAEB}" type="slidenum">
               <a:rPr lang="en-US" smtClean="0"/>
-              <a:t>‹#›</a:t>
             </a:fld>
             <a:endParaRPr lang="en-US" dirty="0"/>
           </a:p>
@@ -3987,6 +4011,7 @@
               <a:rPr lang="en-US" dirty="0"/>
               <a:t>Add a footer</a:t>
             </a:r>
+            <a:endParaRPr lang="en-US" dirty="0"/>
           </a:p>
         </p:txBody>
       </p:sp>
@@ -4023,7 +4048,6 @@
           <a:p>
             <a:fld id="{349BF3EA-1A78-4F07-BDC0-C8A1BD461199}" type="datetimeFigureOut">
               <a:rPr lang="en-US" smtClean="0"/>
-              <a:t>8/25/2019</a:t>
             </a:fld>
             <a:endParaRPr lang="en-US" dirty="0"/>
           </a:p>
@@ -4045,13 +4069,13 @@
     <p:sldLayoutId id="2147483658" r:id="rId10"/>
     <p:sldLayoutId id="2147483659" r:id="rId11"/>
   </p:sldLayoutIdLst>
-  <mc:AlternateContent xmlns:mc="http://schemas.openxmlformats.org/markup-compatibility/2006" xmlns:p14="http://schemas.microsoft.com/office/powerpoint/2010/main">
-    <mc:Choice Requires="p14">
+  <mc:AlternateContent xmlns:mc="http://schemas.openxmlformats.org/markup-compatibility/2006">
+    <mc:Choice xmlns:p14="http://schemas.microsoft.com/office/powerpoint/2010/main" Requires="p14">
       <p:transition spd="med" p14:dur="700">
         <p:fade/>
       </p:transition>
     </mc:Choice>
-    <mc:Fallback xmlns="">
+    <mc:Fallback>
       <p:transition spd="med">
         <p:fade/>
       </p:transition>
@@ -4444,13 +4468,13 @@
   <p:clrMapOvr>
     <a:masterClrMapping/>
   </p:clrMapOvr>
-  <mc:AlternateContent xmlns:mc="http://schemas.openxmlformats.org/markup-compatibility/2006" xmlns:p14="http://schemas.microsoft.com/office/powerpoint/2010/main">
-    <mc:Choice Requires="p14">
+  <mc:AlternateContent xmlns:mc="http://schemas.openxmlformats.org/markup-compatibility/2006">
+    <mc:Choice xmlns:p14="http://schemas.microsoft.com/office/powerpoint/2010/main" Requires="p14">
       <p:transition spd="med" p14:dur="700">
         <p:fade/>
       </p:transition>
     </mc:Choice>
-    <mc:Fallback xmlns="">
+    <mc:Fallback>
       <p:transition spd="med">
         <p:fade/>
       </p:transition>
@@ -4468,6 +4492,422 @@
         <p:cNvGrpSpPr/>
         <p:nvPr/>
       </p:nvGrpSpPr>
+      <p:grpSpPr/>
+      <p:sp>
+        <p:nvSpPr>
+          <p:cNvPr id="7" name="Text Box 6"/>
+          <p:cNvSpPr txBox="1"/>
+          <p:nvPr/>
+        </p:nvSpPr>
+        <p:spPr>
+          <a:xfrm>
+            <a:off x="681355" y="2414270"/>
+            <a:ext cx="4602480" cy="2030095"/>
+          </a:xfrm>
+          <a:prstGeom prst="rect">
+            <a:avLst/>
+          </a:prstGeom>
+          <a:noFill/>
+          <a:ln>
+            <a:noFill/>
+          </a:ln>
+        </p:spPr>
+        <p:txBody>
+          <a:bodyPr wrap="square" rtlCol="0" anchor="ctr" anchorCtr="1">
+            <a:spAutoFit/>
+          </a:bodyPr>
+          <a:p>
+            <a:pPr marL="342900" indent="-342900">
+              <a:lnSpc>
+                <a:spcPct val="175000"/>
+              </a:lnSpc>
+              <a:spcBef>
+                <a:spcPts val="0"/>
+              </a:spcBef>
+              <a:spcAft>
+                <a:spcPts val="0"/>
+              </a:spcAft>
+              <a:buFont typeface="Arial" panose="020B0604020202020204" pitchFamily="34" charset="0"/>
+              <a:buChar char="•"/>
+            </a:pPr>
+            <a:r>
+              <a:rPr lang="en-MY" altLang="en-US" sz="2400">
+                <a:latin typeface="Times New Roman" panose="02020603050405020304" charset="0"/>
+                <a:cs typeface="Times New Roman" panose="02020603050405020304" charset="0"/>
+                <a:sym typeface="+mn-ea"/>
+              </a:rPr>
+              <a:t>A book reservation can have one or no fine. A fine only belongs to a book reservation.</a:t>
+            </a:r>
+            <a:endParaRPr lang="en-MY" altLang="en-US" sz="2400">
+              <a:latin typeface="Times New Roman" panose="02020603050405020304" charset="0"/>
+              <a:cs typeface="Times New Roman" panose="02020603050405020304" charset="0"/>
+              <a:sym typeface="+mn-ea"/>
+            </a:endParaRPr>
+          </a:p>
+        </p:txBody>
+      </p:sp>
+      <p:pic>
+        <p:nvPicPr>
+          <p:cNvPr id="4" name="Content Placeholder 3" descr="task 3"/>
+          <p:cNvPicPr>
+            <a:picLocks noGrp="1" noChangeAspect="1"/>
+          </p:cNvPicPr>
+          <p:nvPr>
+            <p:ph sz="quarter" idx="1"/>
+          </p:nvPr>
+        </p:nvPicPr>
+        <p:blipFill>
+          <a:blip r:embed="rId1"/>
+          <a:srcRect l="7190" t="67248" r="37921" b="15786"/>
+          <a:stretch>
+            <a:fillRect/>
+          </a:stretch>
+        </p:blipFill>
+        <p:spPr>
+          <a:xfrm>
+            <a:off x="6478270" y="1364615"/>
+            <a:ext cx="5159375" cy="4128135"/>
+          </a:xfrm>
+          <a:prstGeom prst="rect">
+            <a:avLst/>
+          </a:prstGeom>
+        </p:spPr>
+      </p:pic>
+      <p:sp>
+        <p:nvSpPr>
+          <p:cNvPr id="5" name="Rectangle 4"/>
+          <p:cNvSpPr/>
+          <p:nvPr/>
+        </p:nvSpPr>
+        <p:spPr>
+          <a:xfrm>
+            <a:off x="10318115" y="5397500"/>
+            <a:ext cx="589280" cy="219075"/>
+          </a:xfrm>
+          <a:prstGeom prst="rect">
+            <a:avLst/>
+          </a:prstGeom>
+          <a:solidFill>
+            <a:schemeClr val="bg1"/>
+          </a:solidFill>
+          <a:ln>
+            <a:noFill/>
+          </a:ln>
+        </p:spPr>
+        <p:style>
+          <a:lnRef idx="1">
+            <a:schemeClr val="accent1"/>
+          </a:lnRef>
+          <a:fillRef idx="2">
+            <a:schemeClr val="accent1"/>
+          </a:fillRef>
+          <a:effectRef idx="1">
+            <a:schemeClr val="accent1"/>
+          </a:effectRef>
+          <a:fontRef idx="minor">
+            <a:schemeClr val="dk1"/>
+          </a:fontRef>
+        </p:style>
+        <p:txBody>
+          <a:bodyPr rtlCol="0" anchor="ctr"/>
+          <a:p>
+            <a:pPr algn="ctr"/>
+            <a:endParaRPr lang="en-US" dirty="0"/>
+          </a:p>
+        </p:txBody>
+      </p:sp>
+    </p:spTree>
+  </p:cSld>
+  <p:clrMapOvr>
+    <a:masterClrMapping/>
+  </p:clrMapOvr>
+  <mc:AlternateContent xmlns:mc="http://schemas.openxmlformats.org/markup-compatibility/2006">
+    <mc:Choice xmlns:p14="http://schemas.microsoft.com/office/powerpoint/2010/main" Requires="p14">
+      <p:transition spd="med" p14:dur="700">
+        <p:fade/>
+      </p:transition>
+    </mc:Choice>
+    <mc:Fallback>
+      <p:transition spd="med">
+        <p:fade/>
+      </p:transition>
+    </mc:Fallback>
+  </mc:AlternateContent>
+</p:sld>
+</file>
+
+<file path=ppt/slides/slide11.xml><?xml version="1.0" encoding="utf-8"?>
+<p:sld xmlns:a="http://schemas.openxmlformats.org/drawingml/2006/main" xmlns:r="http://schemas.openxmlformats.org/officeDocument/2006/relationships" xmlns:p="http://schemas.openxmlformats.org/presentationml/2006/main">
+  <p:cSld>
+    <p:spTree>
+      <p:nvGrpSpPr>
+        <p:cNvPr id="1" name=""/>
+        <p:cNvGrpSpPr/>
+        <p:nvPr/>
+      </p:nvGrpSpPr>
+      <p:grpSpPr/>
+      <p:sp>
+        <p:nvSpPr>
+          <p:cNvPr id="7" name="Text Box 6"/>
+          <p:cNvSpPr txBox="1"/>
+          <p:nvPr/>
+        </p:nvSpPr>
+        <p:spPr>
+          <a:xfrm>
+            <a:off x="642620" y="2737485"/>
+            <a:ext cx="4982845" cy="1383665"/>
+          </a:xfrm>
+          <a:prstGeom prst="rect">
+            <a:avLst/>
+          </a:prstGeom>
+          <a:noFill/>
+          <a:ln>
+            <a:noFill/>
+          </a:ln>
+        </p:spPr>
+        <p:txBody>
+          <a:bodyPr wrap="square" rtlCol="0" anchor="ctr" anchorCtr="1">
+            <a:spAutoFit/>
+          </a:bodyPr>
+          <a:p>
+            <a:pPr marL="342900" indent="-342900" algn="l">
+              <a:lnSpc>
+                <a:spcPct val="175000"/>
+              </a:lnSpc>
+              <a:spcBef>
+                <a:spcPts val="0"/>
+              </a:spcBef>
+              <a:spcAft>
+                <a:spcPts val="0"/>
+              </a:spcAft>
+              <a:buFont typeface="Arial" panose="020B0604020202020204" pitchFamily="34" charset="0"/>
+              <a:buChar char="•"/>
+            </a:pPr>
+            <a:r>
+              <a:rPr lang="en-MY" altLang="en-US" sz="2400">
+                <a:latin typeface="Times New Roman" panose="02020603050405020304" charset="0"/>
+                <a:cs typeface="Times New Roman" panose="02020603050405020304" charset="0"/>
+                <a:sym typeface="+mn-ea"/>
+              </a:rPr>
+              <a:t>A report obtains all information from payment record.</a:t>
+            </a:r>
+            <a:endParaRPr lang="en-MY" altLang="en-US" sz="2400">
+              <a:latin typeface="Times New Roman" panose="02020603050405020304" charset="0"/>
+              <a:cs typeface="Times New Roman" panose="02020603050405020304" charset="0"/>
+              <a:sym typeface="+mn-ea"/>
+            </a:endParaRPr>
+          </a:p>
+        </p:txBody>
+      </p:sp>
+      <p:pic>
+        <p:nvPicPr>
+          <p:cNvPr id="4" name="Content Placeholder 3" descr="task 3"/>
+          <p:cNvPicPr>
+            <a:picLocks noGrp="1" noChangeAspect="1"/>
+          </p:cNvPicPr>
+          <p:nvPr>
+            <p:ph sz="quarter" idx="1"/>
+          </p:nvPr>
+        </p:nvPicPr>
+        <p:blipFill>
+          <a:blip r:embed="rId1"/>
+          <a:srcRect r="37904"/>
+          <a:stretch>
+            <a:fillRect/>
+          </a:stretch>
+        </p:blipFill>
+        <p:spPr>
+          <a:xfrm>
+            <a:off x="5536565" y="160655"/>
+            <a:ext cx="5321300" cy="6536055"/>
+          </a:xfrm>
+          <a:prstGeom prst="rect">
+            <a:avLst/>
+          </a:prstGeom>
+        </p:spPr>
+      </p:pic>
+      <p:sp>
+        <p:nvSpPr>
+          <p:cNvPr id="2" name="Rectangle 1"/>
+          <p:cNvSpPr/>
+          <p:nvPr/>
+        </p:nvSpPr>
+        <p:spPr>
+          <a:xfrm>
+            <a:off x="5829300" y="1645920"/>
+            <a:ext cx="5220970" cy="4373880"/>
+          </a:xfrm>
+          <a:prstGeom prst="rect">
+            <a:avLst/>
+          </a:prstGeom>
+          <a:solidFill>
+            <a:schemeClr val="bg1"/>
+          </a:solidFill>
+          <a:ln>
+            <a:noFill/>
+          </a:ln>
+        </p:spPr>
+        <p:style>
+          <a:lnRef idx="1">
+            <a:schemeClr val="accent1"/>
+          </a:lnRef>
+          <a:fillRef idx="2">
+            <a:schemeClr val="accent1"/>
+          </a:fillRef>
+          <a:effectRef idx="1">
+            <a:schemeClr val="accent1"/>
+          </a:effectRef>
+          <a:fontRef idx="minor">
+            <a:schemeClr val="dk1"/>
+          </a:fontRef>
+        </p:style>
+        <p:txBody>
+          <a:bodyPr rtlCol="0" anchor="ctr"/>
+          <a:p>
+            <a:pPr algn="ctr"/>
+            <a:endParaRPr lang="en-US" dirty="0"/>
+          </a:p>
+        </p:txBody>
+      </p:sp>
+    </p:spTree>
+  </p:cSld>
+  <p:clrMapOvr>
+    <a:masterClrMapping/>
+  </p:clrMapOvr>
+  <mc:AlternateContent xmlns:mc="http://schemas.openxmlformats.org/markup-compatibility/2006">
+    <mc:Choice xmlns:p14="http://schemas.microsoft.com/office/powerpoint/2010/main" Requires="p14">
+      <p:transition spd="med" p14:dur="700">
+        <p:fade/>
+      </p:transition>
+    </mc:Choice>
+    <mc:Fallback>
+      <p:transition spd="med">
+        <p:fade/>
+      </p:transition>
+    </mc:Fallback>
+  </mc:AlternateContent>
+</p:sld>
+</file>
+
+<file path=ppt/slides/slide12.xml><?xml version="1.0" encoding="utf-8"?>
+<p:sld xmlns:a="http://schemas.openxmlformats.org/drawingml/2006/main" xmlns:r="http://schemas.openxmlformats.org/officeDocument/2006/relationships" xmlns:p="http://schemas.openxmlformats.org/presentationml/2006/main">
+  <p:cSld>
+    <p:spTree>
+      <p:nvGrpSpPr>
+        <p:cNvPr id="1" name=""/>
+        <p:cNvGrpSpPr/>
+        <p:nvPr/>
+      </p:nvGrpSpPr>
+      <p:grpSpPr/>
+      <p:sp>
+        <p:nvSpPr>
+          <p:cNvPr id="7" name="Text Box 6"/>
+          <p:cNvSpPr txBox="1"/>
+          <p:nvPr/>
+        </p:nvSpPr>
+        <p:spPr>
+          <a:xfrm>
+            <a:off x="898525" y="2737485"/>
+            <a:ext cx="4563110" cy="1383665"/>
+          </a:xfrm>
+          <a:prstGeom prst="rect">
+            <a:avLst/>
+          </a:prstGeom>
+          <a:noFill/>
+          <a:ln>
+            <a:noFill/>
+          </a:ln>
+        </p:spPr>
+        <p:txBody>
+          <a:bodyPr wrap="square" rtlCol="0" anchor="ctr" anchorCtr="1">
+            <a:spAutoFit/>
+          </a:bodyPr>
+          <a:p>
+            <a:pPr marL="342900" indent="-342900">
+              <a:lnSpc>
+                <a:spcPct val="175000"/>
+              </a:lnSpc>
+              <a:spcBef>
+                <a:spcPts val="0"/>
+              </a:spcBef>
+              <a:spcAft>
+                <a:spcPts val="0"/>
+              </a:spcAft>
+              <a:buFont typeface="Arial" panose="020B0604020202020204" pitchFamily="34" charset="0"/>
+              <a:buChar char="•"/>
+            </a:pPr>
+            <a:r>
+              <a:rPr lang="en-MY" altLang="en-US" sz="2400">
+                <a:latin typeface="Times New Roman" panose="02020603050405020304" charset="0"/>
+                <a:cs typeface="Times New Roman" panose="02020603050405020304" charset="0"/>
+                <a:sym typeface="+mn-ea"/>
+              </a:rPr>
+              <a:t>A report obtains all information from book reservation record.</a:t>
+            </a:r>
+            <a:endParaRPr lang="en-MY" altLang="en-US" sz="2400">
+              <a:latin typeface="Times New Roman" panose="02020603050405020304" charset="0"/>
+              <a:cs typeface="Times New Roman" panose="02020603050405020304" charset="0"/>
+              <a:sym typeface="+mn-ea"/>
+            </a:endParaRPr>
+          </a:p>
+        </p:txBody>
+      </p:sp>
+      <p:pic>
+        <p:nvPicPr>
+          <p:cNvPr id="4" name="Content Placeholder 3" descr="task 3"/>
+          <p:cNvPicPr>
+            <a:picLocks noGrp="1" noChangeAspect="1"/>
+          </p:cNvPicPr>
+          <p:nvPr>
+            <p:ph sz="quarter" idx="1"/>
+          </p:nvPr>
+        </p:nvPicPr>
+        <p:blipFill>
+          <a:blip r:embed="rId1"/>
+          <a:srcRect l="40132" t="67200" r="37837"/>
+          <a:stretch>
+            <a:fillRect/>
+          </a:stretch>
+        </p:blipFill>
+        <p:spPr>
+          <a:xfrm>
+            <a:off x="7533640" y="380365"/>
+            <a:ext cx="2611120" cy="6097270"/>
+          </a:xfrm>
+          <a:prstGeom prst="rect">
+            <a:avLst/>
+          </a:prstGeom>
+        </p:spPr>
+      </p:pic>
+    </p:spTree>
+  </p:cSld>
+  <p:clrMapOvr>
+    <a:masterClrMapping/>
+  </p:clrMapOvr>
+  <mc:AlternateContent xmlns:mc="http://schemas.openxmlformats.org/markup-compatibility/2006">
+    <mc:Choice xmlns:p14="http://schemas.microsoft.com/office/powerpoint/2010/main" Requires="p14">
+      <p:transition spd="med" p14:dur="700">
+        <p:fade/>
+      </p:transition>
+    </mc:Choice>
+    <mc:Fallback>
+      <p:transition spd="med">
+        <p:fade/>
+      </p:transition>
+    </mc:Fallback>
+  </mc:AlternateContent>
+</p:sld>
+</file>
+
+<file path=ppt/slides/slide13.xml><?xml version="1.0" encoding="utf-8"?>
+<p:sld xmlns:a="http://schemas.openxmlformats.org/drawingml/2006/main" xmlns:r="http://schemas.openxmlformats.org/officeDocument/2006/relationships" xmlns:p="http://schemas.openxmlformats.org/presentationml/2006/main">
+  <p:cSld>
+    <p:spTree>
+      <p:nvGrpSpPr>
+        <p:cNvPr id="1" name=""/>
+        <p:cNvGrpSpPr/>
+        <p:nvPr/>
+      </p:nvGrpSpPr>
       <p:grpSpPr>
         <a:xfrm>
           <a:off x="0" y="0"/>
@@ -4478,6 +4918,135 @@
       </p:grpSpPr>
       <p:sp>
         <p:nvSpPr>
+          <p:cNvPr id="2" name="Title 1"/>
+          <p:cNvSpPr>
+            <a:spLocks noGrp="1"/>
+          </p:cNvSpPr>
+          <p:nvPr>
+            <p:ph type="title"/>
+          </p:nvPr>
+        </p:nvSpPr>
+        <p:spPr>
+          <a:xfrm>
+            <a:off x="914400" y="2429828"/>
+            <a:ext cx="10363200" cy="1143000"/>
+          </a:xfrm>
+        </p:spPr>
+        <p:txBody>
+          <a:bodyPr/>
+          <a:lstStyle/>
+          <a:p>
+            <a:pPr algn="ctr"/>
+            <a:r>
+              <a:rPr lang="en-US"/>
+              <a:t>ERD Diagram</a:t>
+            </a:r>
+            <a:endParaRPr lang="en-US"/>
+          </a:p>
+        </p:txBody>
+      </p:sp>
+    </p:spTree>
+  </p:cSld>
+  <p:clrMapOvr>
+    <a:masterClrMapping/>
+  </p:clrMapOvr>
+  <mc:AlternateContent xmlns:mc="http://schemas.openxmlformats.org/markup-compatibility/2006">
+    <mc:Choice xmlns:p14="http://schemas.microsoft.com/office/powerpoint/2010/main" Requires="p14">
+      <p:transition spd="med" p14:dur="700">
+        <p:fade/>
+      </p:transition>
+    </mc:Choice>
+    <mc:Fallback>
+      <p:transition spd="med">
+        <p:fade/>
+      </p:transition>
+    </mc:Fallback>
+  </mc:AlternateContent>
+</p:sld>
+</file>
+
+<file path=ppt/slides/slide14.xml><?xml version="1.0" encoding="utf-8"?>
+<p:sld xmlns:a="http://schemas.openxmlformats.org/drawingml/2006/main" xmlns:r="http://schemas.openxmlformats.org/officeDocument/2006/relationships" xmlns:p="http://schemas.openxmlformats.org/presentationml/2006/main">
+  <p:cSld>
+    <p:spTree>
+      <p:nvGrpSpPr>
+        <p:cNvPr id="1" name=""/>
+        <p:cNvGrpSpPr/>
+        <p:nvPr/>
+      </p:nvGrpSpPr>
+      <p:grpSpPr>
+        <a:xfrm>
+          <a:off x="0" y="0"/>
+          <a:ext cx="0" cy="0"/>
+          <a:chOff x="0" y="0"/>
+          <a:chExt cx="0" cy="0"/>
+        </a:xfrm>
+      </p:grpSpPr>
+      <p:pic>
+        <p:nvPicPr>
+          <p:cNvPr id="4" name="Content Placeholder 3" descr="task 3"/>
+          <p:cNvPicPr>
+            <a:picLocks noGrp="1" noChangeAspect="1"/>
+          </p:cNvPicPr>
+          <p:nvPr>
+            <p:ph sz="quarter" idx="1"/>
+          </p:nvPr>
+        </p:nvPicPr>
+        <p:blipFill>
+          <a:blip r:embed="rId1"/>
+          <a:stretch>
+            <a:fillRect/>
+          </a:stretch>
+        </p:blipFill>
+        <p:spPr>
+          <a:xfrm>
+            <a:off x="876935" y="160655"/>
+            <a:ext cx="10438130" cy="6536055"/>
+          </a:xfrm>
+          <a:prstGeom prst="rect">
+            <a:avLst/>
+          </a:prstGeom>
+        </p:spPr>
+      </p:pic>
+    </p:spTree>
+  </p:cSld>
+  <p:clrMapOvr>
+    <a:masterClrMapping/>
+  </p:clrMapOvr>
+  <mc:AlternateContent xmlns:mc="http://schemas.openxmlformats.org/markup-compatibility/2006">
+    <mc:Choice xmlns:p14="http://schemas.microsoft.com/office/powerpoint/2010/main" Requires="p14">
+      <p:transition spd="med" p14:dur="700">
+        <p:fade/>
+      </p:transition>
+    </mc:Choice>
+    <mc:Fallback>
+      <p:transition spd="med">
+        <p:fade/>
+      </p:transition>
+    </mc:Fallback>
+  </mc:AlternateContent>
+</p:sld>
+</file>
+
+<file path=ppt/slides/slide15.xml><?xml version="1.0" encoding="utf-8"?>
+<p:sld xmlns:a="http://schemas.openxmlformats.org/drawingml/2006/main" xmlns:r="http://schemas.openxmlformats.org/officeDocument/2006/relationships" xmlns:p="http://schemas.openxmlformats.org/presentationml/2006/main">
+  <p:cSld>
+    <p:spTree>
+      <p:nvGrpSpPr>
+        <p:cNvPr id="1" name=""/>
+        <p:cNvGrpSpPr/>
+        <p:nvPr/>
+      </p:nvGrpSpPr>
+      <p:grpSpPr>
+        <a:xfrm>
+          <a:off x="0" y="0"/>
+          <a:ext cx="0" cy="0"/>
+          <a:chOff x="0" y="0"/>
+          <a:chExt cx="0" cy="0"/>
+        </a:xfrm>
+      </p:grpSpPr>
+      <p:sp>
+        <p:nvSpPr>
           <p:cNvPr id="7" name="Title 2"/>
           <p:cNvSpPr>
             <a:spLocks noGrp="1"/>
@@ -4506,6 +5075,62 @@
           </a:p>
         </p:txBody>
       </p:sp>
+      <p:pic>
+        <p:nvPicPr>
+          <p:cNvPr id="8" name="Content Placeholder 7"/>
+          <p:cNvPicPr>
+            <a:picLocks noGrp="1"/>
+          </p:cNvPicPr>
+          <p:nvPr>
+            <p:ph sz="quarter" idx="1"/>
+          </p:nvPr>
+        </p:nvPicPr>
+        <p:blipFill rotWithShape="1">
+          <a:blip r:embed="rId1"/>
+          <a:srcRect t="67297" r="72639" b="18519"/>
+          <a:stretch>
+            <a:fillRect/>
+          </a:stretch>
+        </p:blipFill>
+        <p:spPr bwMode="auto">
+          <a:xfrm>
+            <a:off x="835327" y="1393884"/>
+            <a:ext cx="5260673" cy="1784938"/>
+          </a:xfrm>
+          <a:prstGeom prst="rect">
+            <a:avLst/>
+          </a:prstGeom>
+          <a:ln>
+            <a:noFill/>
+          </a:ln>
+        </p:spPr>
+      </p:pic>
+      <p:pic>
+        <p:nvPicPr>
+          <p:cNvPr id="9" name="Picture 8"/>
+          <p:cNvPicPr/>
+          <p:nvPr/>
+        </p:nvPicPr>
+        <p:blipFill rotWithShape="1">
+          <a:blip r:embed="rId1"/>
+          <a:srcRect t="81234" r="79306" b="6667"/>
+          <a:stretch>
+            <a:fillRect/>
+          </a:stretch>
+        </p:blipFill>
+        <p:spPr bwMode="auto">
+          <a:xfrm>
+            <a:off x="835326" y="3178822"/>
+            <a:ext cx="5260673" cy="1784938"/>
+          </a:xfrm>
+          <a:prstGeom prst="rect">
+            <a:avLst/>
+          </a:prstGeom>
+          <a:ln>
+            <a:noFill/>
+          </a:ln>
+        </p:spPr>
+      </p:pic>
       <p:sp>
         <p:nvSpPr>
           <p:cNvPr id="10" name="Title 2"/>
@@ -4755,11 +5380,7 @@
             <a:pPr lvl="1"/>
             <a:r>
               <a:rPr lang="en-US" dirty="0"/>
-              <a:t>To make the user easier to search for collection date and return date by certain accounts. This is to increase the efficiency of the staff to perform the searching of the accounts</a:t>
-            </a:r>
-            <a:r>
-              <a:rPr lang="en-US"/>
-              <a:t>’ details.</a:t>
+              <a:t>To make the user easier to search for fine amount paid by certain accounts. This function can be used to increase the efficiency of the staff to perform their work.</a:t>
             </a:r>
             <a:endParaRPr lang="en-US" dirty="0"/>
           </a:p>
@@ -4769,74 +5390,18 @@
           </a:p>
         </p:txBody>
       </p:sp>
-      <p:pic>
-        <p:nvPicPr>
-          <p:cNvPr id="13" name="Content Placeholder 12"/>
-          <p:cNvPicPr>
-            <a:picLocks noGrp="1"/>
-          </p:cNvPicPr>
-          <p:nvPr>
-            <p:ph sz="quarter" idx="1"/>
-          </p:nvPr>
-        </p:nvPicPr>
-        <p:blipFill rotWithShape="1">
-          <a:blip r:embed="rId2"/>
-          <a:srcRect l="1" t="22716" r="64975" b="64938"/>
-          <a:stretch>
-            <a:fillRect/>
-          </a:stretch>
-        </p:blipFill>
-        <p:spPr bwMode="auto">
-          <a:xfrm>
-            <a:off x="835326" y="1392756"/>
-            <a:ext cx="5548221" cy="1617863"/>
-          </a:xfrm>
-          <a:prstGeom prst="rect">
-            <a:avLst/>
-          </a:prstGeom>
-          <a:ln>
-            <a:noFill/>
-          </a:ln>
-        </p:spPr>
-      </p:pic>
-      <p:pic>
-        <p:nvPicPr>
-          <p:cNvPr id="14" name="Picture 13"/>
-          <p:cNvPicPr/>
-          <p:nvPr/>
-        </p:nvPicPr>
-        <p:blipFill rotWithShape="1">
-          <a:blip r:embed="rId2"/>
-          <a:srcRect t="35309" r="75972" b="29630"/>
-          <a:stretch>
-            <a:fillRect/>
-          </a:stretch>
-        </p:blipFill>
-        <p:spPr bwMode="auto">
-          <a:xfrm>
-            <a:off x="835326" y="3010619"/>
-            <a:ext cx="5548221" cy="3493698"/>
-          </a:xfrm>
-          <a:prstGeom prst="rect">
-            <a:avLst/>
-          </a:prstGeom>
-          <a:ln>
-            <a:noFill/>
-          </a:ln>
-        </p:spPr>
-      </p:pic>
     </p:spTree>
   </p:cSld>
   <p:clrMapOvr>
     <a:masterClrMapping/>
   </p:clrMapOvr>
-  <mc:AlternateContent xmlns:mc="http://schemas.openxmlformats.org/markup-compatibility/2006" xmlns:p14="http://schemas.microsoft.com/office/powerpoint/2010/main">
-    <mc:Choice Requires="p14">
+  <mc:AlternateContent xmlns:mc="http://schemas.openxmlformats.org/markup-compatibility/2006">
+    <mc:Choice xmlns:p14="http://schemas.microsoft.com/office/powerpoint/2010/main" Requires="p14">
       <p:transition spd="med" p14:dur="700">
         <p:fade/>
       </p:transition>
     </mc:Choice>
-    <mc:Fallback xmlns="">
+    <mc:Fallback>
       <p:transition spd="med">
         <p:fade/>
       </p:transition>
@@ -4845,7 +5410,7 @@
 </p:sld>
 </file>
 
-<file path=ppt/slides/slide11.xml><?xml version="1.0" encoding="utf-8"?>
+<file path=ppt/slides/slide16.xml><?xml version="1.0" encoding="utf-8"?>
 <p:sld xmlns:a="http://schemas.openxmlformats.org/drawingml/2006/main" xmlns:r="http://schemas.openxmlformats.org/officeDocument/2006/relationships" xmlns:p="http://schemas.openxmlformats.org/presentationml/2006/main">
   <p:cSld>
     <p:spTree>
@@ -4864,7 +5429,7 @@
       </p:grpSpPr>
       <p:sp>
         <p:nvSpPr>
-          <p:cNvPr id="2" name="Title 1"/>
+          <p:cNvPr id="7" name="Title 2"/>
           <p:cNvSpPr>
             <a:spLocks noGrp="1"/>
           </p:cNvSpPr>
@@ -4874,39 +5439,355 @@
         </p:nvSpPr>
         <p:spPr>
           <a:xfrm>
-            <a:off x="914400" y="2429828"/>
-            <a:ext cx="10363200" cy="1143000"/>
-          </a:xfrm>
-        </p:spPr>
-        <p:txBody>
-          <a:bodyPr/>
+            <a:off x="835326" y="250884"/>
+            <a:ext cx="2227051" cy="1143000"/>
+          </a:xfrm>
+        </p:spPr>
+        <p:txBody>
+          <a:bodyPr>
+            <a:normAutofit/>
+          </a:bodyPr>
           <a:lstStyle/>
           <a:p>
-            <a:pPr algn="ctr"/>
             <a:r>
               <a:rPr lang="en-US" dirty="0"/>
-              <a:t>Conclusion</a:t>
-            </a:r>
-          </a:p>
-        </p:txBody>
-      </p:sp>
+              <a:t>Queries</a:t>
+            </a:r>
+            <a:endParaRPr lang="en-US" sz="3100" dirty="0"/>
+          </a:p>
+        </p:txBody>
+      </p:sp>
+      <p:sp>
+        <p:nvSpPr>
+          <p:cNvPr id="10" name="Title 2"/>
+          <p:cNvSpPr txBox="1"/>
+          <p:nvPr/>
+        </p:nvSpPr>
+        <p:spPr>
+          <a:xfrm>
+            <a:off x="7049224" y="506081"/>
+            <a:ext cx="1697962" cy="887803"/>
+          </a:xfrm>
+          <a:prstGeom prst="rect">
+            <a:avLst/>
+          </a:prstGeom>
+        </p:spPr>
+        <p:txBody>
+          <a:bodyPr bIns="91440" anchor="b" anchorCtr="0">
+            <a:normAutofit fontScale="85000" lnSpcReduction="10000"/>
+          </a:bodyPr>
+          <a:lstStyle>
+            <a:lvl1pPr algn="l" rtl="0" eaLnBrk="1" latinLnBrk="0" hangingPunct="1">
+              <a:spcBef>
+                <a:spcPct val="0"/>
+              </a:spcBef>
+              <a:buNone/>
+              <a:defRPr kumimoji="0" sz="4000" kern="1200">
+                <a:solidFill>
+                  <a:schemeClr val="tx2"/>
+                </a:solidFill>
+                <a:latin typeface="+mj-lt"/>
+                <a:ea typeface="+mj-ea"/>
+                <a:cs typeface="+mj-cs"/>
+              </a:defRPr>
+            </a:lvl1pPr>
+          </a:lstStyle>
+          <a:p>
+            <a:r>
+              <a:rPr lang="en-US" sz="3600" dirty="0"/>
+              <a:t>Purpose</a:t>
+            </a:r>
+            <a:r>
+              <a:rPr lang="en-US" dirty="0"/>
+              <a:t>:</a:t>
+            </a:r>
+            <a:endParaRPr lang="en-US" sz="3100" dirty="0"/>
+          </a:p>
+        </p:txBody>
+      </p:sp>
+      <p:sp>
+        <p:nvSpPr>
+          <p:cNvPr id="11" name="Content Placeholder 1"/>
+          <p:cNvSpPr txBox="1"/>
+          <p:nvPr/>
+        </p:nvSpPr>
+        <p:spPr>
+          <a:xfrm>
+            <a:off x="6383547" y="1393884"/>
+            <a:ext cx="4973126" cy="3807844"/>
+          </a:xfrm>
+          <a:prstGeom prst="rect">
+            <a:avLst/>
+          </a:prstGeom>
+        </p:spPr>
+        <p:txBody>
+          <a:bodyPr vert="horz">
+            <a:normAutofit/>
+          </a:bodyPr>
+          <a:lstStyle>
+            <a:lvl1pPr marL="274320" indent="-274320" algn="l" rtl="0" eaLnBrk="1" latinLnBrk="0" hangingPunct="1">
+              <a:spcBef>
+                <a:spcPts val="580"/>
+              </a:spcBef>
+              <a:buClr>
+                <a:schemeClr val="accent1">
+                  <a:lumMod val="75000"/>
+                </a:schemeClr>
+              </a:buClr>
+              <a:buSzPct val="85000"/>
+              <a:buFont typeface="Wingdings 2" panose="05020102010507070707"/>
+              <a:buChar char=""/>
+              <a:defRPr kumimoji="0" sz="2600" kern="1200">
+                <a:solidFill>
+                  <a:schemeClr val="tx1"/>
+                </a:solidFill>
+                <a:latin typeface="+mn-lt"/>
+                <a:ea typeface="+mn-ea"/>
+                <a:cs typeface="+mn-cs"/>
+              </a:defRPr>
+            </a:lvl1pPr>
+            <a:lvl2pPr marL="548640" indent="-228600" algn="l" rtl="0" eaLnBrk="1" latinLnBrk="0" hangingPunct="1">
+              <a:spcBef>
+                <a:spcPts val="370"/>
+              </a:spcBef>
+              <a:buClr>
+                <a:schemeClr val="accent2">
+                  <a:lumMod val="75000"/>
+                </a:schemeClr>
+              </a:buClr>
+              <a:buSzPct val="85000"/>
+              <a:buFont typeface="Wingdings 2" panose="05020102010507070707"/>
+              <a:buChar char=""/>
+              <a:defRPr kumimoji="0" sz="2400" kern="1200">
+                <a:solidFill>
+                  <a:schemeClr val="tx1"/>
+                </a:solidFill>
+                <a:latin typeface="+mn-lt"/>
+                <a:ea typeface="+mn-ea"/>
+                <a:cs typeface="+mn-cs"/>
+              </a:defRPr>
+            </a:lvl2pPr>
+            <a:lvl3pPr marL="822960" indent="-228600" algn="l" rtl="0" eaLnBrk="1" latinLnBrk="0" hangingPunct="1">
+              <a:spcBef>
+                <a:spcPts val="370"/>
+              </a:spcBef>
+              <a:buClr>
+                <a:schemeClr val="accent1">
+                  <a:lumMod val="60000"/>
+                  <a:lumOff val="40000"/>
+                </a:schemeClr>
+              </a:buClr>
+              <a:buSzPct val="85000"/>
+              <a:buFont typeface="Wingdings 2" panose="05020102010507070707"/>
+              <a:buChar char=""/>
+              <a:defRPr kumimoji="0" sz="2000" kern="1200">
+                <a:solidFill>
+                  <a:schemeClr val="tx1"/>
+                </a:solidFill>
+                <a:latin typeface="+mn-lt"/>
+                <a:ea typeface="+mn-ea"/>
+                <a:cs typeface="+mn-cs"/>
+              </a:defRPr>
+            </a:lvl3pPr>
+            <a:lvl4pPr marL="1097280" indent="-228600" algn="l" rtl="0" eaLnBrk="1" latinLnBrk="0" hangingPunct="1">
+              <a:spcBef>
+                <a:spcPts val="370"/>
+              </a:spcBef>
+              <a:buClr>
+                <a:schemeClr val="accent3"/>
+              </a:buClr>
+              <a:buSzPct val="80000"/>
+              <a:buFont typeface="Wingdings 2" panose="05020102010507070707"/>
+              <a:buChar char=""/>
+              <a:defRPr kumimoji="0" sz="2000" kern="1200">
+                <a:solidFill>
+                  <a:schemeClr val="tx1"/>
+                </a:solidFill>
+                <a:latin typeface="+mn-lt"/>
+                <a:ea typeface="+mn-ea"/>
+                <a:cs typeface="+mn-cs"/>
+              </a:defRPr>
+            </a:lvl4pPr>
+            <a:lvl5pPr marL="1371600" indent="-228600" algn="l" rtl="0" eaLnBrk="1" latinLnBrk="0" hangingPunct="1">
+              <a:spcBef>
+                <a:spcPts val="370"/>
+              </a:spcBef>
+              <a:buClr>
+                <a:schemeClr val="accent3">
+                  <a:lumMod val="75000"/>
+                </a:schemeClr>
+              </a:buClr>
+              <a:buFontTx/>
+              <a:buChar char="o"/>
+              <a:defRPr kumimoji="0" sz="2000" kern="1200">
+                <a:solidFill>
+                  <a:schemeClr val="tx1"/>
+                </a:solidFill>
+                <a:latin typeface="+mn-lt"/>
+                <a:ea typeface="+mn-ea"/>
+                <a:cs typeface="+mn-cs"/>
+              </a:defRPr>
+            </a:lvl5pPr>
+            <a:lvl6pPr marL="1645920" indent="-228600" algn="l" rtl="0" eaLnBrk="1" latinLnBrk="0" hangingPunct="1">
+              <a:spcBef>
+                <a:spcPts val="370"/>
+              </a:spcBef>
+              <a:buClr>
+                <a:schemeClr val="accent3"/>
+              </a:buClr>
+              <a:buChar char="•"/>
+              <a:defRPr kumimoji="0" sz="1800" kern="1200" baseline="0">
+                <a:solidFill>
+                  <a:schemeClr val="tx1"/>
+                </a:solidFill>
+                <a:latin typeface="+mn-lt"/>
+                <a:ea typeface="+mn-ea"/>
+                <a:cs typeface="+mn-cs"/>
+              </a:defRPr>
+            </a:lvl6pPr>
+            <a:lvl7pPr marL="1920240" indent="-228600" algn="l" rtl="0" eaLnBrk="1" latinLnBrk="0" hangingPunct="1">
+              <a:spcBef>
+                <a:spcPts val="370"/>
+              </a:spcBef>
+              <a:buClr>
+                <a:schemeClr val="accent2"/>
+              </a:buClr>
+              <a:buChar char="•"/>
+              <a:defRPr kumimoji="0" sz="1800" kern="1200">
+                <a:solidFill>
+                  <a:schemeClr val="tx1"/>
+                </a:solidFill>
+                <a:latin typeface="+mn-lt"/>
+                <a:ea typeface="+mn-ea"/>
+                <a:cs typeface="+mn-cs"/>
+              </a:defRPr>
+            </a:lvl7pPr>
+            <a:lvl8pPr marL="2194560" indent="-228600" algn="l" rtl="0" eaLnBrk="1" latinLnBrk="0" hangingPunct="1">
+              <a:spcBef>
+                <a:spcPts val="370"/>
+              </a:spcBef>
+              <a:buClr>
+                <a:schemeClr val="accent1">
+                  <a:lumMod val="75000"/>
+                </a:schemeClr>
+              </a:buClr>
+              <a:buChar char="•"/>
+              <a:defRPr kumimoji="0" sz="1800" kern="1200">
+                <a:solidFill>
+                  <a:schemeClr val="tx1"/>
+                </a:solidFill>
+                <a:latin typeface="+mn-lt"/>
+                <a:ea typeface="+mn-ea"/>
+                <a:cs typeface="+mn-cs"/>
+              </a:defRPr>
+            </a:lvl8pPr>
+            <a:lvl9pPr marL="2526030" indent="-285750" algn="l" rtl="0" eaLnBrk="1" latinLnBrk="0" hangingPunct="1">
+              <a:spcBef>
+                <a:spcPts val="370"/>
+              </a:spcBef>
+              <a:buClr>
+                <a:schemeClr val="accent3">
+                  <a:lumMod val="50000"/>
+                </a:schemeClr>
+              </a:buClr>
+              <a:buFont typeface="Arial" panose="020B0604020202020204" pitchFamily="34" charset="0"/>
+              <a:buChar char="•"/>
+              <a:defRPr kumimoji="0" sz="1800" kern="1200">
+                <a:solidFill>
+                  <a:schemeClr val="tx1"/>
+                </a:solidFill>
+                <a:latin typeface="+mn-lt"/>
+                <a:ea typeface="+mn-ea"/>
+                <a:cs typeface="+mn-cs"/>
+              </a:defRPr>
+            </a:lvl9pPr>
+          </a:lstStyle>
+          <a:p>
+            <a:pPr lvl="1"/>
+            <a:r>
+              <a:rPr lang="en-US" dirty="0"/>
+              <a:t>To make the user easier to search for collection date and return date by certain accounts. This is to increase the efficiency of the staff to perform the searching of the accounts</a:t>
+            </a:r>
+            <a:r>
+              <a:rPr lang="en-US"/>
+              <a:t>’ details.</a:t>
+            </a:r>
+            <a:endParaRPr lang="en-US" dirty="0"/>
+          </a:p>
+          <a:p>
+            <a:pPr lvl="1"/>
+            <a:endParaRPr lang="en-US" dirty="0"/>
+          </a:p>
+        </p:txBody>
+      </p:sp>
+      <p:pic>
+        <p:nvPicPr>
+          <p:cNvPr id="13" name="Content Placeholder 12"/>
+          <p:cNvPicPr>
+            <a:picLocks noGrp="1"/>
+          </p:cNvPicPr>
+          <p:nvPr>
+            <p:ph sz="quarter" idx="1"/>
+          </p:nvPr>
+        </p:nvPicPr>
+        <p:blipFill rotWithShape="1">
+          <a:blip r:embed="rId1"/>
+          <a:srcRect l="1" t="22716" r="64975" b="64938"/>
+          <a:stretch>
+            <a:fillRect/>
+          </a:stretch>
+        </p:blipFill>
+        <p:spPr bwMode="auto">
+          <a:xfrm>
+            <a:off x="835326" y="1392756"/>
+            <a:ext cx="5548221" cy="1617863"/>
+          </a:xfrm>
+          <a:prstGeom prst="rect">
+            <a:avLst/>
+          </a:prstGeom>
+          <a:ln>
+            <a:noFill/>
+          </a:ln>
+        </p:spPr>
+      </p:pic>
+      <p:pic>
+        <p:nvPicPr>
+          <p:cNvPr id="14" name="Picture 13"/>
+          <p:cNvPicPr/>
+          <p:nvPr/>
+        </p:nvPicPr>
+        <p:blipFill rotWithShape="1">
+          <a:blip r:embed="rId1"/>
+          <a:srcRect t="35309" r="75972" b="29630"/>
+          <a:stretch>
+            <a:fillRect/>
+          </a:stretch>
+        </p:blipFill>
+        <p:spPr bwMode="auto">
+          <a:xfrm>
+            <a:off x="835326" y="3010619"/>
+            <a:ext cx="5548221" cy="3493698"/>
+          </a:xfrm>
+          <a:prstGeom prst="rect">
+            <a:avLst/>
+          </a:prstGeom>
+          <a:ln>
+            <a:noFill/>
+          </a:ln>
+        </p:spPr>
+      </p:pic>
     </p:spTree>
-    <p:extLst>
-      <p:ext uri="{BB962C8B-B14F-4D97-AF65-F5344CB8AC3E}">
-        <p14:creationId xmlns:p14="http://schemas.microsoft.com/office/powerpoint/2010/main" val="2302005129"/>
-      </p:ext>
-    </p:extLst>
   </p:cSld>
   <p:clrMapOvr>
     <a:masterClrMapping/>
   </p:clrMapOvr>
-  <mc:AlternateContent xmlns:mc="http://schemas.openxmlformats.org/markup-compatibility/2006" xmlns:p14="http://schemas.microsoft.com/office/powerpoint/2010/main">
-    <mc:Choice Requires="p14">
+  <mc:AlternateContent xmlns:mc="http://schemas.openxmlformats.org/markup-compatibility/2006">
+    <mc:Choice xmlns:p14="http://schemas.microsoft.com/office/powerpoint/2010/main" Requires="p14">
       <p:transition spd="med" p14:dur="700">
         <p:fade/>
       </p:transition>
     </mc:Choice>
-    <mc:Fallback xmlns="">
+    <mc:Fallback>
       <p:transition spd="med">
         <p:fade/>
       </p:transition>
@@ -4915,7 +5796,7 @@
 </p:sld>
 </file>
 
-<file path=ppt/slides/slide12.xml><?xml version="1.0" encoding="utf-8"?>
+<file path=ppt/slides/slide17.xml><?xml version="1.0" encoding="utf-8"?>
 <p:sld xmlns:a="http://schemas.openxmlformats.org/drawingml/2006/main" xmlns:r="http://schemas.openxmlformats.org/officeDocument/2006/relationships" xmlns:p="http://schemas.openxmlformats.org/presentationml/2006/main">
   <p:cSld>
     <p:spTree>
@@ -4934,13 +5815,7 @@
       </p:grpSpPr>
       <p:sp>
         <p:nvSpPr>
-          <p:cNvPr id="2" name="Title 1">
-            <a:extLst>
-              <a:ext uri="{FF2B5EF4-FFF2-40B4-BE49-F238E27FC236}">
-                <a16:creationId xmlns:a16="http://schemas.microsoft.com/office/drawing/2014/main" id="{AA5A7BC2-CFDB-4215-A109-109C0B88A3CD}"/>
-              </a:ext>
-            </a:extLst>
-          </p:cNvPr>
+          <p:cNvPr id="2" name="Title 1"/>
           <p:cNvSpPr>
             <a:spLocks noGrp="1"/>
           </p:cNvSpPr>
@@ -4948,27 +5823,88 @@
             <p:ph type="title"/>
           </p:nvPr>
         </p:nvSpPr>
-        <p:spPr/>
+        <p:spPr>
+          <a:xfrm>
+            <a:off x="914400" y="2429828"/>
+            <a:ext cx="10363200" cy="1143000"/>
+          </a:xfrm>
+        </p:spPr>
         <p:txBody>
           <a:bodyPr/>
           <a:lstStyle/>
           <a:p>
+            <a:pPr algn="ctr"/>
+            <a:r>
+              <a:rPr lang="en-US" dirty="0"/>
+              <a:t>Conclusion</a:t>
+            </a:r>
+            <a:endParaRPr lang="en-US" dirty="0"/>
+          </a:p>
+        </p:txBody>
+      </p:sp>
+    </p:spTree>
+  </p:cSld>
+  <p:clrMapOvr>
+    <a:masterClrMapping/>
+  </p:clrMapOvr>
+  <mc:AlternateContent xmlns:mc="http://schemas.openxmlformats.org/markup-compatibility/2006">
+    <mc:Choice xmlns:p14="http://schemas.microsoft.com/office/powerpoint/2010/main" Requires="p14">
+      <p:transition spd="med" p14:dur="700">
+        <p:fade/>
+      </p:transition>
+    </mc:Choice>
+    <mc:Fallback>
+      <p:transition spd="med">
+        <p:fade/>
+      </p:transition>
+    </mc:Fallback>
+  </mc:AlternateContent>
+</p:sld>
+</file>
+
+<file path=ppt/slides/slide18.xml><?xml version="1.0" encoding="utf-8"?>
+<p:sld xmlns:a="http://schemas.openxmlformats.org/drawingml/2006/main" xmlns:r="http://schemas.openxmlformats.org/officeDocument/2006/relationships" xmlns:p="http://schemas.openxmlformats.org/presentationml/2006/main">
+  <p:cSld>
+    <p:spTree>
+      <p:nvGrpSpPr>
+        <p:cNvPr id="1" name=""/>
+        <p:cNvGrpSpPr/>
+        <p:nvPr/>
+      </p:nvGrpSpPr>
+      <p:grpSpPr>
+        <a:xfrm>
+          <a:off x="0" y="0"/>
+          <a:ext cx="0" cy="0"/>
+          <a:chOff x="0" y="0"/>
+          <a:chExt cx="0" cy="0"/>
+        </a:xfrm>
+      </p:grpSpPr>
+      <p:sp>
+        <p:nvSpPr>
+          <p:cNvPr id="2" name="Title 1"/>
+          <p:cNvSpPr>
+            <a:spLocks noGrp="1"/>
+          </p:cNvSpPr>
+          <p:nvPr>
+            <p:ph type="title"/>
+          </p:nvPr>
+        </p:nvSpPr>
+        <p:spPr/>
+        <p:txBody>
+          <a:bodyPr/>
+          <a:lstStyle/>
+          <a:p>
             <a:r>
               <a:rPr lang="en-GB" dirty="0"/>
               <a:t>Limitation of our Database</a:t>
             </a:r>
-          </a:p>
-        </p:txBody>
-      </p:sp>
-      <p:sp>
-        <p:nvSpPr>
-          <p:cNvPr id="3" name="Content Placeholder 2">
-            <a:extLst>
-              <a:ext uri="{FF2B5EF4-FFF2-40B4-BE49-F238E27FC236}">
-                <a16:creationId xmlns:a16="http://schemas.microsoft.com/office/drawing/2014/main" id="{8EB97F67-6676-44F1-B098-EDD1FFFFC5DC}"/>
-              </a:ext>
-            </a:extLst>
-          </p:cNvPr>
+            <a:endParaRPr lang="en-GB" dirty="0"/>
+          </a:p>
+        </p:txBody>
+      </p:sp>
+      <p:sp>
+        <p:nvSpPr>
+          <p:cNvPr id="3" name="Content Placeholder 2"/>
           <p:cNvSpPr>
             <a:spLocks noGrp="1"/>
           </p:cNvSpPr>
@@ -4985,52 +5921,47 @@
           <a:p>
             <a:r>
               <a:rPr lang="en-GB">
-                <a:cs typeface="Calibri"/>
+                <a:cs typeface="Calibri" panose="020F0502020204030204"/>
               </a:rPr>
               <a:t>Limited Reserve Number</a:t>
             </a:r>
             <a:endParaRPr lang="en-GB" dirty="0">
-              <a:cs typeface="Calibri"/>
+              <a:cs typeface="Calibri" panose="020F0502020204030204"/>
             </a:endParaRPr>
           </a:p>
           <a:p>
             <a:r>
               <a:rPr lang="en-GB">
-                <a:cs typeface="Calibri"/>
+                <a:cs typeface="Calibri" panose="020F0502020204030204"/>
               </a:rPr>
               <a:t>Limited Report Number</a:t>
             </a:r>
+            <a:endParaRPr lang="en-GB">
+              <a:cs typeface="Calibri" panose="020F0502020204030204"/>
+            </a:endParaRPr>
           </a:p>
           <a:p>
             <a:r>
               <a:rPr lang="en-GB">
-                <a:cs typeface="Calibri"/>
+                <a:cs typeface="Calibri" panose="020F0502020204030204"/>
               </a:rPr>
               <a:t>Complex Queries</a:t>
             </a:r>
             <a:endParaRPr lang="en-GB" dirty="0">
-              <a:cs typeface="Calibri"/>
+              <a:cs typeface="Calibri" panose="020F0502020204030204"/>
             </a:endParaRPr>
           </a:p>
           <a:p>
             <a:endParaRPr lang="en-GB" dirty="0">
-              <a:cs typeface="Calibri"/>
+              <a:cs typeface="Calibri" panose="020F0502020204030204"/>
             </a:endParaRPr>
           </a:p>
         </p:txBody>
       </p:sp>
       <p:sp>
         <p:nvSpPr>
-          <p:cNvPr id="5" name="Title 1">
-            <a:extLst>
-              <a:ext uri="{FF2B5EF4-FFF2-40B4-BE49-F238E27FC236}">
-                <a16:creationId xmlns:a16="http://schemas.microsoft.com/office/drawing/2014/main" id="{DCCF9327-5961-4316-B3B9-F24B09DB2683}"/>
-              </a:ext>
-            </a:extLst>
-          </p:cNvPr>
-          <p:cNvSpPr txBox="1">
-            <a:spLocks/>
-          </p:cNvSpPr>
+          <p:cNvPr id="5" name="Title 1"/>
+          <p:cNvSpPr txBox="1"/>
           <p:nvPr/>
         </p:nvSpPr>
         <p:spPr>
@@ -5067,21 +5998,14 @@
               <a:rPr lang="en-GB" dirty="0"/>
               <a:t>Future Works</a:t>
             </a:r>
-          </a:p>
-        </p:txBody>
-      </p:sp>
-      <p:sp>
-        <p:nvSpPr>
-          <p:cNvPr id="7" name="Content Placeholder 2">
-            <a:extLst>
-              <a:ext uri="{FF2B5EF4-FFF2-40B4-BE49-F238E27FC236}">
-                <a16:creationId xmlns:a16="http://schemas.microsoft.com/office/drawing/2014/main" id="{8192CE82-055F-4B0A-A5DB-04AE0BA7F041}"/>
-              </a:ext>
-            </a:extLst>
-          </p:cNvPr>
-          <p:cNvSpPr txBox="1">
-            <a:spLocks/>
-          </p:cNvSpPr>
+            <a:endParaRPr lang="en-GB" dirty="0"/>
+          </a:p>
+        </p:txBody>
+      </p:sp>
+      <p:sp>
+        <p:nvSpPr>
+          <p:cNvPr id="7" name="Content Placeholder 2"/>
+          <p:cNvSpPr txBox="1"/>
           <p:nvPr/>
         </p:nvSpPr>
         <p:spPr>
@@ -5278,35 +6202,33 @@
           <a:p>
             <a:r>
               <a:rPr lang="en-GB">
-                <a:cs typeface="Calibri"/>
+                <a:cs typeface="Calibri" panose="020F0502020204030204"/>
               </a:rPr>
               <a:t>Get used to the SQL commands</a:t>
             </a:r>
+            <a:endParaRPr lang="en-GB">
+              <a:cs typeface="Calibri" panose="020F0502020204030204"/>
+            </a:endParaRPr>
           </a:p>
           <a:p>
             <a:endParaRPr lang="en-GB" dirty="0">
-              <a:cs typeface="Calibri"/>
+              <a:cs typeface="Calibri" panose="020F0502020204030204"/>
             </a:endParaRPr>
           </a:p>
         </p:txBody>
       </p:sp>
     </p:spTree>
-    <p:extLst>
-      <p:ext uri="{BB962C8B-B14F-4D97-AF65-F5344CB8AC3E}">
-        <p14:creationId xmlns:p14="http://schemas.microsoft.com/office/powerpoint/2010/main" val="3239423673"/>
-      </p:ext>
-    </p:extLst>
   </p:cSld>
   <p:clrMapOvr>
     <a:masterClrMapping/>
   </p:clrMapOvr>
-  <mc:AlternateContent xmlns:mc="http://schemas.openxmlformats.org/markup-compatibility/2006" xmlns:p14="http://schemas.microsoft.com/office/powerpoint/2010/main">
-    <mc:Choice Requires="p14">
+  <mc:AlternateContent xmlns:mc="http://schemas.openxmlformats.org/markup-compatibility/2006">
+    <mc:Choice xmlns:p14="http://schemas.microsoft.com/office/powerpoint/2010/main" Requires="p14">
       <p:transition spd="med" p14:dur="700">
         <p:fade/>
       </p:transition>
     </mc:Choice>
-    <mc:Fallback xmlns="">
+    <mc:Fallback>
       <p:transition spd="med">
         <p:fade/>
       </p:transition>
@@ -5447,7 +6369,7 @@
 </p:sld>
 </file>
 
-<file path=ppt/slides/slide13.xml><?xml version="1.0" encoding="utf-8"?>
+<file path=ppt/slides/slide19.xml><?xml version="1.0" encoding="utf-8"?>
 <p:sld xmlns:a="http://schemas.openxmlformats.org/drawingml/2006/main" xmlns:r="http://schemas.openxmlformats.org/officeDocument/2006/relationships" xmlns:p="http://schemas.openxmlformats.org/presentationml/2006/main">
   <p:cSld>
     <p:spTree>
@@ -5494,82 +6416,6 @@
         </p:txBody>
       </p:sp>
     </p:spTree>
-    <p:extLst>
-      <p:ext uri="{BB962C8B-B14F-4D97-AF65-F5344CB8AC3E}">
-        <p14:creationId xmlns:p14="http://schemas.microsoft.com/office/powerpoint/2010/main" val="2596119022"/>
-      </p:ext>
-    </p:extLst>
-  </p:cSld>
-  <p:clrMapOvr>
-    <a:masterClrMapping/>
-  </p:clrMapOvr>
-  <mc:AlternateContent xmlns:mc="http://schemas.openxmlformats.org/markup-compatibility/2006">
-    <mc:Choice xmlns:p14="http://schemas.microsoft.com/office/powerpoint/2010/main" Requires="p14">
-      <p:transition spd="med" p14:dur="700">
-        <p:fade/>
-      </p:transition>
-    </mc:Choice>
-    <mc:Fallback>
-      <p:transition spd="med">
-        <p:fade/>
-      </p:transition>
-    </mc:Fallback>
-  </mc:AlternateContent>
-</p:sld>
-</file>
-
-<file path=ppt/slides/slide14.xml><?xml version="1.0" encoding="utf-8"?>
-<p:sld xmlns:a="http://schemas.openxmlformats.org/drawingml/2006/main" xmlns:r="http://schemas.openxmlformats.org/officeDocument/2006/relationships" xmlns:p="http://schemas.openxmlformats.org/presentationml/2006/main">
-  <p:cSld>
-    <p:spTree>
-      <p:nvGrpSpPr>
-        <p:cNvPr id="1" name=""/>
-        <p:cNvGrpSpPr/>
-        <p:nvPr/>
-      </p:nvGrpSpPr>
-      <p:grpSpPr>
-        <a:xfrm>
-          <a:off x="0" y="0"/>
-          <a:ext cx="0" cy="0"/>
-          <a:chOff x="0" y="0"/>
-          <a:chExt cx="0" cy="0"/>
-        </a:xfrm>
-      </p:grpSpPr>
-      <p:sp>
-        <p:nvSpPr>
-          <p:cNvPr id="2" name="Title 1"/>
-          <p:cNvSpPr>
-            <a:spLocks noGrp="1"/>
-          </p:cNvSpPr>
-          <p:nvPr>
-            <p:ph type="title"/>
-          </p:nvPr>
-        </p:nvSpPr>
-        <p:spPr>
-          <a:xfrm>
-            <a:off x="914400" y="2429828"/>
-            <a:ext cx="10363200" cy="1143000"/>
-          </a:xfrm>
-        </p:spPr>
-        <p:txBody>
-          <a:bodyPr/>
-          <a:lstStyle/>
-          <a:p>
-            <a:pPr algn="ctr"/>
-            <a:r>
-              <a:rPr lang="en-US"/>
-              <a:t>The End</a:t>
-            </a:r>
-            <a:endParaRPr lang="en-US" dirty="0"/>
-          </a:p>
-        </p:txBody>
-      </p:sp>
-    </p:spTree>
-    <p:extLst>
-      <p:ext uri="{BB962C8B-B14F-4D97-AF65-F5344CB8AC3E}">
-        <p14:creationId xmlns:p14="http://schemas.microsoft.com/office/powerpoint/2010/main" val="2492778022"/>
-      </p:ext>
-    </p:extLst>
   </p:cSld>
   <p:clrMapOvr>
     <a:masterClrMapping/>
@@ -5634,6 +6480,10 @@
               </a:rPr>
               <a:t>Organization Structure</a:t>
             </a:r>
+            <a:endParaRPr lang="en-US">
+              <a:latin typeface="Times New Roman" panose="02020603050405020304" charset="0"/>
+              <a:cs typeface="Times New Roman" panose="02020603050405020304" charset="0"/>
+            </a:endParaRPr>
           </a:p>
         </p:txBody>
       </p:sp>
@@ -5642,13 +6492,79 @@
   <p:clrMapOvr>
     <a:masterClrMapping/>
   </p:clrMapOvr>
-  <mc:AlternateContent xmlns:mc="http://schemas.openxmlformats.org/markup-compatibility/2006" xmlns:p14="http://schemas.microsoft.com/office/powerpoint/2010/main">
-    <mc:Choice Requires="p14">
+  <mc:AlternateContent xmlns:mc="http://schemas.openxmlformats.org/markup-compatibility/2006">
+    <mc:Choice xmlns:p14="http://schemas.microsoft.com/office/powerpoint/2010/main" Requires="p14">
       <p:transition spd="med" p14:dur="700">
         <p:fade/>
       </p:transition>
     </mc:Choice>
-    <mc:Fallback xmlns="">
+    <mc:Fallback>
+      <p:transition spd="med">
+        <p:fade/>
+      </p:transition>
+    </mc:Fallback>
+  </mc:AlternateContent>
+</p:sld>
+</file>
+
+<file path=ppt/slides/slide20.xml><?xml version="1.0" encoding="utf-8"?>
+<p:sld xmlns:a="http://schemas.openxmlformats.org/drawingml/2006/main" xmlns:r="http://schemas.openxmlformats.org/officeDocument/2006/relationships" xmlns:p="http://schemas.openxmlformats.org/presentationml/2006/main">
+  <p:cSld>
+    <p:spTree>
+      <p:nvGrpSpPr>
+        <p:cNvPr id="1" name=""/>
+        <p:cNvGrpSpPr/>
+        <p:nvPr/>
+      </p:nvGrpSpPr>
+      <p:grpSpPr>
+        <a:xfrm>
+          <a:off x="0" y="0"/>
+          <a:ext cx="0" cy="0"/>
+          <a:chOff x="0" y="0"/>
+          <a:chExt cx="0" cy="0"/>
+        </a:xfrm>
+      </p:grpSpPr>
+      <p:sp>
+        <p:nvSpPr>
+          <p:cNvPr id="2" name="Title 1"/>
+          <p:cNvSpPr>
+            <a:spLocks noGrp="1"/>
+          </p:cNvSpPr>
+          <p:nvPr>
+            <p:ph type="title"/>
+          </p:nvPr>
+        </p:nvSpPr>
+        <p:spPr>
+          <a:xfrm>
+            <a:off x="914400" y="2429828"/>
+            <a:ext cx="10363200" cy="1143000"/>
+          </a:xfrm>
+        </p:spPr>
+        <p:txBody>
+          <a:bodyPr/>
+          <a:lstStyle/>
+          <a:p>
+            <a:pPr algn="ctr"/>
+            <a:r>
+              <a:rPr lang="en-US"/>
+              <a:t>The End</a:t>
+            </a:r>
+            <a:endParaRPr lang="en-US" dirty="0"/>
+          </a:p>
+        </p:txBody>
+      </p:sp>
+    </p:spTree>
+  </p:cSld>
+  <p:clrMapOvr>
+    <a:masterClrMapping/>
+  </p:clrMapOvr>
+  <mc:AlternateContent xmlns:mc="http://schemas.openxmlformats.org/markup-compatibility/2006">
+    <mc:Choice xmlns:p14="http://schemas.microsoft.com/office/powerpoint/2010/main" Requires="p14">
+      <p:transition spd="med" p14:dur="700">
+        <p:fade/>
+      </p:transition>
+    </mc:Choice>
+    <mc:Fallback>
       <p:transition spd="med">
         <p:fade/>
       </p:transition>
@@ -5685,7 +6601,7 @@
           </p:nvPr>
         </p:nvPicPr>
         <p:blipFill>
-          <a:blip r:embed="rId2">
+          <a:blip r:embed="rId1">
             <a:extLst>
               <a:ext uri="{28A0092B-C50C-407E-A947-70E740481C1C}">
                 <a14:useLocalDpi xmlns:a14="http://schemas.microsoft.com/office/drawing/2010/main" val="0"/>
@@ -5716,13 +6632,13 @@
   <p:clrMapOvr>
     <a:masterClrMapping/>
   </p:clrMapOvr>
-  <mc:AlternateContent xmlns:mc="http://schemas.openxmlformats.org/markup-compatibility/2006" xmlns:p14="http://schemas.microsoft.com/office/powerpoint/2010/main">
-    <mc:Choice Requires="p14">
+  <mc:AlternateContent xmlns:mc="http://schemas.openxmlformats.org/markup-compatibility/2006">
+    <mc:Choice xmlns:p14="http://schemas.microsoft.com/office/powerpoint/2010/main" Requires="p14">
       <p:transition spd="med" p14:dur="700">
         <p:fade/>
       </p:transition>
     </mc:Choice>
-    <mc:Fallback xmlns="">
+    <mc:Fallback>
       <p:transition spd="med">
         <p:fade/>
       </p:transition>
@@ -5773,6 +6689,7 @@
               <a:rPr lang="en-US"/>
               <a:t>Functional Diagram</a:t>
             </a:r>
+            <a:endParaRPr lang="en-US"/>
           </a:p>
         </p:txBody>
       </p:sp>
@@ -5781,13 +6698,13 @@
   <p:clrMapOvr>
     <a:masterClrMapping/>
   </p:clrMapOvr>
-  <mc:AlternateContent xmlns:mc="http://schemas.openxmlformats.org/markup-compatibility/2006" xmlns:p14="http://schemas.microsoft.com/office/powerpoint/2010/main">
-    <mc:Choice Requires="p14">
+  <mc:AlternateContent xmlns:mc="http://schemas.openxmlformats.org/markup-compatibility/2006">
+    <mc:Choice xmlns:p14="http://schemas.microsoft.com/office/powerpoint/2010/main" Requires="p14">
       <p:transition spd="med" p14:dur="700">
         <p:fade/>
       </p:transition>
     </mc:Choice>
-    <mc:Fallback xmlns="">
+    <mc:Fallback>
       <p:transition spd="med">
         <p:fade/>
       </p:transition>
@@ -5824,7 +6741,7 @@
           </p:nvPr>
         </p:nvPicPr>
         <p:blipFill>
-          <a:blip r:embed="rId2"/>
+          <a:blip r:embed="rId1"/>
           <a:stretch>
             <a:fillRect/>
           </a:stretch>
@@ -5844,13 +6761,13 @@
   <p:clrMapOvr>
     <a:masterClrMapping/>
   </p:clrMapOvr>
-  <mc:AlternateContent xmlns:mc="http://schemas.openxmlformats.org/markup-compatibility/2006" xmlns:p14="http://schemas.microsoft.com/office/powerpoint/2010/main">
-    <mc:Choice Requires="p14">
+  <mc:AlternateContent xmlns:mc="http://schemas.openxmlformats.org/markup-compatibility/2006">
+    <mc:Choice xmlns:p14="http://schemas.microsoft.com/office/powerpoint/2010/main" Requires="p14">
       <p:transition spd="med" p14:dur="700">
         <p:fade/>
       </p:transition>
     </mc:Choice>
-    <mc:Fallback xmlns="">
+    <mc:Fallback>
       <p:transition spd="med">
         <p:fade/>
       </p:transition>
@@ -5868,206 +6785,51 @@
         <p:cNvGrpSpPr/>
         <p:nvPr/>
       </p:nvGrpSpPr>
-      <p:grpSpPr>
-        <a:xfrm>
-          <a:off x="0" y="0"/>
-          <a:ext cx="0" cy="0"/>
-          <a:chOff x="0" y="0"/>
-          <a:chExt cx="0" cy="0"/>
-        </a:xfrm>
-      </p:grpSpPr>
-      <p:sp>
-        <p:nvSpPr>
-          <p:cNvPr id="5" name="Title 4"/>
-          <p:cNvSpPr>
-            <a:spLocks noGrp="1"/>
-          </p:cNvSpPr>
-          <p:nvPr>
-            <p:ph type="title"/>
-          </p:nvPr>
-        </p:nvSpPr>
-        <p:spPr>
-          <a:xfrm>
-            <a:off x="4284980" y="356870"/>
-            <a:ext cx="3622675" cy="725805"/>
-          </a:xfrm>
-        </p:spPr>
-        <p:txBody>
-          <a:bodyPr/>
-          <a:lstStyle/>
-          <a:p>
-            <a:pPr algn="ctr"/>
-            <a:r>
-              <a:rPr lang="en-MY" altLang="en-US" sz="3200" b="1">
-                <a:latin typeface="Times New Roman" panose="02020603050405020304" charset="0"/>
-                <a:cs typeface="Times New Roman" panose="02020603050405020304" charset="0"/>
-              </a:rPr>
-              <a:t>Business Rules</a:t>
-            </a:r>
-          </a:p>
-        </p:txBody>
-      </p:sp>
-      <p:sp>
-        <p:nvSpPr>
-          <p:cNvPr id="7" name="Text Box 6"/>
-          <p:cNvSpPr txBox="1"/>
+      <p:grpSpPr/>
+      <p:sp>
+        <p:nvSpPr>
+          <p:cNvPr id="4" name="Title 1"/>
+          <p:cNvSpPr>
+            <a:spLocks noGrp="1"/>
+          </p:cNvSpPr>
           <p:nvPr/>
         </p:nvSpPr>
         <p:spPr>
           <a:xfrm>
-            <a:off x="1165225" y="1082358"/>
-            <a:ext cx="9860915" cy="3322955"/>
+            <a:off x="914400" y="2429828"/>
+            <a:ext cx="10363200" cy="1143000"/>
           </a:xfrm>
           <a:prstGeom prst="rect">
             <a:avLst/>
           </a:prstGeom>
-          <a:noFill/>
-          <a:ln>
-            <a:noFill/>
-          </a:ln>
-        </p:spPr>
-        <p:txBody>
-          <a:bodyPr wrap="square" rtlCol="0" anchor="ctr" anchorCtr="1">
-            <a:spAutoFit/>
+        </p:spPr>
+        <p:txBody>
+          <a:bodyPr bIns="91440" anchor="b" anchorCtr="0">
+            <a:normAutofit/>
           </a:bodyPr>
-          <a:lstStyle/>
-          <a:p>
-            <a:pPr marL="342900" indent="-342900">
-              <a:lnSpc>
-                <a:spcPct val="175000"/>
-              </a:lnSpc>
+          <a:lstStyle>
+            <a:lvl1pPr algn="l" rtl="0" eaLnBrk="1" latinLnBrk="0" hangingPunct="1">
               <a:spcBef>
-                <a:spcPts val="0"/>
+                <a:spcPct val="0"/>
               </a:spcBef>
-              <a:spcAft>
-                <a:spcPts val="0"/>
-              </a:spcAft>
-              <a:buFont typeface="Arial" panose="020B0604020202020204" pitchFamily="34" charset="0"/>
-              <a:buChar char="•"/>
-            </a:pPr>
-            <a:r>
-              <a:rPr lang="en-MY" altLang="en-US" sz="2000">
-                <a:latin typeface="Times New Roman" panose="02020603050405020304" charset="0"/>
-                <a:cs typeface="Times New Roman" panose="02020603050405020304" charset="0"/>
-                <a:sym typeface="+mn-ea"/>
-              </a:rPr>
-              <a:t>An account can reserve many books. A book reservation belongs to only one account.</a:t>
-            </a:r>
-          </a:p>
-          <a:p>
-            <a:pPr marL="342900" indent="-342900">
-              <a:lnSpc>
-                <a:spcPct val="175000"/>
-              </a:lnSpc>
-              <a:spcBef>
-                <a:spcPts val="0"/>
-              </a:spcBef>
-              <a:spcAft>
-                <a:spcPts val="0"/>
-              </a:spcAft>
-              <a:buFont typeface="Arial" panose="020B0604020202020204" pitchFamily="34" charset="0"/>
-              <a:buChar char="•"/>
-            </a:pPr>
-            <a:r>
-              <a:rPr lang="en-MY" altLang="en-US" sz="2000">
-                <a:latin typeface="Times New Roman" panose="02020603050405020304" charset="0"/>
-                <a:cs typeface="Times New Roman" panose="02020603050405020304" charset="0"/>
-                <a:sym typeface="+mn-ea"/>
-              </a:rPr>
-              <a:t>An account can make payment on many fine. A fine can only be paid by one account.</a:t>
-            </a:r>
-          </a:p>
-          <a:p>
-            <a:pPr marL="342900" indent="-342900">
-              <a:lnSpc>
-                <a:spcPct val="175000"/>
-              </a:lnSpc>
-              <a:spcBef>
-                <a:spcPts val="0"/>
-              </a:spcBef>
-              <a:spcAft>
-                <a:spcPts val="0"/>
-              </a:spcAft>
-              <a:buFont typeface="Arial" panose="020B0604020202020204" pitchFamily="34" charset="0"/>
-              <a:buChar char="•"/>
-            </a:pPr>
-            <a:r>
-              <a:rPr lang="en-MY" altLang="en-US" sz="2000">
-                <a:latin typeface="Times New Roman" panose="02020603050405020304" charset="0"/>
-                <a:cs typeface="Times New Roman" panose="02020603050405020304" charset="0"/>
-                <a:sym typeface="+mn-ea"/>
-              </a:rPr>
-              <a:t>A book reservation can reserve many books. A book can be reserved by many books.</a:t>
-            </a:r>
-          </a:p>
-          <a:p>
-            <a:pPr marL="342900" indent="-342900">
-              <a:lnSpc>
-                <a:spcPct val="175000"/>
-              </a:lnSpc>
-              <a:spcBef>
-                <a:spcPts val="0"/>
-              </a:spcBef>
-              <a:spcAft>
-                <a:spcPts val="0"/>
-              </a:spcAft>
-              <a:buFont typeface="Arial" panose="020B0604020202020204" pitchFamily="34" charset="0"/>
-              <a:buChar char="•"/>
-            </a:pPr>
-            <a:r>
-              <a:rPr lang="en-MY" altLang="en-US" sz="2000">
-                <a:latin typeface="Times New Roman" panose="02020603050405020304" charset="0"/>
-                <a:cs typeface="Times New Roman" panose="02020603050405020304" charset="0"/>
-                <a:sym typeface="+mn-ea"/>
-              </a:rPr>
-              <a:t>A book reservation can have one or no fine. A fine only belongs to a book reservation.</a:t>
-            </a:r>
-          </a:p>
-          <a:p>
-            <a:pPr marL="342900" indent="-342900">
-              <a:lnSpc>
-                <a:spcPct val="175000"/>
-              </a:lnSpc>
-              <a:spcBef>
-                <a:spcPts val="0"/>
-              </a:spcBef>
-              <a:spcAft>
-                <a:spcPts val="0"/>
-              </a:spcAft>
-              <a:buFont typeface="Arial" panose="020B0604020202020204" pitchFamily="34" charset="0"/>
-              <a:buChar char="•"/>
-            </a:pPr>
-            <a:r>
-              <a:rPr lang="en-MY" altLang="en-US" sz="2000">
-                <a:latin typeface="Times New Roman" panose="02020603050405020304" charset="0"/>
-                <a:cs typeface="Times New Roman" panose="02020603050405020304" charset="0"/>
-                <a:sym typeface="+mn-ea"/>
-              </a:rPr>
-              <a:t>A report obtains all information from payment record.</a:t>
-            </a:r>
-          </a:p>
-          <a:p>
-            <a:pPr marL="342900" indent="-342900">
-              <a:lnSpc>
-                <a:spcPct val="175000"/>
-              </a:lnSpc>
-              <a:spcBef>
-                <a:spcPts val="0"/>
-              </a:spcBef>
-              <a:spcAft>
-                <a:spcPts val="0"/>
-              </a:spcAft>
-              <a:buFont typeface="Arial" panose="020B0604020202020204" pitchFamily="34" charset="0"/>
-              <a:buChar char="•"/>
-            </a:pPr>
-            <a:r>
-              <a:rPr lang="en-MY" altLang="en-US" sz="2000">
-                <a:latin typeface="Times New Roman" panose="02020603050405020304" charset="0"/>
-                <a:cs typeface="Times New Roman" panose="02020603050405020304" charset="0"/>
-                <a:sym typeface="+mn-ea"/>
-              </a:rPr>
-              <a:t>A report obtains all information from book reservation record.</a:t>
-            </a:r>
+              <a:buNone/>
+              <a:defRPr kumimoji="0" sz="4000" kern="1200">
+                <a:solidFill>
+                  <a:schemeClr val="tx2"/>
+                </a:solidFill>
+                <a:latin typeface="+mj-lt"/>
+                <a:ea typeface="+mj-ea"/>
+                <a:cs typeface="+mj-cs"/>
+              </a:defRPr>
+            </a:lvl1pPr>
+          </a:lstStyle>
+          <a:p>
+            <a:pPr algn="ctr"/>
+            <a:r>
+              <a:rPr lang="en-MY" altLang="en-US"/>
+              <a:t>Business Rules</a:t>
+            </a:r>
+            <a:endParaRPr lang="en-MY" altLang="en-US"/>
           </a:p>
         </p:txBody>
       </p:sp>
@@ -6076,13 +6838,13 @@
   <p:clrMapOvr>
     <a:masterClrMapping/>
   </p:clrMapOvr>
-  <mc:AlternateContent xmlns:mc="http://schemas.openxmlformats.org/markup-compatibility/2006" xmlns:p14="http://schemas.microsoft.com/office/powerpoint/2010/main">
-    <mc:Choice Requires="p14">
+  <mc:AlternateContent xmlns:mc="http://schemas.openxmlformats.org/markup-compatibility/2006">
+    <mc:Choice xmlns:p14="http://schemas.microsoft.com/office/powerpoint/2010/main" Requires="p14">
       <p:transition spd="med" p14:dur="700">
         <p:fade/>
       </p:transition>
     </mc:Choice>
-    <mc:Fallback xmlns="">
+    <mc:Fallback>
       <p:transition spd="med">
         <p:fade/>
       </p:transition>
@@ -6100,59 +6862,99 @@
         <p:cNvGrpSpPr/>
         <p:nvPr/>
       </p:nvGrpSpPr>
-      <p:grpSpPr>
-        <a:xfrm>
-          <a:off x="0" y="0"/>
-          <a:ext cx="0" cy="0"/>
-          <a:chOff x="0" y="0"/>
-          <a:chExt cx="0" cy="0"/>
-        </a:xfrm>
-      </p:grpSpPr>
-      <p:sp>
-        <p:nvSpPr>
-          <p:cNvPr id="2" name="Title 1"/>
-          <p:cNvSpPr>
-            <a:spLocks noGrp="1"/>
-          </p:cNvSpPr>
-          <p:nvPr>
-            <p:ph type="title"/>
-          </p:nvPr>
-        </p:nvSpPr>
-        <p:spPr>
-          <a:xfrm>
-            <a:off x="914400" y="2429828"/>
-            <a:ext cx="10363200" cy="1143000"/>
-          </a:xfrm>
-        </p:spPr>
-        <p:txBody>
-          <a:bodyPr/>
-          <a:lstStyle/>
-          <a:p>
-            <a:pPr algn="ctr"/>
-            <a:r>
-              <a:rPr lang="en-US"/>
-              <a:t>ERD Diagram</a:t>
-            </a:r>
-          </a:p>
-        </p:txBody>
-      </p:sp>
+      <p:grpSpPr/>
+      <p:sp>
+        <p:nvSpPr>
+          <p:cNvPr id="7" name="Text Box 6"/>
+          <p:cNvSpPr txBox="1"/>
+          <p:nvPr/>
+        </p:nvSpPr>
+        <p:spPr>
+          <a:xfrm>
+            <a:off x="641985" y="2413635"/>
+            <a:ext cx="5228590" cy="2030095"/>
+          </a:xfrm>
+          <a:prstGeom prst="rect">
+            <a:avLst/>
+          </a:prstGeom>
+          <a:noFill/>
+          <a:ln>
+            <a:noFill/>
+          </a:ln>
+        </p:spPr>
+        <p:txBody>
+          <a:bodyPr wrap="square" rtlCol="0" anchor="ctr" anchorCtr="1">
+            <a:spAutoFit/>
+          </a:bodyPr>
+          <a:p>
+            <a:pPr marL="342900" indent="-342900">
+              <a:lnSpc>
+                <a:spcPct val="175000"/>
+              </a:lnSpc>
+              <a:spcBef>
+                <a:spcPts val="0"/>
+              </a:spcBef>
+              <a:spcAft>
+                <a:spcPts val="0"/>
+              </a:spcAft>
+              <a:buFont typeface="Arial" panose="020B0604020202020204" pitchFamily="34" charset="0"/>
+              <a:buChar char="•"/>
+            </a:pPr>
+            <a:r>
+              <a:rPr lang="en-MY" altLang="en-US" sz="2400">
+                <a:latin typeface="Times New Roman" panose="02020603050405020304" charset="0"/>
+                <a:cs typeface="Times New Roman" panose="02020603050405020304" charset="0"/>
+                <a:sym typeface="+mn-ea"/>
+              </a:rPr>
+              <a:t>An account can reserve many books. A book reservation belongs to only one account.</a:t>
+            </a:r>
+            <a:endParaRPr lang="en-MY" altLang="en-US" sz="2400">
+              <a:latin typeface="Times New Roman" panose="02020603050405020304" charset="0"/>
+              <a:cs typeface="Times New Roman" panose="02020603050405020304" charset="0"/>
+              <a:sym typeface="+mn-ea"/>
+            </a:endParaRPr>
+          </a:p>
+        </p:txBody>
+      </p:sp>
+      <p:pic>
+        <p:nvPicPr>
+          <p:cNvPr id="4" name="Content Placeholder 3" descr="task 3"/>
+          <p:cNvPicPr>
+            <a:picLocks noGrp="1" noChangeAspect="1"/>
+          </p:cNvPicPr>
+          <p:nvPr>
+            <p:ph sz="quarter" idx="1"/>
+          </p:nvPr>
+        </p:nvPicPr>
+        <p:blipFill>
+          <a:blip r:embed="rId1"/>
+          <a:srcRect l="40163" t="29097" r="38076" b="16181"/>
+          <a:stretch>
+            <a:fillRect/>
+          </a:stretch>
+        </p:blipFill>
+        <p:spPr>
+          <a:xfrm>
+            <a:off x="7799705" y="361315"/>
+            <a:ext cx="2363470" cy="6134735"/>
+          </a:xfrm>
+          <a:prstGeom prst="rect">
+            <a:avLst/>
+          </a:prstGeom>
+        </p:spPr>
+      </p:pic>
     </p:spTree>
-    <p:extLst>
-      <p:ext uri="{BB962C8B-B14F-4D97-AF65-F5344CB8AC3E}">
-        <p14:creationId xmlns:p14="http://schemas.microsoft.com/office/powerpoint/2010/main" val="2252502672"/>
-      </p:ext>
-    </p:extLst>
   </p:cSld>
   <p:clrMapOvr>
     <a:masterClrMapping/>
   </p:clrMapOvr>
-  <mc:AlternateContent xmlns:mc="http://schemas.openxmlformats.org/markup-compatibility/2006" xmlns:p14="http://schemas.microsoft.com/office/powerpoint/2010/main">
-    <mc:Choice Requires="p14">
+  <mc:AlternateContent xmlns:mc="http://schemas.openxmlformats.org/markup-compatibility/2006">
+    <mc:Choice xmlns:p14="http://schemas.microsoft.com/office/powerpoint/2010/main" Requires="p14">
       <p:transition spd="med" p14:dur="700">
         <p:fade/>
       </p:transition>
     </mc:Choice>
-    <mc:Fallback xmlns="">
+    <mc:Fallback>
       <p:transition spd="med">
         <p:fade/>
       </p:transition>
@@ -6164,20 +6966,77 @@
 <file path=ppt/slides/slide8.xml><?xml version="1.0" encoding="utf-8"?>
 <p:sld xmlns:a="http://schemas.openxmlformats.org/drawingml/2006/main" xmlns:r="http://schemas.openxmlformats.org/officeDocument/2006/relationships" xmlns:p="http://schemas.openxmlformats.org/presentationml/2006/main">
   <p:cSld>
+    <p:bg>
+      <p:bgPr>
+        <a:blipFill>
+          <a:blip r:embed="rId1"/>
+          <a:stretch>
+            <a:fillRect/>
+          </a:stretch>
+        </a:blipFill>
+        <a:effectLst/>
+      </p:bgPr>
+    </p:bg>
     <p:spTree>
       <p:nvGrpSpPr>
         <p:cNvPr id="1" name=""/>
         <p:cNvGrpSpPr/>
         <p:nvPr/>
       </p:nvGrpSpPr>
-      <p:grpSpPr>
-        <a:xfrm>
-          <a:off x="0" y="0"/>
-          <a:ext cx="0" cy="0"/>
-          <a:chOff x="0" y="0"/>
-          <a:chExt cx="0" cy="0"/>
-        </a:xfrm>
-      </p:grpSpPr>
+      <p:grpSpPr/>
+      <p:sp>
+        <p:nvSpPr>
+          <p:cNvPr id="7" name="Text Box 6"/>
+          <p:cNvSpPr txBox="1"/>
+          <p:nvPr/>
+        </p:nvSpPr>
+        <p:spPr>
+          <a:xfrm>
+            <a:off x="727710" y="2414270"/>
+            <a:ext cx="5191760" cy="2030095"/>
+          </a:xfrm>
+          <a:prstGeom prst="rect">
+            <a:avLst/>
+          </a:prstGeom>
+          <a:noFill/>
+          <a:ln>
+            <a:noFill/>
+          </a:ln>
+        </p:spPr>
+        <p:txBody>
+          <a:bodyPr wrap="square" rtlCol="0" anchor="ctr" anchorCtr="1">
+            <a:spAutoFit/>
+          </a:bodyPr>
+          <a:p>
+            <a:pPr marL="342900" indent="-342900">
+              <a:lnSpc>
+                <a:spcPct val="175000"/>
+              </a:lnSpc>
+              <a:spcBef>
+                <a:spcPts val="0"/>
+              </a:spcBef>
+              <a:spcAft>
+                <a:spcPts val="0"/>
+              </a:spcAft>
+              <a:buFont typeface="Arial" panose="020B0604020202020204" pitchFamily="34" charset="0"/>
+              <a:buChar char="•"/>
+            </a:pPr>
+            <a:r>
+              <a:rPr lang="en-MY" altLang="en-US" sz="2400">
+                <a:latin typeface="Times New Roman" panose="02020603050405020304" charset="0"/>
+                <a:cs typeface="Times New Roman" panose="02020603050405020304" charset="0"/>
+                <a:sym typeface="+mn-ea"/>
+              </a:rPr>
+              <a:t>An account can make payment on many fine. A fine can only be paid by one account.</a:t>
+            </a:r>
+            <a:endParaRPr lang="en-MY" altLang="en-US" sz="2000">
+              <a:latin typeface="Times New Roman" panose="02020603050405020304" charset="0"/>
+              <a:cs typeface="Times New Roman" panose="02020603050405020304" charset="0"/>
+              <a:sym typeface="+mn-ea"/>
+            </a:endParaRPr>
+          </a:p>
+        </p:txBody>
+      </p:sp>
       <p:pic>
         <p:nvPicPr>
           <p:cNvPr id="4" name="Content Placeholder 3" descr="task 3"/>
@@ -6189,15 +7048,16 @@
           </p:nvPr>
         </p:nvPicPr>
         <p:blipFill>
-          <a:blip r:embed="rId2"/>
+          <a:blip r:embed="rId1"/>
+          <a:srcRect l="40209" r="37728" b="42024"/>
           <a:stretch>
             <a:fillRect/>
           </a:stretch>
         </p:blipFill>
         <p:spPr>
           <a:xfrm>
-            <a:off x="876935" y="160655"/>
-            <a:ext cx="10438130" cy="6536055"/>
+            <a:off x="7781925" y="313055"/>
+            <a:ext cx="2612390" cy="6202680"/>
           </a:xfrm>
           <a:prstGeom prst="rect">
             <a:avLst/>
@@ -6209,13 +7069,13 @@
   <p:clrMapOvr>
     <a:masterClrMapping/>
   </p:clrMapOvr>
-  <mc:AlternateContent xmlns:mc="http://schemas.openxmlformats.org/markup-compatibility/2006" xmlns:p14="http://schemas.microsoft.com/office/powerpoint/2010/main">
-    <mc:Choice Requires="p14">
+  <mc:AlternateContent xmlns:mc="http://schemas.openxmlformats.org/markup-compatibility/2006">
+    <mc:Choice xmlns:p14="http://schemas.microsoft.com/office/powerpoint/2010/main" Requires="p14">
       <p:transition spd="med" p14:dur="700">
         <p:fade/>
       </p:transition>
     </mc:Choice>
-    <mc:Fallback xmlns="">
+    <mc:Fallback>
       <p:transition spd="med">
         <p:fade/>
       </p:transition>
@@ -6233,354 +7093,126 @@
         <p:cNvGrpSpPr/>
         <p:nvPr/>
       </p:nvGrpSpPr>
-      <p:grpSpPr>
-        <a:xfrm>
-          <a:off x="0" y="0"/>
-          <a:ext cx="0" cy="0"/>
-          <a:chOff x="0" y="0"/>
-          <a:chExt cx="0" cy="0"/>
-        </a:xfrm>
-      </p:grpSpPr>
-      <p:sp>
-        <p:nvSpPr>
-          <p:cNvPr id="7" name="Title 2"/>
-          <p:cNvSpPr>
-            <a:spLocks noGrp="1"/>
-          </p:cNvSpPr>
-          <p:nvPr>
-            <p:ph type="title"/>
-          </p:nvPr>
-        </p:nvSpPr>
-        <p:spPr>
-          <a:xfrm>
-            <a:off x="835326" y="250884"/>
-            <a:ext cx="2227051" cy="1143000"/>
-          </a:xfrm>
-        </p:spPr>
-        <p:txBody>
-          <a:bodyPr>
-            <a:normAutofit/>
+      <p:grpSpPr/>
+      <p:sp>
+        <p:nvSpPr>
+          <p:cNvPr id="5" name="Text Box 4"/>
+          <p:cNvSpPr txBox="1"/>
+          <p:nvPr/>
+        </p:nvSpPr>
+        <p:spPr>
+          <a:xfrm>
+            <a:off x="745490" y="2413635"/>
+            <a:ext cx="4249420" cy="2030095"/>
+          </a:xfrm>
+          <a:prstGeom prst="rect">
+            <a:avLst/>
+          </a:prstGeom>
+          <a:noFill/>
+          <a:ln>
+            <a:noFill/>
+          </a:ln>
+        </p:spPr>
+        <p:txBody>
+          <a:bodyPr wrap="square" rtlCol="0" anchor="t" anchorCtr="1">
+            <a:spAutoFit/>
           </a:bodyPr>
-          <a:lstStyle/>
-          <a:p>
-            <a:r>
-              <a:rPr lang="en-US" dirty="0"/>
-              <a:t>Queries</a:t>
-            </a:r>
-            <a:endParaRPr lang="en-US" sz="3100" dirty="0"/>
+          <a:p>
+            <a:pPr marL="285750" indent="-285750">
+              <a:lnSpc>
+                <a:spcPct val="175000"/>
+              </a:lnSpc>
+              <a:spcBef>
+                <a:spcPts val="0"/>
+              </a:spcBef>
+              <a:spcAft>
+                <a:spcPts val="0"/>
+              </a:spcAft>
+              <a:buFont typeface="Arial" panose="020B0604020202020204" pitchFamily="34" charset="0"/>
+              <a:buChar char="•"/>
+            </a:pPr>
+            <a:r>
+              <a:rPr lang="en-MY" altLang="en-US" sz="2400">
+                <a:latin typeface="Times New Roman" panose="02020603050405020304" charset="0"/>
+                <a:cs typeface="Times New Roman" panose="02020603050405020304" charset="0"/>
+                <a:sym typeface="+mn-ea"/>
+              </a:rPr>
+              <a:t>A book reservation can reserve many books. A book can be reserved by many books.</a:t>
+            </a:r>
+            <a:endParaRPr lang="en-MY" altLang="en-US" sz="2400" dirty="0">
+              <a:latin typeface="Times New Roman" panose="02020603050405020304" charset="0"/>
+              <a:cs typeface="Times New Roman" panose="02020603050405020304" charset="0"/>
+              <a:sym typeface="+mn-ea"/>
+            </a:endParaRPr>
           </a:p>
         </p:txBody>
       </p:sp>
       <p:pic>
         <p:nvPicPr>
-          <p:cNvPr id="8" name="Content Placeholder 7"/>
+          <p:cNvPr id="6" name="Content Placeholder 5" descr="task 3"/>
           <p:cNvPicPr>
-            <a:picLocks noGrp="1"/>
+            <a:picLocks noGrp="1" noChangeAspect="1"/>
           </p:cNvPicPr>
           <p:nvPr>
             <p:ph sz="quarter" idx="1"/>
           </p:nvPr>
         </p:nvPicPr>
-        <p:blipFill rotWithShape="1">
-          <a:blip r:embed="rId2"/>
-          <a:srcRect t="67297" r="72639" b="18519"/>
+        <p:blipFill>
+          <a:blip r:embed="rId1"/>
+          <a:srcRect l="40143" t="28719" b="16157"/>
           <a:stretch>
             <a:fillRect/>
           </a:stretch>
         </p:blipFill>
-        <p:spPr bwMode="auto">
-          <a:xfrm>
-            <a:off x="835327" y="1393884"/>
-            <a:ext cx="5260673" cy="1784938"/>
+        <p:spPr>
+          <a:xfrm>
+            <a:off x="5695315" y="300355"/>
+            <a:ext cx="5854700" cy="6257925"/>
           </a:xfrm>
           <a:prstGeom prst="rect">
             <a:avLst/>
           </a:prstGeom>
+        </p:spPr>
+      </p:pic>
+      <p:sp>
+        <p:nvSpPr>
+          <p:cNvPr id="7" name="Rectangle 6"/>
+          <p:cNvSpPr/>
+          <p:nvPr/>
+        </p:nvSpPr>
+        <p:spPr>
+          <a:xfrm>
+            <a:off x="5487035" y="224155"/>
+            <a:ext cx="3851275" cy="4460240"/>
+          </a:xfrm>
+          <a:prstGeom prst="rect">
+            <a:avLst/>
+          </a:prstGeom>
+          <a:solidFill>
+            <a:schemeClr val="bg1"/>
+          </a:solidFill>
           <a:ln>
             <a:noFill/>
           </a:ln>
         </p:spPr>
-      </p:pic>
-      <p:pic>
-        <p:nvPicPr>
-          <p:cNvPr id="9" name="Picture 8"/>
-          <p:cNvPicPr/>
-          <p:nvPr/>
-        </p:nvPicPr>
-        <p:blipFill rotWithShape="1">
-          <a:blip r:embed="rId2"/>
-          <a:srcRect t="81234" r="79306" b="6667"/>
-          <a:stretch>
-            <a:fillRect/>
-          </a:stretch>
-        </p:blipFill>
-        <p:spPr bwMode="auto">
-          <a:xfrm>
-            <a:off x="835326" y="3178822"/>
-            <a:ext cx="5260673" cy="1784938"/>
-          </a:xfrm>
-          <a:prstGeom prst="rect">
-            <a:avLst/>
-          </a:prstGeom>
-          <a:ln>
-            <a:noFill/>
-          </a:ln>
-        </p:spPr>
-      </p:pic>
-      <p:sp>
-        <p:nvSpPr>
-          <p:cNvPr id="10" name="Title 2"/>
-          <p:cNvSpPr txBox="1"/>
-          <p:nvPr/>
-        </p:nvSpPr>
-        <p:spPr>
-          <a:xfrm>
-            <a:off x="7049224" y="506081"/>
-            <a:ext cx="1697962" cy="887803"/>
-          </a:xfrm>
-          <a:prstGeom prst="rect">
-            <a:avLst/>
-          </a:prstGeom>
-        </p:spPr>
-        <p:txBody>
-          <a:bodyPr bIns="91440" anchor="b" anchorCtr="0">
-            <a:normAutofit fontScale="85000" lnSpcReduction="10000"/>
-          </a:bodyPr>
-          <a:lstStyle>
-            <a:lvl1pPr algn="l" rtl="0" eaLnBrk="1" latinLnBrk="0" hangingPunct="1">
-              <a:spcBef>
-                <a:spcPct val="0"/>
-              </a:spcBef>
-              <a:buNone/>
-              <a:defRPr kumimoji="0" sz="4000" kern="1200">
-                <a:solidFill>
-                  <a:schemeClr val="tx2"/>
-                </a:solidFill>
-                <a:latin typeface="+mj-lt"/>
-                <a:ea typeface="+mj-ea"/>
-                <a:cs typeface="+mj-cs"/>
-              </a:defRPr>
-            </a:lvl1pPr>
-          </a:lstStyle>
-          <a:p>
-            <a:r>
-              <a:rPr lang="en-US" sz="3600" dirty="0"/>
-              <a:t>Purpose</a:t>
-            </a:r>
-            <a:r>
-              <a:rPr lang="en-US" dirty="0"/>
-              <a:t>:</a:t>
-            </a:r>
-            <a:endParaRPr lang="en-US" sz="3100" dirty="0"/>
-          </a:p>
-        </p:txBody>
-      </p:sp>
-      <p:sp>
-        <p:nvSpPr>
-          <p:cNvPr id="11" name="Content Placeholder 1"/>
-          <p:cNvSpPr txBox="1"/>
-          <p:nvPr/>
-        </p:nvSpPr>
-        <p:spPr>
-          <a:xfrm>
-            <a:off x="6383547" y="1393884"/>
-            <a:ext cx="4973126" cy="3807844"/>
-          </a:xfrm>
-          <a:prstGeom prst="rect">
-            <a:avLst/>
-          </a:prstGeom>
-        </p:spPr>
-        <p:txBody>
-          <a:bodyPr vert="horz">
-            <a:normAutofit/>
-          </a:bodyPr>
-          <a:lstStyle>
-            <a:lvl1pPr marL="274320" indent="-274320" algn="l" rtl="0" eaLnBrk="1" latinLnBrk="0" hangingPunct="1">
-              <a:spcBef>
-                <a:spcPts val="580"/>
-              </a:spcBef>
-              <a:buClr>
-                <a:schemeClr val="accent1">
-                  <a:lumMod val="75000"/>
-                </a:schemeClr>
-              </a:buClr>
-              <a:buSzPct val="85000"/>
-              <a:buFont typeface="Wingdings 2" panose="05020102010507070707"/>
-              <a:buChar char=""/>
-              <a:defRPr kumimoji="0" sz="2600" kern="1200">
-                <a:solidFill>
-                  <a:schemeClr val="tx1"/>
-                </a:solidFill>
-                <a:latin typeface="+mn-lt"/>
-                <a:ea typeface="+mn-ea"/>
-                <a:cs typeface="+mn-cs"/>
-              </a:defRPr>
-            </a:lvl1pPr>
-            <a:lvl2pPr marL="548640" indent="-228600" algn="l" rtl="0" eaLnBrk="1" latinLnBrk="0" hangingPunct="1">
-              <a:spcBef>
-                <a:spcPts val="370"/>
-              </a:spcBef>
-              <a:buClr>
-                <a:schemeClr val="accent2">
-                  <a:lumMod val="75000"/>
-                </a:schemeClr>
-              </a:buClr>
-              <a:buSzPct val="85000"/>
-              <a:buFont typeface="Wingdings 2" panose="05020102010507070707"/>
-              <a:buChar char=""/>
-              <a:defRPr kumimoji="0" sz="2400" kern="1200">
-                <a:solidFill>
-                  <a:schemeClr val="tx1"/>
-                </a:solidFill>
-                <a:latin typeface="+mn-lt"/>
-                <a:ea typeface="+mn-ea"/>
-                <a:cs typeface="+mn-cs"/>
-              </a:defRPr>
-            </a:lvl2pPr>
-            <a:lvl3pPr marL="822960" indent="-228600" algn="l" rtl="0" eaLnBrk="1" latinLnBrk="0" hangingPunct="1">
-              <a:spcBef>
-                <a:spcPts val="370"/>
-              </a:spcBef>
-              <a:buClr>
-                <a:schemeClr val="accent1">
-                  <a:lumMod val="60000"/>
-                  <a:lumOff val="40000"/>
-                </a:schemeClr>
-              </a:buClr>
-              <a:buSzPct val="85000"/>
-              <a:buFont typeface="Wingdings 2" panose="05020102010507070707"/>
-              <a:buChar char=""/>
-              <a:defRPr kumimoji="0" sz="2000" kern="1200">
-                <a:solidFill>
-                  <a:schemeClr val="tx1"/>
-                </a:solidFill>
-                <a:latin typeface="+mn-lt"/>
-                <a:ea typeface="+mn-ea"/>
-                <a:cs typeface="+mn-cs"/>
-              </a:defRPr>
-            </a:lvl3pPr>
-            <a:lvl4pPr marL="1097280" indent="-228600" algn="l" rtl="0" eaLnBrk="1" latinLnBrk="0" hangingPunct="1">
-              <a:spcBef>
-                <a:spcPts val="370"/>
-              </a:spcBef>
-              <a:buClr>
-                <a:schemeClr val="accent3"/>
-              </a:buClr>
-              <a:buSzPct val="80000"/>
-              <a:buFont typeface="Wingdings 2" panose="05020102010507070707"/>
-              <a:buChar char=""/>
-              <a:defRPr kumimoji="0" sz="2000" kern="1200">
-                <a:solidFill>
-                  <a:schemeClr val="tx1"/>
-                </a:solidFill>
-                <a:latin typeface="+mn-lt"/>
-                <a:ea typeface="+mn-ea"/>
-                <a:cs typeface="+mn-cs"/>
-              </a:defRPr>
-            </a:lvl4pPr>
-            <a:lvl5pPr marL="1371600" indent="-228600" algn="l" rtl="0" eaLnBrk="1" latinLnBrk="0" hangingPunct="1">
-              <a:spcBef>
-                <a:spcPts val="370"/>
-              </a:spcBef>
-              <a:buClr>
-                <a:schemeClr val="accent3">
-                  <a:lumMod val="75000"/>
-                </a:schemeClr>
-              </a:buClr>
-              <a:buFontTx/>
-              <a:buChar char="o"/>
-              <a:defRPr kumimoji="0" sz="2000" kern="1200">
-                <a:solidFill>
-                  <a:schemeClr val="tx1"/>
-                </a:solidFill>
-                <a:latin typeface="+mn-lt"/>
-                <a:ea typeface="+mn-ea"/>
-                <a:cs typeface="+mn-cs"/>
-              </a:defRPr>
-            </a:lvl5pPr>
-            <a:lvl6pPr marL="1645920" indent="-228600" algn="l" rtl="0" eaLnBrk="1" latinLnBrk="0" hangingPunct="1">
-              <a:spcBef>
-                <a:spcPts val="370"/>
-              </a:spcBef>
-              <a:buClr>
-                <a:schemeClr val="accent3"/>
-              </a:buClr>
-              <a:buChar char="•"/>
-              <a:defRPr kumimoji="0" sz="1800" kern="1200" baseline="0">
-                <a:solidFill>
-                  <a:schemeClr val="tx1"/>
-                </a:solidFill>
-                <a:latin typeface="+mn-lt"/>
-                <a:ea typeface="+mn-ea"/>
-                <a:cs typeface="+mn-cs"/>
-              </a:defRPr>
-            </a:lvl6pPr>
-            <a:lvl7pPr marL="1920240" indent="-228600" algn="l" rtl="0" eaLnBrk="1" latinLnBrk="0" hangingPunct="1">
-              <a:spcBef>
-                <a:spcPts val="370"/>
-              </a:spcBef>
-              <a:buClr>
-                <a:schemeClr val="accent2"/>
-              </a:buClr>
-              <a:buChar char="•"/>
-              <a:defRPr kumimoji="0" sz="1800" kern="1200">
-                <a:solidFill>
-                  <a:schemeClr val="tx1"/>
-                </a:solidFill>
-                <a:latin typeface="+mn-lt"/>
-                <a:ea typeface="+mn-ea"/>
-                <a:cs typeface="+mn-cs"/>
-              </a:defRPr>
-            </a:lvl7pPr>
-            <a:lvl8pPr marL="2194560" indent="-228600" algn="l" rtl="0" eaLnBrk="1" latinLnBrk="0" hangingPunct="1">
-              <a:spcBef>
-                <a:spcPts val="370"/>
-              </a:spcBef>
-              <a:buClr>
-                <a:schemeClr val="accent1">
-                  <a:lumMod val="75000"/>
-                </a:schemeClr>
-              </a:buClr>
-              <a:buChar char="•"/>
-              <a:defRPr kumimoji="0" sz="1800" kern="1200">
-                <a:solidFill>
-                  <a:schemeClr val="tx1"/>
-                </a:solidFill>
-                <a:latin typeface="+mn-lt"/>
-                <a:ea typeface="+mn-ea"/>
-                <a:cs typeface="+mn-cs"/>
-              </a:defRPr>
-            </a:lvl8pPr>
-            <a:lvl9pPr marL="2526030" indent="-285750" algn="l" rtl="0" eaLnBrk="1" latinLnBrk="0" hangingPunct="1">
-              <a:spcBef>
-                <a:spcPts val="370"/>
-              </a:spcBef>
-              <a:buClr>
-                <a:schemeClr val="accent3">
-                  <a:lumMod val="50000"/>
-                </a:schemeClr>
-              </a:buClr>
-              <a:buFont typeface="Arial" panose="020B0604020202020204" pitchFamily="34" charset="0"/>
-              <a:buChar char="•"/>
-              <a:defRPr kumimoji="0" sz="1800" kern="1200">
-                <a:solidFill>
-                  <a:schemeClr val="tx1"/>
-                </a:solidFill>
-                <a:latin typeface="+mn-lt"/>
-                <a:ea typeface="+mn-ea"/>
-                <a:cs typeface="+mn-cs"/>
-              </a:defRPr>
-            </a:lvl9pPr>
-          </a:lstStyle>
-          <a:p>
-            <a:pPr lvl="1"/>
-            <a:r>
-              <a:rPr lang="en-US" dirty="0"/>
-              <a:t>To make the user easier to search for fine amount paid by certain accounts. This function can be used to increase the efficiency of the staff to perform their work.</a:t>
-            </a:r>
-          </a:p>
-          <a:p>
-            <a:pPr lvl="1"/>
+        <p:style>
+          <a:lnRef idx="1">
+            <a:schemeClr val="accent1"/>
+          </a:lnRef>
+          <a:fillRef idx="2">
+            <a:schemeClr val="accent1"/>
+          </a:fillRef>
+          <a:effectRef idx="1">
+            <a:schemeClr val="accent1"/>
+          </a:effectRef>
+          <a:fontRef idx="minor">
+            <a:schemeClr val="dk1"/>
+          </a:fontRef>
+        </p:style>
+        <p:txBody>
+          <a:bodyPr rtlCol="0" anchor="ctr"/>
+          <a:p>
+            <a:pPr algn="ctr"/>
             <a:endParaRPr lang="en-US" dirty="0"/>
           </a:p>
         </p:txBody>
@@ -6590,13 +7222,13 @@
   <p:clrMapOvr>
     <a:masterClrMapping/>
   </p:clrMapOvr>
-  <mc:AlternateContent xmlns:mc="http://schemas.openxmlformats.org/markup-compatibility/2006" xmlns:p14="http://schemas.microsoft.com/office/powerpoint/2010/main">
-    <mc:Choice Requires="p14">
+  <mc:AlternateContent xmlns:mc="http://schemas.openxmlformats.org/markup-compatibility/2006">
+    <mc:Choice xmlns:p14="http://schemas.microsoft.com/office/powerpoint/2010/main" Requires="p14">
       <p:transition spd="med" p14:dur="700">
         <p:fade/>
       </p:transition>
     </mc:Choice>
-    <mc:Fallback xmlns="">
+    <mc:Fallback>
       <p:transition spd="med">
         <p:fade/>
       </p:transition>
@@ -6923,7 +7555,6 @@
       </a:lstStyle>
     </a:txDef>
   </a:objectDefaults>
-  <a:extraClrSchemeLst/>
   <a:extLst>
     <a:ext uri="{05A4C25C-085E-4340-85A3-A5531E510DB2}">
       <thm15:themeFamily xmlns:thm15="http://schemas.microsoft.com/office/thememl/2012/main" name="Office Theme" id="{62F939B6-93AF-4DB8-9C6B-D6C7DFDC589F}" vid="{4A3C46E8-61CC-4603-A589-7422A47A8E4A}"/>
@@ -7183,8 +7814,6 @@
       </a:bgFillStyleLst>
     </a:fmtScheme>
   </a:themeElements>
-  <a:objectDefaults/>
-  <a:extraClrSchemeLst/>
   <a:extLst>
     <a:ext uri="{05A4C25C-085E-4340-85A3-A5531E510DB2}">
       <thm15:themeFamily xmlns:thm15="http://schemas.microsoft.com/office/thememl/2012/main" name="Office Theme" id="{62F939B6-93AF-4DB8-9C6B-D6C7DFDC589F}" vid="{4A3C46E8-61CC-4603-A589-7422A47A8E4A}"/>
@@ -7444,8 +8073,6 @@
       </a:bgFillStyleLst>
     </a:fmtScheme>
   </a:themeElements>
-  <a:objectDefaults/>
-  <a:extraClrSchemeLst/>
   <a:extLst>
     <a:ext uri="{05A4C25C-085E-4340-85A3-A5531E510DB2}">
       <thm15:themeFamily xmlns:thm15="http://schemas.microsoft.com/office/thememl/2012/main" name="Office Theme" id="{62F939B6-93AF-4DB8-9C6B-D6C7DFDC589F}" vid="{4A3C46E8-61CC-4603-A589-7422A47A8E4A}"/>
